--- a/Figures/PowerPoint/distributed-df.pptx
+++ b/Figures/PowerPoint/distributed-df.pptx
@@ -36,7 +36,7 @@
             <a:spLocks noGrp="1"/>
           </p:cNvSpPr>
           <p:nvPr>
-            <p:ph type="ftr" idx="2"/>
+            <p:ph type="ftr" idx="1"/>
           </p:nvPr>
         </p:nvSpPr>
         <p:spPr/>
@@ -56,14 +56,14 @@
             <a:spLocks noGrp="1"/>
           </p:cNvSpPr>
           <p:nvPr>
-            <p:ph type="sldNum" idx="3"/>
+            <p:ph type="sldNum" idx="2"/>
           </p:nvPr>
         </p:nvSpPr>
         <p:spPr/>
         <p:txBody>
           <a:bodyPr/>
           <a:p>
-            <a:fld id="{579688D2-D6BE-4F68-8FD3-ED2E393AB606}" type="slidenum">
+            <a:fld id="{B7774EC6-FCD4-4DC7-8722-C79FF6AFF38C}" type="slidenum">
               <a:t>&lt;#&gt;</a:t>
             </a:fld>
           </a:p>
@@ -76,7 +76,7 @@
             <a:spLocks noGrp="1"/>
           </p:cNvSpPr>
           <p:nvPr>
-            <p:ph type="dt" idx="1"/>
+            <p:ph type="dt" idx="3"/>
           </p:nvPr>
         </p:nvSpPr>
         <p:spPr/>
@@ -125,7 +125,7 @@
         <p:spPr>
           <a:xfrm>
             <a:off x="1523880" y="1122480"/>
-            <a:ext cx="9143640" cy="2387160"/>
+            <a:ext cx="9143280" cy="2386800"/>
           </a:xfrm>
           <a:prstGeom prst="rect">
             <a:avLst/>
@@ -140,11 +140,11 @@
             <a:noAutofit/>
           </a:bodyPr>
           <a:p>
-            <a:endParaRPr b="0" lang="pt-BR" sz="1800" spc="-1" strike="noStrike">
-              <a:solidFill>
-                <a:srgbClr val="000000"/>
-              </a:solidFill>
-              <a:latin typeface="Calibri"/>
+            <a:pPr algn="ctr">
+              <a:buNone/>
+            </a:pPr>
+            <a:endParaRPr b="0" lang="pt-BR" sz="4400" spc="-1" strike="noStrike">
+              <a:latin typeface="Arial"/>
             </a:endParaRPr>
           </a:p>
         </p:txBody>
@@ -177,20 +177,8 @@
             <a:normAutofit/>
           </a:bodyPr>
           <a:p>
-            <a:pPr>
-              <a:lnSpc>
-                <a:spcPct val="90000"/>
-              </a:lnSpc>
-              <a:spcBef>
-                <a:spcPts val="1417"/>
-              </a:spcBef>
-              <a:buNone/>
-            </a:pPr>
-            <a:endParaRPr b="0" lang="pt-BR" sz="2800" spc="-1" strike="noStrike">
-              <a:solidFill>
-                <a:srgbClr val="000000"/>
-              </a:solidFill>
-              <a:latin typeface="Calibri"/>
+            <a:endParaRPr b="0" lang="pt-BR" sz="3200" spc="-1" strike="noStrike">
+              <a:latin typeface="Arial"/>
             </a:endParaRPr>
           </a:p>
         </p:txBody>
@@ -223,20 +211,8 @@
             <a:normAutofit/>
           </a:bodyPr>
           <a:p>
-            <a:pPr>
-              <a:lnSpc>
-                <a:spcPct val="90000"/>
-              </a:lnSpc>
-              <a:spcBef>
-                <a:spcPts val="1417"/>
-              </a:spcBef>
-              <a:buNone/>
-            </a:pPr>
-            <a:endParaRPr b="0" lang="pt-BR" sz="2800" spc="-1" strike="noStrike">
-              <a:solidFill>
-                <a:srgbClr val="000000"/>
-              </a:solidFill>
-              <a:latin typeface="Calibri"/>
+            <a:endParaRPr b="0" lang="pt-BR" sz="3200" spc="-1" strike="noStrike">
+              <a:latin typeface="Arial"/>
             </a:endParaRPr>
           </a:p>
         </p:txBody>
@@ -248,7 +224,7 @@
             <a:spLocks noGrp="1"/>
           </p:cNvSpPr>
           <p:nvPr>
-            <p:ph type="ftr" idx="2"/>
+            <p:ph type="ftr" idx="1"/>
           </p:nvPr>
         </p:nvSpPr>
         <p:spPr/>
@@ -268,14 +244,14 @@
             <a:spLocks noGrp="1"/>
           </p:cNvSpPr>
           <p:nvPr>
-            <p:ph type="sldNum" idx="3"/>
+            <p:ph type="sldNum" idx="2"/>
           </p:nvPr>
         </p:nvSpPr>
         <p:spPr/>
         <p:txBody>
           <a:bodyPr/>
           <a:p>
-            <a:fld id="{DF3A8556-2A1A-41AC-BB72-ACED0E7B161D}" type="slidenum">
+            <a:fld id="{B179035C-8C62-4D59-AA80-5CFB903EBEDC}" type="slidenum">
               <a:t>&lt;#&gt;</a:t>
             </a:fld>
           </a:p>
@@ -288,7 +264,7 @@
             <a:spLocks noGrp="1"/>
           </p:cNvSpPr>
           <p:nvPr>
-            <p:ph type="dt" idx="1"/>
+            <p:ph type="dt" idx="3"/>
           </p:nvPr>
         </p:nvSpPr>
         <p:spPr/>
@@ -337,7 +313,7 @@
         <p:spPr>
           <a:xfrm>
             <a:off x="1523880" y="1122480"/>
-            <a:ext cx="9143640" cy="2387160"/>
+            <a:ext cx="9143280" cy="2386800"/>
           </a:xfrm>
           <a:prstGeom prst="rect">
             <a:avLst/>
@@ -352,11 +328,11 @@
             <a:noAutofit/>
           </a:bodyPr>
           <a:p>
-            <a:endParaRPr b="0" lang="pt-BR" sz="1800" spc="-1" strike="noStrike">
-              <a:solidFill>
-                <a:srgbClr val="000000"/>
-              </a:solidFill>
-              <a:latin typeface="Calibri"/>
+            <a:pPr algn="ctr">
+              <a:buNone/>
+            </a:pPr>
+            <a:endParaRPr b="0" lang="pt-BR" sz="4400" spc="-1" strike="noStrike">
+              <a:latin typeface="Arial"/>
             </a:endParaRPr>
           </a:p>
         </p:txBody>
@@ -389,20 +365,8 @@
             <a:normAutofit/>
           </a:bodyPr>
           <a:p>
-            <a:pPr>
-              <a:lnSpc>
-                <a:spcPct val="90000"/>
-              </a:lnSpc>
-              <a:spcBef>
-                <a:spcPts val="1417"/>
-              </a:spcBef>
-              <a:buNone/>
-            </a:pPr>
-            <a:endParaRPr b="0" lang="pt-BR" sz="2800" spc="-1" strike="noStrike">
-              <a:solidFill>
-                <a:srgbClr val="000000"/>
-              </a:solidFill>
-              <a:latin typeface="Calibri"/>
+            <a:endParaRPr b="0" lang="pt-BR" sz="3200" spc="-1" strike="noStrike">
+              <a:latin typeface="Arial"/>
             </a:endParaRPr>
           </a:p>
         </p:txBody>
@@ -435,20 +399,8 @@
             <a:normAutofit/>
           </a:bodyPr>
           <a:p>
-            <a:pPr>
-              <a:lnSpc>
-                <a:spcPct val="90000"/>
-              </a:lnSpc>
-              <a:spcBef>
-                <a:spcPts val="1417"/>
-              </a:spcBef>
-              <a:buNone/>
-            </a:pPr>
-            <a:endParaRPr b="0" lang="pt-BR" sz="2800" spc="-1" strike="noStrike">
-              <a:solidFill>
-                <a:srgbClr val="000000"/>
-              </a:solidFill>
-              <a:latin typeface="Calibri"/>
+            <a:endParaRPr b="0" lang="pt-BR" sz="3200" spc="-1" strike="noStrike">
+              <a:latin typeface="Arial"/>
             </a:endParaRPr>
           </a:p>
         </p:txBody>
@@ -481,20 +433,8 @@
             <a:normAutofit/>
           </a:bodyPr>
           <a:p>
-            <a:pPr>
-              <a:lnSpc>
-                <a:spcPct val="90000"/>
-              </a:lnSpc>
-              <a:spcBef>
-                <a:spcPts val="1417"/>
-              </a:spcBef>
-              <a:buNone/>
-            </a:pPr>
-            <a:endParaRPr b="0" lang="pt-BR" sz="2800" spc="-1" strike="noStrike">
-              <a:solidFill>
-                <a:srgbClr val="000000"/>
-              </a:solidFill>
-              <a:latin typeface="Calibri"/>
+            <a:endParaRPr b="0" lang="pt-BR" sz="3200" spc="-1" strike="noStrike">
+              <a:latin typeface="Arial"/>
             </a:endParaRPr>
           </a:p>
         </p:txBody>
@@ -527,20 +467,8 @@
             <a:normAutofit/>
           </a:bodyPr>
           <a:p>
-            <a:pPr>
-              <a:lnSpc>
-                <a:spcPct val="90000"/>
-              </a:lnSpc>
-              <a:spcBef>
-                <a:spcPts val="1417"/>
-              </a:spcBef>
-              <a:buNone/>
-            </a:pPr>
-            <a:endParaRPr b="0" lang="pt-BR" sz="2800" spc="-1" strike="noStrike">
-              <a:solidFill>
-                <a:srgbClr val="000000"/>
-              </a:solidFill>
-              <a:latin typeface="Calibri"/>
+            <a:endParaRPr b="0" lang="pt-BR" sz="3200" spc="-1" strike="noStrike">
+              <a:latin typeface="Arial"/>
             </a:endParaRPr>
           </a:p>
         </p:txBody>
@@ -552,7 +480,7 @@
             <a:spLocks noGrp="1"/>
           </p:cNvSpPr>
           <p:nvPr>
-            <p:ph type="ftr" idx="2"/>
+            <p:ph type="ftr" idx="1"/>
           </p:nvPr>
         </p:nvSpPr>
         <p:spPr/>
@@ -572,14 +500,14 @@
             <a:spLocks noGrp="1"/>
           </p:cNvSpPr>
           <p:nvPr>
-            <p:ph type="sldNum" idx="3"/>
+            <p:ph type="sldNum" idx="2"/>
           </p:nvPr>
         </p:nvSpPr>
         <p:spPr/>
         <p:txBody>
           <a:bodyPr/>
           <a:p>
-            <a:fld id="{27ECD0E5-E162-443F-B183-0FC372C2CC53}" type="slidenum">
+            <a:fld id="{EE8380F2-3E21-4E02-AE14-254A07429DB2}" type="slidenum">
               <a:t>&lt;#&gt;</a:t>
             </a:fld>
           </a:p>
@@ -592,7 +520,7 @@
             <a:spLocks noGrp="1"/>
           </p:cNvSpPr>
           <p:nvPr>
-            <p:ph type="dt" idx="1"/>
+            <p:ph type="dt" idx="3"/>
           </p:nvPr>
         </p:nvSpPr>
         <p:spPr/>
@@ -641,7 +569,7 @@
         <p:spPr>
           <a:xfrm>
             <a:off x="1523880" y="1122480"/>
-            <a:ext cx="9143640" cy="2387160"/>
+            <a:ext cx="9143280" cy="2386800"/>
           </a:xfrm>
           <a:prstGeom prst="rect">
             <a:avLst/>
@@ -656,11 +584,11 @@
             <a:noAutofit/>
           </a:bodyPr>
           <a:p>
-            <a:endParaRPr b="0" lang="pt-BR" sz="1800" spc="-1" strike="noStrike">
-              <a:solidFill>
-                <a:srgbClr val="000000"/>
-              </a:solidFill>
-              <a:latin typeface="Calibri"/>
+            <a:pPr algn="ctr">
+              <a:buNone/>
+            </a:pPr>
+            <a:endParaRPr b="0" lang="pt-BR" sz="4400" spc="-1" strike="noStrike">
+              <a:latin typeface="Arial"/>
             </a:endParaRPr>
           </a:p>
         </p:txBody>
@@ -693,20 +621,8 @@
             <a:normAutofit/>
           </a:bodyPr>
           <a:p>
-            <a:pPr>
-              <a:lnSpc>
-                <a:spcPct val="90000"/>
-              </a:lnSpc>
-              <a:spcBef>
-                <a:spcPts val="1417"/>
-              </a:spcBef>
-              <a:buNone/>
-            </a:pPr>
-            <a:endParaRPr b="0" lang="pt-BR" sz="2800" spc="-1" strike="noStrike">
-              <a:solidFill>
-                <a:srgbClr val="000000"/>
-              </a:solidFill>
-              <a:latin typeface="Calibri"/>
+            <a:endParaRPr b="0" lang="pt-BR" sz="3200" spc="-1" strike="noStrike">
+              <a:latin typeface="Arial"/>
             </a:endParaRPr>
           </a:p>
         </p:txBody>
@@ -739,20 +655,8 @@
             <a:normAutofit/>
           </a:bodyPr>
           <a:p>
-            <a:pPr>
-              <a:lnSpc>
-                <a:spcPct val="90000"/>
-              </a:lnSpc>
-              <a:spcBef>
-                <a:spcPts val="1417"/>
-              </a:spcBef>
-              <a:buNone/>
-            </a:pPr>
-            <a:endParaRPr b="0" lang="pt-BR" sz="2800" spc="-1" strike="noStrike">
-              <a:solidFill>
-                <a:srgbClr val="000000"/>
-              </a:solidFill>
-              <a:latin typeface="Calibri"/>
+            <a:endParaRPr b="0" lang="pt-BR" sz="3200" spc="-1" strike="noStrike">
+              <a:latin typeface="Arial"/>
             </a:endParaRPr>
           </a:p>
         </p:txBody>
@@ -785,20 +689,8 @@
             <a:normAutofit/>
           </a:bodyPr>
           <a:p>
-            <a:pPr>
-              <a:lnSpc>
-                <a:spcPct val="90000"/>
-              </a:lnSpc>
-              <a:spcBef>
-                <a:spcPts val="1417"/>
-              </a:spcBef>
-              <a:buNone/>
-            </a:pPr>
-            <a:endParaRPr b="0" lang="pt-BR" sz="2800" spc="-1" strike="noStrike">
-              <a:solidFill>
-                <a:srgbClr val="000000"/>
-              </a:solidFill>
-              <a:latin typeface="Calibri"/>
+            <a:endParaRPr b="0" lang="pt-BR" sz="3200" spc="-1" strike="noStrike">
+              <a:latin typeface="Arial"/>
             </a:endParaRPr>
           </a:p>
         </p:txBody>
@@ -831,20 +723,8 @@
             <a:normAutofit/>
           </a:bodyPr>
           <a:p>
-            <a:pPr>
-              <a:lnSpc>
-                <a:spcPct val="90000"/>
-              </a:lnSpc>
-              <a:spcBef>
-                <a:spcPts val="1417"/>
-              </a:spcBef>
-              <a:buNone/>
-            </a:pPr>
-            <a:endParaRPr b="0" lang="pt-BR" sz="2800" spc="-1" strike="noStrike">
-              <a:solidFill>
-                <a:srgbClr val="000000"/>
-              </a:solidFill>
-              <a:latin typeface="Calibri"/>
+            <a:endParaRPr b="0" lang="pt-BR" sz="3200" spc="-1" strike="noStrike">
+              <a:latin typeface="Arial"/>
             </a:endParaRPr>
           </a:p>
         </p:txBody>
@@ -877,20 +757,8 @@
             <a:normAutofit/>
           </a:bodyPr>
           <a:p>
-            <a:pPr>
-              <a:lnSpc>
-                <a:spcPct val="90000"/>
-              </a:lnSpc>
-              <a:spcBef>
-                <a:spcPts val="1417"/>
-              </a:spcBef>
-              <a:buNone/>
-            </a:pPr>
-            <a:endParaRPr b="0" lang="pt-BR" sz="2800" spc="-1" strike="noStrike">
-              <a:solidFill>
-                <a:srgbClr val="000000"/>
-              </a:solidFill>
-              <a:latin typeface="Calibri"/>
+            <a:endParaRPr b="0" lang="pt-BR" sz="3200" spc="-1" strike="noStrike">
+              <a:latin typeface="Arial"/>
             </a:endParaRPr>
           </a:p>
         </p:txBody>
@@ -923,20 +791,8 @@
             <a:normAutofit/>
           </a:bodyPr>
           <a:p>
-            <a:pPr>
-              <a:lnSpc>
-                <a:spcPct val="90000"/>
-              </a:lnSpc>
-              <a:spcBef>
-                <a:spcPts val="1417"/>
-              </a:spcBef>
-              <a:buNone/>
-            </a:pPr>
-            <a:endParaRPr b="0" lang="pt-BR" sz="2800" spc="-1" strike="noStrike">
-              <a:solidFill>
-                <a:srgbClr val="000000"/>
-              </a:solidFill>
-              <a:latin typeface="Calibri"/>
+            <a:endParaRPr b="0" lang="pt-BR" sz="3200" spc="-1" strike="noStrike">
+              <a:latin typeface="Arial"/>
             </a:endParaRPr>
           </a:p>
         </p:txBody>
@@ -948,7 +804,7 @@
             <a:spLocks noGrp="1"/>
           </p:cNvSpPr>
           <p:nvPr>
-            <p:ph type="ftr" idx="2"/>
+            <p:ph type="ftr" idx="1"/>
           </p:nvPr>
         </p:nvSpPr>
         <p:spPr/>
@@ -968,14 +824,14 @@
             <a:spLocks noGrp="1"/>
           </p:cNvSpPr>
           <p:nvPr>
-            <p:ph type="sldNum" idx="3"/>
+            <p:ph type="sldNum" idx="2"/>
           </p:nvPr>
         </p:nvSpPr>
         <p:spPr/>
         <p:txBody>
           <a:bodyPr/>
           <a:p>
-            <a:fld id="{476A2ABA-6317-4A60-AC09-4E159A63DE2D}" type="slidenum">
+            <a:fld id="{783D35BD-10EC-4ECA-A8EB-98B74AC2978E}" type="slidenum">
               <a:t>&lt;#&gt;</a:t>
             </a:fld>
           </a:p>
@@ -988,7 +844,7 @@
             <a:spLocks noGrp="1"/>
           </p:cNvSpPr>
           <p:nvPr>
-            <p:ph type="dt" idx="1"/>
+            <p:ph type="dt" idx="3"/>
           </p:nvPr>
         </p:nvSpPr>
         <p:spPr/>
@@ -1037,7 +893,7 @@
         <p:spPr>
           <a:xfrm>
             <a:off x="1523880" y="1122480"/>
-            <a:ext cx="9143640" cy="2387160"/>
+            <a:ext cx="9143280" cy="2386800"/>
           </a:xfrm>
           <a:prstGeom prst="rect">
             <a:avLst/>
@@ -1052,11 +908,11 @@
             <a:noAutofit/>
           </a:bodyPr>
           <a:p>
-            <a:endParaRPr b="0" lang="pt-BR" sz="1800" spc="-1" strike="noStrike">
-              <a:solidFill>
-                <a:srgbClr val="000000"/>
-              </a:solidFill>
-              <a:latin typeface="Calibri"/>
+            <a:pPr algn="ctr">
+              <a:buNone/>
+            </a:pPr>
+            <a:endParaRPr b="0" lang="pt-BR" sz="4400" spc="-1" strike="noStrike">
+              <a:latin typeface="Arial"/>
             </a:endParaRPr>
           </a:p>
         </p:txBody>
@@ -1105,7 +961,7 @@
             <a:spLocks noGrp="1"/>
           </p:cNvSpPr>
           <p:nvPr>
-            <p:ph type="ftr" idx="2"/>
+            <p:ph type="ftr" idx="1"/>
           </p:nvPr>
         </p:nvSpPr>
         <p:spPr/>
@@ -1125,14 +981,14 @@
             <a:spLocks noGrp="1"/>
           </p:cNvSpPr>
           <p:nvPr>
-            <p:ph type="sldNum" idx="3"/>
+            <p:ph type="sldNum" idx="2"/>
           </p:nvPr>
         </p:nvSpPr>
         <p:spPr/>
         <p:txBody>
           <a:bodyPr/>
           <a:p>
-            <a:fld id="{99774A65-F66F-4842-B815-1F5B49DE02B9}" type="slidenum">
+            <a:fld id="{72EB0FB3-C0AF-4BC8-8B04-90A64EF45C01}" type="slidenum">
               <a:t>&lt;#&gt;</a:t>
             </a:fld>
           </a:p>
@@ -1145,7 +1001,7 @@
             <a:spLocks noGrp="1"/>
           </p:cNvSpPr>
           <p:nvPr>
-            <p:ph type="dt" idx="1"/>
+            <p:ph type="dt" idx="3"/>
           </p:nvPr>
         </p:nvSpPr>
         <p:spPr/>
@@ -1194,7 +1050,7 @@
         <p:spPr>
           <a:xfrm>
             <a:off x="1523880" y="1122480"/>
-            <a:ext cx="9143640" cy="2387160"/>
+            <a:ext cx="9143280" cy="2386800"/>
           </a:xfrm>
           <a:prstGeom prst="rect">
             <a:avLst/>
@@ -1209,11 +1065,11 @@
             <a:noAutofit/>
           </a:bodyPr>
           <a:p>
-            <a:endParaRPr b="0" lang="pt-BR" sz="1800" spc="-1" strike="noStrike">
-              <a:solidFill>
-                <a:srgbClr val="000000"/>
-              </a:solidFill>
-              <a:latin typeface="Calibri"/>
+            <a:pPr algn="ctr">
+              <a:buNone/>
+            </a:pPr>
+            <a:endParaRPr b="0" lang="pt-BR" sz="4400" spc="-1" strike="noStrike">
+              <a:latin typeface="Arial"/>
             </a:endParaRPr>
           </a:p>
         </p:txBody>
@@ -1246,20 +1102,8 @@
             <a:normAutofit/>
           </a:bodyPr>
           <a:p>
-            <a:pPr>
-              <a:lnSpc>
-                <a:spcPct val="90000"/>
-              </a:lnSpc>
-              <a:spcBef>
-                <a:spcPts val="1417"/>
-              </a:spcBef>
-              <a:buNone/>
-            </a:pPr>
-            <a:endParaRPr b="0" lang="pt-BR" sz="2800" spc="-1" strike="noStrike">
-              <a:solidFill>
-                <a:srgbClr val="000000"/>
-              </a:solidFill>
-              <a:latin typeface="Calibri"/>
+            <a:endParaRPr b="0" lang="pt-BR" sz="3200" spc="-1" strike="noStrike">
+              <a:latin typeface="Arial"/>
             </a:endParaRPr>
           </a:p>
         </p:txBody>
@@ -1271,7 +1115,7 @@
             <a:spLocks noGrp="1"/>
           </p:cNvSpPr>
           <p:nvPr>
-            <p:ph type="ftr" idx="2"/>
+            <p:ph type="ftr" idx="1"/>
           </p:nvPr>
         </p:nvSpPr>
         <p:spPr/>
@@ -1291,14 +1135,14 @@
             <a:spLocks noGrp="1"/>
           </p:cNvSpPr>
           <p:nvPr>
-            <p:ph type="sldNum" idx="3"/>
+            <p:ph type="sldNum" idx="2"/>
           </p:nvPr>
         </p:nvSpPr>
         <p:spPr/>
         <p:txBody>
           <a:bodyPr/>
           <a:p>
-            <a:fld id="{7E1B58B7-0A9E-4618-8186-A36046C32368}" type="slidenum">
+            <a:fld id="{DBBF2401-060C-4D9C-AD25-B0CA859F5902}" type="slidenum">
               <a:t>&lt;#&gt;</a:t>
             </a:fld>
           </a:p>
@@ -1311,7 +1155,7 @@
             <a:spLocks noGrp="1"/>
           </p:cNvSpPr>
           <p:nvPr>
-            <p:ph type="dt" idx="1"/>
+            <p:ph type="dt" idx="3"/>
           </p:nvPr>
         </p:nvSpPr>
         <p:spPr/>
@@ -1360,7 +1204,7 @@
         <p:spPr>
           <a:xfrm>
             <a:off x="1523880" y="1122480"/>
-            <a:ext cx="9143640" cy="2387160"/>
+            <a:ext cx="9143280" cy="2386800"/>
           </a:xfrm>
           <a:prstGeom prst="rect">
             <a:avLst/>
@@ -1375,11 +1219,11 @@
             <a:noAutofit/>
           </a:bodyPr>
           <a:p>
-            <a:endParaRPr b="0" lang="pt-BR" sz="1800" spc="-1" strike="noStrike">
-              <a:solidFill>
-                <a:srgbClr val="000000"/>
-              </a:solidFill>
-              <a:latin typeface="Calibri"/>
+            <a:pPr algn="ctr">
+              <a:buNone/>
+            </a:pPr>
+            <a:endParaRPr b="0" lang="pt-BR" sz="4400" spc="-1" strike="noStrike">
+              <a:latin typeface="Arial"/>
             </a:endParaRPr>
           </a:p>
         </p:txBody>
@@ -1412,20 +1256,8 @@
             <a:normAutofit/>
           </a:bodyPr>
           <a:p>
-            <a:pPr>
-              <a:lnSpc>
-                <a:spcPct val="90000"/>
-              </a:lnSpc>
-              <a:spcBef>
-                <a:spcPts val="1417"/>
-              </a:spcBef>
-              <a:buNone/>
-            </a:pPr>
-            <a:endParaRPr b="0" lang="pt-BR" sz="2800" spc="-1" strike="noStrike">
-              <a:solidFill>
-                <a:srgbClr val="000000"/>
-              </a:solidFill>
-              <a:latin typeface="Calibri"/>
+            <a:endParaRPr b="0" lang="pt-BR" sz="3200" spc="-1" strike="noStrike">
+              <a:latin typeface="Arial"/>
             </a:endParaRPr>
           </a:p>
         </p:txBody>
@@ -1458,20 +1290,8 @@
             <a:normAutofit/>
           </a:bodyPr>
           <a:p>
-            <a:pPr>
-              <a:lnSpc>
-                <a:spcPct val="90000"/>
-              </a:lnSpc>
-              <a:spcBef>
-                <a:spcPts val="1417"/>
-              </a:spcBef>
-              <a:buNone/>
-            </a:pPr>
-            <a:endParaRPr b="0" lang="pt-BR" sz="2800" spc="-1" strike="noStrike">
-              <a:solidFill>
-                <a:srgbClr val="000000"/>
-              </a:solidFill>
-              <a:latin typeface="Calibri"/>
+            <a:endParaRPr b="0" lang="pt-BR" sz="3200" spc="-1" strike="noStrike">
+              <a:latin typeface="Arial"/>
             </a:endParaRPr>
           </a:p>
         </p:txBody>
@@ -1483,7 +1303,7 @@
             <a:spLocks noGrp="1"/>
           </p:cNvSpPr>
           <p:nvPr>
-            <p:ph type="ftr" idx="2"/>
+            <p:ph type="ftr" idx="1"/>
           </p:nvPr>
         </p:nvSpPr>
         <p:spPr/>
@@ -1503,14 +1323,14 @@
             <a:spLocks noGrp="1"/>
           </p:cNvSpPr>
           <p:nvPr>
-            <p:ph type="sldNum" idx="3"/>
+            <p:ph type="sldNum" idx="2"/>
           </p:nvPr>
         </p:nvSpPr>
         <p:spPr/>
         <p:txBody>
           <a:bodyPr/>
           <a:p>
-            <a:fld id="{CF904EA3-E8DC-4564-9D28-48E648A84987}" type="slidenum">
+            <a:fld id="{BC9DB9A4-AC80-4A2A-B850-16C7D4B726DA}" type="slidenum">
               <a:t>&lt;#&gt;</a:t>
             </a:fld>
           </a:p>
@@ -1523,7 +1343,7 @@
             <a:spLocks noGrp="1"/>
           </p:cNvSpPr>
           <p:nvPr>
-            <p:ph type="dt" idx="1"/>
+            <p:ph type="dt" idx="3"/>
           </p:nvPr>
         </p:nvSpPr>
         <p:spPr/>
@@ -1572,7 +1392,7 @@
         <p:spPr>
           <a:xfrm>
             <a:off x="1523880" y="1122480"/>
-            <a:ext cx="9143640" cy="2387160"/>
+            <a:ext cx="9143280" cy="2386800"/>
           </a:xfrm>
           <a:prstGeom prst="rect">
             <a:avLst/>
@@ -1587,11 +1407,11 @@
             <a:noAutofit/>
           </a:bodyPr>
           <a:p>
-            <a:endParaRPr b="0" lang="pt-BR" sz="1800" spc="-1" strike="noStrike">
-              <a:solidFill>
-                <a:srgbClr val="000000"/>
-              </a:solidFill>
-              <a:latin typeface="Calibri"/>
+            <a:pPr algn="ctr">
+              <a:buNone/>
+            </a:pPr>
+            <a:endParaRPr b="0" lang="pt-BR" sz="4400" spc="-1" strike="noStrike">
+              <a:latin typeface="Arial"/>
             </a:endParaRPr>
           </a:p>
         </p:txBody>
@@ -1603,7 +1423,7 @@
             <a:spLocks noGrp="1"/>
           </p:cNvSpPr>
           <p:nvPr>
-            <p:ph type="ftr" idx="2"/>
+            <p:ph type="ftr" idx="1"/>
           </p:nvPr>
         </p:nvSpPr>
         <p:spPr/>
@@ -1623,14 +1443,14 @@
             <a:spLocks noGrp="1"/>
           </p:cNvSpPr>
           <p:nvPr>
-            <p:ph type="sldNum" idx="3"/>
+            <p:ph type="sldNum" idx="2"/>
           </p:nvPr>
         </p:nvSpPr>
         <p:spPr/>
         <p:txBody>
           <a:bodyPr/>
           <a:p>
-            <a:fld id="{35784AA5-D645-4C28-9087-244BC72C6392}" type="slidenum">
+            <a:fld id="{871450C6-B346-43A8-94A0-7D477E8C597A}" type="slidenum">
               <a:t>&lt;#&gt;</a:t>
             </a:fld>
           </a:p>
@@ -1643,7 +1463,7 @@
             <a:spLocks noGrp="1"/>
           </p:cNvSpPr>
           <p:nvPr>
-            <p:ph type="dt" idx="1"/>
+            <p:ph type="dt" idx="3"/>
           </p:nvPr>
         </p:nvSpPr>
         <p:spPr/>
@@ -1692,7 +1512,7 @@
         <p:spPr>
           <a:xfrm>
             <a:off x="1523880" y="1122480"/>
-            <a:ext cx="9143640" cy="11066760"/>
+            <a:ext cx="9143280" cy="11064960"/>
           </a:xfrm>
           <a:prstGeom prst="rect">
             <a:avLst/>
@@ -1723,7 +1543,7 @@
             <a:spLocks noGrp="1"/>
           </p:cNvSpPr>
           <p:nvPr>
-            <p:ph type="ftr" idx="2"/>
+            <p:ph type="ftr" idx="1"/>
           </p:nvPr>
         </p:nvSpPr>
         <p:spPr/>
@@ -1743,14 +1563,14 @@
             <a:spLocks noGrp="1"/>
           </p:cNvSpPr>
           <p:nvPr>
-            <p:ph type="sldNum" idx="3"/>
+            <p:ph type="sldNum" idx="2"/>
           </p:nvPr>
         </p:nvSpPr>
         <p:spPr/>
         <p:txBody>
           <a:bodyPr/>
           <a:p>
-            <a:fld id="{CF7D765F-B4E9-4D50-8B4A-1430D9F95C01}" type="slidenum">
+            <a:fld id="{7F1CB9A5-FFEE-401F-81F8-434A2B33E1C0}" type="slidenum">
               <a:t>&lt;#&gt;</a:t>
             </a:fld>
           </a:p>
@@ -1763,7 +1583,7 @@
             <a:spLocks noGrp="1"/>
           </p:cNvSpPr>
           <p:nvPr>
-            <p:ph type="dt" idx="1"/>
+            <p:ph type="dt" idx="3"/>
           </p:nvPr>
         </p:nvSpPr>
         <p:spPr/>
@@ -1812,7 +1632,7 @@
         <p:spPr>
           <a:xfrm>
             <a:off x="1523880" y="1122480"/>
-            <a:ext cx="9143640" cy="2387160"/>
+            <a:ext cx="9143280" cy="2386800"/>
           </a:xfrm>
           <a:prstGeom prst="rect">
             <a:avLst/>
@@ -1827,11 +1647,11 @@
             <a:noAutofit/>
           </a:bodyPr>
           <a:p>
-            <a:endParaRPr b="0" lang="pt-BR" sz="1800" spc="-1" strike="noStrike">
-              <a:solidFill>
-                <a:srgbClr val="000000"/>
-              </a:solidFill>
-              <a:latin typeface="Calibri"/>
+            <a:pPr algn="ctr">
+              <a:buNone/>
+            </a:pPr>
+            <a:endParaRPr b="0" lang="pt-BR" sz="4400" spc="-1" strike="noStrike">
+              <a:latin typeface="Arial"/>
             </a:endParaRPr>
           </a:p>
         </p:txBody>
@@ -1864,20 +1684,8 @@
             <a:normAutofit/>
           </a:bodyPr>
           <a:p>
-            <a:pPr>
-              <a:lnSpc>
-                <a:spcPct val="90000"/>
-              </a:lnSpc>
-              <a:spcBef>
-                <a:spcPts val="1417"/>
-              </a:spcBef>
-              <a:buNone/>
-            </a:pPr>
-            <a:endParaRPr b="0" lang="pt-BR" sz="2800" spc="-1" strike="noStrike">
-              <a:solidFill>
-                <a:srgbClr val="000000"/>
-              </a:solidFill>
-              <a:latin typeface="Calibri"/>
+            <a:endParaRPr b="0" lang="pt-BR" sz="3200" spc="-1" strike="noStrike">
+              <a:latin typeface="Arial"/>
             </a:endParaRPr>
           </a:p>
         </p:txBody>
@@ -1910,20 +1718,8 @@
             <a:normAutofit/>
           </a:bodyPr>
           <a:p>
-            <a:pPr>
-              <a:lnSpc>
-                <a:spcPct val="90000"/>
-              </a:lnSpc>
-              <a:spcBef>
-                <a:spcPts val="1417"/>
-              </a:spcBef>
-              <a:buNone/>
-            </a:pPr>
-            <a:endParaRPr b="0" lang="pt-BR" sz="2800" spc="-1" strike="noStrike">
-              <a:solidFill>
-                <a:srgbClr val="000000"/>
-              </a:solidFill>
-              <a:latin typeface="Calibri"/>
+            <a:endParaRPr b="0" lang="pt-BR" sz="3200" spc="-1" strike="noStrike">
+              <a:latin typeface="Arial"/>
             </a:endParaRPr>
           </a:p>
         </p:txBody>
@@ -1956,20 +1752,8 @@
             <a:normAutofit/>
           </a:bodyPr>
           <a:p>
-            <a:pPr>
-              <a:lnSpc>
-                <a:spcPct val="90000"/>
-              </a:lnSpc>
-              <a:spcBef>
-                <a:spcPts val="1417"/>
-              </a:spcBef>
-              <a:buNone/>
-            </a:pPr>
-            <a:endParaRPr b="0" lang="pt-BR" sz="2800" spc="-1" strike="noStrike">
-              <a:solidFill>
-                <a:srgbClr val="000000"/>
-              </a:solidFill>
-              <a:latin typeface="Calibri"/>
+            <a:endParaRPr b="0" lang="pt-BR" sz="3200" spc="-1" strike="noStrike">
+              <a:latin typeface="Arial"/>
             </a:endParaRPr>
           </a:p>
         </p:txBody>
@@ -1981,7 +1765,7 @@
             <a:spLocks noGrp="1"/>
           </p:cNvSpPr>
           <p:nvPr>
-            <p:ph type="ftr" idx="2"/>
+            <p:ph type="ftr" idx="1"/>
           </p:nvPr>
         </p:nvSpPr>
         <p:spPr/>
@@ -2001,14 +1785,14 @@
             <a:spLocks noGrp="1"/>
           </p:cNvSpPr>
           <p:nvPr>
-            <p:ph type="sldNum" idx="3"/>
+            <p:ph type="sldNum" idx="2"/>
           </p:nvPr>
         </p:nvSpPr>
         <p:spPr/>
         <p:txBody>
           <a:bodyPr/>
           <a:p>
-            <a:fld id="{9A0E2EFF-04E4-432E-B6FE-2C9690F98417}" type="slidenum">
+            <a:fld id="{9053DAD8-DB29-4F9A-9DC7-564158292EAC}" type="slidenum">
               <a:t>&lt;#&gt;</a:t>
             </a:fld>
           </a:p>
@@ -2021,7 +1805,7 @@
             <a:spLocks noGrp="1"/>
           </p:cNvSpPr>
           <p:nvPr>
-            <p:ph type="dt" idx="1"/>
+            <p:ph type="dt" idx="3"/>
           </p:nvPr>
         </p:nvSpPr>
         <p:spPr/>
@@ -2070,7 +1854,7 @@
         <p:spPr>
           <a:xfrm>
             <a:off x="1523880" y="1122480"/>
-            <a:ext cx="9143640" cy="2387160"/>
+            <a:ext cx="9143280" cy="2386800"/>
           </a:xfrm>
           <a:prstGeom prst="rect">
             <a:avLst/>
@@ -2085,11 +1869,11 @@
             <a:noAutofit/>
           </a:bodyPr>
           <a:p>
-            <a:endParaRPr b="0" lang="pt-BR" sz="1800" spc="-1" strike="noStrike">
-              <a:solidFill>
-                <a:srgbClr val="000000"/>
-              </a:solidFill>
-              <a:latin typeface="Calibri"/>
+            <a:pPr algn="ctr">
+              <a:buNone/>
+            </a:pPr>
+            <a:endParaRPr b="0" lang="pt-BR" sz="4400" spc="-1" strike="noStrike">
+              <a:latin typeface="Arial"/>
             </a:endParaRPr>
           </a:p>
         </p:txBody>
@@ -2122,20 +1906,8 @@
             <a:normAutofit/>
           </a:bodyPr>
           <a:p>
-            <a:pPr>
-              <a:lnSpc>
-                <a:spcPct val="90000"/>
-              </a:lnSpc>
-              <a:spcBef>
-                <a:spcPts val="1417"/>
-              </a:spcBef>
-              <a:buNone/>
-            </a:pPr>
-            <a:endParaRPr b="0" lang="pt-BR" sz="2800" spc="-1" strike="noStrike">
-              <a:solidFill>
-                <a:srgbClr val="000000"/>
-              </a:solidFill>
-              <a:latin typeface="Calibri"/>
+            <a:endParaRPr b="0" lang="pt-BR" sz="3200" spc="-1" strike="noStrike">
+              <a:latin typeface="Arial"/>
             </a:endParaRPr>
           </a:p>
         </p:txBody>
@@ -2168,20 +1940,8 @@
             <a:normAutofit/>
           </a:bodyPr>
           <a:p>
-            <a:pPr>
-              <a:lnSpc>
-                <a:spcPct val="90000"/>
-              </a:lnSpc>
-              <a:spcBef>
-                <a:spcPts val="1417"/>
-              </a:spcBef>
-              <a:buNone/>
-            </a:pPr>
-            <a:endParaRPr b="0" lang="pt-BR" sz="2800" spc="-1" strike="noStrike">
-              <a:solidFill>
-                <a:srgbClr val="000000"/>
-              </a:solidFill>
-              <a:latin typeface="Calibri"/>
+            <a:endParaRPr b="0" lang="pt-BR" sz="3200" spc="-1" strike="noStrike">
+              <a:latin typeface="Arial"/>
             </a:endParaRPr>
           </a:p>
         </p:txBody>
@@ -2214,20 +1974,8 @@
             <a:normAutofit/>
           </a:bodyPr>
           <a:p>
-            <a:pPr>
-              <a:lnSpc>
-                <a:spcPct val="90000"/>
-              </a:lnSpc>
-              <a:spcBef>
-                <a:spcPts val="1417"/>
-              </a:spcBef>
-              <a:buNone/>
-            </a:pPr>
-            <a:endParaRPr b="0" lang="pt-BR" sz="2800" spc="-1" strike="noStrike">
-              <a:solidFill>
-                <a:srgbClr val="000000"/>
-              </a:solidFill>
-              <a:latin typeface="Calibri"/>
+            <a:endParaRPr b="0" lang="pt-BR" sz="3200" spc="-1" strike="noStrike">
+              <a:latin typeface="Arial"/>
             </a:endParaRPr>
           </a:p>
         </p:txBody>
@@ -2239,7 +1987,7 @@
             <a:spLocks noGrp="1"/>
           </p:cNvSpPr>
           <p:nvPr>
-            <p:ph type="ftr" idx="2"/>
+            <p:ph type="ftr" idx="1"/>
           </p:nvPr>
         </p:nvSpPr>
         <p:spPr/>
@@ -2259,14 +2007,14 @@
             <a:spLocks noGrp="1"/>
           </p:cNvSpPr>
           <p:nvPr>
-            <p:ph type="sldNum" idx="3"/>
+            <p:ph type="sldNum" idx="2"/>
           </p:nvPr>
         </p:nvSpPr>
         <p:spPr/>
         <p:txBody>
           <a:bodyPr/>
           <a:p>
-            <a:fld id="{FFA67BAA-4D58-44D2-90CF-70A0A06B16E5}" type="slidenum">
+            <a:fld id="{B9D52AC2-3D0D-48AB-AA1D-0B79F3ABFEF7}" type="slidenum">
               <a:t>&lt;#&gt;</a:t>
             </a:fld>
           </a:p>
@@ -2279,7 +2027,7 @@
             <a:spLocks noGrp="1"/>
           </p:cNvSpPr>
           <p:nvPr>
-            <p:ph type="dt" idx="1"/>
+            <p:ph type="dt" idx="3"/>
           </p:nvPr>
         </p:nvSpPr>
         <p:spPr/>
@@ -2328,7 +2076,7 @@
         <p:spPr>
           <a:xfrm>
             <a:off x="1523880" y="1122480"/>
-            <a:ext cx="9143640" cy="2387160"/>
+            <a:ext cx="9143280" cy="2386800"/>
           </a:xfrm>
           <a:prstGeom prst="rect">
             <a:avLst/>
@@ -2343,11 +2091,11 @@
             <a:noAutofit/>
           </a:bodyPr>
           <a:p>
-            <a:endParaRPr b="0" lang="pt-BR" sz="1800" spc="-1" strike="noStrike">
-              <a:solidFill>
-                <a:srgbClr val="000000"/>
-              </a:solidFill>
-              <a:latin typeface="Calibri"/>
+            <a:pPr algn="ctr">
+              <a:buNone/>
+            </a:pPr>
+            <a:endParaRPr b="0" lang="pt-BR" sz="4400" spc="-1" strike="noStrike">
+              <a:latin typeface="Arial"/>
             </a:endParaRPr>
           </a:p>
         </p:txBody>
@@ -2380,20 +2128,8 @@
             <a:normAutofit/>
           </a:bodyPr>
           <a:p>
-            <a:pPr>
-              <a:lnSpc>
-                <a:spcPct val="90000"/>
-              </a:lnSpc>
-              <a:spcBef>
-                <a:spcPts val="1417"/>
-              </a:spcBef>
-              <a:buNone/>
-            </a:pPr>
-            <a:endParaRPr b="0" lang="pt-BR" sz="2800" spc="-1" strike="noStrike">
-              <a:solidFill>
-                <a:srgbClr val="000000"/>
-              </a:solidFill>
-              <a:latin typeface="Calibri"/>
+            <a:endParaRPr b="0" lang="pt-BR" sz="3200" spc="-1" strike="noStrike">
+              <a:latin typeface="Arial"/>
             </a:endParaRPr>
           </a:p>
         </p:txBody>
@@ -2426,20 +2162,8 @@
             <a:normAutofit/>
           </a:bodyPr>
           <a:p>
-            <a:pPr>
-              <a:lnSpc>
-                <a:spcPct val="90000"/>
-              </a:lnSpc>
-              <a:spcBef>
-                <a:spcPts val="1417"/>
-              </a:spcBef>
-              <a:buNone/>
-            </a:pPr>
-            <a:endParaRPr b="0" lang="pt-BR" sz="2800" spc="-1" strike="noStrike">
-              <a:solidFill>
-                <a:srgbClr val="000000"/>
-              </a:solidFill>
-              <a:latin typeface="Calibri"/>
+            <a:endParaRPr b="0" lang="pt-BR" sz="3200" spc="-1" strike="noStrike">
+              <a:latin typeface="Arial"/>
             </a:endParaRPr>
           </a:p>
         </p:txBody>
@@ -2472,20 +2196,8 @@
             <a:normAutofit/>
           </a:bodyPr>
           <a:p>
-            <a:pPr>
-              <a:lnSpc>
-                <a:spcPct val="90000"/>
-              </a:lnSpc>
-              <a:spcBef>
-                <a:spcPts val="1417"/>
-              </a:spcBef>
-              <a:buNone/>
-            </a:pPr>
-            <a:endParaRPr b="0" lang="pt-BR" sz="2800" spc="-1" strike="noStrike">
-              <a:solidFill>
-                <a:srgbClr val="000000"/>
-              </a:solidFill>
-              <a:latin typeface="Calibri"/>
+            <a:endParaRPr b="0" lang="pt-BR" sz="3200" spc="-1" strike="noStrike">
+              <a:latin typeface="Arial"/>
             </a:endParaRPr>
           </a:p>
         </p:txBody>
@@ -2497,7 +2209,7 @@
             <a:spLocks noGrp="1"/>
           </p:cNvSpPr>
           <p:nvPr>
-            <p:ph type="ftr" idx="2"/>
+            <p:ph type="ftr" idx="1"/>
           </p:nvPr>
         </p:nvSpPr>
         <p:spPr/>
@@ -2517,14 +2229,14 @@
             <a:spLocks noGrp="1"/>
           </p:cNvSpPr>
           <p:nvPr>
-            <p:ph type="sldNum" idx="3"/>
+            <p:ph type="sldNum" idx="2"/>
           </p:nvPr>
         </p:nvSpPr>
         <p:spPr/>
         <p:txBody>
           <a:bodyPr/>
           <a:p>
-            <a:fld id="{D5836AB2-08AE-4578-965F-CDD94B50BFF5}" type="slidenum">
+            <a:fld id="{7F3DAAF9-CD91-445A-BD46-BB746B80AEF9}" type="slidenum">
               <a:t>&lt;#&gt;</a:t>
             </a:fld>
           </a:p>
@@ -2537,7 +2249,7 @@
             <a:spLocks noGrp="1"/>
           </p:cNvSpPr>
           <p:nvPr>
-            <p:ph type="dt" idx="1"/>
+            <p:ph type="dt" idx="3"/>
           </p:nvPr>
         </p:nvSpPr>
         <p:spPr/>
@@ -2593,7 +2305,7 @@
         <p:spPr>
           <a:xfrm>
             <a:off x="1523880" y="1122480"/>
-            <a:ext cx="9143640" cy="2387160"/>
+            <a:ext cx="9143280" cy="2386800"/>
           </a:xfrm>
           <a:prstGeom prst="rect">
             <a:avLst/>
@@ -2604,147 +2316,18 @@
           </a:ln>
         </p:spPr>
         <p:txBody>
-          <a:bodyPr anchor="b">
+          <a:bodyPr lIns="0" rIns="0" tIns="0" bIns="0" anchor="ctr">
             <a:noAutofit/>
           </a:bodyPr>
           <a:p>
-            <a:pPr algn="ctr">
-              <a:lnSpc>
-                <a:spcPct val="90000"/>
-              </a:lnSpc>
-              <a:buNone/>
-            </a:pPr>
             <a:r>
-              <a:rPr b="0" lang="pt-BR" sz="6000" spc="-1" strike="noStrike">
-                <a:solidFill>
-                  <a:srgbClr val="000000"/>
-                </a:solidFill>
-                <a:latin typeface="Calibri Light"/>
+              <a:rPr b="0" lang="pt-BR" sz="1800" spc="-1" strike="noStrike">
+                <a:latin typeface="Arial"/>
               </a:rPr>
-              <a:t>Cli</a:t>
+              <a:t>Click to edit the title text format</a:t>
             </a:r>
-            <a:r>
-              <a:rPr b="0" lang="pt-BR" sz="6000" spc="-1" strike="noStrike">
-                <a:solidFill>
-                  <a:srgbClr val="000000"/>
-                </a:solidFill>
-                <a:latin typeface="Calibri Light"/>
-              </a:rPr>
-              <a:t>qu</a:t>
-            </a:r>
-            <a:r>
-              <a:rPr b="0" lang="pt-BR" sz="6000" spc="-1" strike="noStrike">
-                <a:solidFill>
-                  <a:srgbClr val="000000"/>
-                </a:solidFill>
-                <a:latin typeface="Calibri Light"/>
-              </a:rPr>
-              <a:t>e </a:t>
-            </a:r>
-            <a:r>
-              <a:rPr b="0" lang="pt-BR" sz="6000" spc="-1" strike="noStrike">
-                <a:solidFill>
-                  <a:srgbClr val="000000"/>
-                </a:solidFill>
-                <a:latin typeface="Calibri Light"/>
-              </a:rPr>
-              <a:t>pa</a:t>
-            </a:r>
-            <a:r>
-              <a:rPr b="0" lang="pt-BR" sz="6000" spc="-1" strike="noStrike">
-                <a:solidFill>
-                  <a:srgbClr val="000000"/>
-                </a:solidFill>
-                <a:latin typeface="Calibri Light"/>
-              </a:rPr>
-              <a:t>ra </a:t>
-            </a:r>
-            <a:r>
-              <a:rPr b="0" lang="pt-BR" sz="6000" spc="-1" strike="noStrike">
-                <a:solidFill>
-                  <a:srgbClr val="000000"/>
-                </a:solidFill>
-                <a:latin typeface="Calibri Light"/>
-              </a:rPr>
-              <a:t>ed</a:t>
-            </a:r>
-            <a:r>
-              <a:rPr b="0" lang="pt-BR" sz="6000" spc="-1" strike="noStrike">
-                <a:solidFill>
-                  <a:srgbClr val="000000"/>
-                </a:solidFill>
-                <a:latin typeface="Calibri Light"/>
-              </a:rPr>
-              <a:t>ita</a:t>
-            </a:r>
-            <a:r>
-              <a:rPr b="0" lang="pt-BR" sz="6000" spc="-1" strike="noStrike">
-                <a:solidFill>
-                  <a:srgbClr val="000000"/>
-                </a:solidFill>
-                <a:latin typeface="Calibri Light"/>
-              </a:rPr>
-              <a:t>r o </a:t>
-            </a:r>
-            <a:r>
-              <a:rPr b="0" lang="pt-BR" sz="6000" spc="-1" strike="noStrike">
-                <a:solidFill>
-                  <a:srgbClr val="000000"/>
-                </a:solidFill>
-                <a:latin typeface="Calibri Light"/>
-              </a:rPr>
-              <a:t>tít</a:t>
-            </a:r>
-            <a:r>
-              <a:rPr b="0" lang="pt-BR" sz="6000" spc="-1" strike="noStrike">
-                <a:solidFill>
-                  <a:srgbClr val="000000"/>
-                </a:solidFill>
-                <a:latin typeface="Calibri Light"/>
-              </a:rPr>
-              <a:t>ul</a:t>
-            </a:r>
-            <a:r>
-              <a:rPr b="0" lang="pt-BR" sz="6000" spc="-1" strike="noStrike">
-                <a:solidFill>
-                  <a:srgbClr val="000000"/>
-                </a:solidFill>
-                <a:latin typeface="Calibri Light"/>
-              </a:rPr>
-              <a:t>o </a:t>
-            </a:r>
-            <a:r>
-              <a:rPr b="0" lang="pt-BR" sz="6000" spc="-1" strike="noStrike">
-                <a:solidFill>
-                  <a:srgbClr val="000000"/>
-                </a:solidFill>
-                <a:latin typeface="Calibri Light"/>
-              </a:rPr>
-              <a:t>M</a:t>
-            </a:r>
-            <a:r>
-              <a:rPr b="0" lang="pt-BR" sz="6000" spc="-1" strike="noStrike">
-                <a:solidFill>
-                  <a:srgbClr val="000000"/>
-                </a:solidFill>
-                <a:latin typeface="Calibri Light"/>
-              </a:rPr>
-              <a:t>es</a:t>
-            </a:r>
-            <a:r>
-              <a:rPr b="0" lang="pt-BR" sz="6000" spc="-1" strike="noStrike">
-                <a:solidFill>
-                  <a:srgbClr val="000000"/>
-                </a:solidFill>
-                <a:latin typeface="Calibri Light"/>
-              </a:rPr>
-              <a:t>tre</a:t>
-            </a:r>
-            <a:endParaRPr b="0" lang="pt-BR" sz="6000" spc="-1" strike="noStrike">
-              <a:solidFill>
-                <a:srgbClr val="000000"/>
-              </a:solidFill>
-              <a:latin typeface="Calibri"/>
+            <a:endParaRPr b="0" lang="pt-BR" sz="1800" spc="-1" strike="noStrike">
+              <a:latin typeface="Arial"/>
             </a:endParaRPr>
           </a:p>
         </p:txBody>
@@ -2756,13 +2339,13 @@
             <a:spLocks noGrp="1"/>
           </p:cNvSpPr>
           <p:nvPr>
-            <p:ph type="dt" idx="1"/>
+            <p:ph type="ftr" idx="1"/>
           </p:nvPr>
         </p:nvSpPr>
         <p:spPr>
           <a:xfrm>
-            <a:off x="838080" y="6356520"/>
-            <a:ext cx="2742840" cy="364680"/>
+            <a:off x="4038480" y="6356520"/>
+            <a:ext cx="4114080" cy="364320"/>
           </a:xfrm>
           <a:prstGeom prst="rect">
             <a:avLst/>
@@ -2773,40 +2356,34 @@
           </a:ln>
         </p:spPr>
         <p:txBody>
-          <a:bodyPr anchor="ctr">
+          <a:bodyPr lIns="90000" rIns="90000" tIns="45000" bIns="45000" anchor="ctr">
             <a:noAutofit/>
           </a:bodyPr>
           <a:lstStyle>
-            <a:lvl1pPr>
+            <a:lvl1pPr algn="ctr">
               <a:lnSpc>
                 <a:spcPct val="100000"/>
               </a:lnSpc>
               <a:buNone/>
-              <a:defRPr b="0" lang="pt-BR" sz="1200" spc="-1" strike="noStrike">
-                <a:solidFill>
-                  <a:srgbClr val="8b8b8b"/>
-                </a:solidFill>
-                <a:latin typeface="Calibri"/>
+              <a:defRPr b="0" lang="pt-BR" sz="1400" spc="-1" strike="noStrike">
+                <a:latin typeface="Times New Roman"/>
               </a:defRPr>
             </a:lvl1pPr>
           </a:lstStyle>
           <a:p>
-            <a:pPr>
+            <a:pPr algn="ctr">
               <a:lnSpc>
                 <a:spcPct val="100000"/>
               </a:lnSpc>
               <a:buNone/>
             </a:pPr>
             <a:r>
-              <a:rPr b="0" lang="pt-BR" sz="1200" spc="-1" strike="noStrike">
-                <a:solidFill>
-                  <a:srgbClr val="8b8b8b"/>
-                </a:solidFill>
-                <a:latin typeface="Calibri"/>
+              <a:rPr b="0" lang="pt-BR" sz="1400" spc="-1" strike="noStrike">
+                <a:latin typeface="Times New Roman"/>
               </a:rPr>
-              <a:t>&lt;data/hora&gt;</a:t>
+              <a:t>&lt;footer&gt;</a:t>
             </a:r>
-            <a:endParaRPr b="0" lang="pt-BR" sz="1200" spc="-1" strike="noStrike">
+            <a:endParaRPr b="0" lang="pt-BR" sz="1400" spc="-1" strike="noStrike">
               <a:latin typeface="Times New Roman"/>
             </a:endParaRPr>
           </a:p>
@@ -2819,13 +2396,13 @@
             <a:spLocks noGrp="1"/>
           </p:cNvSpPr>
           <p:nvPr>
-            <p:ph type="ftr" idx="2"/>
+            <p:ph type="sldNum" idx="2"/>
           </p:nvPr>
         </p:nvSpPr>
         <p:spPr>
           <a:xfrm>
-            <a:off x="4038480" y="6356520"/>
-            <a:ext cx="4114440" cy="364680"/>
+            <a:off x="8610480" y="6356520"/>
+            <a:ext cx="2742480" cy="364320"/>
           </a:xfrm>
           <a:prstGeom prst="rect">
             <a:avLst/>
@@ -2836,58 +2413,7 @@
           </a:ln>
         </p:spPr>
         <p:txBody>
-          <a:bodyPr anchor="ctr">
-            <a:noAutofit/>
-          </a:bodyPr>
-          <a:lstStyle>
-            <a:lvl1pPr algn="ctr">
-              <a:buNone/>
-              <a:defRPr b="0" lang="pt-BR" sz="1400" spc="-1" strike="noStrike">
-                <a:latin typeface="Times New Roman"/>
-              </a:defRPr>
-            </a:lvl1pPr>
-          </a:lstStyle>
-          <a:p>
-            <a:pPr algn="ctr">
-              <a:buNone/>
-            </a:pPr>
-            <a:r>
-              <a:rPr b="0" lang="pt-BR" sz="1400" spc="-1" strike="noStrike">
-                <a:latin typeface="Times New Roman"/>
-              </a:rPr>
-              <a:t>&lt;rodapé&gt;</a:t>
-            </a:r>
-            <a:endParaRPr b="0" lang="pt-BR" sz="1400" spc="-1" strike="noStrike">
-              <a:latin typeface="Times New Roman"/>
-            </a:endParaRPr>
-          </a:p>
-        </p:txBody>
-      </p:sp>
-      <p:sp>
-        <p:nvSpPr>
-          <p:cNvPr id="3" name="PlaceHolder 4"/>
-          <p:cNvSpPr>
-            <a:spLocks noGrp="1"/>
-          </p:cNvSpPr>
-          <p:nvPr>
-            <p:ph type="sldNum" idx="3"/>
-          </p:nvPr>
-        </p:nvSpPr>
-        <p:spPr>
-          <a:xfrm>
-            <a:off x="8610480" y="6356520"/>
-            <a:ext cx="2742840" cy="364680"/>
-          </a:xfrm>
-          <a:prstGeom prst="rect">
-            <a:avLst/>
-          </a:prstGeom>
-          <a:noFill/>
-          <a:ln w="0">
-            <a:noFill/>
-          </a:ln>
-        </p:spPr>
-        <p:txBody>
-          <a:bodyPr anchor="ctr">
+          <a:bodyPr lIns="90000" rIns="90000" tIns="45000" bIns="45000" anchor="ctr">
             <a:noAutofit/>
           </a:bodyPr>
           <a:lstStyle>
@@ -2911,16 +2437,63 @@
               </a:lnSpc>
               <a:buNone/>
             </a:pPr>
-            <a:fld id="{7F1BDD21-65E7-49B7-AD2F-DC66619A820F}" type="slidenum">
+            <a:fld id="{0A5D952F-71D9-4E6C-9740-DEB5D9624B92}" type="slidenum">
               <a:rPr b="0" lang="pt-BR" sz="1200" spc="-1" strike="noStrike">
                 <a:solidFill>
                   <a:srgbClr val="8b8b8b"/>
                 </a:solidFill>
                 <a:latin typeface="Calibri"/>
               </a:rPr>
-              <a:t>&lt;número&gt;</a:t>
+              <a:t>&lt;number&gt;</a:t>
             </a:fld>
             <a:endParaRPr b="0" lang="pt-BR" sz="1200" spc="-1" strike="noStrike">
+              <a:latin typeface="Times New Roman"/>
+            </a:endParaRPr>
+          </a:p>
+        </p:txBody>
+      </p:sp>
+      <p:sp>
+        <p:nvSpPr>
+          <p:cNvPr id="3" name="PlaceHolder 4"/>
+          <p:cNvSpPr>
+            <a:spLocks noGrp="1"/>
+          </p:cNvSpPr>
+          <p:nvPr>
+            <p:ph type="dt" idx="3"/>
+          </p:nvPr>
+        </p:nvSpPr>
+        <p:spPr>
+          <a:xfrm>
+            <a:off x="838080" y="6356520"/>
+            <a:ext cx="2742480" cy="364320"/>
+          </a:xfrm>
+          <a:prstGeom prst="rect">
+            <a:avLst/>
+          </a:prstGeom>
+          <a:noFill/>
+          <a:ln w="0">
+            <a:noFill/>
+          </a:ln>
+        </p:spPr>
+        <p:txBody>
+          <a:bodyPr lIns="90000" rIns="90000" tIns="45000" bIns="45000" anchor="ctr">
+            <a:noAutofit/>
+          </a:bodyPr>
+          <a:lstStyle>
+            <a:lvl1pPr>
+              <a:defRPr b="0" lang="pt-BR" sz="1400" spc="-1" strike="noStrike">
+                <a:latin typeface="Times New Roman"/>
+              </a:defRPr>
+            </a:lvl1pPr>
+          </a:lstStyle>
+          <a:p>
+            <a:r>
+              <a:rPr b="0" lang="pt-BR" sz="1400" spc="-1" strike="noStrike">
+                <a:latin typeface="Times New Roman"/>
+              </a:rPr>
+              <a:t>&lt;date/time&gt;</a:t>
+            </a:r>
+            <a:endParaRPr b="0" lang="pt-BR" sz="1400" spc="-1" strike="noStrike">
               <a:latin typeface="Times New Roman"/>
             </a:endParaRPr>
           </a:p>
@@ -2955,9 +2528,6 @@
           </a:bodyPr>
           <a:p>
             <a:pPr marL="432000" indent="-324000">
-              <a:lnSpc>
-                <a:spcPct val="90000"/>
-              </a:lnSpc>
               <a:spcBef>
                 <a:spcPts val="1417"/>
               </a:spcBef>
@@ -2969,26 +2539,17 @@
               <a:buChar char=""/>
             </a:pPr>
             <a:r>
-              <a:rPr b="0" lang="pt-BR" sz="2800" spc="-1" strike="noStrike">
-                <a:solidFill>
-                  <a:srgbClr val="000000"/>
-                </a:solidFill>
-                <a:latin typeface="Calibri"/>
+              <a:rPr b="0" lang="pt-BR" sz="3200" spc="-1" strike="noStrike">
+                <a:latin typeface="Arial"/>
               </a:rPr>
-              <a:t>Clique para editar o formato do texto da estrutura de tópicos</a:t>
+              <a:t>Click to edit the outline text format</a:t>
             </a:r>
-            <a:endParaRPr b="0" lang="pt-BR" sz="2800" spc="-1" strike="noStrike">
-              <a:solidFill>
-                <a:srgbClr val="000000"/>
-              </a:solidFill>
-              <a:latin typeface="Calibri"/>
+            <a:endParaRPr b="0" lang="pt-BR" sz="3200" spc="-1" strike="noStrike">
+              <a:latin typeface="Arial"/>
             </a:endParaRPr>
           </a:p>
           <a:p>
             <a:pPr lvl="1" marL="864000" indent="-324000">
-              <a:lnSpc>
-                <a:spcPct val="90000"/>
-              </a:lnSpc>
               <a:spcBef>
                 <a:spcPts val="1134"/>
               </a:spcBef>
@@ -3000,26 +2561,17 @@
               <a:buChar char=""/>
             </a:pPr>
             <a:r>
-              <a:rPr b="0" lang="pt-BR" sz="2000" spc="-1" strike="noStrike">
-                <a:solidFill>
-                  <a:srgbClr val="000000"/>
-                </a:solidFill>
-                <a:latin typeface="Calibri"/>
+              <a:rPr b="0" lang="pt-BR" sz="2800" spc="-1" strike="noStrike">
+                <a:latin typeface="Arial"/>
               </a:rPr>
-              <a:t>2.º nível da estrutura de tópicos</a:t>
+              <a:t>Second Outline Level</a:t>
             </a:r>
-            <a:endParaRPr b="0" lang="pt-BR" sz="2000" spc="-1" strike="noStrike">
-              <a:solidFill>
-                <a:srgbClr val="000000"/>
-              </a:solidFill>
-              <a:latin typeface="Calibri"/>
+            <a:endParaRPr b="0" lang="pt-BR" sz="2800" spc="-1" strike="noStrike">
+              <a:latin typeface="Arial"/>
             </a:endParaRPr>
           </a:p>
           <a:p>
             <a:pPr lvl="2" marL="1296000" indent="-288000">
-              <a:lnSpc>
-                <a:spcPct val="90000"/>
-              </a:lnSpc>
               <a:spcBef>
                 <a:spcPts val="850"/>
               </a:spcBef>
@@ -3031,26 +2583,17 @@
               <a:buChar char=""/>
             </a:pPr>
             <a:r>
-              <a:rPr b="0" lang="pt-BR" sz="1800" spc="-1" strike="noStrike">
-                <a:solidFill>
-                  <a:srgbClr val="000000"/>
-                </a:solidFill>
-                <a:latin typeface="Calibri"/>
+              <a:rPr b="0" lang="pt-BR" sz="2400" spc="-1" strike="noStrike">
+                <a:latin typeface="Arial"/>
               </a:rPr>
-              <a:t>3.º nível da estrutura de tópicos</a:t>
+              <a:t>Third Outline Level</a:t>
             </a:r>
-            <a:endParaRPr b="0" lang="pt-BR" sz="1800" spc="-1" strike="noStrike">
-              <a:solidFill>
-                <a:srgbClr val="000000"/>
-              </a:solidFill>
-              <a:latin typeface="Calibri"/>
+            <a:endParaRPr b="0" lang="pt-BR" sz="2400" spc="-1" strike="noStrike">
+              <a:latin typeface="Arial"/>
             </a:endParaRPr>
           </a:p>
           <a:p>
             <a:pPr lvl="3" marL="1728000" indent="-216000">
-              <a:lnSpc>
-                <a:spcPct val="90000"/>
-              </a:lnSpc>
               <a:spcBef>
                 <a:spcPts val="567"/>
               </a:spcBef>
@@ -3062,26 +2605,17 @@
               <a:buChar char=""/>
             </a:pPr>
             <a:r>
-              <a:rPr b="0" lang="pt-BR" sz="1800" spc="-1" strike="noStrike">
-                <a:solidFill>
-                  <a:srgbClr val="000000"/>
-                </a:solidFill>
-                <a:latin typeface="Calibri"/>
+              <a:rPr b="0" lang="pt-BR" sz="2000" spc="-1" strike="noStrike">
+                <a:latin typeface="Arial"/>
               </a:rPr>
-              <a:t>4.º nível da estrutura de tópicos</a:t>
+              <a:t>Fourth Outline Level</a:t>
             </a:r>
-            <a:endParaRPr b="0" lang="pt-BR" sz="1800" spc="-1" strike="noStrike">
-              <a:solidFill>
-                <a:srgbClr val="000000"/>
-              </a:solidFill>
-              <a:latin typeface="Calibri"/>
+            <a:endParaRPr b="0" lang="pt-BR" sz="2000" spc="-1" strike="noStrike">
+              <a:latin typeface="Arial"/>
             </a:endParaRPr>
           </a:p>
           <a:p>
             <a:pPr lvl="4" marL="2160000" indent="-216000">
-              <a:lnSpc>
-                <a:spcPct val="90000"/>
-              </a:lnSpc>
               <a:spcBef>
                 <a:spcPts val="283"/>
               </a:spcBef>
@@ -3094,25 +2628,16 @@
             </a:pPr>
             <a:r>
               <a:rPr b="0" lang="pt-BR" sz="2000" spc="-1" strike="noStrike">
-                <a:solidFill>
-                  <a:srgbClr val="000000"/>
-                </a:solidFill>
-                <a:latin typeface="Calibri"/>
+                <a:latin typeface="Arial"/>
               </a:rPr>
-              <a:t>5.º nível da estrutura de tópicos</a:t>
+              <a:t>Fifth Outline Level</a:t>
             </a:r>
             <a:endParaRPr b="0" lang="pt-BR" sz="2000" spc="-1" strike="noStrike">
-              <a:solidFill>
-                <a:srgbClr val="000000"/>
-              </a:solidFill>
-              <a:latin typeface="Calibri"/>
+              <a:latin typeface="Arial"/>
             </a:endParaRPr>
           </a:p>
           <a:p>
             <a:pPr lvl="5" marL="2592000" indent="-216000">
-              <a:lnSpc>
-                <a:spcPct val="90000"/>
-              </a:lnSpc>
               <a:spcBef>
                 <a:spcPts val="283"/>
               </a:spcBef>
@@ -3125,25 +2650,16 @@
             </a:pPr>
             <a:r>
               <a:rPr b="0" lang="pt-BR" sz="2000" spc="-1" strike="noStrike">
-                <a:solidFill>
-                  <a:srgbClr val="000000"/>
-                </a:solidFill>
-                <a:latin typeface="Calibri"/>
+                <a:latin typeface="Arial"/>
               </a:rPr>
-              <a:t>6.º nível da estrutura de tópicos</a:t>
+              <a:t>Sixth Outline Level</a:t>
             </a:r>
             <a:endParaRPr b="0" lang="pt-BR" sz="2000" spc="-1" strike="noStrike">
-              <a:solidFill>
-                <a:srgbClr val="000000"/>
-              </a:solidFill>
-              <a:latin typeface="Calibri"/>
+              <a:latin typeface="Arial"/>
             </a:endParaRPr>
           </a:p>
           <a:p>
             <a:pPr lvl="6" marL="3024000" indent="-216000">
-              <a:lnSpc>
-                <a:spcPct val="90000"/>
-              </a:lnSpc>
               <a:spcBef>
                 <a:spcPts val="283"/>
               </a:spcBef>
@@ -3156,18 +2672,12 @@
             </a:pPr>
             <a:r>
               <a:rPr b="0" lang="pt-BR" sz="2000" spc="-1" strike="noStrike">
-                <a:solidFill>
-                  <a:srgbClr val="000000"/>
-                </a:solidFill>
-                <a:latin typeface="Calibri"/>
+                <a:latin typeface="Arial"/>
               </a:rPr>
-              <a:t>7.º nível da estrutura de tópicos</a:t>
+              <a:t>Seventh Outline Level</a:t>
             </a:r>
             <a:endParaRPr b="0" lang="pt-BR" sz="2000" spc="-1" strike="noStrike">
-              <a:solidFill>
-                <a:srgbClr val="000000"/>
-              </a:solidFill>
-              <a:latin typeface="Calibri"/>
+              <a:latin typeface="Arial"/>
             </a:endParaRPr>
           </a:p>
         </p:txBody>
@@ -3217,10 +2727,10 @@
         </p:nvGrpSpPr>
         <p:grpSpPr>
           <a:xfrm>
-            <a:off x="6391800" y="779760"/>
-            <a:ext cx="1113120" cy="1350000"/>
-            <a:chOff x="6391800" y="779760"/>
-            <a:chExt cx="1113120" cy="1350000"/>
+            <a:off x="1315800" y="1031760"/>
+            <a:ext cx="1112760" cy="1349640"/>
+            <a:chOff x="1315800" y="1031760"/>
+            <a:chExt cx="1112760" cy="1349640"/>
           </a:xfrm>
         </p:grpSpPr>
         <p:sp>
@@ -3231,8 +2741,8 @@
           </p:nvSpPr>
           <p:spPr>
             <a:xfrm>
-              <a:off x="6450480" y="779760"/>
-              <a:ext cx="996120" cy="1349640"/>
+              <a:off x="1374480" y="1031760"/>
+              <a:ext cx="995760" cy="1349280"/>
             </a:xfrm>
             <a:prstGeom prst="rect">
               <a:avLst/>
@@ -3269,8 +2779,8 @@
           </p:nvSpPr>
           <p:spPr>
             <a:xfrm>
-              <a:off x="6391800" y="779760"/>
-              <a:ext cx="1113120" cy="383760"/>
+              <a:off x="1315800" y="1031760"/>
+              <a:ext cx="1112760" cy="383400"/>
             </a:xfrm>
             <a:prstGeom prst="rect">
               <a:avLst/>
@@ -3307,8 +2817,8 @@
           </p:nvSpPr>
           <p:spPr>
             <a:xfrm>
-              <a:off x="6459120" y="944280"/>
-              <a:ext cx="39960" cy="41040"/>
+              <a:off x="1383120" y="1196280"/>
+              <a:ext cx="39600" cy="40680"/>
             </a:xfrm>
             <a:prstGeom prst="ellipse">
               <a:avLst/>
@@ -3345,8 +2855,8 @@
           </p:nvSpPr>
           <p:spPr>
             <a:xfrm>
-              <a:off x="6391800" y="1262880"/>
-              <a:ext cx="1113120" cy="383760"/>
+              <a:off x="1315800" y="1514880"/>
+              <a:ext cx="1112760" cy="383400"/>
             </a:xfrm>
             <a:prstGeom prst="rect">
               <a:avLst/>
@@ -3383,8 +2893,8 @@
           </p:nvSpPr>
           <p:spPr>
             <a:xfrm>
-              <a:off x="6391800" y="1746000"/>
-              <a:ext cx="1113120" cy="383760"/>
+              <a:off x="1315800" y="1998000"/>
+              <a:ext cx="1112760" cy="383400"/>
             </a:xfrm>
             <a:prstGeom prst="rect">
               <a:avLst/>
@@ -3421,8 +2931,8 @@
           </p:nvSpPr>
           <p:spPr>
             <a:xfrm>
-              <a:off x="6459120" y="1434240"/>
-              <a:ext cx="39960" cy="41040"/>
+              <a:off x="1383120" y="1686240"/>
+              <a:ext cx="39600" cy="40680"/>
             </a:xfrm>
             <a:prstGeom prst="ellipse">
               <a:avLst/>
@@ -3459,8 +2969,8 @@
           </p:nvSpPr>
           <p:spPr>
             <a:xfrm>
-              <a:off x="6459120" y="1917360"/>
-              <a:ext cx="39960" cy="41040"/>
+              <a:off x="1383120" y="2169360"/>
+              <a:ext cx="39600" cy="40680"/>
             </a:xfrm>
             <a:prstGeom prst="ellipse">
               <a:avLst/>
@@ -3497,8 +3007,8 @@
           </p:nvSpPr>
           <p:spPr>
             <a:xfrm>
-              <a:off x="6530400" y="944280"/>
-              <a:ext cx="39960" cy="41040"/>
+              <a:off x="1454400" y="1196280"/>
+              <a:ext cx="39600" cy="40680"/>
             </a:xfrm>
             <a:prstGeom prst="ellipse">
               <a:avLst/>
@@ -3535,8 +3045,8 @@
           </p:nvSpPr>
           <p:spPr>
             <a:xfrm>
-              <a:off x="6530400" y="1434240"/>
-              <a:ext cx="39960" cy="41040"/>
+              <a:off x="1454400" y="1686240"/>
+              <a:ext cx="39600" cy="40680"/>
             </a:xfrm>
             <a:prstGeom prst="ellipse">
               <a:avLst/>
@@ -3573,8 +3083,8 @@
           </p:nvSpPr>
           <p:spPr>
             <a:xfrm>
-              <a:off x="6530400" y="1917360"/>
-              <a:ext cx="39960" cy="41040"/>
+              <a:off x="1454400" y="2169360"/>
+              <a:ext cx="39600" cy="40680"/>
             </a:xfrm>
             <a:prstGeom prst="ellipse">
               <a:avLst/>
@@ -3611,8 +3121,8 @@
           </p:nvSpPr>
           <p:spPr>
             <a:xfrm>
-              <a:off x="6602040" y="944280"/>
-              <a:ext cx="39960" cy="41040"/>
+              <a:off x="1526040" y="1196280"/>
+              <a:ext cx="39600" cy="40680"/>
             </a:xfrm>
             <a:prstGeom prst="ellipse">
               <a:avLst/>
@@ -3649,8 +3159,8 @@
           </p:nvSpPr>
           <p:spPr>
             <a:xfrm>
-              <a:off x="6602040" y="1434240"/>
-              <a:ext cx="39960" cy="41040"/>
+              <a:off x="1526040" y="1686240"/>
+              <a:ext cx="39600" cy="40680"/>
             </a:xfrm>
             <a:prstGeom prst="ellipse">
               <a:avLst/>
@@ -3687,8 +3197,8 @@
           </p:nvSpPr>
           <p:spPr>
             <a:xfrm>
-              <a:off x="6602040" y="1917360"/>
-              <a:ext cx="39960" cy="41040"/>
+              <a:off x="1526040" y="2169360"/>
+              <a:ext cx="39600" cy="40680"/>
             </a:xfrm>
             <a:prstGeom prst="ellipse">
               <a:avLst/>
@@ -3725,8 +3235,8 @@
           </p:nvSpPr>
           <p:spPr>
             <a:xfrm>
-              <a:off x="6720480" y="945360"/>
-              <a:ext cx="726120" cy="39960"/>
+              <a:off x="1644480" y="1197360"/>
+              <a:ext cx="725760" cy="39600"/>
             </a:xfrm>
             <a:prstGeom prst="roundRect">
               <a:avLst>
@@ -3765,8 +3275,8 @@
           </p:nvSpPr>
           <p:spPr>
             <a:xfrm>
-              <a:off x="6720480" y="1434240"/>
-              <a:ext cx="726120" cy="39960"/>
+              <a:off x="1644480" y="1686240"/>
+              <a:ext cx="725760" cy="39600"/>
             </a:xfrm>
             <a:prstGeom prst="roundRect">
               <a:avLst>
@@ -3805,8 +3315,8 @@
           </p:nvSpPr>
           <p:spPr>
             <a:xfrm>
-              <a:off x="6720480" y="1916640"/>
-              <a:ext cx="726120" cy="39960"/>
+              <a:off x="1644480" y="2168640"/>
+              <a:ext cx="725760" cy="39600"/>
             </a:xfrm>
             <a:prstGeom prst="roundRect">
               <a:avLst>
@@ -3846,10 +3356,10 @@
         </p:nvGrpSpPr>
         <p:grpSpPr>
           <a:xfrm>
-            <a:off x="6391800" y="2802960"/>
-            <a:ext cx="1113120" cy="1350000"/>
-            <a:chOff x="6391800" y="2802960"/>
-            <a:chExt cx="1113120" cy="1350000"/>
+            <a:off x="1315800" y="3054960"/>
+            <a:ext cx="1112760" cy="1349640"/>
+            <a:chOff x="1315800" y="3054960"/>
+            <a:chExt cx="1112760" cy="1349640"/>
           </a:xfrm>
         </p:grpSpPr>
         <p:sp>
@@ -3860,8 +3370,8 @@
           </p:nvSpPr>
           <p:spPr>
             <a:xfrm>
-              <a:off x="6450480" y="2802960"/>
-              <a:ext cx="996120" cy="1349640"/>
+              <a:off x="1374480" y="3054960"/>
+              <a:ext cx="995760" cy="1349280"/>
             </a:xfrm>
             <a:prstGeom prst="rect">
               <a:avLst/>
@@ -3898,8 +3408,8 @@
           </p:nvSpPr>
           <p:spPr>
             <a:xfrm>
-              <a:off x="6391800" y="2802960"/>
-              <a:ext cx="1113120" cy="383760"/>
+              <a:off x="1315800" y="3054960"/>
+              <a:ext cx="1112760" cy="383400"/>
             </a:xfrm>
             <a:prstGeom prst="rect">
               <a:avLst/>
@@ -3936,8 +3446,8 @@
           </p:nvSpPr>
           <p:spPr>
             <a:xfrm>
-              <a:off x="6459120" y="2967120"/>
-              <a:ext cx="39960" cy="41040"/>
+              <a:off x="1383120" y="3219120"/>
+              <a:ext cx="39600" cy="40680"/>
             </a:xfrm>
             <a:prstGeom prst="ellipse">
               <a:avLst/>
@@ -3974,8 +3484,8 @@
           </p:nvSpPr>
           <p:spPr>
             <a:xfrm>
-              <a:off x="6391800" y="3286080"/>
-              <a:ext cx="1113120" cy="383760"/>
+              <a:off x="1315800" y="3538080"/>
+              <a:ext cx="1112760" cy="383400"/>
             </a:xfrm>
             <a:prstGeom prst="rect">
               <a:avLst/>
@@ -4012,8 +3522,8 @@
           </p:nvSpPr>
           <p:spPr>
             <a:xfrm>
-              <a:off x="6391800" y="3769200"/>
-              <a:ext cx="1113120" cy="383760"/>
+              <a:off x="1315800" y="4021200"/>
+              <a:ext cx="1112760" cy="383400"/>
             </a:xfrm>
             <a:prstGeom prst="rect">
               <a:avLst/>
@@ -4050,8 +3560,8 @@
           </p:nvSpPr>
           <p:spPr>
             <a:xfrm>
-              <a:off x="6459120" y="3457440"/>
-              <a:ext cx="39960" cy="41040"/>
+              <a:off x="1383120" y="3709440"/>
+              <a:ext cx="39600" cy="40680"/>
             </a:xfrm>
             <a:prstGeom prst="ellipse">
               <a:avLst/>
@@ -4088,8 +3598,8 @@
           </p:nvSpPr>
           <p:spPr>
             <a:xfrm>
-              <a:off x="6459120" y="3940200"/>
-              <a:ext cx="39960" cy="41040"/>
+              <a:off x="1383120" y="4192200"/>
+              <a:ext cx="39600" cy="40680"/>
             </a:xfrm>
             <a:prstGeom prst="ellipse">
               <a:avLst/>
@@ -4126,8 +3636,8 @@
           </p:nvSpPr>
           <p:spPr>
             <a:xfrm>
-              <a:off x="6530400" y="2967120"/>
-              <a:ext cx="39960" cy="41040"/>
+              <a:off x="1454400" y="3219120"/>
+              <a:ext cx="39600" cy="40680"/>
             </a:xfrm>
             <a:prstGeom prst="ellipse">
               <a:avLst/>
@@ -4164,8 +3674,8 @@
           </p:nvSpPr>
           <p:spPr>
             <a:xfrm>
-              <a:off x="6530400" y="3457440"/>
-              <a:ext cx="39960" cy="41040"/>
+              <a:off x="1454400" y="3709440"/>
+              <a:ext cx="39600" cy="40680"/>
             </a:xfrm>
             <a:prstGeom prst="ellipse">
               <a:avLst/>
@@ -4202,8 +3712,8 @@
           </p:nvSpPr>
           <p:spPr>
             <a:xfrm>
-              <a:off x="6530400" y="3940200"/>
-              <a:ext cx="39960" cy="41040"/>
+              <a:off x="1454400" y="4192200"/>
+              <a:ext cx="39600" cy="40680"/>
             </a:xfrm>
             <a:prstGeom prst="ellipse">
               <a:avLst/>
@@ -4240,8 +3750,8 @@
           </p:nvSpPr>
           <p:spPr>
             <a:xfrm>
-              <a:off x="6602040" y="2967120"/>
-              <a:ext cx="39960" cy="41040"/>
+              <a:off x="1526040" y="3219120"/>
+              <a:ext cx="39600" cy="40680"/>
             </a:xfrm>
             <a:prstGeom prst="ellipse">
               <a:avLst/>
@@ -4278,8 +3788,8 @@
           </p:nvSpPr>
           <p:spPr>
             <a:xfrm>
-              <a:off x="6602040" y="3457440"/>
-              <a:ext cx="39960" cy="41040"/>
+              <a:off x="1526040" y="3709440"/>
+              <a:ext cx="39600" cy="40680"/>
             </a:xfrm>
             <a:prstGeom prst="ellipse">
               <a:avLst/>
@@ -4316,8 +3826,8 @@
           </p:nvSpPr>
           <p:spPr>
             <a:xfrm>
-              <a:off x="6602040" y="3940200"/>
-              <a:ext cx="39960" cy="41040"/>
+              <a:off x="1526040" y="4192200"/>
+              <a:ext cx="39600" cy="40680"/>
             </a:xfrm>
             <a:prstGeom prst="ellipse">
               <a:avLst/>
@@ -4354,8 +3864,8 @@
           </p:nvSpPr>
           <p:spPr>
             <a:xfrm>
-              <a:off x="6720480" y="2968200"/>
-              <a:ext cx="726120" cy="39960"/>
+              <a:off x="1644480" y="3220200"/>
+              <a:ext cx="725760" cy="39600"/>
             </a:xfrm>
             <a:prstGeom prst="roundRect">
               <a:avLst>
@@ -4394,8 +3904,8 @@
           </p:nvSpPr>
           <p:spPr>
             <a:xfrm>
-              <a:off x="6720480" y="3457440"/>
-              <a:ext cx="726120" cy="39960"/>
+              <a:off x="1644480" y="3709440"/>
+              <a:ext cx="725760" cy="39600"/>
             </a:xfrm>
             <a:prstGeom prst="roundRect">
               <a:avLst>
@@ -4434,8 +3944,8 @@
           </p:nvSpPr>
           <p:spPr>
             <a:xfrm>
-              <a:off x="6720480" y="3939480"/>
-              <a:ext cx="726120" cy="39960"/>
+              <a:off x="1644480" y="4191480"/>
+              <a:ext cx="725760" cy="39600"/>
             </a:xfrm>
             <a:prstGeom prst="roundRect">
               <a:avLst>
@@ -4475,10 +3985,10 @@
         </p:nvGrpSpPr>
         <p:grpSpPr>
           <a:xfrm>
-            <a:off x="6450480" y="4787640"/>
-            <a:ext cx="1113120" cy="1350000"/>
-            <a:chOff x="6450480" y="4787640"/>
-            <a:chExt cx="1113120" cy="1350000"/>
+            <a:off x="1302480" y="5039640"/>
+            <a:ext cx="1112760" cy="1349640"/>
+            <a:chOff x="1302480" y="5039640"/>
+            <a:chExt cx="1112760" cy="1349640"/>
           </a:xfrm>
         </p:grpSpPr>
         <p:sp>
@@ -4489,8 +3999,8 @@
           </p:nvSpPr>
           <p:spPr>
             <a:xfrm>
-              <a:off x="6508800" y="4787640"/>
-              <a:ext cx="996120" cy="1349640"/>
+              <a:off x="1360800" y="5039640"/>
+              <a:ext cx="995760" cy="1349280"/>
             </a:xfrm>
             <a:prstGeom prst="rect">
               <a:avLst/>
@@ -4527,8 +4037,8 @@
           </p:nvSpPr>
           <p:spPr>
             <a:xfrm>
-              <a:off x="6450480" y="4787640"/>
-              <a:ext cx="1113120" cy="383760"/>
+              <a:off x="1302480" y="5039640"/>
+              <a:ext cx="1112760" cy="383400"/>
             </a:xfrm>
             <a:prstGeom prst="rect">
               <a:avLst/>
@@ -4565,8 +4075,8 @@
           </p:nvSpPr>
           <p:spPr>
             <a:xfrm>
-              <a:off x="6517440" y="4952160"/>
-              <a:ext cx="39960" cy="41040"/>
+              <a:off x="1369440" y="5204160"/>
+              <a:ext cx="39600" cy="40680"/>
             </a:xfrm>
             <a:prstGeom prst="ellipse">
               <a:avLst/>
@@ -4603,8 +4113,8 @@
           </p:nvSpPr>
           <p:spPr>
             <a:xfrm>
-              <a:off x="6450480" y="5270760"/>
-              <a:ext cx="1113120" cy="383760"/>
+              <a:off x="1302480" y="5522760"/>
+              <a:ext cx="1112760" cy="383400"/>
             </a:xfrm>
             <a:prstGeom prst="rect">
               <a:avLst/>
@@ -4641,8 +4151,8 @@
           </p:nvSpPr>
           <p:spPr>
             <a:xfrm>
-              <a:off x="6450480" y="5753880"/>
-              <a:ext cx="1113120" cy="383760"/>
+              <a:off x="1302480" y="6005880"/>
+              <a:ext cx="1112760" cy="383400"/>
             </a:xfrm>
             <a:prstGeom prst="rect">
               <a:avLst/>
@@ -4679,8 +4189,8 @@
           </p:nvSpPr>
           <p:spPr>
             <a:xfrm>
-              <a:off x="6517440" y="5442120"/>
-              <a:ext cx="39960" cy="41040"/>
+              <a:off x="1369440" y="5694120"/>
+              <a:ext cx="39600" cy="40680"/>
             </a:xfrm>
             <a:prstGeom prst="ellipse">
               <a:avLst/>
@@ -4717,8 +4227,8 @@
           </p:nvSpPr>
           <p:spPr>
             <a:xfrm>
-              <a:off x="6517440" y="5925240"/>
-              <a:ext cx="39960" cy="41040"/>
+              <a:off x="1369440" y="6177240"/>
+              <a:ext cx="39600" cy="40680"/>
             </a:xfrm>
             <a:prstGeom prst="ellipse">
               <a:avLst/>
@@ -4755,8 +4265,8 @@
           </p:nvSpPr>
           <p:spPr>
             <a:xfrm>
-              <a:off x="6589080" y="4952160"/>
-              <a:ext cx="39960" cy="41040"/>
+              <a:off x="1441080" y="5204160"/>
+              <a:ext cx="39600" cy="40680"/>
             </a:xfrm>
             <a:prstGeom prst="ellipse">
               <a:avLst/>
@@ -4793,8 +4303,8 @@
           </p:nvSpPr>
           <p:spPr>
             <a:xfrm>
-              <a:off x="6589080" y="5442120"/>
-              <a:ext cx="39960" cy="41040"/>
+              <a:off x="1441080" y="5694120"/>
+              <a:ext cx="39600" cy="40680"/>
             </a:xfrm>
             <a:prstGeom prst="ellipse">
               <a:avLst/>
@@ -4831,8 +4341,8 @@
           </p:nvSpPr>
           <p:spPr>
             <a:xfrm>
-              <a:off x="6589080" y="5925240"/>
-              <a:ext cx="39960" cy="41040"/>
+              <a:off x="1441080" y="6177240"/>
+              <a:ext cx="39600" cy="40680"/>
             </a:xfrm>
             <a:prstGeom prst="ellipse">
               <a:avLst/>
@@ -4869,8 +4379,8 @@
           </p:nvSpPr>
           <p:spPr>
             <a:xfrm>
-              <a:off x="6660360" y="4952160"/>
-              <a:ext cx="39960" cy="41040"/>
+              <a:off x="1512360" y="5204160"/>
+              <a:ext cx="39600" cy="40680"/>
             </a:xfrm>
             <a:prstGeom prst="ellipse">
               <a:avLst/>
@@ -4907,8 +4417,8 @@
           </p:nvSpPr>
           <p:spPr>
             <a:xfrm>
-              <a:off x="6660360" y="5442120"/>
-              <a:ext cx="39960" cy="41040"/>
+              <a:off x="1512360" y="5694120"/>
+              <a:ext cx="39600" cy="40680"/>
             </a:xfrm>
             <a:prstGeom prst="ellipse">
               <a:avLst/>
@@ -4945,8 +4455,8 @@
           </p:nvSpPr>
           <p:spPr>
             <a:xfrm>
-              <a:off x="6660360" y="5925240"/>
-              <a:ext cx="39960" cy="41040"/>
+              <a:off x="1512360" y="6177240"/>
+              <a:ext cx="39600" cy="40680"/>
             </a:xfrm>
             <a:prstGeom prst="ellipse">
               <a:avLst/>
@@ -4983,8 +4493,8 @@
           </p:nvSpPr>
           <p:spPr>
             <a:xfrm>
-              <a:off x="6778800" y="4953240"/>
-              <a:ext cx="726120" cy="39960"/>
+              <a:off x="1630800" y="5205240"/>
+              <a:ext cx="725760" cy="39600"/>
             </a:xfrm>
             <a:prstGeom prst="roundRect">
               <a:avLst>
@@ -5023,8 +4533,8 @@
           </p:nvSpPr>
           <p:spPr>
             <a:xfrm>
-              <a:off x="6778800" y="5442120"/>
-              <a:ext cx="726120" cy="39960"/>
+              <a:off x="1630800" y="5694120"/>
+              <a:ext cx="725760" cy="39600"/>
             </a:xfrm>
             <a:prstGeom prst="roundRect">
               <a:avLst>
@@ -5063,8 +4573,8 @@
           </p:nvSpPr>
           <p:spPr>
             <a:xfrm>
-              <a:off x="6778800" y="5924520"/>
-              <a:ext cx="726120" cy="39960"/>
+              <a:off x="1630800" y="6176520"/>
+              <a:ext cx="725760" cy="39600"/>
             </a:xfrm>
             <a:prstGeom prst="roundRect">
               <a:avLst>
@@ -5098,14 +4608,14 @@
       </p:grpSp>
       <p:sp>
         <p:nvSpPr>
-          <p:cNvPr id="92" name="CaixaDeTexto 108"/>
+          <p:cNvPr id="92" name="CaixaDeTexto 109"/>
           <p:cNvSpPr/>
           <p:nvPr/>
         </p:nvSpPr>
         <p:spPr>
           <a:xfrm>
-            <a:off x="5791320" y="2388960"/>
-            <a:ext cx="2314080" cy="364680"/>
+            <a:off x="715320" y="252000"/>
+            <a:ext cx="2313720" cy="363960"/>
           </a:xfrm>
           <a:prstGeom prst="rect">
             <a:avLst/>
@@ -5140,7 +4650,7 @@
                 <a:latin typeface="Roboto"/>
                 <a:ea typeface="Roboto"/>
               </a:rPr>
-              <a:t>Worker node 2</a:t>
+              <a:t>Nodes</a:t>
             </a:r>
             <a:endParaRPr b="0" lang="pt-BR" sz="1800" spc="-1" strike="noStrike">
               <a:latin typeface="Arial"/>
@@ -5150,14 +4660,464 @@
       </p:sp>
       <p:sp>
         <p:nvSpPr>
-          <p:cNvPr id="93" name="CaixaDeTexto 109"/>
+          <p:cNvPr id="93" name=""/>
           <p:cNvSpPr/>
           <p:nvPr/>
         </p:nvSpPr>
         <p:spPr>
           <a:xfrm>
-            <a:off x="5791320" y="360000"/>
-            <a:ext cx="2314080" cy="364680"/>
+            <a:off x="2736000" y="1692000"/>
+            <a:ext cx="1440000" cy="0"/>
+          </a:xfrm>
+          <a:prstGeom prst="line">
+            <a:avLst/>
+          </a:prstGeom>
+          <a:ln w="36000">
+            <a:solidFill>
+              <a:srgbClr val="111111"/>
+            </a:solidFill>
+            <a:round/>
+            <a:tailEnd len="med" type="triangle" w="med"/>
+          </a:ln>
+        </p:spPr>
+        <p:style>
+          <a:lnRef idx="0"/>
+          <a:fillRef idx="0"/>
+          <a:effectRef idx="0"/>
+          <a:fontRef idx="minor"/>
+        </p:style>
+      </p:sp>
+      <p:pic>
+        <p:nvPicPr>
+          <p:cNvPr id="94" name="" descr=""/>
+          <p:cNvPicPr/>
+          <p:nvPr/>
+        </p:nvPicPr>
+        <p:blipFill>
+          <a:blip r:embed="rId1"/>
+          <a:stretch/>
+        </p:blipFill>
+        <p:spPr>
+          <a:xfrm>
+            <a:off x="4356000" y="1512000"/>
+            <a:ext cx="540000" cy="540000"/>
+          </a:xfrm>
+          <a:prstGeom prst="rect">
+            <a:avLst/>
+          </a:prstGeom>
+          <a:ln w="0">
+            <a:noFill/>
+          </a:ln>
+        </p:spPr>
+      </p:pic>
+      <p:pic>
+        <p:nvPicPr>
+          <p:cNvPr id="95" name="" descr=""/>
+          <p:cNvPicPr/>
+          <p:nvPr/>
+        </p:nvPicPr>
+        <p:blipFill>
+          <a:blip r:embed="rId2"/>
+          <a:stretch/>
+        </p:blipFill>
+        <p:spPr>
+          <a:xfrm>
+            <a:off x="4896000" y="1692000"/>
+            <a:ext cx="540000" cy="540000"/>
+          </a:xfrm>
+          <a:prstGeom prst="rect">
+            <a:avLst/>
+          </a:prstGeom>
+          <a:ln w="0">
+            <a:noFill/>
+          </a:ln>
+        </p:spPr>
+      </p:pic>
+      <p:pic>
+        <p:nvPicPr>
+          <p:cNvPr id="96" name="" descr=""/>
+          <p:cNvPicPr/>
+          <p:nvPr/>
+        </p:nvPicPr>
+        <p:blipFill>
+          <a:blip r:embed="rId3"/>
+          <a:stretch/>
+        </p:blipFill>
+        <p:spPr>
+          <a:xfrm>
+            <a:off x="4896000" y="972000"/>
+            <a:ext cx="540000" cy="540000"/>
+          </a:xfrm>
+          <a:prstGeom prst="rect">
+            <a:avLst/>
+          </a:prstGeom>
+          <a:ln w="0">
+            <a:noFill/>
+          </a:ln>
+        </p:spPr>
+      </p:pic>
+      <p:pic>
+        <p:nvPicPr>
+          <p:cNvPr id="97" name="" descr=""/>
+          <p:cNvPicPr/>
+          <p:nvPr/>
+        </p:nvPicPr>
+        <p:blipFill>
+          <a:blip r:embed="rId4"/>
+          <a:stretch/>
+        </p:blipFill>
+        <p:spPr>
+          <a:xfrm>
+            <a:off x="5508000" y="1332000"/>
+            <a:ext cx="540000" cy="540000"/>
+          </a:xfrm>
+          <a:prstGeom prst="rect">
+            <a:avLst/>
+          </a:prstGeom>
+          <a:ln w="0">
+            <a:noFill/>
+          </a:ln>
+        </p:spPr>
+      </p:pic>
+      <p:sp>
+        <p:nvSpPr>
+          <p:cNvPr id="98" name=""/>
+          <p:cNvSpPr/>
+          <p:nvPr/>
+        </p:nvSpPr>
+        <p:spPr>
+          <a:xfrm>
+            <a:off x="2736000" y="3672000"/>
+            <a:ext cx="1440000" cy="0"/>
+          </a:xfrm>
+          <a:prstGeom prst="line">
+            <a:avLst/>
+          </a:prstGeom>
+          <a:ln w="36000">
+            <a:solidFill>
+              <a:srgbClr val="111111"/>
+            </a:solidFill>
+            <a:round/>
+            <a:tailEnd len="med" type="triangle" w="med"/>
+          </a:ln>
+        </p:spPr>
+        <p:style>
+          <a:lnRef idx="0"/>
+          <a:fillRef idx="0"/>
+          <a:effectRef idx="0"/>
+          <a:fontRef idx="minor"/>
+        </p:style>
+      </p:sp>
+      <p:pic>
+        <p:nvPicPr>
+          <p:cNvPr id="99" name="" descr=""/>
+          <p:cNvPicPr/>
+          <p:nvPr/>
+        </p:nvPicPr>
+        <p:blipFill>
+          <a:blip r:embed="rId5"/>
+          <a:stretch/>
+        </p:blipFill>
+        <p:spPr>
+          <a:xfrm>
+            <a:off x="4356000" y="3492000"/>
+            <a:ext cx="540000" cy="540000"/>
+          </a:xfrm>
+          <a:prstGeom prst="rect">
+            <a:avLst/>
+          </a:prstGeom>
+          <a:ln w="0">
+            <a:noFill/>
+          </a:ln>
+        </p:spPr>
+      </p:pic>
+      <p:pic>
+        <p:nvPicPr>
+          <p:cNvPr id="100" name="" descr=""/>
+          <p:cNvPicPr/>
+          <p:nvPr/>
+        </p:nvPicPr>
+        <p:blipFill>
+          <a:blip r:embed="rId6"/>
+          <a:stretch/>
+        </p:blipFill>
+        <p:spPr>
+          <a:xfrm>
+            <a:off x="4896000" y="3672000"/>
+            <a:ext cx="540000" cy="540000"/>
+          </a:xfrm>
+          <a:prstGeom prst="rect">
+            <a:avLst/>
+          </a:prstGeom>
+          <a:ln w="0">
+            <a:noFill/>
+          </a:ln>
+        </p:spPr>
+      </p:pic>
+      <p:pic>
+        <p:nvPicPr>
+          <p:cNvPr id="101" name="" descr=""/>
+          <p:cNvPicPr/>
+          <p:nvPr/>
+        </p:nvPicPr>
+        <p:blipFill>
+          <a:blip r:embed="rId7"/>
+          <a:stretch/>
+        </p:blipFill>
+        <p:spPr>
+          <a:xfrm>
+            <a:off x="4896000" y="2952000"/>
+            <a:ext cx="540000" cy="540000"/>
+          </a:xfrm>
+          <a:prstGeom prst="rect">
+            <a:avLst/>
+          </a:prstGeom>
+          <a:ln w="0">
+            <a:noFill/>
+          </a:ln>
+        </p:spPr>
+      </p:pic>
+      <p:pic>
+        <p:nvPicPr>
+          <p:cNvPr id="102" name="" descr=""/>
+          <p:cNvPicPr/>
+          <p:nvPr/>
+        </p:nvPicPr>
+        <p:blipFill>
+          <a:blip r:embed="rId8"/>
+          <a:stretch/>
+        </p:blipFill>
+        <p:spPr>
+          <a:xfrm>
+            <a:off x="5508000" y="3312000"/>
+            <a:ext cx="540000" cy="540000"/>
+          </a:xfrm>
+          <a:prstGeom prst="rect">
+            <a:avLst/>
+          </a:prstGeom>
+          <a:ln w="0">
+            <a:noFill/>
+          </a:ln>
+        </p:spPr>
+      </p:pic>
+      <p:sp>
+        <p:nvSpPr>
+          <p:cNvPr id="103" name=""/>
+          <p:cNvSpPr/>
+          <p:nvPr/>
+        </p:nvSpPr>
+        <p:spPr>
+          <a:xfrm>
+            <a:off x="2736000" y="5704920"/>
+            <a:ext cx="1440000" cy="0"/>
+          </a:xfrm>
+          <a:prstGeom prst="line">
+            <a:avLst/>
+          </a:prstGeom>
+          <a:ln w="36000">
+            <a:solidFill>
+              <a:srgbClr val="111111"/>
+            </a:solidFill>
+            <a:round/>
+            <a:tailEnd len="med" type="triangle" w="med"/>
+          </a:ln>
+        </p:spPr>
+        <p:style>
+          <a:lnRef idx="0"/>
+          <a:fillRef idx="0"/>
+          <a:effectRef idx="0"/>
+          <a:fontRef idx="minor"/>
+        </p:style>
+      </p:sp>
+      <p:pic>
+        <p:nvPicPr>
+          <p:cNvPr id="104" name="" descr=""/>
+          <p:cNvPicPr/>
+          <p:nvPr/>
+        </p:nvPicPr>
+        <p:blipFill>
+          <a:blip r:embed="rId9"/>
+          <a:stretch/>
+        </p:blipFill>
+        <p:spPr>
+          <a:xfrm>
+            <a:off x="4356000" y="5524920"/>
+            <a:ext cx="540000" cy="540000"/>
+          </a:xfrm>
+          <a:prstGeom prst="rect">
+            <a:avLst/>
+          </a:prstGeom>
+          <a:ln w="0">
+            <a:noFill/>
+          </a:ln>
+        </p:spPr>
+      </p:pic>
+      <p:pic>
+        <p:nvPicPr>
+          <p:cNvPr id="105" name="" descr=""/>
+          <p:cNvPicPr/>
+          <p:nvPr/>
+        </p:nvPicPr>
+        <p:blipFill>
+          <a:blip r:embed="rId10"/>
+          <a:stretch/>
+        </p:blipFill>
+        <p:spPr>
+          <a:xfrm>
+            <a:off x="4896000" y="5704920"/>
+            <a:ext cx="540000" cy="540000"/>
+          </a:xfrm>
+          <a:prstGeom prst="rect">
+            <a:avLst/>
+          </a:prstGeom>
+          <a:ln w="0">
+            <a:noFill/>
+          </a:ln>
+        </p:spPr>
+      </p:pic>
+      <p:pic>
+        <p:nvPicPr>
+          <p:cNvPr id="106" name="" descr=""/>
+          <p:cNvPicPr/>
+          <p:nvPr/>
+        </p:nvPicPr>
+        <p:blipFill>
+          <a:blip r:embed="rId11"/>
+          <a:stretch/>
+        </p:blipFill>
+        <p:spPr>
+          <a:xfrm>
+            <a:off x="4896000" y="4984920"/>
+            <a:ext cx="540000" cy="540000"/>
+          </a:xfrm>
+          <a:prstGeom prst="rect">
+            <a:avLst/>
+          </a:prstGeom>
+          <a:ln w="0">
+            <a:noFill/>
+          </a:ln>
+        </p:spPr>
+      </p:pic>
+      <p:pic>
+        <p:nvPicPr>
+          <p:cNvPr id="107" name="" descr=""/>
+          <p:cNvPicPr/>
+          <p:nvPr/>
+        </p:nvPicPr>
+        <p:blipFill>
+          <a:blip r:embed="rId12"/>
+          <a:stretch/>
+        </p:blipFill>
+        <p:spPr>
+          <a:xfrm>
+            <a:off x="5508000" y="5344920"/>
+            <a:ext cx="540000" cy="540000"/>
+          </a:xfrm>
+          <a:prstGeom prst="rect">
+            <a:avLst/>
+          </a:prstGeom>
+          <a:ln w="0">
+            <a:noFill/>
+          </a:ln>
+        </p:spPr>
+      </p:pic>
+      <p:sp>
+        <p:nvSpPr>
+          <p:cNvPr id="108" name=""/>
+          <p:cNvSpPr/>
+          <p:nvPr/>
+        </p:nvSpPr>
+        <p:spPr>
+          <a:xfrm>
+            <a:off x="6291000" y="1692360"/>
+            <a:ext cx="1440000" cy="0"/>
+          </a:xfrm>
+          <a:prstGeom prst="line">
+            <a:avLst/>
+          </a:prstGeom>
+          <a:ln w="36000">
+            <a:solidFill>
+              <a:srgbClr val="111111"/>
+            </a:solidFill>
+            <a:round/>
+            <a:tailEnd len="med" type="triangle" w="med"/>
+          </a:ln>
+        </p:spPr>
+        <p:style>
+          <a:lnRef idx="0"/>
+          <a:fillRef idx="0"/>
+          <a:effectRef idx="0"/>
+          <a:fontRef idx="minor"/>
+        </p:style>
+      </p:sp>
+      <p:sp>
+        <p:nvSpPr>
+          <p:cNvPr id="109" name=""/>
+          <p:cNvSpPr/>
+          <p:nvPr/>
+        </p:nvSpPr>
+        <p:spPr>
+          <a:xfrm>
+            <a:off x="6291000" y="3672360"/>
+            <a:ext cx="1440000" cy="0"/>
+          </a:xfrm>
+          <a:prstGeom prst="line">
+            <a:avLst/>
+          </a:prstGeom>
+          <a:ln w="36000">
+            <a:solidFill>
+              <a:srgbClr val="111111"/>
+            </a:solidFill>
+            <a:round/>
+            <a:tailEnd len="med" type="triangle" w="med"/>
+          </a:ln>
+        </p:spPr>
+        <p:style>
+          <a:lnRef idx="0"/>
+          <a:fillRef idx="0"/>
+          <a:effectRef idx="0"/>
+          <a:fontRef idx="minor"/>
+        </p:style>
+      </p:sp>
+      <p:sp>
+        <p:nvSpPr>
+          <p:cNvPr id="110" name=""/>
+          <p:cNvSpPr/>
+          <p:nvPr/>
+        </p:nvSpPr>
+        <p:spPr>
+          <a:xfrm>
+            <a:off x="6291000" y="5705280"/>
+            <a:ext cx="1440000" cy="0"/>
+          </a:xfrm>
+          <a:prstGeom prst="line">
+            <a:avLst/>
+          </a:prstGeom>
+          <a:ln w="36000">
+            <a:solidFill>
+              <a:srgbClr val="111111"/>
+            </a:solidFill>
+            <a:round/>
+            <a:tailEnd len="med" type="triangle" w="med"/>
+          </a:ln>
+        </p:spPr>
+        <p:style>
+          <a:lnRef idx="0"/>
+          <a:fillRef idx="0"/>
+          <a:effectRef idx="0"/>
+          <a:fontRef idx="minor"/>
+        </p:style>
+      </p:sp>
+      <p:sp>
+        <p:nvSpPr>
+          <p:cNvPr id="111" name="CaixaDeTexto 1"/>
+          <p:cNvSpPr/>
+          <p:nvPr/>
+        </p:nvSpPr>
+        <p:spPr>
+          <a:xfrm>
+            <a:off x="4022280" y="252000"/>
+            <a:ext cx="2313720" cy="363960"/>
           </a:xfrm>
           <a:prstGeom prst="rect">
             <a:avLst/>
@@ -5192,7 +5152,7 @@
                 <a:latin typeface="Roboto"/>
                 <a:ea typeface="Roboto"/>
               </a:rPr>
-              <a:t>Worker node 1</a:t>
+              <a:t>Partitions</a:t>
             </a:r>
             <a:endParaRPr b="0" lang="pt-BR" sz="1800" spc="-1" strike="noStrike">
               <a:latin typeface="Arial"/>
@@ -5202,14 +5162,14 @@
       </p:sp>
       <p:sp>
         <p:nvSpPr>
-          <p:cNvPr id="94" name="CaixaDeTexto 110"/>
+          <p:cNvPr id="112" name="CaixaDeTexto 2"/>
           <p:cNvSpPr/>
           <p:nvPr/>
         </p:nvSpPr>
         <p:spPr>
           <a:xfrm>
-            <a:off x="5791320" y="4368960"/>
-            <a:ext cx="2314080" cy="364680"/>
+            <a:off x="8358480" y="252000"/>
+            <a:ext cx="2313720" cy="363960"/>
           </a:xfrm>
           <a:prstGeom prst="rect">
             <a:avLst/>
@@ -5244,7 +5204,7 @@
                 <a:latin typeface="Roboto"/>
                 <a:ea typeface="Roboto"/>
               </a:rPr>
-              <a:t>Worker node 3</a:t>
+              <a:t>DataFrame</a:t>
             </a:r>
             <a:endParaRPr b="0" lang="pt-BR" sz="1800" spc="-1" strike="noStrike">
               <a:latin typeface="Arial"/>
@@ -5252,890 +5212,29 @@
           </a:p>
         </p:txBody>
       </p:sp>
-      <p:sp>
-        <p:nvSpPr>
-          <p:cNvPr id="95" name="Conector de Seta Reta 130"/>
-          <p:cNvSpPr/>
-          <p:nvPr/>
-        </p:nvSpPr>
-        <p:spPr>
-          <a:xfrm flipV="1">
-            <a:off x="3432600" y="1262520"/>
-            <a:ext cx="2313720" cy="1247760"/>
-          </a:xfrm>
-          <a:custGeom>
-            <a:avLst/>
-            <a:gdLst/>
-            <a:ahLst/>
-            <a:rect l="l" t="t" r="r" b="b"/>
-            <a:pathLst>
-              <a:path w="21600" h="21600">
-                <a:moveTo>
-                  <a:pt x="0" y="0"/>
-                </a:moveTo>
-                <a:lnTo>
-                  <a:pt x="21600" y="21600"/>
-                </a:lnTo>
-              </a:path>
-            </a:pathLst>
-          </a:custGeom>
-          <a:noFill/>
-          <a:ln w="38100">
-            <a:solidFill>
-              <a:srgbClr val="e7e6e6">
-                <a:lumMod val="10000"/>
-              </a:srgbClr>
-            </a:solidFill>
-            <a:headEnd len="med" type="arrow" w="med"/>
-            <a:tailEnd len="med" type="arrow" w="med"/>
-          </a:ln>
-        </p:spPr>
-        <p:style>
-          <a:lnRef idx="1">
-            <a:schemeClr val="accent1"/>
-          </a:lnRef>
-          <a:fillRef idx="0">
-            <a:schemeClr val="accent1"/>
-          </a:fillRef>
-          <a:effectRef idx="0">
-            <a:schemeClr val="accent1"/>
-          </a:effectRef>
-          <a:fontRef idx="minor"/>
-        </p:style>
-      </p:sp>
-      <p:sp>
-        <p:nvSpPr>
-          <p:cNvPr id="96" name="Conector de Seta Reta 133"/>
-          <p:cNvSpPr/>
-          <p:nvPr/>
-        </p:nvSpPr>
-        <p:spPr>
-          <a:xfrm flipV="1">
-            <a:off x="3356280" y="3295440"/>
-            <a:ext cx="2477520" cy="39960"/>
-          </a:xfrm>
-          <a:custGeom>
-            <a:avLst/>
-            <a:gdLst/>
-            <a:ahLst/>
-            <a:rect l="l" t="t" r="r" b="b"/>
-            <a:pathLst>
-              <a:path w="21600" h="21600">
-                <a:moveTo>
-                  <a:pt x="0" y="0"/>
-                </a:moveTo>
-                <a:lnTo>
-                  <a:pt x="21600" y="21600"/>
-                </a:lnTo>
-              </a:path>
-            </a:pathLst>
-          </a:custGeom>
-          <a:noFill/>
-          <a:ln w="38100">
-            <a:solidFill>
-              <a:srgbClr val="e7e6e6">
-                <a:lumMod val="10000"/>
-              </a:srgbClr>
-            </a:solidFill>
-            <a:headEnd len="med" type="arrow" w="med"/>
-            <a:tailEnd len="med" type="arrow" w="med"/>
-          </a:ln>
-        </p:spPr>
-        <p:style>
-          <a:lnRef idx="1">
-            <a:schemeClr val="accent1"/>
-          </a:lnRef>
-          <a:fillRef idx="0">
-            <a:schemeClr val="accent1"/>
-          </a:fillRef>
-          <a:effectRef idx="0">
-            <a:schemeClr val="accent1"/>
-          </a:effectRef>
-          <a:fontRef idx="minor"/>
-        </p:style>
-      </p:sp>
-      <p:sp>
-        <p:nvSpPr>
-          <p:cNvPr id="97" name="Conector de Seta Reta 135"/>
-          <p:cNvSpPr/>
-          <p:nvPr/>
-        </p:nvSpPr>
-        <p:spPr>
-          <a:xfrm>
-            <a:off x="3375360" y="4042440"/>
-            <a:ext cx="2434680" cy="1227960"/>
-          </a:xfrm>
-          <a:custGeom>
-            <a:avLst/>
-            <a:gdLst/>
-            <a:ahLst/>
-            <a:rect l="l" t="t" r="r" b="b"/>
-            <a:pathLst>
-              <a:path w="21600" h="21600">
-                <a:moveTo>
-                  <a:pt x="0" y="0"/>
-                </a:moveTo>
-                <a:lnTo>
-                  <a:pt x="21600" y="21600"/>
-                </a:lnTo>
-              </a:path>
-            </a:pathLst>
-          </a:custGeom>
-          <a:noFill/>
-          <a:ln w="38100">
-            <a:solidFill>
-              <a:srgbClr val="e7e6e6">
-                <a:lumMod val="10000"/>
-              </a:srgbClr>
-            </a:solidFill>
-            <a:headEnd len="med" type="arrow" w="med"/>
-            <a:tailEnd len="med" type="arrow" w="med"/>
-          </a:ln>
-        </p:spPr>
-        <p:style>
-          <a:lnRef idx="1">
-            <a:schemeClr val="accent1"/>
-          </a:lnRef>
-          <a:fillRef idx="0">
-            <a:schemeClr val="accent1"/>
-          </a:fillRef>
-          <a:effectRef idx="0">
-            <a:schemeClr val="accent1"/>
-          </a:effectRef>
-          <a:fontRef idx="minor"/>
-        </p:style>
-      </p:sp>
-      <p:grpSp>
-        <p:nvGrpSpPr>
-          <p:cNvPr id="98" name=""/>
-          <p:cNvGrpSpPr/>
-          <p:nvPr/>
-        </p:nvGrpSpPr>
-        <p:grpSpPr>
-          <a:xfrm>
-            <a:off x="1786680" y="2748960"/>
-            <a:ext cx="1113120" cy="1350000"/>
-            <a:chOff x="1786680" y="2748960"/>
-            <a:chExt cx="1113120" cy="1350000"/>
-          </a:xfrm>
-        </p:grpSpPr>
-        <p:sp>
-          <p:nvSpPr>
-            <p:cNvPr id="99" name="Retângulo 1"/>
-            <p:cNvSpPr/>
-            <p:nvPr/>
-          </p:nvSpPr>
-          <p:spPr>
-            <a:xfrm>
-              <a:off x="1845360" y="2748960"/>
-              <a:ext cx="996120" cy="1349640"/>
-            </a:xfrm>
-            <a:prstGeom prst="rect">
-              <a:avLst/>
-            </a:prstGeom>
-            <a:solidFill>
-              <a:srgbClr val="132323"/>
-            </a:solidFill>
-            <a:ln>
-              <a:solidFill>
-                <a:srgbClr val="172b2b"/>
-              </a:solidFill>
-            </a:ln>
-          </p:spPr>
-          <p:style>
-            <a:lnRef idx="2">
-              <a:schemeClr val="accent1">
-                <a:shade val="50000"/>
-              </a:schemeClr>
-            </a:lnRef>
-            <a:fillRef idx="1">
-              <a:schemeClr val="accent1"/>
-            </a:fillRef>
-            <a:effectRef idx="0">
-              <a:schemeClr val="accent1"/>
-            </a:effectRef>
-            <a:fontRef idx="minor"/>
-          </p:style>
-        </p:sp>
-        <p:sp>
-          <p:nvSpPr>
-            <p:cNvPr id="100" name="Retângulo 2"/>
-            <p:cNvSpPr/>
-            <p:nvPr/>
-          </p:nvSpPr>
-          <p:spPr>
-            <a:xfrm>
-              <a:off x="1786680" y="2748960"/>
-              <a:ext cx="1113120" cy="383760"/>
-            </a:xfrm>
-            <a:prstGeom prst="rect">
-              <a:avLst/>
-            </a:prstGeom>
-            <a:solidFill>
-              <a:srgbClr val="2c5352"/>
-            </a:solidFill>
-            <a:ln>
-              <a:solidFill>
-                <a:srgbClr val="2c5352"/>
-              </a:solidFill>
-            </a:ln>
-          </p:spPr>
-          <p:style>
-            <a:lnRef idx="2">
-              <a:schemeClr val="accent1">
-                <a:shade val="50000"/>
-              </a:schemeClr>
-            </a:lnRef>
-            <a:fillRef idx="1">
-              <a:schemeClr val="accent1"/>
-            </a:fillRef>
-            <a:effectRef idx="0">
-              <a:schemeClr val="accent1"/>
-            </a:effectRef>
-            <a:fontRef idx="minor"/>
-          </p:style>
-        </p:sp>
-        <p:sp>
-          <p:nvSpPr>
-            <p:cNvPr id="101" name="Elipse 1"/>
-            <p:cNvSpPr/>
-            <p:nvPr/>
-          </p:nvSpPr>
-          <p:spPr>
-            <a:xfrm>
-              <a:off x="1854000" y="2913120"/>
-              <a:ext cx="39960" cy="41040"/>
-            </a:xfrm>
-            <a:prstGeom prst="ellipse">
-              <a:avLst/>
-            </a:prstGeom>
-            <a:solidFill>
-              <a:srgbClr val="77bdbf"/>
-            </a:solidFill>
-            <a:ln>
-              <a:solidFill>
-                <a:srgbClr val="77bdbf"/>
-              </a:solidFill>
-            </a:ln>
-          </p:spPr>
-          <p:style>
-            <a:lnRef idx="2">
-              <a:schemeClr val="accent1">
-                <a:shade val="50000"/>
-              </a:schemeClr>
-            </a:lnRef>
-            <a:fillRef idx="1">
-              <a:schemeClr val="accent1"/>
-            </a:fillRef>
-            <a:effectRef idx="0">
-              <a:schemeClr val="accent1"/>
-            </a:effectRef>
-            <a:fontRef idx="minor"/>
-          </p:style>
-        </p:sp>
-        <p:sp>
-          <p:nvSpPr>
-            <p:cNvPr id="102" name="Retângulo 5"/>
-            <p:cNvSpPr/>
-            <p:nvPr/>
-          </p:nvSpPr>
-          <p:spPr>
-            <a:xfrm>
-              <a:off x="1786680" y="3232080"/>
-              <a:ext cx="1113120" cy="383760"/>
-            </a:xfrm>
-            <a:prstGeom prst="rect">
-              <a:avLst/>
-            </a:prstGeom>
-            <a:solidFill>
-              <a:srgbClr val="2c5352"/>
-            </a:solidFill>
-            <a:ln>
-              <a:solidFill>
-                <a:srgbClr val="2c5352"/>
-              </a:solidFill>
-            </a:ln>
-          </p:spPr>
-          <p:style>
-            <a:lnRef idx="2">
-              <a:schemeClr val="accent1">
-                <a:shade val="50000"/>
-              </a:schemeClr>
-            </a:lnRef>
-            <a:fillRef idx="1">
-              <a:schemeClr val="accent1"/>
-            </a:fillRef>
-            <a:effectRef idx="0">
-              <a:schemeClr val="accent1"/>
-            </a:effectRef>
-            <a:fontRef idx="minor"/>
-          </p:style>
-        </p:sp>
-        <p:sp>
-          <p:nvSpPr>
-            <p:cNvPr id="103" name="Retângulo 6"/>
-            <p:cNvSpPr/>
-            <p:nvPr/>
-          </p:nvSpPr>
-          <p:spPr>
-            <a:xfrm>
-              <a:off x="1786680" y="3715200"/>
-              <a:ext cx="1113120" cy="383760"/>
-            </a:xfrm>
-            <a:prstGeom prst="rect">
-              <a:avLst/>
-            </a:prstGeom>
-            <a:solidFill>
-              <a:srgbClr val="2c5352"/>
-            </a:solidFill>
-            <a:ln>
-              <a:solidFill>
-                <a:srgbClr val="2c5352"/>
-              </a:solidFill>
-            </a:ln>
-          </p:spPr>
-          <p:style>
-            <a:lnRef idx="2">
-              <a:schemeClr val="accent1">
-                <a:shade val="50000"/>
-              </a:schemeClr>
-            </a:lnRef>
-            <a:fillRef idx="1">
-              <a:schemeClr val="accent1"/>
-            </a:fillRef>
-            <a:effectRef idx="0">
-              <a:schemeClr val="accent1"/>
-            </a:effectRef>
-            <a:fontRef idx="minor"/>
-          </p:style>
-        </p:sp>
-        <p:sp>
-          <p:nvSpPr>
-            <p:cNvPr id="104" name="Elipse 2"/>
-            <p:cNvSpPr/>
-            <p:nvPr/>
-          </p:nvSpPr>
-          <p:spPr>
-            <a:xfrm>
-              <a:off x="1854000" y="3403440"/>
-              <a:ext cx="39960" cy="41040"/>
-            </a:xfrm>
-            <a:prstGeom prst="ellipse">
-              <a:avLst/>
-            </a:prstGeom>
-            <a:solidFill>
-              <a:srgbClr val="77bdbf"/>
-            </a:solidFill>
-            <a:ln>
-              <a:solidFill>
-                <a:srgbClr val="77bdbf"/>
-              </a:solidFill>
-            </a:ln>
-          </p:spPr>
-          <p:style>
-            <a:lnRef idx="2">
-              <a:schemeClr val="accent1">
-                <a:shade val="50000"/>
-              </a:schemeClr>
-            </a:lnRef>
-            <a:fillRef idx="1">
-              <a:schemeClr val="accent1"/>
-            </a:fillRef>
-            <a:effectRef idx="0">
-              <a:schemeClr val="accent1"/>
-            </a:effectRef>
-            <a:fontRef idx="minor"/>
-          </p:style>
-        </p:sp>
-        <p:sp>
-          <p:nvSpPr>
-            <p:cNvPr id="105" name="Elipse 3"/>
-            <p:cNvSpPr/>
-            <p:nvPr/>
-          </p:nvSpPr>
-          <p:spPr>
-            <a:xfrm>
-              <a:off x="1854000" y="3886200"/>
-              <a:ext cx="39960" cy="41040"/>
-            </a:xfrm>
-            <a:prstGeom prst="ellipse">
-              <a:avLst/>
-            </a:prstGeom>
-            <a:solidFill>
-              <a:srgbClr val="77bdbf"/>
-            </a:solidFill>
-            <a:ln>
-              <a:solidFill>
-                <a:srgbClr val="77bdbf"/>
-              </a:solidFill>
-            </a:ln>
-          </p:spPr>
-          <p:style>
-            <a:lnRef idx="2">
-              <a:schemeClr val="accent1">
-                <a:shade val="50000"/>
-              </a:schemeClr>
-            </a:lnRef>
-            <a:fillRef idx="1">
-              <a:schemeClr val="accent1"/>
-            </a:fillRef>
-            <a:effectRef idx="0">
-              <a:schemeClr val="accent1"/>
-            </a:effectRef>
-            <a:fontRef idx="minor"/>
-          </p:style>
-        </p:sp>
-        <p:sp>
-          <p:nvSpPr>
-            <p:cNvPr id="106" name="Elipse 4"/>
-            <p:cNvSpPr/>
-            <p:nvPr/>
-          </p:nvSpPr>
-          <p:spPr>
-            <a:xfrm>
-              <a:off x="1925280" y="2913120"/>
-              <a:ext cx="39960" cy="41040"/>
-            </a:xfrm>
-            <a:prstGeom prst="ellipse">
-              <a:avLst/>
-            </a:prstGeom>
-            <a:solidFill>
-              <a:srgbClr val="4b9699"/>
-            </a:solidFill>
-            <a:ln>
-              <a:solidFill>
-                <a:srgbClr val="4b9699"/>
-              </a:solidFill>
-            </a:ln>
-          </p:spPr>
-          <p:style>
-            <a:lnRef idx="2">
-              <a:schemeClr val="accent1">
-                <a:shade val="50000"/>
-              </a:schemeClr>
-            </a:lnRef>
-            <a:fillRef idx="1">
-              <a:schemeClr val="accent1"/>
-            </a:fillRef>
-            <a:effectRef idx="0">
-              <a:schemeClr val="accent1"/>
-            </a:effectRef>
-            <a:fontRef idx="minor"/>
-          </p:style>
-        </p:sp>
-        <p:sp>
-          <p:nvSpPr>
-            <p:cNvPr id="107" name="Elipse 5"/>
-            <p:cNvSpPr/>
-            <p:nvPr/>
-          </p:nvSpPr>
-          <p:spPr>
-            <a:xfrm>
-              <a:off x="1925280" y="3403440"/>
-              <a:ext cx="39960" cy="41040"/>
-            </a:xfrm>
-            <a:prstGeom prst="ellipse">
-              <a:avLst/>
-            </a:prstGeom>
-            <a:solidFill>
-              <a:srgbClr val="4b9699"/>
-            </a:solidFill>
-            <a:ln>
-              <a:solidFill>
-                <a:srgbClr val="4b9699"/>
-              </a:solidFill>
-            </a:ln>
-          </p:spPr>
-          <p:style>
-            <a:lnRef idx="2">
-              <a:schemeClr val="accent1">
-                <a:shade val="50000"/>
-              </a:schemeClr>
-            </a:lnRef>
-            <a:fillRef idx="1">
-              <a:schemeClr val="accent1"/>
-            </a:fillRef>
-            <a:effectRef idx="0">
-              <a:schemeClr val="accent1"/>
-            </a:effectRef>
-            <a:fontRef idx="minor"/>
-          </p:style>
-        </p:sp>
-        <p:sp>
-          <p:nvSpPr>
-            <p:cNvPr id="108" name="Elipse 6"/>
-            <p:cNvSpPr/>
-            <p:nvPr/>
-          </p:nvSpPr>
-          <p:spPr>
-            <a:xfrm>
-              <a:off x="1925280" y="3886200"/>
-              <a:ext cx="39960" cy="41040"/>
-            </a:xfrm>
-            <a:prstGeom prst="ellipse">
-              <a:avLst/>
-            </a:prstGeom>
-            <a:solidFill>
-              <a:srgbClr val="4b9699"/>
-            </a:solidFill>
-            <a:ln>
-              <a:solidFill>
-                <a:srgbClr val="4b9699"/>
-              </a:solidFill>
-            </a:ln>
-          </p:spPr>
-          <p:style>
-            <a:lnRef idx="2">
-              <a:schemeClr val="accent1">
-                <a:shade val="50000"/>
-              </a:schemeClr>
-            </a:lnRef>
-            <a:fillRef idx="1">
-              <a:schemeClr val="accent1"/>
-            </a:fillRef>
-            <a:effectRef idx="0">
-              <a:schemeClr val="accent1"/>
-            </a:effectRef>
-            <a:fontRef idx="minor"/>
-          </p:style>
-        </p:sp>
-        <p:sp>
-          <p:nvSpPr>
-            <p:cNvPr id="109" name="Elipse 7"/>
-            <p:cNvSpPr/>
-            <p:nvPr/>
-          </p:nvSpPr>
-          <p:spPr>
-            <a:xfrm>
-              <a:off x="1996920" y="2913120"/>
-              <a:ext cx="39960" cy="41040"/>
-            </a:xfrm>
-            <a:prstGeom prst="ellipse">
-              <a:avLst/>
-            </a:prstGeom>
-            <a:solidFill>
-              <a:srgbClr val="43c7cc"/>
-            </a:solidFill>
-            <a:ln>
-              <a:solidFill>
-                <a:srgbClr val="43c7cc"/>
-              </a:solidFill>
-            </a:ln>
-          </p:spPr>
-          <p:style>
-            <a:lnRef idx="2">
-              <a:schemeClr val="accent1">
-                <a:shade val="50000"/>
-              </a:schemeClr>
-            </a:lnRef>
-            <a:fillRef idx="1">
-              <a:schemeClr val="accent1"/>
-            </a:fillRef>
-            <a:effectRef idx="0">
-              <a:schemeClr val="accent1"/>
-            </a:effectRef>
-            <a:fontRef idx="minor"/>
-          </p:style>
-        </p:sp>
-        <p:sp>
-          <p:nvSpPr>
-            <p:cNvPr id="110" name="Elipse 9"/>
-            <p:cNvSpPr/>
-            <p:nvPr/>
-          </p:nvSpPr>
-          <p:spPr>
-            <a:xfrm>
-              <a:off x="1996920" y="3403440"/>
-              <a:ext cx="39960" cy="41040"/>
-            </a:xfrm>
-            <a:prstGeom prst="ellipse">
-              <a:avLst/>
-            </a:prstGeom>
-            <a:solidFill>
-              <a:srgbClr val="43c7cc"/>
-            </a:solidFill>
-            <a:ln>
-              <a:solidFill>
-                <a:srgbClr val="43c7cc"/>
-              </a:solidFill>
-            </a:ln>
-          </p:spPr>
-          <p:style>
-            <a:lnRef idx="2">
-              <a:schemeClr val="accent1">
-                <a:shade val="50000"/>
-              </a:schemeClr>
-            </a:lnRef>
-            <a:fillRef idx="1">
-              <a:schemeClr val="accent1"/>
-            </a:fillRef>
-            <a:effectRef idx="0">
-              <a:schemeClr val="accent1"/>
-            </a:effectRef>
-            <a:fontRef idx="minor"/>
-          </p:style>
-        </p:sp>
-        <p:sp>
-          <p:nvSpPr>
-            <p:cNvPr id="111" name="Elipse 10"/>
-            <p:cNvSpPr/>
-            <p:nvPr/>
-          </p:nvSpPr>
-          <p:spPr>
-            <a:xfrm>
-              <a:off x="1996920" y="3886200"/>
-              <a:ext cx="39960" cy="41040"/>
-            </a:xfrm>
-            <a:prstGeom prst="ellipse">
-              <a:avLst/>
-            </a:prstGeom>
-            <a:solidFill>
-              <a:srgbClr val="43c7cc"/>
-            </a:solidFill>
-            <a:ln>
-              <a:solidFill>
-                <a:srgbClr val="43c7cc"/>
-              </a:solidFill>
-            </a:ln>
-          </p:spPr>
-          <p:style>
-            <a:lnRef idx="2">
-              <a:schemeClr val="accent1">
-                <a:shade val="50000"/>
-              </a:schemeClr>
-            </a:lnRef>
-            <a:fillRef idx="1">
-              <a:schemeClr val="accent1"/>
-            </a:fillRef>
-            <a:effectRef idx="0">
-              <a:schemeClr val="accent1"/>
-            </a:effectRef>
-            <a:fontRef idx="minor"/>
-          </p:style>
-        </p:sp>
-        <p:sp>
-          <p:nvSpPr>
-            <p:cNvPr id="112" name="Retângulo: Cantos Arredondados 1"/>
-            <p:cNvSpPr/>
-            <p:nvPr/>
-          </p:nvSpPr>
-          <p:spPr>
-            <a:xfrm>
-              <a:off x="2115360" y="2914200"/>
-              <a:ext cx="726120" cy="39960"/>
-            </a:xfrm>
-            <a:prstGeom prst="roundRect">
-              <a:avLst>
-                <a:gd name="adj" fmla="val 16667"/>
-              </a:avLst>
-            </a:prstGeom>
-            <a:solidFill>
-              <a:srgbClr val="132323"/>
-            </a:solidFill>
-            <a:ln>
-              <a:solidFill>
-                <a:srgbClr val="132323"/>
-              </a:solidFill>
-            </a:ln>
-          </p:spPr>
-          <p:style>
-            <a:lnRef idx="2">
-              <a:schemeClr val="accent1">
-                <a:shade val="50000"/>
-              </a:schemeClr>
-            </a:lnRef>
-            <a:fillRef idx="1">
-              <a:schemeClr val="accent1"/>
-            </a:fillRef>
-            <a:effectRef idx="0">
-              <a:schemeClr val="accent1"/>
-            </a:effectRef>
-            <a:fontRef idx="minor"/>
-          </p:style>
-        </p:sp>
-        <p:sp>
-          <p:nvSpPr>
-            <p:cNvPr id="113" name="Retângulo: Cantos Arredondados 2"/>
-            <p:cNvSpPr/>
-            <p:nvPr/>
-          </p:nvSpPr>
-          <p:spPr>
-            <a:xfrm>
-              <a:off x="2115360" y="3403440"/>
-              <a:ext cx="726120" cy="39960"/>
-            </a:xfrm>
-            <a:prstGeom prst="roundRect">
-              <a:avLst>
-                <a:gd name="adj" fmla="val 16667"/>
-              </a:avLst>
-            </a:prstGeom>
-            <a:solidFill>
-              <a:srgbClr val="132323"/>
-            </a:solidFill>
-            <a:ln>
-              <a:solidFill>
-                <a:srgbClr val="132323"/>
-              </a:solidFill>
-            </a:ln>
-          </p:spPr>
-          <p:style>
-            <a:lnRef idx="2">
-              <a:schemeClr val="accent1">
-                <a:shade val="50000"/>
-              </a:schemeClr>
-            </a:lnRef>
-            <a:fillRef idx="1">
-              <a:schemeClr val="accent1"/>
-            </a:fillRef>
-            <a:effectRef idx="0">
-              <a:schemeClr val="accent1"/>
-            </a:effectRef>
-            <a:fontRef idx="minor"/>
-          </p:style>
-        </p:sp>
-        <p:sp>
-          <p:nvSpPr>
-            <p:cNvPr id="114" name="Retângulo: Cantos Arredondados 3"/>
-            <p:cNvSpPr/>
-            <p:nvPr/>
-          </p:nvSpPr>
-          <p:spPr>
-            <a:xfrm>
-              <a:off x="2115360" y="3885480"/>
-              <a:ext cx="726120" cy="39960"/>
-            </a:xfrm>
-            <a:prstGeom prst="roundRect">
-              <a:avLst>
-                <a:gd name="adj" fmla="val 16667"/>
-              </a:avLst>
-            </a:prstGeom>
-            <a:solidFill>
-              <a:srgbClr val="132323"/>
-            </a:solidFill>
-            <a:ln>
-              <a:solidFill>
-                <a:srgbClr val="132323"/>
-              </a:solidFill>
-            </a:ln>
-          </p:spPr>
-          <p:style>
-            <a:lnRef idx="2">
-              <a:schemeClr val="accent1">
-                <a:shade val="50000"/>
-              </a:schemeClr>
-            </a:lnRef>
-            <a:fillRef idx="1">
-              <a:schemeClr val="accent1"/>
-            </a:fillRef>
-            <a:effectRef idx="0">
-              <a:schemeClr val="accent1"/>
-            </a:effectRef>
-            <a:fontRef idx="minor"/>
-          </p:style>
-        </p:sp>
-      </p:grpSp>
-      <p:sp>
-        <p:nvSpPr>
-          <p:cNvPr id="115" name="CaixaDeTexto 1"/>
-          <p:cNvSpPr/>
-          <p:nvPr/>
-        </p:nvSpPr>
-        <p:spPr>
-          <a:xfrm>
-            <a:off x="1188000" y="2208960"/>
-            <a:ext cx="2314080" cy="364680"/>
-          </a:xfrm>
-          <a:prstGeom prst="rect">
-            <a:avLst/>
-          </a:prstGeom>
-          <a:noFill/>
-          <a:ln w="0">
-            <a:noFill/>
-          </a:ln>
-        </p:spPr>
-        <p:style>
-          <a:lnRef idx="0"/>
-          <a:fillRef idx="0"/>
-          <a:effectRef idx="0"/>
-          <a:fontRef idx="minor"/>
-        </p:style>
-        <p:txBody>
-          <a:bodyPr lIns="90000" rIns="90000" tIns="45000" bIns="45000" anchor="t">
-            <a:spAutoFit/>
-          </a:bodyPr>
-          <a:p>
-            <a:pPr algn="ctr">
-              <a:lnSpc>
-                <a:spcPct val="100000"/>
-              </a:lnSpc>
-              <a:buNone/>
-            </a:pPr>
-            <a:r>
-              <a:rPr b="0" lang="en-US" sz="1800" spc="-1" strike="noStrike">
-                <a:solidFill>
-                  <a:srgbClr val="000000"/>
-                </a:solidFill>
-                <a:latin typeface="Roboto"/>
-                <a:ea typeface="Roboto"/>
-              </a:rPr>
-              <a:t>Driver node</a:t>
-            </a:r>
-            <a:endParaRPr b="0" lang="pt-BR" sz="1800" spc="-1" strike="noStrike">
-              <a:latin typeface="Arial"/>
-            </a:endParaRPr>
-          </a:p>
-        </p:txBody>
-      </p:sp>
       <p:graphicFrame>
         <p:nvGraphicFramePr>
-          <p:cNvPr id="116" name=""/>
+          <p:cNvPr id="113" name=""/>
           <p:cNvGraphicFramePr/>
           <p:nvPr/>
         </p:nvGraphicFramePr>
         <p:xfrm>
-          <a:off x="8122680" y="856440"/>
-          <a:ext cx="2897640" cy="1075320"/>
+          <a:off x="7972920" y="1014480"/>
+          <a:ext cx="3105360" cy="1399320"/>
         </p:xfrm>
         <a:graphic>
           <a:graphicData uri="http://schemas.openxmlformats.org/drawingml/2006/table">
             <a:tbl>
               <a:tblPr/>
               <a:tblGrid>
-                <a:gridCol w="577440"/>
-                <a:gridCol w="1078200"/>
-                <a:gridCol w="1242360"/>
+                <a:gridCol w="776160"/>
+                <a:gridCol w="776160"/>
+                <a:gridCol w="776160"/>
+                <a:gridCol w="777240"/>
               </a:tblGrid>
-              <a:tr h="375840">
+              <a:tr h="349920">
                 <a:tc>
-                  <a:txBody>
-                    <a:bodyPr lIns="90000" rIns="90000" tIns="46800" bIns="46800" anchor="ctr">
-                      <a:noAutofit/>
-                    </a:bodyPr>
-                    <a:p>
-                      <a:pPr algn="ctr">
-                        <a:buNone/>
-                        <a:tabLst>
-                          <a:tab algn="l" pos="408240"/>
-                        </a:tabLst>
-                      </a:pPr>
-                      <a:r>
-                        <a:rPr b="0" lang="pt-BR" sz="1600" spc="-1" strike="noStrike">
-                          <a:solidFill>
-                            <a:srgbClr val="ffffff"/>
-                          </a:solidFill>
-                          <a:latin typeface="Roboto"/>
-                        </a:rPr>
-                        <a:t>ID</a:t>
-                      </a:r>
-                      <a:endParaRPr b="0" lang="pt-BR" sz="1600" spc="-1" strike="noStrike">
-                        <a:solidFill>
-                          <a:srgbClr val="ffffff"/>
-                        </a:solidFill>
-                        <a:latin typeface="Roboto"/>
-                      </a:endParaRPr>
-                    </a:p>
-                  </a:txBody>
-                  <a:tcPr anchor="ctr" marL="90000" marR="90000">
+                  <a:tcPr anchor="t" marL="90000" marR="90000">
                     <a:lnL w="720">
                       <a:solidFill>
                         <a:srgbClr val="ffffff"/>
@@ -6157,40 +5256,12 @@
                       </a:solidFill>
                     </a:lnB>
                     <a:solidFill>
-                      <a:srgbClr val="000000"/>
+                      <a:srgbClr val="333333"/>
                     </a:solidFill>
                   </a:tcPr>
                 </a:tc>
                 <a:tc>
-                  <a:txBody>
-                    <a:bodyPr lIns="90000" rIns="90000" tIns="46800" bIns="46800" anchor="ctr">
-                      <a:noAutofit/>
-                    </a:bodyPr>
-                    <a:p>
-                      <a:pPr algn="ctr">
-                        <a:buNone/>
-                        <a:tabLst>
-                          <a:tab algn="l" pos="408240"/>
-                        </a:tabLst>
-                      </a:pPr>
-                      <a:r>
-                        <a:rPr b="0" lang="pt-BR" sz="1600" spc="-1" strike="noStrike">
-                          <a:solidFill>
-                            <a:srgbClr val="ffffff"/>
-                          </a:solidFill>
-                          <a:latin typeface="Roboto"/>
-                        </a:rPr>
-                        <a:t>Name</a:t>
-                      </a:r>
-                      <a:endParaRPr b="0" lang="pt-BR" sz="1600" spc="-1" strike="noStrike">
-                        <a:solidFill>
-                          <a:srgbClr val="ffffff"/>
-                        </a:solidFill>
-                        <a:latin typeface="Roboto"/>
-                      </a:endParaRPr>
-                    </a:p>
-                  </a:txBody>
-                  <a:tcPr anchor="ctr" marL="90000" marR="90000">
+                  <a:tcPr anchor="t" marL="90000" marR="90000">
                     <a:lnL w="720">
                       <a:solidFill>
                         <a:srgbClr val="ffffff"/>
@@ -6212,40 +5283,12 @@
                       </a:solidFill>
                     </a:lnB>
                     <a:solidFill>
-                      <a:srgbClr val="000000"/>
+                      <a:srgbClr val="333333"/>
                     </a:solidFill>
                   </a:tcPr>
                 </a:tc>
                 <a:tc>
-                  <a:txBody>
-                    <a:bodyPr lIns="90000" rIns="90000" tIns="46800" bIns="46800" anchor="ctr">
-                      <a:noAutofit/>
-                    </a:bodyPr>
-                    <a:p>
-                      <a:pPr algn="ctr">
-                        <a:buNone/>
-                        <a:tabLst>
-                          <a:tab algn="l" pos="408240"/>
-                        </a:tabLst>
-                      </a:pPr>
-                      <a:r>
-                        <a:rPr b="0" lang="pt-BR" sz="1600" spc="-1" strike="noStrike">
-                          <a:solidFill>
-                            <a:srgbClr val="ffffff"/>
-                          </a:solidFill>
-                          <a:latin typeface="Roboto"/>
-                        </a:rPr>
-                        <a:t>Value</a:t>
-                      </a:r>
-                      <a:endParaRPr b="0" lang="pt-BR" sz="1600" spc="-1" strike="noStrike">
-                        <a:solidFill>
-                          <a:srgbClr val="ffffff"/>
-                        </a:solidFill>
-                        <a:latin typeface="Roboto"/>
-                      </a:endParaRPr>
-                    </a:p>
-                  </a:txBody>
-                  <a:tcPr anchor="ctr" marL="90000" marR="90000">
+                  <a:tcPr anchor="t" marL="90000" marR="90000">
                     <a:lnL w="720">
                       <a:solidFill>
                         <a:srgbClr val="ffffff"/>
@@ -6267,35 +5310,150 @@
                       </a:solidFill>
                     </a:lnB>
                     <a:solidFill>
-                      <a:srgbClr val="000000"/>
+                      <a:srgbClr val="333333"/>
+                    </a:solidFill>
+                  </a:tcPr>
+                </a:tc>
+                <a:tc>
+                  <a:tcPr anchor="t" marL="90000" marR="90000">
+                    <a:lnL w="720">
+                      <a:solidFill>
+                        <a:srgbClr val="ffffff"/>
+                      </a:solidFill>
+                    </a:lnL>
+                    <a:lnR w="720">
+                      <a:solidFill>
+                        <a:srgbClr val="ffffff"/>
+                      </a:solidFill>
+                    </a:lnR>
+                    <a:lnT w="720">
+                      <a:solidFill>
+                        <a:srgbClr val="ffffff"/>
+                      </a:solidFill>
+                    </a:lnT>
+                    <a:lnB w="720">
+                      <a:solidFill>
+                        <a:srgbClr val="ffffff"/>
+                      </a:solidFill>
+                    </a:lnB>
+                    <a:solidFill>
+                      <a:srgbClr val="333333"/>
                     </a:solidFill>
                   </a:tcPr>
                 </a:tc>
               </a:tr>
-              <a:tr h="339840">
+              <a:tr h="349920">
                 <a:tc>
-                  <a:txBody>
-                    <a:bodyPr lIns="90000" rIns="90000" tIns="46800" bIns="46800" anchor="t">
-                      <a:noAutofit/>
-                    </a:bodyPr>
-                    <a:p>
-                      <a:pPr algn="ctr">
-                        <a:buNone/>
-                        <a:tabLst>
-                          <a:tab algn="l" pos="408240"/>
-                        </a:tabLst>
-                      </a:pPr>
-                      <a:r>
-                        <a:rPr b="0" lang="pt-BR" sz="1600" spc="-1" strike="noStrike">
-                          <a:latin typeface="Roboto"/>
-                        </a:rPr>
-                        <a:t>1</a:t>
-                      </a:r>
-                      <a:endParaRPr b="0" lang="pt-BR" sz="1600" spc="-1" strike="noStrike">
-                        <a:latin typeface="Roboto"/>
-                      </a:endParaRPr>
-                    </a:p>
-                  </a:txBody>
+                  <a:tcPr anchor="t" marL="90000" marR="90000">
+                    <a:lnL w="720">
+                      <a:solidFill>
+                        <a:srgbClr val="ffffff"/>
+                      </a:solidFill>
+                    </a:lnL>
+                    <a:lnR w="720">
+                      <a:solidFill>
+                        <a:srgbClr val="ffffff"/>
+                      </a:solidFill>
+                    </a:lnR>
+                    <a:lnT w="720">
+                      <a:solidFill>
+                        <a:srgbClr val="ffffff"/>
+                      </a:solidFill>
+                    </a:lnT>
+                    <a:lnB w="720">
+                      <a:solidFill>
+                        <a:srgbClr val="ffffff"/>
+                      </a:solidFill>
+                    </a:lnB>
+                    <a:solidFill>
+                      <a:srgbClr val="cccccc"/>
+                    </a:solidFill>
+                  </a:tcPr>
+                </a:tc>
+                <a:tc>
+                  <a:tcPr anchor="t" marL="90000" marR="90000">
+                    <a:lnL w="720">
+                      <a:solidFill>
+                        <a:srgbClr val="ffffff"/>
+                      </a:solidFill>
+                    </a:lnL>
+                    <a:lnR w="720">
+                      <a:solidFill>
+                        <a:srgbClr val="ffffff"/>
+                      </a:solidFill>
+                    </a:lnR>
+                    <a:lnT w="720">
+                      <a:solidFill>
+                        <a:srgbClr val="ffffff"/>
+                      </a:solidFill>
+                    </a:lnT>
+                    <a:lnB w="720">
+                      <a:solidFill>
+                        <a:srgbClr val="ffffff"/>
+                      </a:solidFill>
+                    </a:lnB>
+                    <a:solidFill>
+                      <a:srgbClr val="cccccc"/>
+                    </a:solidFill>
+                  </a:tcPr>
+                </a:tc>
+                <a:tc>
+                  <a:tcPr anchor="t" marL="90000" marR="90000">
+                    <a:lnL w="720">
+                      <a:solidFill>
+                        <a:srgbClr val="ffffff"/>
+                      </a:solidFill>
+                    </a:lnL>
+                    <a:lnR w="720">
+                      <a:solidFill>
+                        <a:srgbClr val="ffffff"/>
+                      </a:solidFill>
+                    </a:lnR>
+                    <a:lnT w="720">
+                      <a:solidFill>
+                        <a:srgbClr val="ffffff"/>
+                      </a:solidFill>
+                    </a:lnT>
+                    <a:lnB w="720">
+                      <a:solidFill>
+                        <a:srgbClr val="ffffff"/>
+                      </a:solidFill>
+                    </a:lnB>
+                    <a:solidFill>
+                      <a:srgbClr val="cccccc"/>
+                    </a:solidFill>
+                  </a:tcPr>
+                </a:tc>
+                <a:tc>
+                  <a:tcPr anchor="t" marL="90000" marR="90000">
+                    <a:lnL w="720">
+                      <a:solidFill>
+                        <a:srgbClr val="ffffff"/>
+                      </a:solidFill>
+                    </a:lnL>
+                    <a:lnR w="720">
+                      <a:solidFill>
+                        <a:srgbClr val="ffffff"/>
+                      </a:solidFill>
+                    </a:lnR>
+                    <a:lnT w="720">
+                      <a:solidFill>
+                        <a:srgbClr val="ffffff"/>
+                      </a:solidFill>
+                    </a:lnT>
+                    <a:lnB w="720">
+                      <a:solidFill>
+                        <a:srgbClr val="ffffff"/>
+                      </a:solidFill>
+                    </a:lnB>
+                    <a:solidFill>
+                      <a:srgbClr val="cccccc"/>
+                    </a:solidFill>
+                  </a:tcPr>
+                </a:tc>
+              </a:tr>
+              <a:tr h="349920">
+                <a:tc>
                   <a:tcPr anchor="t" marL="90000" marR="90000">
                     <a:lnL w="720">
                       <a:solidFill>
@@ -6323,28 +5481,6 @@
                   </a:tcPr>
                 </a:tc>
                 <a:tc>
-                  <a:txBody>
-                    <a:bodyPr lIns="90000" rIns="90000" tIns="46800" bIns="46800" anchor="t">
-                      <a:noAutofit/>
-                    </a:bodyPr>
-                    <a:p>
-                      <a:pPr algn="ctr">
-                        <a:buNone/>
-                        <a:tabLst>
-                          <a:tab algn="l" pos="408240"/>
-                        </a:tabLst>
-                      </a:pPr>
-                      <a:r>
-                        <a:rPr b="0" lang="pt-BR" sz="1600" spc="-1" strike="noStrike">
-                          <a:latin typeface="Roboto"/>
-                        </a:rPr>
-                        <a:t>Anne</a:t>
-                      </a:r>
-                      <a:endParaRPr b="0" lang="pt-BR" sz="1600" spc="-1" strike="noStrike">
-                        <a:latin typeface="Roboto"/>
-                      </a:endParaRPr>
-                    </a:p>
-                  </a:txBody>
                   <a:tcPr anchor="t" marL="90000" marR="90000">
                     <a:lnL w="720">
                       <a:solidFill>
@@ -6372,28 +5508,33 @@
                   </a:tcPr>
                 </a:tc>
                 <a:tc>
-                  <a:txBody>
-                    <a:bodyPr lIns="90000" rIns="90000" tIns="46800" bIns="46800" anchor="t">
-                      <a:noAutofit/>
-                    </a:bodyPr>
-                    <a:p>
-                      <a:pPr algn="ctr">
-                        <a:buNone/>
-                        <a:tabLst>
-                          <a:tab algn="l" pos="408240"/>
-                        </a:tabLst>
-                      </a:pPr>
-                      <a:r>
-                        <a:rPr b="0" lang="pt-BR" sz="1600" spc="-1" strike="noStrike">
-                          <a:latin typeface="Roboto"/>
-                        </a:rPr>
-                        <a:t>502</a:t>
-                      </a:r>
-                      <a:endParaRPr b="0" lang="pt-BR" sz="1600" spc="-1" strike="noStrike">
-                        <a:latin typeface="Roboto"/>
-                      </a:endParaRPr>
-                    </a:p>
-                  </a:txBody>
+                  <a:tcPr anchor="t" marL="90000" marR="90000">
+                    <a:lnL w="720">
+                      <a:solidFill>
+                        <a:srgbClr val="ffffff"/>
+                      </a:solidFill>
+                    </a:lnL>
+                    <a:lnR w="720">
+                      <a:solidFill>
+                        <a:srgbClr val="ffffff"/>
+                      </a:solidFill>
+                    </a:lnR>
+                    <a:lnT w="720">
+                      <a:solidFill>
+                        <a:srgbClr val="ffffff"/>
+                      </a:solidFill>
+                    </a:lnT>
+                    <a:lnB w="720">
+                      <a:solidFill>
+                        <a:srgbClr val="ffffff"/>
+                      </a:solidFill>
+                    </a:lnB>
+                    <a:solidFill>
+                      <a:srgbClr val="e6e6e6"/>
+                    </a:solidFill>
+                  </a:tcPr>
+                </a:tc>
+                <a:tc>
                   <a:tcPr anchor="t" marL="90000" marR="90000">
                     <a:lnL w="720">
                       <a:solidFill>
@@ -6421,30 +5562,8 @@
                   </a:tcPr>
                 </a:tc>
               </a:tr>
-              <a:tr h="360000">
+              <a:tr h="349920">
                 <a:tc>
-                  <a:txBody>
-                    <a:bodyPr lIns="90000" rIns="90000" tIns="46800" bIns="46800" anchor="t">
-                      <a:noAutofit/>
-                    </a:bodyPr>
-                    <a:p>
-                      <a:pPr algn="ctr">
-                        <a:buNone/>
-                        <a:tabLst>
-                          <a:tab algn="l" pos="408240"/>
-                        </a:tabLst>
-                      </a:pPr>
-                      <a:r>
-                        <a:rPr b="0" lang="pt-BR" sz="1600" spc="-1" strike="noStrike">
-                          <a:latin typeface="Roboto"/>
-                        </a:rPr>
-                        <a:t>2</a:t>
-                      </a:r>
-                      <a:endParaRPr b="0" lang="pt-BR" sz="1600" spc="-1" strike="noStrike">
-                        <a:latin typeface="Roboto"/>
-                      </a:endParaRPr>
-                    </a:p>
-                  </a:txBody>
                   <a:tcPr anchor="t" marL="90000" marR="90000">
                     <a:lnL w="720">
                       <a:solidFill>
@@ -6467,33 +5586,11 @@
                       </a:solidFill>
                     </a:lnB>
                     <a:solidFill>
-                      <a:srgbClr val="ffffff"/>
+                      <a:srgbClr val="cccccc"/>
                     </a:solidFill>
                   </a:tcPr>
                 </a:tc>
                 <a:tc>
-                  <a:txBody>
-                    <a:bodyPr lIns="90000" rIns="90000" tIns="46800" bIns="46800" anchor="t">
-                      <a:noAutofit/>
-                    </a:bodyPr>
-                    <a:p>
-                      <a:pPr algn="ctr">
-                        <a:buNone/>
-                        <a:tabLst>
-                          <a:tab algn="l" pos="408240"/>
-                        </a:tabLst>
-                      </a:pPr>
-                      <a:r>
-                        <a:rPr b="0" lang="pt-BR" sz="1600" spc="-1" strike="noStrike">
-                          <a:latin typeface="Roboto"/>
-                        </a:rPr>
-                        <a:t>Carls</a:t>
-                      </a:r>
-                      <a:endParaRPr b="0" lang="pt-BR" sz="1600" spc="-1" strike="noStrike">
-                        <a:latin typeface="Roboto"/>
-                      </a:endParaRPr>
-                    </a:p>
-                  </a:txBody>
                   <a:tcPr anchor="t" marL="90000" marR="90000">
                     <a:lnL w="720">
                       <a:solidFill>
@@ -6516,33 +5613,11 @@
                       </a:solidFill>
                     </a:lnB>
                     <a:solidFill>
-                      <a:srgbClr val="ffffff"/>
+                      <a:srgbClr val="cccccc"/>
                     </a:solidFill>
                   </a:tcPr>
                 </a:tc>
                 <a:tc>
-                  <a:txBody>
-                    <a:bodyPr lIns="90000" rIns="90000" tIns="46800" bIns="46800" anchor="t">
-                      <a:noAutofit/>
-                    </a:bodyPr>
-                    <a:p>
-                      <a:pPr algn="ctr">
-                        <a:buNone/>
-                        <a:tabLst>
-                          <a:tab algn="l" pos="408240"/>
-                        </a:tabLst>
-                      </a:pPr>
-                      <a:r>
-                        <a:rPr b="0" lang="pt-BR" sz="1600" spc="-1" strike="noStrike">
-                          <a:latin typeface="Roboto"/>
-                        </a:rPr>
-                        <a:t>432</a:t>
-                      </a:r>
-                      <a:endParaRPr b="0" lang="pt-BR" sz="1600" spc="-1" strike="noStrike">
-                        <a:latin typeface="Roboto"/>
-                      </a:endParaRPr>
-                    </a:p>
-                  </a:txBody>
                   <a:tcPr anchor="t" marL="90000" marR="90000">
                     <a:lnL w="720">
                       <a:solidFill>
@@ -6565,7 +5640,34 @@
                       </a:solidFill>
                     </a:lnB>
                     <a:solidFill>
-                      <a:srgbClr val="ffffff"/>
+                      <a:srgbClr val="cccccc"/>
+                    </a:solidFill>
+                  </a:tcPr>
+                </a:tc>
+                <a:tc>
+                  <a:tcPr anchor="t" marL="90000" marR="90000">
+                    <a:lnL w="720">
+                      <a:solidFill>
+                        <a:srgbClr val="ffffff"/>
+                      </a:solidFill>
+                    </a:lnL>
+                    <a:lnR w="720">
+                      <a:solidFill>
+                        <a:srgbClr val="ffffff"/>
+                      </a:solidFill>
+                    </a:lnR>
+                    <a:lnT w="720">
+                      <a:solidFill>
+                        <a:srgbClr val="ffffff"/>
+                      </a:solidFill>
+                    </a:lnT>
+                    <a:lnB w="720">
+                      <a:solidFill>
+                        <a:srgbClr val="ffffff"/>
+                      </a:solidFill>
+                    </a:lnB>
+                    <a:solidFill>
+                      <a:srgbClr val="cccccc"/>
                     </a:solidFill>
                   </a:tcPr>
                 </a:tc>
@@ -6576,54 +5678,27 @@
       </p:graphicFrame>
       <p:graphicFrame>
         <p:nvGraphicFramePr>
-          <p:cNvPr id="117" name=""/>
+          <p:cNvPr id="114" name=""/>
           <p:cNvGraphicFramePr/>
           <p:nvPr/>
         </p:nvGraphicFramePr>
         <p:xfrm>
-          <a:off x="8181720" y="3009960"/>
-          <a:ext cx="2897640" cy="1075320"/>
+          <a:off x="7989840" y="3012120"/>
+          <a:ext cx="3105360" cy="1399320"/>
         </p:xfrm>
         <a:graphic>
           <a:graphicData uri="http://schemas.openxmlformats.org/drawingml/2006/table">
             <a:tbl>
               <a:tblPr/>
               <a:tblGrid>
-                <a:gridCol w="577440"/>
-                <a:gridCol w="1078200"/>
-                <a:gridCol w="1242360"/>
+                <a:gridCol w="776160"/>
+                <a:gridCol w="776160"/>
+                <a:gridCol w="776160"/>
+                <a:gridCol w="777240"/>
               </a:tblGrid>
-              <a:tr h="375840">
+              <a:tr h="349920">
                 <a:tc>
-                  <a:txBody>
-                    <a:bodyPr lIns="90000" rIns="90000" tIns="46800" bIns="46800" anchor="ctr">
-                      <a:noAutofit/>
-                    </a:bodyPr>
-                    <a:p>
-                      <a:pPr algn="ctr">
-                        <a:buNone/>
-                        <a:tabLst>
-                          <a:tab algn="l" pos="408240"/>
-                        </a:tabLst>
-                      </a:pPr>
-                      <a:r>
-                        <a:rPr b="0" lang="pt-BR" sz="1600" spc="-1" strike="noStrike">
-                          <a:solidFill>
-                            <a:srgbClr val="ffffff"/>
-                          </a:solidFill>
-                          <a:latin typeface="Roboto"/>
-                        </a:rPr>
-                        <a:t>ID</a:t>
-                      </a:r>
-                      <a:endParaRPr b="0" lang="pt-BR" sz="1600" spc="-1" strike="noStrike">
-                        <a:solidFill>
-                          <a:srgbClr val="ffffff"/>
-                        </a:solidFill>
-                        <a:latin typeface="Roboto"/>
-                      </a:endParaRPr>
-                    </a:p>
-                  </a:txBody>
-                  <a:tcPr anchor="ctr" marL="90000" marR="90000">
+                  <a:tcPr anchor="t" marL="90000" marR="90000">
                     <a:lnL w="720">
                       <a:solidFill>
                         <a:srgbClr val="ffffff"/>
@@ -6645,40 +5720,12 @@
                       </a:solidFill>
                     </a:lnB>
                     <a:solidFill>
-                      <a:srgbClr val="000000"/>
+                      <a:srgbClr val="333333"/>
                     </a:solidFill>
                   </a:tcPr>
                 </a:tc>
                 <a:tc>
-                  <a:txBody>
-                    <a:bodyPr lIns="90000" rIns="90000" tIns="46800" bIns="46800" anchor="ctr">
-                      <a:noAutofit/>
-                    </a:bodyPr>
-                    <a:p>
-                      <a:pPr algn="ctr">
-                        <a:buNone/>
-                        <a:tabLst>
-                          <a:tab algn="l" pos="408240"/>
-                        </a:tabLst>
-                      </a:pPr>
-                      <a:r>
-                        <a:rPr b="0" lang="pt-BR" sz="1600" spc="-1" strike="noStrike">
-                          <a:solidFill>
-                            <a:srgbClr val="ffffff"/>
-                          </a:solidFill>
-                          <a:latin typeface="Roboto"/>
-                        </a:rPr>
-                        <a:t>Name</a:t>
-                      </a:r>
-                      <a:endParaRPr b="0" lang="pt-BR" sz="1600" spc="-1" strike="noStrike">
-                        <a:solidFill>
-                          <a:srgbClr val="ffffff"/>
-                        </a:solidFill>
-                        <a:latin typeface="Roboto"/>
-                      </a:endParaRPr>
-                    </a:p>
-                  </a:txBody>
-                  <a:tcPr anchor="ctr" marL="90000" marR="90000">
+                  <a:tcPr anchor="t" marL="90000" marR="90000">
                     <a:lnL w="720">
                       <a:solidFill>
                         <a:srgbClr val="ffffff"/>
@@ -6700,40 +5747,12 @@
                       </a:solidFill>
                     </a:lnB>
                     <a:solidFill>
-                      <a:srgbClr val="000000"/>
+                      <a:srgbClr val="333333"/>
                     </a:solidFill>
                   </a:tcPr>
                 </a:tc>
                 <a:tc>
-                  <a:txBody>
-                    <a:bodyPr lIns="90000" rIns="90000" tIns="46800" bIns="46800" anchor="ctr">
-                      <a:noAutofit/>
-                    </a:bodyPr>
-                    <a:p>
-                      <a:pPr algn="ctr">
-                        <a:buNone/>
-                        <a:tabLst>
-                          <a:tab algn="l" pos="408240"/>
-                        </a:tabLst>
-                      </a:pPr>
-                      <a:r>
-                        <a:rPr b="0" lang="pt-BR" sz="1600" spc="-1" strike="noStrike">
-                          <a:solidFill>
-                            <a:srgbClr val="ffffff"/>
-                          </a:solidFill>
-                          <a:latin typeface="Roboto"/>
-                        </a:rPr>
-                        <a:t>Value</a:t>
-                      </a:r>
-                      <a:endParaRPr b="0" lang="pt-BR" sz="1600" spc="-1" strike="noStrike">
-                        <a:solidFill>
-                          <a:srgbClr val="ffffff"/>
-                        </a:solidFill>
-                        <a:latin typeface="Roboto"/>
-                      </a:endParaRPr>
-                    </a:p>
-                  </a:txBody>
-                  <a:tcPr anchor="ctr" marL="90000" marR="90000">
+                  <a:tcPr anchor="t" marL="90000" marR="90000">
                     <a:lnL w="720">
                       <a:solidFill>
                         <a:srgbClr val="ffffff"/>
@@ -6755,35 +5774,150 @@
                       </a:solidFill>
                     </a:lnB>
                     <a:solidFill>
-                      <a:srgbClr val="000000"/>
+                      <a:srgbClr val="333333"/>
+                    </a:solidFill>
+                  </a:tcPr>
+                </a:tc>
+                <a:tc>
+                  <a:tcPr anchor="t" marL="90000" marR="90000">
+                    <a:lnL w="720">
+                      <a:solidFill>
+                        <a:srgbClr val="ffffff"/>
+                      </a:solidFill>
+                    </a:lnL>
+                    <a:lnR w="720">
+                      <a:solidFill>
+                        <a:srgbClr val="ffffff"/>
+                      </a:solidFill>
+                    </a:lnR>
+                    <a:lnT w="720">
+                      <a:solidFill>
+                        <a:srgbClr val="ffffff"/>
+                      </a:solidFill>
+                    </a:lnT>
+                    <a:lnB w="720">
+                      <a:solidFill>
+                        <a:srgbClr val="ffffff"/>
+                      </a:solidFill>
+                    </a:lnB>
+                    <a:solidFill>
+                      <a:srgbClr val="333333"/>
                     </a:solidFill>
                   </a:tcPr>
                 </a:tc>
               </a:tr>
-              <a:tr h="339840">
+              <a:tr h="349920">
                 <a:tc>
-                  <a:txBody>
-                    <a:bodyPr lIns="90000" rIns="90000" tIns="46800" bIns="46800" anchor="t">
-                      <a:noAutofit/>
-                    </a:bodyPr>
-                    <a:p>
-                      <a:pPr algn="ctr">
-                        <a:buNone/>
-                        <a:tabLst>
-                          <a:tab algn="l" pos="408240"/>
-                        </a:tabLst>
-                      </a:pPr>
-                      <a:r>
-                        <a:rPr b="0" lang="pt-BR" sz="1600" spc="-1" strike="noStrike">
-                          <a:latin typeface="Roboto"/>
-                        </a:rPr>
-                        <a:t>3</a:t>
-                      </a:r>
-                      <a:endParaRPr b="0" lang="pt-BR" sz="1600" spc="-1" strike="noStrike">
-                        <a:latin typeface="Roboto"/>
-                      </a:endParaRPr>
-                    </a:p>
-                  </a:txBody>
+                  <a:tcPr anchor="t" marL="90000" marR="90000">
+                    <a:lnL w="720">
+                      <a:solidFill>
+                        <a:srgbClr val="ffffff"/>
+                      </a:solidFill>
+                    </a:lnL>
+                    <a:lnR w="720">
+                      <a:solidFill>
+                        <a:srgbClr val="ffffff"/>
+                      </a:solidFill>
+                    </a:lnR>
+                    <a:lnT w="720">
+                      <a:solidFill>
+                        <a:srgbClr val="ffffff"/>
+                      </a:solidFill>
+                    </a:lnT>
+                    <a:lnB w="720">
+                      <a:solidFill>
+                        <a:srgbClr val="ffffff"/>
+                      </a:solidFill>
+                    </a:lnB>
+                    <a:solidFill>
+                      <a:srgbClr val="cccccc"/>
+                    </a:solidFill>
+                  </a:tcPr>
+                </a:tc>
+                <a:tc>
+                  <a:tcPr anchor="t" marL="90000" marR="90000">
+                    <a:lnL w="720">
+                      <a:solidFill>
+                        <a:srgbClr val="ffffff"/>
+                      </a:solidFill>
+                    </a:lnL>
+                    <a:lnR w="720">
+                      <a:solidFill>
+                        <a:srgbClr val="ffffff"/>
+                      </a:solidFill>
+                    </a:lnR>
+                    <a:lnT w="720">
+                      <a:solidFill>
+                        <a:srgbClr val="ffffff"/>
+                      </a:solidFill>
+                    </a:lnT>
+                    <a:lnB w="720">
+                      <a:solidFill>
+                        <a:srgbClr val="ffffff"/>
+                      </a:solidFill>
+                    </a:lnB>
+                    <a:solidFill>
+                      <a:srgbClr val="cccccc"/>
+                    </a:solidFill>
+                  </a:tcPr>
+                </a:tc>
+                <a:tc>
+                  <a:tcPr anchor="t" marL="90000" marR="90000">
+                    <a:lnL w="720">
+                      <a:solidFill>
+                        <a:srgbClr val="ffffff"/>
+                      </a:solidFill>
+                    </a:lnL>
+                    <a:lnR w="720">
+                      <a:solidFill>
+                        <a:srgbClr val="ffffff"/>
+                      </a:solidFill>
+                    </a:lnR>
+                    <a:lnT w="720">
+                      <a:solidFill>
+                        <a:srgbClr val="ffffff"/>
+                      </a:solidFill>
+                    </a:lnT>
+                    <a:lnB w="720">
+                      <a:solidFill>
+                        <a:srgbClr val="ffffff"/>
+                      </a:solidFill>
+                    </a:lnB>
+                    <a:solidFill>
+                      <a:srgbClr val="cccccc"/>
+                    </a:solidFill>
+                  </a:tcPr>
+                </a:tc>
+                <a:tc>
+                  <a:tcPr anchor="t" marL="90000" marR="90000">
+                    <a:lnL w="720">
+                      <a:solidFill>
+                        <a:srgbClr val="ffffff"/>
+                      </a:solidFill>
+                    </a:lnL>
+                    <a:lnR w="720">
+                      <a:solidFill>
+                        <a:srgbClr val="ffffff"/>
+                      </a:solidFill>
+                    </a:lnR>
+                    <a:lnT w="720">
+                      <a:solidFill>
+                        <a:srgbClr val="ffffff"/>
+                      </a:solidFill>
+                    </a:lnT>
+                    <a:lnB w="720">
+                      <a:solidFill>
+                        <a:srgbClr val="ffffff"/>
+                      </a:solidFill>
+                    </a:lnB>
+                    <a:solidFill>
+                      <a:srgbClr val="cccccc"/>
+                    </a:solidFill>
+                  </a:tcPr>
+                </a:tc>
+              </a:tr>
+              <a:tr h="349920">
+                <a:tc>
                   <a:tcPr anchor="t" marL="90000" marR="90000">
                     <a:lnL w="720">
                       <a:solidFill>
@@ -6811,28 +5945,6 @@
                   </a:tcPr>
                 </a:tc>
                 <a:tc>
-                  <a:txBody>
-                    <a:bodyPr lIns="90000" rIns="90000" tIns="46800" bIns="46800" anchor="t">
-                      <a:noAutofit/>
-                    </a:bodyPr>
-                    <a:p>
-                      <a:pPr algn="ctr">
-                        <a:buNone/>
-                        <a:tabLst>
-                          <a:tab algn="l" pos="408240"/>
-                        </a:tabLst>
-                      </a:pPr>
-                      <a:r>
-                        <a:rPr b="0" lang="pt-BR" sz="1600" spc="-1" strike="noStrike">
-                          <a:latin typeface="Roboto"/>
-                        </a:rPr>
-                        <a:t>Stoll</a:t>
-                      </a:r>
-                      <a:endParaRPr b="0" lang="pt-BR" sz="1600" spc="-1" strike="noStrike">
-                        <a:latin typeface="Roboto"/>
-                      </a:endParaRPr>
-                    </a:p>
-                  </a:txBody>
                   <a:tcPr anchor="t" marL="90000" marR="90000">
                     <a:lnL w="720">
                       <a:solidFill>
@@ -6860,40 +5972,33 @@
                   </a:tcPr>
                 </a:tc>
                 <a:tc>
-                  <a:txBody>
-                    <a:bodyPr lIns="90000" rIns="90000" tIns="46800" bIns="46800" anchor="t">
-                      <a:noAutofit/>
-                    </a:bodyPr>
-                    <a:p>
-                      <a:pPr algn="ctr">
-                        <a:buNone/>
-                        <a:tabLst>
-                          <a:tab algn="l" pos="408240"/>
-                        </a:tabLst>
-                      </a:pPr>
-                      <a:r>
-                        <a:rPr b="0" lang="pt-BR" sz="1600" spc="-1" strike="noStrike">
-                          <a:latin typeface="Roboto"/>
-                        </a:rPr>
-                        <a:t>4</a:t>
-                      </a:r>
-                      <a:r>
-                        <a:rPr b="0" lang="pt-BR" sz="1600" spc="-1" strike="noStrike">
-                          <a:latin typeface="Roboto"/>
-                        </a:rPr>
-                        <a:t>4</a:t>
-                      </a:r>
-                      <a:r>
-                        <a:rPr b="0" lang="pt-BR" sz="1600" spc="-1" strike="noStrike">
-                          <a:latin typeface="Roboto"/>
-                        </a:rPr>
-                        <a:t>4</a:t>
-                      </a:r>
-                      <a:endParaRPr b="0" lang="pt-BR" sz="1600" spc="-1" strike="noStrike">
-                        <a:latin typeface="Roboto"/>
-                      </a:endParaRPr>
-                    </a:p>
-                  </a:txBody>
+                  <a:tcPr anchor="t" marL="90000" marR="90000">
+                    <a:lnL w="720">
+                      <a:solidFill>
+                        <a:srgbClr val="ffffff"/>
+                      </a:solidFill>
+                    </a:lnL>
+                    <a:lnR w="720">
+                      <a:solidFill>
+                        <a:srgbClr val="ffffff"/>
+                      </a:solidFill>
+                    </a:lnR>
+                    <a:lnT w="720">
+                      <a:solidFill>
+                        <a:srgbClr val="ffffff"/>
+                      </a:solidFill>
+                    </a:lnT>
+                    <a:lnB w="720">
+                      <a:solidFill>
+                        <a:srgbClr val="ffffff"/>
+                      </a:solidFill>
+                    </a:lnB>
+                    <a:solidFill>
+                      <a:srgbClr val="e6e6e6"/>
+                    </a:solidFill>
+                  </a:tcPr>
+                </a:tc>
+                <a:tc>
                   <a:tcPr anchor="t" marL="90000" marR="90000">
                     <a:lnL w="720">
                       <a:solidFill>
@@ -6921,30 +6026,8 @@
                   </a:tcPr>
                 </a:tc>
               </a:tr>
-              <a:tr h="360000">
+              <a:tr h="349920">
                 <a:tc>
-                  <a:txBody>
-                    <a:bodyPr lIns="90000" rIns="90000" tIns="46800" bIns="46800" anchor="t">
-                      <a:noAutofit/>
-                    </a:bodyPr>
-                    <a:p>
-                      <a:pPr algn="ctr">
-                        <a:buNone/>
-                        <a:tabLst>
-                          <a:tab algn="l" pos="408240"/>
-                        </a:tabLst>
-                      </a:pPr>
-                      <a:r>
-                        <a:rPr b="0" lang="pt-BR" sz="1600" spc="-1" strike="noStrike">
-                          <a:latin typeface="Roboto"/>
-                        </a:rPr>
-                        <a:t>4</a:t>
-                      </a:r>
-                      <a:endParaRPr b="0" lang="pt-BR" sz="1600" spc="-1" strike="noStrike">
-                        <a:latin typeface="Roboto"/>
-                      </a:endParaRPr>
-                    </a:p>
-                  </a:txBody>
                   <a:tcPr anchor="t" marL="90000" marR="90000">
                     <a:lnL w="720">
                       <a:solidFill>
@@ -6967,57 +6050,11 @@
                       </a:solidFill>
                     </a:lnB>
                     <a:solidFill>
-                      <a:srgbClr val="ffffff"/>
+                      <a:srgbClr val="cccccc"/>
                     </a:solidFill>
                   </a:tcPr>
                 </a:tc>
                 <a:tc>
-                  <a:txBody>
-                    <a:bodyPr lIns="90000" rIns="90000" tIns="46800" bIns="46800" anchor="t">
-                      <a:noAutofit/>
-                    </a:bodyPr>
-                    <a:p>
-                      <a:pPr algn="ctr">
-                        <a:buNone/>
-                        <a:tabLst>
-                          <a:tab algn="l" pos="408240"/>
-                        </a:tabLst>
-                      </a:pPr>
-                      <a:r>
-                        <a:rPr b="0" lang="pt-BR" sz="1600" spc="-1" strike="noStrike">
-                          <a:latin typeface="Roboto"/>
-                        </a:rPr>
-                        <a:t>P</a:t>
-                      </a:r>
-                      <a:r>
-                        <a:rPr b="0" lang="pt-BR" sz="1600" spc="-1" strike="noStrike">
-                          <a:latin typeface="Roboto"/>
-                        </a:rPr>
-                        <a:t>e</a:t>
-                      </a:r>
-                      <a:r>
-                        <a:rPr b="0" lang="pt-BR" sz="1600" spc="-1" strike="noStrike">
-                          <a:latin typeface="Roboto"/>
-                        </a:rPr>
-                        <a:t>r</a:t>
-                      </a:r>
-                      <a:r>
-                        <a:rPr b="0" lang="pt-BR" sz="1600" spc="-1" strike="noStrike">
-                          <a:latin typeface="Roboto"/>
-                        </a:rPr>
-                        <a:t>c</a:t>
-                      </a:r>
-                      <a:r>
-                        <a:rPr b="0" lang="pt-BR" sz="1600" spc="-1" strike="noStrike">
-                          <a:latin typeface="Roboto"/>
-                        </a:rPr>
-                        <a:t>y</a:t>
-                      </a:r>
-                      <a:endParaRPr b="0" lang="pt-BR" sz="1600" spc="-1" strike="noStrike">
-                        <a:latin typeface="Roboto"/>
-                      </a:endParaRPr>
-                    </a:p>
-                  </a:txBody>
                   <a:tcPr anchor="t" marL="90000" marR="90000">
                     <a:lnL w="720">
                       <a:solidFill>
@@ -7040,45 +6077,11 @@
                       </a:solidFill>
                     </a:lnB>
                     <a:solidFill>
-                      <a:srgbClr val="ffffff"/>
+                      <a:srgbClr val="cccccc"/>
                     </a:solidFill>
                   </a:tcPr>
                 </a:tc>
                 <a:tc>
-                  <a:txBody>
-                    <a:bodyPr lIns="90000" rIns="90000" tIns="46800" bIns="46800" anchor="t">
-                      <a:noAutofit/>
-                    </a:bodyPr>
-                    <a:p>
-                      <a:pPr algn="ctr">
-                        <a:buNone/>
-                        <a:tabLst>
-                          <a:tab algn="l" pos="408240"/>
-                        </a:tabLst>
-                      </a:pPr>
-                      <a:r>
-                        <a:rPr b="0" lang="pt-BR" sz="1600" spc="-1" strike="noStrike">
-                          <a:latin typeface="Roboto"/>
-                        </a:rPr>
-                        <a:t>9</a:t>
-                      </a:r>
-                      <a:r>
-                        <a:rPr b="0" lang="pt-BR" sz="1600" spc="-1" strike="noStrike">
-                          <a:latin typeface="Roboto"/>
-                        </a:rPr>
-                        <a:t>6</a:t>
-                      </a:r>
-                      <a:r>
-                        <a:rPr b="0" lang="pt-BR" sz="1600" spc="-1" strike="noStrike">
-                          <a:latin typeface="Roboto"/>
-                        </a:rPr>
-                        <a:t>3</a:t>
-                      </a:r>
-                      <a:endParaRPr b="0" lang="pt-BR" sz="1600" spc="-1" strike="noStrike">
-                        <a:latin typeface="Roboto"/>
-                      </a:endParaRPr>
-                    </a:p>
-                  </a:txBody>
                   <a:tcPr anchor="t" marL="90000" marR="90000">
                     <a:lnL w="720">
                       <a:solidFill>
@@ -7101,7 +6104,34 @@
                       </a:solidFill>
                     </a:lnB>
                     <a:solidFill>
-                      <a:srgbClr val="ffffff"/>
+                      <a:srgbClr val="cccccc"/>
+                    </a:solidFill>
+                  </a:tcPr>
+                </a:tc>
+                <a:tc>
+                  <a:tcPr anchor="t" marL="90000" marR="90000">
+                    <a:lnL w="720">
+                      <a:solidFill>
+                        <a:srgbClr val="ffffff"/>
+                      </a:solidFill>
+                    </a:lnL>
+                    <a:lnR w="720">
+                      <a:solidFill>
+                        <a:srgbClr val="ffffff"/>
+                      </a:solidFill>
+                    </a:lnR>
+                    <a:lnT w="720">
+                      <a:solidFill>
+                        <a:srgbClr val="ffffff"/>
+                      </a:solidFill>
+                    </a:lnT>
+                    <a:lnB w="720">
+                      <a:solidFill>
+                        <a:srgbClr val="ffffff"/>
+                      </a:solidFill>
+                    </a:lnB>
+                    <a:solidFill>
+                      <a:srgbClr val="cccccc"/>
                     </a:solidFill>
                   </a:tcPr>
                 </a:tc>
@@ -7112,63 +6142,27 @@
       </p:graphicFrame>
       <p:graphicFrame>
         <p:nvGraphicFramePr>
-          <p:cNvPr id="118" name=""/>
+          <p:cNvPr id="115" name=""/>
           <p:cNvGraphicFramePr/>
           <p:nvPr/>
         </p:nvGraphicFramePr>
         <p:xfrm>
-          <a:off x="8212320" y="5031360"/>
-          <a:ext cx="2897640" cy="1075320"/>
+          <a:off x="7980840" y="4985280"/>
+          <a:ext cx="3105360" cy="1399320"/>
         </p:xfrm>
         <a:graphic>
           <a:graphicData uri="http://schemas.openxmlformats.org/drawingml/2006/table">
             <a:tbl>
               <a:tblPr/>
               <a:tblGrid>
-                <a:gridCol w="577440"/>
-                <a:gridCol w="1078200"/>
-                <a:gridCol w="1242360"/>
+                <a:gridCol w="776160"/>
+                <a:gridCol w="776160"/>
+                <a:gridCol w="776160"/>
+                <a:gridCol w="777240"/>
               </a:tblGrid>
-              <a:tr h="375840">
+              <a:tr h="349920">
                 <a:tc>
-                  <a:txBody>
-                    <a:bodyPr lIns="90000" rIns="90000" tIns="46800" bIns="46800" anchor="ctr">
-                      <a:noAutofit/>
-                    </a:bodyPr>
-                    <a:p>
-                      <a:pPr algn="ctr">
-                        <a:buNone/>
-                        <a:tabLst>
-                          <a:tab algn="l" pos="408240"/>
-                        </a:tabLst>
-                      </a:pPr>
-                      <a:r>
-                        <a:rPr b="0" lang="pt-BR" sz="1600" spc="-1" strike="noStrike">
-                          <a:solidFill>
-                            <a:srgbClr val="ffffff"/>
-                          </a:solidFill>
-                          <a:latin typeface="Roboto"/>
-                        </a:rPr>
-                        <a:t>I</a:t>
-                      </a:r>
-                      <a:r>
-                        <a:rPr b="0" lang="pt-BR" sz="1600" spc="-1" strike="noStrike">
-                          <a:solidFill>
-                            <a:srgbClr val="ffffff"/>
-                          </a:solidFill>
-                          <a:latin typeface="Roboto"/>
-                        </a:rPr>
-                        <a:t>D</a:t>
-                      </a:r>
-                      <a:endParaRPr b="0" lang="pt-BR" sz="1600" spc="-1" strike="noStrike">
-                        <a:solidFill>
-                          <a:srgbClr val="ffffff"/>
-                        </a:solidFill>
-                        <a:latin typeface="Roboto"/>
-                      </a:endParaRPr>
-                    </a:p>
-                  </a:txBody>
-                  <a:tcPr anchor="ctr" marL="90000" marR="90000">
+                  <a:tcPr anchor="t" marL="90000" marR="90000">
                     <a:lnL w="720">
                       <a:solidFill>
                         <a:srgbClr val="ffffff"/>
@@ -7190,67 +6184,12 @@
                       </a:solidFill>
                     </a:lnB>
                     <a:solidFill>
-                      <a:srgbClr val="000000"/>
+                      <a:srgbClr val="333333"/>
                     </a:solidFill>
                   </a:tcPr>
                 </a:tc>
                 <a:tc>
-                  <a:txBody>
-                    <a:bodyPr lIns="90000" rIns="90000" tIns="46800" bIns="46800" anchor="ctr">
-                      <a:noAutofit/>
-                    </a:bodyPr>
-                    <a:p>
-                      <a:pPr algn="ctr">
-                        <a:buNone/>
-                        <a:tabLst>
-                          <a:tab algn="l" pos="408240"/>
-                        </a:tabLst>
-                      </a:pPr>
-                      <a:r>
-                        <a:rPr b="0" lang="pt-BR" sz="1600" spc="-1" strike="noStrike">
-                          <a:solidFill>
-                            <a:srgbClr val="ffffff"/>
-                          </a:solidFill>
-                          <a:latin typeface="Roboto"/>
-                        </a:rPr>
-                        <a:t>N</a:t>
-                      </a:r>
-                      <a:r>
-                        <a:rPr b="0" lang="pt-BR" sz="1600" spc="-1" strike="noStrike">
-                          <a:solidFill>
-                            <a:srgbClr val="ffffff"/>
-                          </a:solidFill>
-                          <a:latin typeface="Roboto"/>
-                        </a:rPr>
-                        <a:t>a</a:t>
-                      </a:r>
-                      <a:r>
-                        <a:rPr b="0" lang="pt-BR" sz="1600" spc="-1" strike="noStrike">
-                          <a:solidFill>
-                            <a:srgbClr val="ffffff"/>
-                          </a:solidFill>
-                          <a:latin typeface="Roboto"/>
-                        </a:rPr>
-                        <a:t>m</a:t>
-                      </a:r>
-                      <a:r>
-                        <a:rPr b="0" lang="pt-BR" sz="1600" spc="-1" strike="noStrike">
-                          <a:solidFill>
-                            <a:srgbClr val="ffffff"/>
-                          </a:solidFill>
-                          <a:latin typeface="Roboto"/>
-                        </a:rPr>
-                        <a:t>e</a:t>
-                      </a:r>
-                      <a:endParaRPr b="0" lang="pt-BR" sz="1600" spc="-1" strike="noStrike">
-                        <a:solidFill>
-                          <a:srgbClr val="ffffff"/>
-                        </a:solidFill>
-                        <a:latin typeface="Roboto"/>
-                      </a:endParaRPr>
-                    </a:p>
-                  </a:txBody>
-                  <a:tcPr anchor="ctr" marL="90000" marR="90000">
+                  <a:tcPr anchor="t" marL="90000" marR="90000">
                     <a:lnL w="720">
                       <a:solidFill>
                         <a:srgbClr val="ffffff"/>
@@ -7272,76 +6211,12 @@
                       </a:solidFill>
                     </a:lnB>
                     <a:solidFill>
-                      <a:srgbClr val="000000"/>
+                      <a:srgbClr val="333333"/>
                     </a:solidFill>
                   </a:tcPr>
                 </a:tc>
                 <a:tc>
-                  <a:txBody>
-                    <a:bodyPr lIns="90000" rIns="90000" tIns="46800" bIns="46800" anchor="ctr">
-                      <a:noAutofit/>
-                    </a:bodyPr>
-                    <a:p>
-                      <a:pPr algn="ctr">
-                        <a:buNone/>
-                        <a:tabLst>
-                          <a:tab algn="l" pos="408240"/>
-                        </a:tabLst>
-                      </a:pPr>
-                      <a:r>
-                        <a:rPr b="0" lang="pt-BR" sz="1600" spc="-1" strike="noStrike">
-                          <a:solidFill>
-                            <a:srgbClr val="ffffff"/>
-                          </a:solidFill>
-                          <a:latin typeface="Roboto"/>
-                        </a:rPr>
-                        <a:t>V</a:t>
-                      </a:r>
-                      <a:r>
-                        <a:rPr b="0" lang="pt-BR" sz="1600" spc="-1" strike="noStrike">
-                          <a:solidFill>
-                            <a:srgbClr val="ffffff"/>
-                          </a:solidFill>
-                          <a:latin typeface="Roboto"/>
-                        </a:rPr>
-                        <a:t>a</a:t>
-                      </a:r>
-                      <a:r>
-                        <a:rPr b="0" lang="pt-BR" sz="1600" spc="-1" strike="noStrike">
-                          <a:solidFill>
-                            <a:srgbClr val="ffffff"/>
-                          </a:solidFill>
-                          <a:latin typeface="Roboto"/>
-                        </a:rPr>
-                        <a:t>l</a:t>
-                      </a:r>
-                      <a:r>
-                        <a:rPr b="0" lang="pt-BR" sz="1600" spc="-1" strike="noStrike">
-                          <a:solidFill>
-                            <a:srgbClr val="ffffff"/>
-                          </a:solidFill>
-                          <a:latin typeface="Roboto"/>
-                        </a:rPr>
-                        <a:t>u</a:t>
-                      </a:r>
-                      <a:r>
-                        <a:rPr b="0" lang="pt-BR" sz="1600" spc="-1" strike="noStrike">
-                          <a:solidFill>
-                            <a:srgbClr val="ffffff"/>
-                          </a:solidFill>
-                          <a:latin typeface="Roboto"/>
-                        </a:rPr>
-                        <a:t>e</a:t>
-                      </a:r>
-                      <a:endParaRPr b="0" lang="pt-BR" sz="1600" spc="-1" strike="noStrike">
-                        <a:solidFill>
-                          <a:srgbClr val="ffffff"/>
-                        </a:solidFill>
-                        <a:latin typeface="Roboto"/>
-                      </a:endParaRPr>
-                    </a:p>
-                  </a:txBody>
-                  <a:tcPr anchor="ctr" marL="90000" marR="90000">
+                  <a:tcPr anchor="t" marL="90000" marR="90000">
                     <a:lnL w="720">
                       <a:solidFill>
                         <a:srgbClr val="ffffff"/>
@@ -7363,35 +6238,150 @@
                       </a:solidFill>
                     </a:lnB>
                     <a:solidFill>
-                      <a:srgbClr val="000000"/>
+                      <a:srgbClr val="333333"/>
+                    </a:solidFill>
+                  </a:tcPr>
+                </a:tc>
+                <a:tc>
+                  <a:tcPr anchor="t" marL="90000" marR="90000">
+                    <a:lnL w="720">
+                      <a:solidFill>
+                        <a:srgbClr val="ffffff"/>
+                      </a:solidFill>
+                    </a:lnL>
+                    <a:lnR w="720">
+                      <a:solidFill>
+                        <a:srgbClr val="ffffff"/>
+                      </a:solidFill>
+                    </a:lnR>
+                    <a:lnT w="720">
+                      <a:solidFill>
+                        <a:srgbClr val="ffffff"/>
+                      </a:solidFill>
+                    </a:lnT>
+                    <a:lnB w="720">
+                      <a:solidFill>
+                        <a:srgbClr val="ffffff"/>
+                      </a:solidFill>
+                    </a:lnB>
+                    <a:solidFill>
+                      <a:srgbClr val="333333"/>
                     </a:solidFill>
                   </a:tcPr>
                 </a:tc>
               </a:tr>
-              <a:tr h="339840">
+              <a:tr h="349920">
                 <a:tc>
-                  <a:txBody>
-                    <a:bodyPr lIns="90000" rIns="90000" tIns="46800" bIns="46800" anchor="t">
-                      <a:noAutofit/>
-                    </a:bodyPr>
-                    <a:p>
-                      <a:pPr algn="ctr">
-                        <a:buNone/>
-                        <a:tabLst>
-                          <a:tab algn="l" pos="408240"/>
-                        </a:tabLst>
-                      </a:pPr>
-                      <a:r>
-                        <a:rPr b="0" lang="pt-BR" sz="1600" spc="-1" strike="noStrike">
-                          <a:latin typeface="Roboto"/>
-                        </a:rPr>
-                        <a:t>5</a:t>
-                      </a:r>
-                      <a:endParaRPr b="0" lang="pt-BR" sz="1600" spc="-1" strike="noStrike">
-                        <a:latin typeface="Roboto"/>
-                      </a:endParaRPr>
-                    </a:p>
-                  </a:txBody>
+                  <a:tcPr anchor="t" marL="90000" marR="90000">
+                    <a:lnL w="720">
+                      <a:solidFill>
+                        <a:srgbClr val="ffffff"/>
+                      </a:solidFill>
+                    </a:lnL>
+                    <a:lnR w="720">
+                      <a:solidFill>
+                        <a:srgbClr val="ffffff"/>
+                      </a:solidFill>
+                    </a:lnR>
+                    <a:lnT w="720">
+                      <a:solidFill>
+                        <a:srgbClr val="ffffff"/>
+                      </a:solidFill>
+                    </a:lnT>
+                    <a:lnB w="720">
+                      <a:solidFill>
+                        <a:srgbClr val="ffffff"/>
+                      </a:solidFill>
+                    </a:lnB>
+                    <a:solidFill>
+                      <a:srgbClr val="cccccc"/>
+                    </a:solidFill>
+                  </a:tcPr>
+                </a:tc>
+                <a:tc>
+                  <a:tcPr anchor="t" marL="90000" marR="90000">
+                    <a:lnL w="720">
+                      <a:solidFill>
+                        <a:srgbClr val="ffffff"/>
+                      </a:solidFill>
+                    </a:lnL>
+                    <a:lnR w="720">
+                      <a:solidFill>
+                        <a:srgbClr val="ffffff"/>
+                      </a:solidFill>
+                    </a:lnR>
+                    <a:lnT w="720">
+                      <a:solidFill>
+                        <a:srgbClr val="ffffff"/>
+                      </a:solidFill>
+                    </a:lnT>
+                    <a:lnB w="720">
+                      <a:solidFill>
+                        <a:srgbClr val="ffffff"/>
+                      </a:solidFill>
+                    </a:lnB>
+                    <a:solidFill>
+                      <a:srgbClr val="cccccc"/>
+                    </a:solidFill>
+                  </a:tcPr>
+                </a:tc>
+                <a:tc>
+                  <a:tcPr anchor="t" marL="90000" marR="90000">
+                    <a:lnL w="720">
+                      <a:solidFill>
+                        <a:srgbClr val="ffffff"/>
+                      </a:solidFill>
+                    </a:lnL>
+                    <a:lnR w="720">
+                      <a:solidFill>
+                        <a:srgbClr val="ffffff"/>
+                      </a:solidFill>
+                    </a:lnR>
+                    <a:lnT w="720">
+                      <a:solidFill>
+                        <a:srgbClr val="ffffff"/>
+                      </a:solidFill>
+                    </a:lnT>
+                    <a:lnB w="720">
+                      <a:solidFill>
+                        <a:srgbClr val="ffffff"/>
+                      </a:solidFill>
+                    </a:lnB>
+                    <a:solidFill>
+                      <a:srgbClr val="cccccc"/>
+                    </a:solidFill>
+                  </a:tcPr>
+                </a:tc>
+                <a:tc>
+                  <a:tcPr anchor="t" marL="90000" marR="90000">
+                    <a:lnL w="720">
+                      <a:solidFill>
+                        <a:srgbClr val="ffffff"/>
+                      </a:solidFill>
+                    </a:lnL>
+                    <a:lnR w="720">
+                      <a:solidFill>
+                        <a:srgbClr val="ffffff"/>
+                      </a:solidFill>
+                    </a:lnR>
+                    <a:lnT w="720">
+                      <a:solidFill>
+                        <a:srgbClr val="ffffff"/>
+                      </a:solidFill>
+                    </a:lnT>
+                    <a:lnB w="720">
+                      <a:solidFill>
+                        <a:srgbClr val="ffffff"/>
+                      </a:solidFill>
+                    </a:lnB>
+                    <a:solidFill>
+                      <a:srgbClr val="cccccc"/>
+                    </a:solidFill>
+                  </a:tcPr>
+                </a:tc>
+              </a:tr>
+              <a:tr h="349920">
+                <a:tc>
                   <a:tcPr anchor="t" marL="90000" marR="90000">
                     <a:lnL w="720">
                       <a:solidFill>
@@ -7419,28 +6409,6 @@
                   </a:tcPr>
                 </a:tc>
                 <a:tc>
-                  <a:txBody>
-                    <a:bodyPr lIns="90000" rIns="90000" tIns="46800" bIns="46800" anchor="t">
-                      <a:noAutofit/>
-                    </a:bodyPr>
-                    <a:p>
-                      <a:pPr algn="ctr">
-                        <a:buNone/>
-                        <a:tabLst>
-                          <a:tab algn="l" pos="408240"/>
-                        </a:tabLst>
-                      </a:pPr>
-                      <a:r>
-                        <a:rPr b="0" lang="pt-BR" sz="1600" spc="-1" strike="noStrike">
-                          <a:latin typeface="Roboto"/>
-                        </a:rPr>
-                        <a:t>Martha</a:t>
-                      </a:r>
-                      <a:endParaRPr b="0" lang="pt-BR" sz="1600" spc="-1" strike="noStrike">
-                        <a:latin typeface="Roboto"/>
-                      </a:endParaRPr>
-                    </a:p>
-                  </a:txBody>
                   <a:tcPr anchor="t" marL="90000" marR="90000">
                     <a:lnL w="720">
                       <a:solidFill>
@@ -7468,28 +6436,33 @@
                   </a:tcPr>
                 </a:tc>
                 <a:tc>
-                  <a:txBody>
-                    <a:bodyPr lIns="90000" rIns="90000" tIns="46800" bIns="46800" anchor="t">
-                      <a:noAutofit/>
-                    </a:bodyPr>
-                    <a:p>
-                      <a:pPr algn="ctr">
-                        <a:buNone/>
-                        <a:tabLst>
-                          <a:tab algn="l" pos="408240"/>
-                        </a:tabLst>
-                      </a:pPr>
-                      <a:r>
-                        <a:rPr b="0" lang="pt-BR" sz="1600" spc="-1" strike="noStrike">
-                          <a:latin typeface="Roboto"/>
-                        </a:rPr>
-                        <a:t>123</a:t>
-                      </a:r>
-                      <a:endParaRPr b="0" lang="pt-BR" sz="1600" spc="-1" strike="noStrike">
-                        <a:latin typeface="Roboto"/>
-                      </a:endParaRPr>
-                    </a:p>
-                  </a:txBody>
+                  <a:tcPr anchor="t" marL="90000" marR="90000">
+                    <a:lnL w="720">
+                      <a:solidFill>
+                        <a:srgbClr val="ffffff"/>
+                      </a:solidFill>
+                    </a:lnL>
+                    <a:lnR w="720">
+                      <a:solidFill>
+                        <a:srgbClr val="ffffff"/>
+                      </a:solidFill>
+                    </a:lnR>
+                    <a:lnT w="720">
+                      <a:solidFill>
+                        <a:srgbClr val="ffffff"/>
+                      </a:solidFill>
+                    </a:lnT>
+                    <a:lnB w="720">
+                      <a:solidFill>
+                        <a:srgbClr val="ffffff"/>
+                      </a:solidFill>
+                    </a:lnB>
+                    <a:solidFill>
+                      <a:srgbClr val="e6e6e6"/>
+                    </a:solidFill>
+                  </a:tcPr>
+                </a:tc>
+                <a:tc>
                   <a:tcPr anchor="t" marL="90000" marR="90000">
                     <a:lnL w="720">
                       <a:solidFill>
@@ -7517,30 +6490,8 @@
                   </a:tcPr>
                 </a:tc>
               </a:tr>
-              <a:tr h="360000">
+              <a:tr h="349920">
                 <a:tc>
-                  <a:txBody>
-                    <a:bodyPr lIns="90000" rIns="90000" tIns="46800" bIns="46800" anchor="t">
-                      <a:noAutofit/>
-                    </a:bodyPr>
-                    <a:p>
-                      <a:pPr algn="ctr">
-                        <a:buNone/>
-                        <a:tabLst>
-                          <a:tab algn="l" pos="408240"/>
-                        </a:tabLst>
-                      </a:pPr>
-                      <a:r>
-                        <a:rPr b="0" lang="pt-BR" sz="1600" spc="-1" strike="noStrike">
-                          <a:latin typeface="Roboto"/>
-                        </a:rPr>
-                        <a:t>6</a:t>
-                      </a:r>
-                      <a:endParaRPr b="0" lang="pt-BR" sz="1600" spc="-1" strike="noStrike">
-                        <a:latin typeface="Roboto"/>
-                      </a:endParaRPr>
-                    </a:p>
-                  </a:txBody>
                   <a:tcPr anchor="t" marL="90000" marR="90000">
                     <a:lnL w="720">
                       <a:solidFill>
@@ -7563,33 +6514,11 @@
                       </a:solidFill>
                     </a:lnB>
                     <a:solidFill>
-                      <a:srgbClr val="ffffff"/>
+                      <a:srgbClr val="cccccc"/>
                     </a:solidFill>
                   </a:tcPr>
                 </a:tc>
                 <a:tc>
-                  <a:txBody>
-                    <a:bodyPr lIns="90000" rIns="90000" tIns="46800" bIns="46800" anchor="t">
-                      <a:noAutofit/>
-                    </a:bodyPr>
-                    <a:p>
-                      <a:pPr algn="ctr">
-                        <a:buNone/>
-                        <a:tabLst>
-                          <a:tab algn="l" pos="408240"/>
-                        </a:tabLst>
-                      </a:pPr>
-                      <a:r>
-                        <a:rPr b="0" lang="pt-BR" sz="1600" spc="-1" strike="noStrike">
-                          <a:latin typeface="Roboto"/>
-                        </a:rPr>
-                        <a:t>Sigrid</a:t>
-                      </a:r>
-                      <a:endParaRPr b="0" lang="pt-BR" sz="1600" spc="-1" strike="noStrike">
-                        <a:latin typeface="Roboto"/>
-                      </a:endParaRPr>
-                    </a:p>
-                  </a:txBody>
                   <a:tcPr anchor="t" marL="90000" marR="90000">
                     <a:lnL w="720">
                       <a:solidFill>
@@ -7612,33 +6541,11 @@
                       </a:solidFill>
                     </a:lnB>
                     <a:solidFill>
-                      <a:srgbClr val="ffffff"/>
+                      <a:srgbClr val="cccccc"/>
                     </a:solidFill>
                   </a:tcPr>
                 </a:tc>
                 <a:tc>
-                  <a:txBody>
-                    <a:bodyPr lIns="90000" rIns="90000" tIns="46800" bIns="46800" anchor="t">
-                      <a:noAutofit/>
-                    </a:bodyPr>
-                    <a:p>
-                      <a:pPr algn="ctr">
-                        <a:buNone/>
-                        <a:tabLst>
-                          <a:tab algn="l" pos="408240"/>
-                        </a:tabLst>
-                      </a:pPr>
-                      <a:r>
-                        <a:rPr b="0" lang="pt-BR" sz="1600" spc="-1" strike="noStrike">
-                          <a:latin typeface="Roboto"/>
-                        </a:rPr>
-                        <a:t>621</a:t>
-                      </a:r>
-                      <a:endParaRPr b="0" lang="pt-BR" sz="1600" spc="-1" strike="noStrike">
-                        <a:latin typeface="Roboto"/>
-                      </a:endParaRPr>
-                    </a:p>
-                  </a:txBody>
                   <a:tcPr anchor="t" marL="90000" marR="90000">
                     <a:lnL w="720">
                       <a:solidFill>
@@ -7661,7 +6568,34 @@
                       </a:solidFill>
                     </a:lnB>
                     <a:solidFill>
-                      <a:srgbClr val="ffffff"/>
+                      <a:srgbClr val="cccccc"/>
+                    </a:solidFill>
+                  </a:tcPr>
+                </a:tc>
+                <a:tc>
+                  <a:tcPr anchor="t" marL="90000" marR="90000">
+                    <a:lnL w="720">
+                      <a:solidFill>
+                        <a:srgbClr val="ffffff"/>
+                      </a:solidFill>
+                    </a:lnL>
+                    <a:lnR w="720">
+                      <a:solidFill>
+                        <a:srgbClr val="ffffff"/>
+                      </a:solidFill>
+                    </a:lnR>
+                    <a:lnT w="720">
+                      <a:solidFill>
+                        <a:srgbClr val="ffffff"/>
+                      </a:solidFill>
+                    </a:lnT>
+                    <a:lnB w="720">
+                      <a:solidFill>
+                        <a:srgbClr val="ffffff"/>
+                      </a:solidFill>
+                    </a:lnB>
+                    <a:solidFill>
+                      <a:srgbClr val="cccccc"/>
                     </a:solidFill>
                   </a:tcPr>
                 </a:tc>

--- a/Figures/PowerPoint/distributed-df.pptx
+++ b/Figures/PowerPoint/distributed-df.pptx
@@ -36,7 +36,7 @@
             <a:spLocks noGrp="1"/>
           </p:cNvSpPr>
           <p:nvPr>
-            <p:ph type="ftr" idx="1"/>
+            <p:ph type="ftr" idx="2"/>
           </p:nvPr>
         </p:nvSpPr>
         <p:spPr/>
@@ -56,14 +56,14 @@
             <a:spLocks noGrp="1"/>
           </p:cNvSpPr>
           <p:nvPr>
-            <p:ph type="sldNum" idx="2"/>
+            <p:ph type="sldNum" idx="3"/>
           </p:nvPr>
         </p:nvSpPr>
         <p:spPr/>
         <p:txBody>
           <a:bodyPr/>
           <a:p>
-            <a:fld id="{B7774EC6-FCD4-4DC7-8722-C79FF6AFF38C}" type="slidenum">
+            <a:fld id="{579688D2-D6BE-4F68-8FD3-ED2E393AB606}" type="slidenum">
               <a:t>&lt;#&gt;</a:t>
             </a:fld>
           </a:p>
@@ -76,7 +76,7 @@
             <a:spLocks noGrp="1"/>
           </p:cNvSpPr>
           <p:nvPr>
-            <p:ph type="dt" idx="3"/>
+            <p:ph type="dt" idx="1"/>
           </p:nvPr>
         </p:nvSpPr>
         <p:spPr/>
@@ -125,7 +125,7 @@
         <p:spPr>
           <a:xfrm>
             <a:off x="1523880" y="1122480"/>
-            <a:ext cx="9143280" cy="2386800"/>
+            <a:ext cx="9143640" cy="2387160"/>
           </a:xfrm>
           <a:prstGeom prst="rect">
             <a:avLst/>
@@ -140,11 +140,11 @@
             <a:noAutofit/>
           </a:bodyPr>
           <a:p>
-            <a:pPr algn="ctr">
-              <a:buNone/>
-            </a:pPr>
-            <a:endParaRPr b="0" lang="pt-BR" sz="4400" spc="-1" strike="noStrike">
-              <a:latin typeface="Arial"/>
+            <a:endParaRPr b="0" lang="pt-BR" sz="1800" spc="-1" strike="noStrike">
+              <a:solidFill>
+                <a:srgbClr val="000000"/>
+              </a:solidFill>
+              <a:latin typeface="Calibri"/>
             </a:endParaRPr>
           </a:p>
         </p:txBody>
@@ -177,8 +177,20 @@
             <a:normAutofit/>
           </a:bodyPr>
           <a:p>
-            <a:endParaRPr b="0" lang="pt-BR" sz="3200" spc="-1" strike="noStrike">
-              <a:latin typeface="Arial"/>
+            <a:pPr>
+              <a:lnSpc>
+                <a:spcPct val="90000"/>
+              </a:lnSpc>
+              <a:spcBef>
+                <a:spcPts val="1417"/>
+              </a:spcBef>
+              <a:buNone/>
+            </a:pPr>
+            <a:endParaRPr b="0" lang="pt-BR" sz="2800" spc="-1" strike="noStrike">
+              <a:solidFill>
+                <a:srgbClr val="000000"/>
+              </a:solidFill>
+              <a:latin typeface="Calibri"/>
             </a:endParaRPr>
           </a:p>
         </p:txBody>
@@ -211,8 +223,20 @@
             <a:normAutofit/>
           </a:bodyPr>
           <a:p>
-            <a:endParaRPr b="0" lang="pt-BR" sz="3200" spc="-1" strike="noStrike">
-              <a:latin typeface="Arial"/>
+            <a:pPr>
+              <a:lnSpc>
+                <a:spcPct val="90000"/>
+              </a:lnSpc>
+              <a:spcBef>
+                <a:spcPts val="1417"/>
+              </a:spcBef>
+              <a:buNone/>
+            </a:pPr>
+            <a:endParaRPr b="0" lang="pt-BR" sz="2800" spc="-1" strike="noStrike">
+              <a:solidFill>
+                <a:srgbClr val="000000"/>
+              </a:solidFill>
+              <a:latin typeface="Calibri"/>
             </a:endParaRPr>
           </a:p>
         </p:txBody>
@@ -224,7 +248,7 @@
             <a:spLocks noGrp="1"/>
           </p:cNvSpPr>
           <p:nvPr>
-            <p:ph type="ftr" idx="1"/>
+            <p:ph type="ftr" idx="2"/>
           </p:nvPr>
         </p:nvSpPr>
         <p:spPr/>
@@ -244,14 +268,14 @@
             <a:spLocks noGrp="1"/>
           </p:cNvSpPr>
           <p:nvPr>
-            <p:ph type="sldNum" idx="2"/>
+            <p:ph type="sldNum" idx="3"/>
           </p:nvPr>
         </p:nvSpPr>
         <p:spPr/>
         <p:txBody>
           <a:bodyPr/>
           <a:p>
-            <a:fld id="{B179035C-8C62-4D59-AA80-5CFB903EBEDC}" type="slidenum">
+            <a:fld id="{DF3A8556-2A1A-41AC-BB72-ACED0E7B161D}" type="slidenum">
               <a:t>&lt;#&gt;</a:t>
             </a:fld>
           </a:p>
@@ -264,7 +288,7 @@
             <a:spLocks noGrp="1"/>
           </p:cNvSpPr>
           <p:nvPr>
-            <p:ph type="dt" idx="3"/>
+            <p:ph type="dt" idx="1"/>
           </p:nvPr>
         </p:nvSpPr>
         <p:spPr/>
@@ -313,7 +337,7 @@
         <p:spPr>
           <a:xfrm>
             <a:off x="1523880" y="1122480"/>
-            <a:ext cx="9143280" cy="2386800"/>
+            <a:ext cx="9143640" cy="2387160"/>
           </a:xfrm>
           <a:prstGeom prst="rect">
             <a:avLst/>
@@ -328,11 +352,11 @@
             <a:noAutofit/>
           </a:bodyPr>
           <a:p>
-            <a:pPr algn="ctr">
-              <a:buNone/>
-            </a:pPr>
-            <a:endParaRPr b="0" lang="pt-BR" sz="4400" spc="-1" strike="noStrike">
-              <a:latin typeface="Arial"/>
+            <a:endParaRPr b="0" lang="pt-BR" sz="1800" spc="-1" strike="noStrike">
+              <a:solidFill>
+                <a:srgbClr val="000000"/>
+              </a:solidFill>
+              <a:latin typeface="Calibri"/>
             </a:endParaRPr>
           </a:p>
         </p:txBody>
@@ -365,8 +389,20 @@
             <a:normAutofit/>
           </a:bodyPr>
           <a:p>
-            <a:endParaRPr b="0" lang="pt-BR" sz="3200" spc="-1" strike="noStrike">
-              <a:latin typeface="Arial"/>
+            <a:pPr>
+              <a:lnSpc>
+                <a:spcPct val="90000"/>
+              </a:lnSpc>
+              <a:spcBef>
+                <a:spcPts val="1417"/>
+              </a:spcBef>
+              <a:buNone/>
+            </a:pPr>
+            <a:endParaRPr b="0" lang="pt-BR" sz="2800" spc="-1" strike="noStrike">
+              <a:solidFill>
+                <a:srgbClr val="000000"/>
+              </a:solidFill>
+              <a:latin typeface="Calibri"/>
             </a:endParaRPr>
           </a:p>
         </p:txBody>
@@ -399,8 +435,20 @@
             <a:normAutofit/>
           </a:bodyPr>
           <a:p>
-            <a:endParaRPr b="0" lang="pt-BR" sz="3200" spc="-1" strike="noStrike">
-              <a:latin typeface="Arial"/>
+            <a:pPr>
+              <a:lnSpc>
+                <a:spcPct val="90000"/>
+              </a:lnSpc>
+              <a:spcBef>
+                <a:spcPts val="1417"/>
+              </a:spcBef>
+              <a:buNone/>
+            </a:pPr>
+            <a:endParaRPr b="0" lang="pt-BR" sz="2800" spc="-1" strike="noStrike">
+              <a:solidFill>
+                <a:srgbClr val="000000"/>
+              </a:solidFill>
+              <a:latin typeface="Calibri"/>
             </a:endParaRPr>
           </a:p>
         </p:txBody>
@@ -433,8 +481,20 @@
             <a:normAutofit/>
           </a:bodyPr>
           <a:p>
-            <a:endParaRPr b="0" lang="pt-BR" sz="3200" spc="-1" strike="noStrike">
-              <a:latin typeface="Arial"/>
+            <a:pPr>
+              <a:lnSpc>
+                <a:spcPct val="90000"/>
+              </a:lnSpc>
+              <a:spcBef>
+                <a:spcPts val="1417"/>
+              </a:spcBef>
+              <a:buNone/>
+            </a:pPr>
+            <a:endParaRPr b="0" lang="pt-BR" sz="2800" spc="-1" strike="noStrike">
+              <a:solidFill>
+                <a:srgbClr val="000000"/>
+              </a:solidFill>
+              <a:latin typeface="Calibri"/>
             </a:endParaRPr>
           </a:p>
         </p:txBody>
@@ -467,8 +527,20 @@
             <a:normAutofit/>
           </a:bodyPr>
           <a:p>
-            <a:endParaRPr b="0" lang="pt-BR" sz="3200" spc="-1" strike="noStrike">
-              <a:latin typeface="Arial"/>
+            <a:pPr>
+              <a:lnSpc>
+                <a:spcPct val="90000"/>
+              </a:lnSpc>
+              <a:spcBef>
+                <a:spcPts val="1417"/>
+              </a:spcBef>
+              <a:buNone/>
+            </a:pPr>
+            <a:endParaRPr b="0" lang="pt-BR" sz="2800" spc="-1" strike="noStrike">
+              <a:solidFill>
+                <a:srgbClr val="000000"/>
+              </a:solidFill>
+              <a:latin typeface="Calibri"/>
             </a:endParaRPr>
           </a:p>
         </p:txBody>
@@ -480,7 +552,7 @@
             <a:spLocks noGrp="1"/>
           </p:cNvSpPr>
           <p:nvPr>
-            <p:ph type="ftr" idx="1"/>
+            <p:ph type="ftr" idx="2"/>
           </p:nvPr>
         </p:nvSpPr>
         <p:spPr/>
@@ -500,14 +572,14 @@
             <a:spLocks noGrp="1"/>
           </p:cNvSpPr>
           <p:nvPr>
-            <p:ph type="sldNum" idx="2"/>
+            <p:ph type="sldNum" idx="3"/>
           </p:nvPr>
         </p:nvSpPr>
         <p:spPr/>
         <p:txBody>
           <a:bodyPr/>
           <a:p>
-            <a:fld id="{EE8380F2-3E21-4E02-AE14-254A07429DB2}" type="slidenum">
+            <a:fld id="{27ECD0E5-E162-443F-B183-0FC372C2CC53}" type="slidenum">
               <a:t>&lt;#&gt;</a:t>
             </a:fld>
           </a:p>
@@ -520,7 +592,7 @@
             <a:spLocks noGrp="1"/>
           </p:cNvSpPr>
           <p:nvPr>
-            <p:ph type="dt" idx="3"/>
+            <p:ph type="dt" idx="1"/>
           </p:nvPr>
         </p:nvSpPr>
         <p:spPr/>
@@ -569,7 +641,7 @@
         <p:spPr>
           <a:xfrm>
             <a:off x="1523880" y="1122480"/>
-            <a:ext cx="9143280" cy="2386800"/>
+            <a:ext cx="9143640" cy="2387160"/>
           </a:xfrm>
           <a:prstGeom prst="rect">
             <a:avLst/>
@@ -584,11 +656,11 @@
             <a:noAutofit/>
           </a:bodyPr>
           <a:p>
-            <a:pPr algn="ctr">
-              <a:buNone/>
-            </a:pPr>
-            <a:endParaRPr b="0" lang="pt-BR" sz="4400" spc="-1" strike="noStrike">
-              <a:latin typeface="Arial"/>
+            <a:endParaRPr b="0" lang="pt-BR" sz="1800" spc="-1" strike="noStrike">
+              <a:solidFill>
+                <a:srgbClr val="000000"/>
+              </a:solidFill>
+              <a:latin typeface="Calibri"/>
             </a:endParaRPr>
           </a:p>
         </p:txBody>
@@ -621,8 +693,20 @@
             <a:normAutofit/>
           </a:bodyPr>
           <a:p>
-            <a:endParaRPr b="0" lang="pt-BR" sz="3200" spc="-1" strike="noStrike">
-              <a:latin typeface="Arial"/>
+            <a:pPr>
+              <a:lnSpc>
+                <a:spcPct val="90000"/>
+              </a:lnSpc>
+              <a:spcBef>
+                <a:spcPts val="1417"/>
+              </a:spcBef>
+              <a:buNone/>
+            </a:pPr>
+            <a:endParaRPr b="0" lang="pt-BR" sz="2800" spc="-1" strike="noStrike">
+              <a:solidFill>
+                <a:srgbClr val="000000"/>
+              </a:solidFill>
+              <a:latin typeface="Calibri"/>
             </a:endParaRPr>
           </a:p>
         </p:txBody>
@@ -655,8 +739,20 @@
             <a:normAutofit/>
           </a:bodyPr>
           <a:p>
-            <a:endParaRPr b="0" lang="pt-BR" sz="3200" spc="-1" strike="noStrike">
-              <a:latin typeface="Arial"/>
+            <a:pPr>
+              <a:lnSpc>
+                <a:spcPct val="90000"/>
+              </a:lnSpc>
+              <a:spcBef>
+                <a:spcPts val="1417"/>
+              </a:spcBef>
+              <a:buNone/>
+            </a:pPr>
+            <a:endParaRPr b="0" lang="pt-BR" sz="2800" spc="-1" strike="noStrike">
+              <a:solidFill>
+                <a:srgbClr val="000000"/>
+              </a:solidFill>
+              <a:latin typeface="Calibri"/>
             </a:endParaRPr>
           </a:p>
         </p:txBody>
@@ -689,8 +785,20 @@
             <a:normAutofit/>
           </a:bodyPr>
           <a:p>
-            <a:endParaRPr b="0" lang="pt-BR" sz="3200" spc="-1" strike="noStrike">
-              <a:latin typeface="Arial"/>
+            <a:pPr>
+              <a:lnSpc>
+                <a:spcPct val="90000"/>
+              </a:lnSpc>
+              <a:spcBef>
+                <a:spcPts val="1417"/>
+              </a:spcBef>
+              <a:buNone/>
+            </a:pPr>
+            <a:endParaRPr b="0" lang="pt-BR" sz="2800" spc="-1" strike="noStrike">
+              <a:solidFill>
+                <a:srgbClr val="000000"/>
+              </a:solidFill>
+              <a:latin typeface="Calibri"/>
             </a:endParaRPr>
           </a:p>
         </p:txBody>
@@ -723,8 +831,20 @@
             <a:normAutofit/>
           </a:bodyPr>
           <a:p>
-            <a:endParaRPr b="0" lang="pt-BR" sz="3200" spc="-1" strike="noStrike">
-              <a:latin typeface="Arial"/>
+            <a:pPr>
+              <a:lnSpc>
+                <a:spcPct val="90000"/>
+              </a:lnSpc>
+              <a:spcBef>
+                <a:spcPts val="1417"/>
+              </a:spcBef>
+              <a:buNone/>
+            </a:pPr>
+            <a:endParaRPr b="0" lang="pt-BR" sz="2800" spc="-1" strike="noStrike">
+              <a:solidFill>
+                <a:srgbClr val="000000"/>
+              </a:solidFill>
+              <a:latin typeface="Calibri"/>
             </a:endParaRPr>
           </a:p>
         </p:txBody>
@@ -757,8 +877,20 @@
             <a:normAutofit/>
           </a:bodyPr>
           <a:p>
-            <a:endParaRPr b="0" lang="pt-BR" sz="3200" spc="-1" strike="noStrike">
-              <a:latin typeface="Arial"/>
+            <a:pPr>
+              <a:lnSpc>
+                <a:spcPct val="90000"/>
+              </a:lnSpc>
+              <a:spcBef>
+                <a:spcPts val="1417"/>
+              </a:spcBef>
+              <a:buNone/>
+            </a:pPr>
+            <a:endParaRPr b="0" lang="pt-BR" sz="2800" spc="-1" strike="noStrike">
+              <a:solidFill>
+                <a:srgbClr val="000000"/>
+              </a:solidFill>
+              <a:latin typeface="Calibri"/>
             </a:endParaRPr>
           </a:p>
         </p:txBody>
@@ -791,8 +923,20 @@
             <a:normAutofit/>
           </a:bodyPr>
           <a:p>
-            <a:endParaRPr b="0" lang="pt-BR" sz="3200" spc="-1" strike="noStrike">
-              <a:latin typeface="Arial"/>
+            <a:pPr>
+              <a:lnSpc>
+                <a:spcPct val="90000"/>
+              </a:lnSpc>
+              <a:spcBef>
+                <a:spcPts val="1417"/>
+              </a:spcBef>
+              <a:buNone/>
+            </a:pPr>
+            <a:endParaRPr b="0" lang="pt-BR" sz="2800" spc="-1" strike="noStrike">
+              <a:solidFill>
+                <a:srgbClr val="000000"/>
+              </a:solidFill>
+              <a:latin typeface="Calibri"/>
             </a:endParaRPr>
           </a:p>
         </p:txBody>
@@ -804,7 +948,7 @@
             <a:spLocks noGrp="1"/>
           </p:cNvSpPr>
           <p:nvPr>
-            <p:ph type="ftr" idx="1"/>
+            <p:ph type="ftr" idx="2"/>
           </p:nvPr>
         </p:nvSpPr>
         <p:spPr/>
@@ -824,14 +968,14 @@
             <a:spLocks noGrp="1"/>
           </p:cNvSpPr>
           <p:nvPr>
-            <p:ph type="sldNum" idx="2"/>
+            <p:ph type="sldNum" idx="3"/>
           </p:nvPr>
         </p:nvSpPr>
         <p:spPr/>
         <p:txBody>
           <a:bodyPr/>
           <a:p>
-            <a:fld id="{783D35BD-10EC-4ECA-A8EB-98B74AC2978E}" type="slidenum">
+            <a:fld id="{476A2ABA-6317-4A60-AC09-4E159A63DE2D}" type="slidenum">
               <a:t>&lt;#&gt;</a:t>
             </a:fld>
           </a:p>
@@ -844,7 +988,7 @@
             <a:spLocks noGrp="1"/>
           </p:cNvSpPr>
           <p:nvPr>
-            <p:ph type="dt" idx="3"/>
+            <p:ph type="dt" idx="1"/>
           </p:nvPr>
         </p:nvSpPr>
         <p:spPr/>
@@ -893,7 +1037,7 @@
         <p:spPr>
           <a:xfrm>
             <a:off x="1523880" y="1122480"/>
-            <a:ext cx="9143280" cy="2386800"/>
+            <a:ext cx="9143640" cy="2387160"/>
           </a:xfrm>
           <a:prstGeom prst="rect">
             <a:avLst/>
@@ -908,11 +1052,11 @@
             <a:noAutofit/>
           </a:bodyPr>
           <a:p>
-            <a:pPr algn="ctr">
-              <a:buNone/>
-            </a:pPr>
-            <a:endParaRPr b="0" lang="pt-BR" sz="4400" spc="-1" strike="noStrike">
-              <a:latin typeface="Arial"/>
+            <a:endParaRPr b="0" lang="pt-BR" sz="1800" spc="-1" strike="noStrike">
+              <a:solidFill>
+                <a:srgbClr val="000000"/>
+              </a:solidFill>
+              <a:latin typeface="Calibri"/>
             </a:endParaRPr>
           </a:p>
         </p:txBody>
@@ -961,7 +1105,7 @@
             <a:spLocks noGrp="1"/>
           </p:cNvSpPr>
           <p:nvPr>
-            <p:ph type="ftr" idx="1"/>
+            <p:ph type="ftr" idx="2"/>
           </p:nvPr>
         </p:nvSpPr>
         <p:spPr/>
@@ -981,14 +1125,14 @@
             <a:spLocks noGrp="1"/>
           </p:cNvSpPr>
           <p:nvPr>
-            <p:ph type="sldNum" idx="2"/>
+            <p:ph type="sldNum" idx="3"/>
           </p:nvPr>
         </p:nvSpPr>
         <p:spPr/>
         <p:txBody>
           <a:bodyPr/>
           <a:p>
-            <a:fld id="{72EB0FB3-C0AF-4BC8-8B04-90A64EF45C01}" type="slidenum">
+            <a:fld id="{99774A65-F66F-4842-B815-1F5B49DE02B9}" type="slidenum">
               <a:t>&lt;#&gt;</a:t>
             </a:fld>
           </a:p>
@@ -1001,7 +1145,7 @@
             <a:spLocks noGrp="1"/>
           </p:cNvSpPr>
           <p:nvPr>
-            <p:ph type="dt" idx="3"/>
+            <p:ph type="dt" idx="1"/>
           </p:nvPr>
         </p:nvSpPr>
         <p:spPr/>
@@ -1050,7 +1194,7 @@
         <p:spPr>
           <a:xfrm>
             <a:off x="1523880" y="1122480"/>
-            <a:ext cx="9143280" cy="2386800"/>
+            <a:ext cx="9143640" cy="2387160"/>
           </a:xfrm>
           <a:prstGeom prst="rect">
             <a:avLst/>
@@ -1065,11 +1209,11 @@
             <a:noAutofit/>
           </a:bodyPr>
           <a:p>
-            <a:pPr algn="ctr">
-              <a:buNone/>
-            </a:pPr>
-            <a:endParaRPr b="0" lang="pt-BR" sz="4400" spc="-1" strike="noStrike">
-              <a:latin typeface="Arial"/>
+            <a:endParaRPr b="0" lang="pt-BR" sz="1800" spc="-1" strike="noStrike">
+              <a:solidFill>
+                <a:srgbClr val="000000"/>
+              </a:solidFill>
+              <a:latin typeface="Calibri"/>
             </a:endParaRPr>
           </a:p>
         </p:txBody>
@@ -1102,8 +1246,20 @@
             <a:normAutofit/>
           </a:bodyPr>
           <a:p>
-            <a:endParaRPr b="0" lang="pt-BR" sz="3200" spc="-1" strike="noStrike">
-              <a:latin typeface="Arial"/>
+            <a:pPr>
+              <a:lnSpc>
+                <a:spcPct val="90000"/>
+              </a:lnSpc>
+              <a:spcBef>
+                <a:spcPts val="1417"/>
+              </a:spcBef>
+              <a:buNone/>
+            </a:pPr>
+            <a:endParaRPr b="0" lang="pt-BR" sz="2800" spc="-1" strike="noStrike">
+              <a:solidFill>
+                <a:srgbClr val="000000"/>
+              </a:solidFill>
+              <a:latin typeface="Calibri"/>
             </a:endParaRPr>
           </a:p>
         </p:txBody>
@@ -1115,7 +1271,7 @@
             <a:spLocks noGrp="1"/>
           </p:cNvSpPr>
           <p:nvPr>
-            <p:ph type="ftr" idx="1"/>
+            <p:ph type="ftr" idx="2"/>
           </p:nvPr>
         </p:nvSpPr>
         <p:spPr/>
@@ -1135,14 +1291,14 @@
             <a:spLocks noGrp="1"/>
           </p:cNvSpPr>
           <p:nvPr>
-            <p:ph type="sldNum" idx="2"/>
+            <p:ph type="sldNum" idx="3"/>
           </p:nvPr>
         </p:nvSpPr>
         <p:spPr/>
         <p:txBody>
           <a:bodyPr/>
           <a:p>
-            <a:fld id="{DBBF2401-060C-4D9C-AD25-B0CA859F5902}" type="slidenum">
+            <a:fld id="{7E1B58B7-0A9E-4618-8186-A36046C32368}" type="slidenum">
               <a:t>&lt;#&gt;</a:t>
             </a:fld>
           </a:p>
@@ -1155,7 +1311,7 @@
             <a:spLocks noGrp="1"/>
           </p:cNvSpPr>
           <p:nvPr>
-            <p:ph type="dt" idx="3"/>
+            <p:ph type="dt" idx="1"/>
           </p:nvPr>
         </p:nvSpPr>
         <p:spPr/>
@@ -1204,7 +1360,7 @@
         <p:spPr>
           <a:xfrm>
             <a:off x="1523880" y="1122480"/>
-            <a:ext cx="9143280" cy="2386800"/>
+            <a:ext cx="9143640" cy="2387160"/>
           </a:xfrm>
           <a:prstGeom prst="rect">
             <a:avLst/>
@@ -1219,11 +1375,11 @@
             <a:noAutofit/>
           </a:bodyPr>
           <a:p>
-            <a:pPr algn="ctr">
-              <a:buNone/>
-            </a:pPr>
-            <a:endParaRPr b="0" lang="pt-BR" sz="4400" spc="-1" strike="noStrike">
-              <a:latin typeface="Arial"/>
+            <a:endParaRPr b="0" lang="pt-BR" sz="1800" spc="-1" strike="noStrike">
+              <a:solidFill>
+                <a:srgbClr val="000000"/>
+              </a:solidFill>
+              <a:latin typeface="Calibri"/>
             </a:endParaRPr>
           </a:p>
         </p:txBody>
@@ -1256,8 +1412,20 @@
             <a:normAutofit/>
           </a:bodyPr>
           <a:p>
-            <a:endParaRPr b="0" lang="pt-BR" sz="3200" spc="-1" strike="noStrike">
-              <a:latin typeface="Arial"/>
+            <a:pPr>
+              <a:lnSpc>
+                <a:spcPct val="90000"/>
+              </a:lnSpc>
+              <a:spcBef>
+                <a:spcPts val="1417"/>
+              </a:spcBef>
+              <a:buNone/>
+            </a:pPr>
+            <a:endParaRPr b="0" lang="pt-BR" sz="2800" spc="-1" strike="noStrike">
+              <a:solidFill>
+                <a:srgbClr val="000000"/>
+              </a:solidFill>
+              <a:latin typeface="Calibri"/>
             </a:endParaRPr>
           </a:p>
         </p:txBody>
@@ -1290,8 +1458,20 @@
             <a:normAutofit/>
           </a:bodyPr>
           <a:p>
-            <a:endParaRPr b="0" lang="pt-BR" sz="3200" spc="-1" strike="noStrike">
-              <a:latin typeface="Arial"/>
+            <a:pPr>
+              <a:lnSpc>
+                <a:spcPct val="90000"/>
+              </a:lnSpc>
+              <a:spcBef>
+                <a:spcPts val="1417"/>
+              </a:spcBef>
+              <a:buNone/>
+            </a:pPr>
+            <a:endParaRPr b="0" lang="pt-BR" sz="2800" spc="-1" strike="noStrike">
+              <a:solidFill>
+                <a:srgbClr val="000000"/>
+              </a:solidFill>
+              <a:latin typeface="Calibri"/>
             </a:endParaRPr>
           </a:p>
         </p:txBody>
@@ -1303,7 +1483,7 @@
             <a:spLocks noGrp="1"/>
           </p:cNvSpPr>
           <p:nvPr>
-            <p:ph type="ftr" idx="1"/>
+            <p:ph type="ftr" idx="2"/>
           </p:nvPr>
         </p:nvSpPr>
         <p:spPr/>
@@ -1323,14 +1503,14 @@
             <a:spLocks noGrp="1"/>
           </p:cNvSpPr>
           <p:nvPr>
-            <p:ph type="sldNum" idx="2"/>
+            <p:ph type="sldNum" idx="3"/>
           </p:nvPr>
         </p:nvSpPr>
         <p:spPr/>
         <p:txBody>
           <a:bodyPr/>
           <a:p>
-            <a:fld id="{BC9DB9A4-AC80-4A2A-B850-16C7D4B726DA}" type="slidenum">
+            <a:fld id="{CF904EA3-E8DC-4564-9D28-48E648A84987}" type="slidenum">
               <a:t>&lt;#&gt;</a:t>
             </a:fld>
           </a:p>
@@ -1343,7 +1523,7 @@
             <a:spLocks noGrp="1"/>
           </p:cNvSpPr>
           <p:nvPr>
-            <p:ph type="dt" idx="3"/>
+            <p:ph type="dt" idx="1"/>
           </p:nvPr>
         </p:nvSpPr>
         <p:spPr/>
@@ -1392,7 +1572,7 @@
         <p:spPr>
           <a:xfrm>
             <a:off x="1523880" y="1122480"/>
-            <a:ext cx="9143280" cy="2386800"/>
+            <a:ext cx="9143640" cy="2387160"/>
           </a:xfrm>
           <a:prstGeom prst="rect">
             <a:avLst/>
@@ -1407,11 +1587,11 @@
             <a:noAutofit/>
           </a:bodyPr>
           <a:p>
-            <a:pPr algn="ctr">
-              <a:buNone/>
-            </a:pPr>
-            <a:endParaRPr b="0" lang="pt-BR" sz="4400" spc="-1" strike="noStrike">
-              <a:latin typeface="Arial"/>
+            <a:endParaRPr b="0" lang="pt-BR" sz="1800" spc="-1" strike="noStrike">
+              <a:solidFill>
+                <a:srgbClr val="000000"/>
+              </a:solidFill>
+              <a:latin typeface="Calibri"/>
             </a:endParaRPr>
           </a:p>
         </p:txBody>
@@ -1423,7 +1603,7 @@
             <a:spLocks noGrp="1"/>
           </p:cNvSpPr>
           <p:nvPr>
-            <p:ph type="ftr" idx="1"/>
+            <p:ph type="ftr" idx="2"/>
           </p:nvPr>
         </p:nvSpPr>
         <p:spPr/>
@@ -1443,14 +1623,14 @@
             <a:spLocks noGrp="1"/>
           </p:cNvSpPr>
           <p:nvPr>
-            <p:ph type="sldNum" idx="2"/>
+            <p:ph type="sldNum" idx="3"/>
           </p:nvPr>
         </p:nvSpPr>
         <p:spPr/>
         <p:txBody>
           <a:bodyPr/>
           <a:p>
-            <a:fld id="{871450C6-B346-43A8-94A0-7D477E8C597A}" type="slidenum">
+            <a:fld id="{35784AA5-D645-4C28-9087-244BC72C6392}" type="slidenum">
               <a:t>&lt;#&gt;</a:t>
             </a:fld>
           </a:p>
@@ -1463,7 +1643,7 @@
             <a:spLocks noGrp="1"/>
           </p:cNvSpPr>
           <p:nvPr>
-            <p:ph type="dt" idx="3"/>
+            <p:ph type="dt" idx="1"/>
           </p:nvPr>
         </p:nvSpPr>
         <p:spPr/>
@@ -1512,7 +1692,7 @@
         <p:spPr>
           <a:xfrm>
             <a:off x="1523880" y="1122480"/>
-            <a:ext cx="9143280" cy="11064960"/>
+            <a:ext cx="9143640" cy="11066760"/>
           </a:xfrm>
           <a:prstGeom prst="rect">
             <a:avLst/>
@@ -1543,7 +1723,7 @@
             <a:spLocks noGrp="1"/>
           </p:cNvSpPr>
           <p:nvPr>
-            <p:ph type="ftr" idx="1"/>
+            <p:ph type="ftr" idx="2"/>
           </p:nvPr>
         </p:nvSpPr>
         <p:spPr/>
@@ -1563,14 +1743,14 @@
             <a:spLocks noGrp="1"/>
           </p:cNvSpPr>
           <p:nvPr>
-            <p:ph type="sldNum" idx="2"/>
+            <p:ph type="sldNum" idx="3"/>
           </p:nvPr>
         </p:nvSpPr>
         <p:spPr/>
         <p:txBody>
           <a:bodyPr/>
           <a:p>
-            <a:fld id="{7F1CB9A5-FFEE-401F-81F8-434A2B33E1C0}" type="slidenum">
+            <a:fld id="{CF7D765F-B4E9-4D50-8B4A-1430D9F95C01}" type="slidenum">
               <a:t>&lt;#&gt;</a:t>
             </a:fld>
           </a:p>
@@ -1583,7 +1763,7 @@
             <a:spLocks noGrp="1"/>
           </p:cNvSpPr>
           <p:nvPr>
-            <p:ph type="dt" idx="3"/>
+            <p:ph type="dt" idx="1"/>
           </p:nvPr>
         </p:nvSpPr>
         <p:spPr/>
@@ -1632,7 +1812,7 @@
         <p:spPr>
           <a:xfrm>
             <a:off x="1523880" y="1122480"/>
-            <a:ext cx="9143280" cy="2386800"/>
+            <a:ext cx="9143640" cy="2387160"/>
           </a:xfrm>
           <a:prstGeom prst="rect">
             <a:avLst/>
@@ -1647,11 +1827,11 @@
             <a:noAutofit/>
           </a:bodyPr>
           <a:p>
-            <a:pPr algn="ctr">
-              <a:buNone/>
-            </a:pPr>
-            <a:endParaRPr b="0" lang="pt-BR" sz="4400" spc="-1" strike="noStrike">
-              <a:latin typeface="Arial"/>
+            <a:endParaRPr b="0" lang="pt-BR" sz="1800" spc="-1" strike="noStrike">
+              <a:solidFill>
+                <a:srgbClr val="000000"/>
+              </a:solidFill>
+              <a:latin typeface="Calibri"/>
             </a:endParaRPr>
           </a:p>
         </p:txBody>
@@ -1684,8 +1864,20 @@
             <a:normAutofit/>
           </a:bodyPr>
           <a:p>
-            <a:endParaRPr b="0" lang="pt-BR" sz="3200" spc="-1" strike="noStrike">
-              <a:latin typeface="Arial"/>
+            <a:pPr>
+              <a:lnSpc>
+                <a:spcPct val="90000"/>
+              </a:lnSpc>
+              <a:spcBef>
+                <a:spcPts val="1417"/>
+              </a:spcBef>
+              <a:buNone/>
+            </a:pPr>
+            <a:endParaRPr b="0" lang="pt-BR" sz="2800" spc="-1" strike="noStrike">
+              <a:solidFill>
+                <a:srgbClr val="000000"/>
+              </a:solidFill>
+              <a:latin typeface="Calibri"/>
             </a:endParaRPr>
           </a:p>
         </p:txBody>
@@ -1718,8 +1910,20 @@
             <a:normAutofit/>
           </a:bodyPr>
           <a:p>
-            <a:endParaRPr b="0" lang="pt-BR" sz="3200" spc="-1" strike="noStrike">
-              <a:latin typeface="Arial"/>
+            <a:pPr>
+              <a:lnSpc>
+                <a:spcPct val="90000"/>
+              </a:lnSpc>
+              <a:spcBef>
+                <a:spcPts val="1417"/>
+              </a:spcBef>
+              <a:buNone/>
+            </a:pPr>
+            <a:endParaRPr b="0" lang="pt-BR" sz="2800" spc="-1" strike="noStrike">
+              <a:solidFill>
+                <a:srgbClr val="000000"/>
+              </a:solidFill>
+              <a:latin typeface="Calibri"/>
             </a:endParaRPr>
           </a:p>
         </p:txBody>
@@ -1752,8 +1956,20 @@
             <a:normAutofit/>
           </a:bodyPr>
           <a:p>
-            <a:endParaRPr b="0" lang="pt-BR" sz="3200" spc="-1" strike="noStrike">
-              <a:latin typeface="Arial"/>
+            <a:pPr>
+              <a:lnSpc>
+                <a:spcPct val="90000"/>
+              </a:lnSpc>
+              <a:spcBef>
+                <a:spcPts val="1417"/>
+              </a:spcBef>
+              <a:buNone/>
+            </a:pPr>
+            <a:endParaRPr b="0" lang="pt-BR" sz="2800" spc="-1" strike="noStrike">
+              <a:solidFill>
+                <a:srgbClr val="000000"/>
+              </a:solidFill>
+              <a:latin typeface="Calibri"/>
             </a:endParaRPr>
           </a:p>
         </p:txBody>
@@ -1765,7 +1981,7 @@
             <a:spLocks noGrp="1"/>
           </p:cNvSpPr>
           <p:nvPr>
-            <p:ph type="ftr" idx="1"/>
+            <p:ph type="ftr" idx="2"/>
           </p:nvPr>
         </p:nvSpPr>
         <p:spPr/>
@@ -1785,14 +2001,14 @@
             <a:spLocks noGrp="1"/>
           </p:cNvSpPr>
           <p:nvPr>
-            <p:ph type="sldNum" idx="2"/>
+            <p:ph type="sldNum" idx="3"/>
           </p:nvPr>
         </p:nvSpPr>
         <p:spPr/>
         <p:txBody>
           <a:bodyPr/>
           <a:p>
-            <a:fld id="{9053DAD8-DB29-4F9A-9DC7-564158292EAC}" type="slidenum">
+            <a:fld id="{9A0E2EFF-04E4-432E-B6FE-2C9690F98417}" type="slidenum">
               <a:t>&lt;#&gt;</a:t>
             </a:fld>
           </a:p>
@@ -1805,7 +2021,7 @@
             <a:spLocks noGrp="1"/>
           </p:cNvSpPr>
           <p:nvPr>
-            <p:ph type="dt" idx="3"/>
+            <p:ph type="dt" idx="1"/>
           </p:nvPr>
         </p:nvSpPr>
         <p:spPr/>
@@ -1854,7 +2070,7 @@
         <p:spPr>
           <a:xfrm>
             <a:off x="1523880" y="1122480"/>
-            <a:ext cx="9143280" cy="2386800"/>
+            <a:ext cx="9143640" cy="2387160"/>
           </a:xfrm>
           <a:prstGeom prst="rect">
             <a:avLst/>
@@ -1869,11 +2085,11 @@
             <a:noAutofit/>
           </a:bodyPr>
           <a:p>
-            <a:pPr algn="ctr">
-              <a:buNone/>
-            </a:pPr>
-            <a:endParaRPr b="0" lang="pt-BR" sz="4400" spc="-1" strike="noStrike">
-              <a:latin typeface="Arial"/>
+            <a:endParaRPr b="0" lang="pt-BR" sz="1800" spc="-1" strike="noStrike">
+              <a:solidFill>
+                <a:srgbClr val="000000"/>
+              </a:solidFill>
+              <a:latin typeface="Calibri"/>
             </a:endParaRPr>
           </a:p>
         </p:txBody>
@@ -1906,8 +2122,20 @@
             <a:normAutofit/>
           </a:bodyPr>
           <a:p>
-            <a:endParaRPr b="0" lang="pt-BR" sz="3200" spc="-1" strike="noStrike">
-              <a:latin typeface="Arial"/>
+            <a:pPr>
+              <a:lnSpc>
+                <a:spcPct val="90000"/>
+              </a:lnSpc>
+              <a:spcBef>
+                <a:spcPts val="1417"/>
+              </a:spcBef>
+              <a:buNone/>
+            </a:pPr>
+            <a:endParaRPr b="0" lang="pt-BR" sz="2800" spc="-1" strike="noStrike">
+              <a:solidFill>
+                <a:srgbClr val="000000"/>
+              </a:solidFill>
+              <a:latin typeface="Calibri"/>
             </a:endParaRPr>
           </a:p>
         </p:txBody>
@@ -1940,8 +2168,20 @@
             <a:normAutofit/>
           </a:bodyPr>
           <a:p>
-            <a:endParaRPr b="0" lang="pt-BR" sz="3200" spc="-1" strike="noStrike">
-              <a:latin typeface="Arial"/>
+            <a:pPr>
+              <a:lnSpc>
+                <a:spcPct val="90000"/>
+              </a:lnSpc>
+              <a:spcBef>
+                <a:spcPts val="1417"/>
+              </a:spcBef>
+              <a:buNone/>
+            </a:pPr>
+            <a:endParaRPr b="0" lang="pt-BR" sz="2800" spc="-1" strike="noStrike">
+              <a:solidFill>
+                <a:srgbClr val="000000"/>
+              </a:solidFill>
+              <a:latin typeface="Calibri"/>
             </a:endParaRPr>
           </a:p>
         </p:txBody>
@@ -1974,8 +2214,20 @@
             <a:normAutofit/>
           </a:bodyPr>
           <a:p>
-            <a:endParaRPr b="0" lang="pt-BR" sz="3200" spc="-1" strike="noStrike">
-              <a:latin typeface="Arial"/>
+            <a:pPr>
+              <a:lnSpc>
+                <a:spcPct val="90000"/>
+              </a:lnSpc>
+              <a:spcBef>
+                <a:spcPts val="1417"/>
+              </a:spcBef>
+              <a:buNone/>
+            </a:pPr>
+            <a:endParaRPr b="0" lang="pt-BR" sz="2800" spc="-1" strike="noStrike">
+              <a:solidFill>
+                <a:srgbClr val="000000"/>
+              </a:solidFill>
+              <a:latin typeface="Calibri"/>
             </a:endParaRPr>
           </a:p>
         </p:txBody>
@@ -1987,7 +2239,7 @@
             <a:spLocks noGrp="1"/>
           </p:cNvSpPr>
           <p:nvPr>
-            <p:ph type="ftr" idx="1"/>
+            <p:ph type="ftr" idx="2"/>
           </p:nvPr>
         </p:nvSpPr>
         <p:spPr/>
@@ -2007,14 +2259,14 @@
             <a:spLocks noGrp="1"/>
           </p:cNvSpPr>
           <p:nvPr>
-            <p:ph type="sldNum" idx="2"/>
+            <p:ph type="sldNum" idx="3"/>
           </p:nvPr>
         </p:nvSpPr>
         <p:spPr/>
         <p:txBody>
           <a:bodyPr/>
           <a:p>
-            <a:fld id="{B9D52AC2-3D0D-48AB-AA1D-0B79F3ABFEF7}" type="slidenum">
+            <a:fld id="{FFA67BAA-4D58-44D2-90CF-70A0A06B16E5}" type="slidenum">
               <a:t>&lt;#&gt;</a:t>
             </a:fld>
           </a:p>
@@ -2027,7 +2279,7 @@
             <a:spLocks noGrp="1"/>
           </p:cNvSpPr>
           <p:nvPr>
-            <p:ph type="dt" idx="3"/>
+            <p:ph type="dt" idx="1"/>
           </p:nvPr>
         </p:nvSpPr>
         <p:spPr/>
@@ -2076,7 +2328,7 @@
         <p:spPr>
           <a:xfrm>
             <a:off x="1523880" y="1122480"/>
-            <a:ext cx="9143280" cy="2386800"/>
+            <a:ext cx="9143640" cy="2387160"/>
           </a:xfrm>
           <a:prstGeom prst="rect">
             <a:avLst/>
@@ -2091,11 +2343,11 @@
             <a:noAutofit/>
           </a:bodyPr>
           <a:p>
-            <a:pPr algn="ctr">
-              <a:buNone/>
-            </a:pPr>
-            <a:endParaRPr b="0" lang="pt-BR" sz="4400" spc="-1" strike="noStrike">
-              <a:latin typeface="Arial"/>
+            <a:endParaRPr b="0" lang="pt-BR" sz="1800" spc="-1" strike="noStrike">
+              <a:solidFill>
+                <a:srgbClr val="000000"/>
+              </a:solidFill>
+              <a:latin typeface="Calibri"/>
             </a:endParaRPr>
           </a:p>
         </p:txBody>
@@ -2128,8 +2380,20 @@
             <a:normAutofit/>
           </a:bodyPr>
           <a:p>
-            <a:endParaRPr b="0" lang="pt-BR" sz="3200" spc="-1" strike="noStrike">
-              <a:latin typeface="Arial"/>
+            <a:pPr>
+              <a:lnSpc>
+                <a:spcPct val="90000"/>
+              </a:lnSpc>
+              <a:spcBef>
+                <a:spcPts val="1417"/>
+              </a:spcBef>
+              <a:buNone/>
+            </a:pPr>
+            <a:endParaRPr b="0" lang="pt-BR" sz="2800" spc="-1" strike="noStrike">
+              <a:solidFill>
+                <a:srgbClr val="000000"/>
+              </a:solidFill>
+              <a:latin typeface="Calibri"/>
             </a:endParaRPr>
           </a:p>
         </p:txBody>
@@ -2162,8 +2426,20 @@
             <a:normAutofit/>
           </a:bodyPr>
           <a:p>
-            <a:endParaRPr b="0" lang="pt-BR" sz="3200" spc="-1" strike="noStrike">
-              <a:latin typeface="Arial"/>
+            <a:pPr>
+              <a:lnSpc>
+                <a:spcPct val="90000"/>
+              </a:lnSpc>
+              <a:spcBef>
+                <a:spcPts val="1417"/>
+              </a:spcBef>
+              <a:buNone/>
+            </a:pPr>
+            <a:endParaRPr b="0" lang="pt-BR" sz="2800" spc="-1" strike="noStrike">
+              <a:solidFill>
+                <a:srgbClr val="000000"/>
+              </a:solidFill>
+              <a:latin typeface="Calibri"/>
             </a:endParaRPr>
           </a:p>
         </p:txBody>
@@ -2196,8 +2472,20 @@
             <a:normAutofit/>
           </a:bodyPr>
           <a:p>
-            <a:endParaRPr b="0" lang="pt-BR" sz="3200" spc="-1" strike="noStrike">
-              <a:latin typeface="Arial"/>
+            <a:pPr>
+              <a:lnSpc>
+                <a:spcPct val="90000"/>
+              </a:lnSpc>
+              <a:spcBef>
+                <a:spcPts val="1417"/>
+              </a:spcBef>
+              <a:buNone/>
+            </a:pPr>
+            <a:endParaRPr b="0" lang="pt-BR" sz="2800" spc="-1" strike="noStrike">
+              <a:solidFill>
+                <a:srgbClr val="000000"/>
+              </a:solidFill>
+              <a:latin typeface="Calibri"/>
             </a:endParaRPr>
           </a:p>
         </p:txBody>
@@ -2209,7 +2497,7 @@
             <a:spLocks noGrp="1"/>
           </p:cNvSpPr>
           <p:nvPr>
-            <p:ph type="ftr" idx="1"/>
+            <p:ph type="ftr" idx="2"/>
           </p:nvPr>
         </p:nvSpPr>
         <p:spPr/>
@@ -2229,14 +2517,14 @@
             <a:spLocks noGrp="1"/>
           </p:cNvSpPr>
           <p:nvPr>
-            <p:ph type="sldNum" idx="2"/>
+            <p:ph type="sldNum" idx="3"/>
           </p:nvPr>
         </p:nvSpPr>
         <p:spPr/>
         <p:txBody>
           <a:bodyPr/>
           <a:p>
-            <a:fld id="{7F3DAAF9-CD91-445A-BD46-BB746B80AEF9}" type="slidenum">
+            <a:fld id="{D5836AB2-08AE-4578-965F-CDD94B50BFF5}" type="slidenum">
               <a:t>&lt;#&gt;</a:t>
             </a:fld>
           </a:p>
@@ -2249,7 +2537,7 @@
             <a:spLocks noGrp="1"/>
           </p:cNvSpPr>
           <p:nvPr>
-            <p:ph type="dt" idx="3"/>
+            <p:ph type="dt" idx="1"/>
           </p:nvPr>
         </p:nvSpPr>
         <p:spPr/>
@@ -2305,7 +2593,7 @@
         <p:spPr>
           <a:xfrm>
             <a:off x="1523880" y="1122480"/>
-            <a:ext cx="9143280" cy="2386800"/>
+            <a:ext cx="9143640" cy="2387160"/>
           </a:xfrm>
           <a:prstGeom prst="rect">
             <a:avLst/>
@@ -2316,18 +2604,147 @@
           </a:ln>
         </p:spPr>
         <p:txBody>
-          <a:bodyPr lIns="0" rIns="0" tIns="0" bIns="0" anchor="ctr">
+          <a:bodyPr anchor="b">
             <a:noAutofit/>
           </a:bodyPr>
           <a:p>
+            <a:pPr algn="ctr">
+              <a:lnSpc>
+                <a:spcPct val="90000"/>
+              </a:lnSpc>
+              <a:buNone/>
+            </a:pPr>
             <a:r>
-              <a:rPr b="0" lang="pt-BR" sz="1800" spc="-1" strike="noStrike">
-                <a:latin typeface="Arial"/>
+              <a:rPr b="0" lang="pt-BR" sz="6000" spc="-1" strike="noStrike">
+                <a:solidFill>
+                  <a:srgbClr val="000000"/>
+                </a:solidFill>
+                <a:latin typeface="Calibri Light"/>
               </a:rPr>
-              <a:t>Click to edit the title text format</a:t>
+              <a:t>Cli</a:t>
             </a:r>
-            <a:endParaRPr b="0" lang="pt-BR" sz="1800" spc="-1" strike="noStrike">
-              <a:latin typeface="Arial"/>
+            <a:r>
+              <a:rPr b="0" lang="pt-BR" sz="6000" spc="-1" strike="noStrike">
+                <a:solidFill>
+                  <a:srgbClr val="000000"/>
+                </a:solidFill>
+                <a:latin typeface="Calibri Light"/>
+              </a:rPr>
+              <a:t>qu</a:t>
+            </a:r>
+            <a:r>
+              <a:rPr b="0" lang="pt-BR" sz="6000" spc="-1" strike="noStrike">
+                <a:solidFill>
+                  <a:srgbClr val="000000"/>
+                </a:solidFill>
+                <a:latin typeface="Calibri Light"/>
+              </a:rPr>
+              <a:t>e </a:t>
+            </a:r>
+            <a:r>
+              <a:rPr b="0" lang="pt-BR" sz="6000" spc="-1" strike="noStrike">
+                <a:solidFill>
+                  <a:srgbClr val="000000"/>
+                </a:solidFill>
+                <a:latin typeface="Calibri Light"/>
+              </a:rPr>
+              <a:t>pa</a:t>
+            </a:r>
+            <a:r>
+              <a:rPr b="0" lang="pt-BR" sz="6000" spc="-1" strike="noStrike">
+                <a:solidFill>
+                  <a:srgbClr val="000000"/>
+                </a:solidFill>
+                <a:latin typeface="Calibri Light"/>
+              </a:rPr>
+              <a:t>ra </a:t>
+            </a:r>
+            <a:r>
+              <a:rPr b="0" lang="pt-BR" sz="6000" spc="-1" strike="noStrike">
+                <a:solidFill>
+                  <a:srgbClr val="000000"/>
+                </a:solidFill>
+                <a:latin typeface="Calibri Light"/>
+              </a:rPr>
+              <a:t>ed</a:t>
+            </a:r>
+            <a:r>
+              <a:rPr b="0" lang="pt-BR" sz="6000" spc="-1" strike="noStrike">
+                <a:solidFill>
+                  <a:srgbClr val="000000"/>
+                </a:solidFill>
+                <a:latin typeface="Calibri Light"/>
+              </a:rPr>
+              <a:t>ita</a:t>
+            </a:r>
+            <a:r>
+              <a:rPr b="0" lang="pt-BR" sz="6000" spc="-1" strike="noStrike">
+                <a:solidFill>
+                  <a:srgbClr val="000000"/>
+                </a:solidFill>
+                <a:latin typeface="Calibri Light"/>
+              </a:rPr>
+              <a:t>r o </a:t>
+            </a:r>
+            <a:r>
+              <a:rPr b="0" lang="pt-BR" sz="6000" spc="-1" strike="noStrike">
+                <a:solidFill>
+                  <a:srgbClr val="000000"/>
+                </a:solidFill>
+                <a:latin typeface="Calibri Light"/>
+              </a:rPr>
+              <a:t>tít</a:t>
+            </a:r>
+            <a:r>
+              <a:rPr b="0" lang="pt-BR" sz="6000" spc="-1" strike="noStrike">
+                <a:solidFill>
+                  <a:srgbClr val="000000"/>
+                </a:solidFill>
+                <a:latin typeface="Calibri Light"/>
+              </a:rPr>
+              <a:t>ul</a:t>
+            </a:r>
+            <a:r>
+              <a:rPr b="0" lang="pt-BR" sz="6000" spc="-1" strike="noStrike">
+                <a:solidFill>
+                  <a:srgbClr val="000000"/>
+                </a:solidFill>
+                <a:latin typeface="Calibri Light"/>
+              </a:rPr>
+              <a:t>o </a:t>
+            </a:r>
+            <a:r>
+              <a:rPr b="0" lang="pt-BR" sz="6000" spc="-1" strike="noStrike">
+                <a:solidFill>
+                  <a:srgbClr val="000000"/>
+                </a:solidFill>
+                <a:latin typeface="Calibri Light"/>
+              </a:rPr>
+              <a:t>M</a:t>
+            </a:r>
+            <a:r>
+              <a:rPr b="0" lang="pt-BR" sz="6000" spc="-1" strike="noStrike">
+                <a:solidFill>
+                  <a:srgbClr val="000000"/>
+                </a:solidFill>
+                <a:latin typeface="Calibri Light"/>
+              </a:rPr>
+              <a:t>es</a:t>
+            </a:r>
+            <a:r>
+              <a:rPr b="0" lang="pt-BR" sz="6000" spc="-1" strike="noStrike">
+                <a:solidFill>
+                  <a:srgbClr val="000000"/>
+                </a:solidFill>
+                <a:latin typeface="Calibri Light"/>
+              </a:rPr>
+              <a:t>tre</a:t>
+            </a:r>
+            <a:endParaRPr b="0" lang="pt-BR" sz="6000" spc="-1" strike="noStrike">
+              <a:solidFill>
+                <a:srgbClr val="000000"/>
+              </a:solidFill>
+              <a:latin typeface="Calibri"/>
             </a:endParaRPr>
           </a:p>
         </p:txBody>
@@ -2339,13 +2756,13 @@
             <a:spLocks noGrp="1"/>
           </p:cNvSpPr>
           <p:nvPr>
-            <p:ph type="ftr" idx="1"/>
+            <p:ph type="dt" idx="1"/>
           </p:nvPr>
         </p:nvSpPr>
         <p:spPr>
           <a:xfrm>
-            <a:off x="4038480" y="6356520"/>
-            <a:ext cx="4114080" cy="364320"/>
+            <a:off x="838080" y="6356520"/>
+            <a:ext cx="2742840" cy="364680"/>
           </a:xfrm>
           <a:prstGeom prst="rect">
             <a:avLst/>
@@ -2356,34 +2773,40 @@
           </a:ln>
         </p:spPr>
         <p:txBody>
-          <a:bodyPr lIns="90000" rIns="90000" tIns="45000" bIns="45000" anchor="ctr">
+          <a:bodyPr anchor="ctr">
             <a:noAutofit/>
           </a:bodyPr>
           <a:lstStyle>
-            <a:lvl1pPr algn="ctr">
+            <a:lvl1pPr>
               <a:lnSpc>
                 <a:spcPct val="100000"/>
               </a:lnSpc>
               <a:buNone/>
-              <a:defRPr b="0" lang="pt-BR" sz="1400" spc="-1" strike="noStrike">
-                <a:latin typeface="Times New Roman"/>
+              <a:defRPr b="0" lang="pt-BR" sz="1200" spc="-1" strike="noStrike">
+                <a:solidFill>
+                  <a:srgbClr val="8b8b8b"/>
+                </a:solidFill>
+                <a:latin typeface="Calibri"/>
               </a:defRPr>
             </a:lvl1pPr>
           </a:lstStyle>
           <a:p>
-            <a:pPr algn="ctr">
+            <a:pPr>
               <a:lnSpc>
                 <a:spcPct val="100000"/>
               </a:lnSpc>
               <a:buNone/>
             </a:pPr>
             <a:r>
-              <a:rPr b="0" lang="pt-BR" sz="1400" spc="-1" strike="noStrike">
-                <a:latin typeface="Times New Roman"/>
+              <a:rPr b="0" lang="pt-BR" sz="1200" spc="-1" strike="noStrike">
+                <a:solidFill>
+                  <a:srgbClr val="8b8b8b"/>
+                </a:solidFill>
+                <a:latin typeface="Calibri"/>
               </a:rPr>
-              <a:t>&lt;footer&gt;</a:t>
+              <a:t>&lt;data/hora&gt;</a:t>
             </a:r>
-            <a:endParaRPr b="0" lang="pt-BR" sz="1400" spc="-1" strike="noStrike">
+            <a:endParaRPr b="0" lang="pt-BR" sz="1200" spc="-1" strike="noStrike">
               <a:latin typeface="Times New Roman"/>
             </a:endParaRPr>
           </a:p>
@@ -2396,13 +2819,13 @@
             <a:spLocks noGrp="1"/>
           </p:cNvSpPr>
           <p:nvPr>
-            <p:ph type="sldNum" idx="2"/>
+            <p:ph type="ftr" idx="2"/>
           </p:nvPr>
         </p:nvSpPr>
         <p:spPr>
           <a:xfrm>
-            <a:off x="8610480" y="6356520"/>
-            <a:ext cx="2742480" cy="364320"/>
+            <a:off x="4038480" y="6356520"/>
+            <a:ext cx="4114440" cy="364680"/>
           </a:xfrm>
           <a:prstGeom prst="rect">
             <a:avLst/>
@@ -2413,7 +2836,58 @@
           </a:ln>
         </p:spPr>
         <p:txBody>
-          <a:bodyPr lIns="90000" rIns="90000" tIns="45000" bIns="45000" anchor="ctr">
+          <a:bodyPr anchor="ctr">
+            <a:noAutofit/>
+          </a:bodyPr>
+          <a:lstStyle>
+            <a:lvl1pPr algn="ctr">
+              <a:buNone/>
+              <a:defRPr b="0" lang="pt-BR" sz="1400" spc="-1" strike="noStrike">
+                <a:latin typeface="Times New Roman"/>
+              </a:defRPr>
+            </a:lvl1pPr>
+          </a:lstStyle>
+          <a:p>
+            <a:pPr algn="ctr">
+              <a:buNone/>
+            </a:pPr>
+            <a:r>
+              <a:rPr b="0" lang="pt-BR" sz="1400" spc="-1" strike="noStrike">
+                <a:latin typeface="Times New Roman"/>
+              </a:rPr>
+              <a:t>&lt;rodapé&gt;</a:t>
+            </a:r>
+            <a:endParaRPr b="0" lang="pt-BR" sz="1400" spc="-1" strike="noStrike">
+              <a:latin typeface="Times New Roman"/>
+            </a:endParaRPr>
+          </a:p>
+        </p:txBody>
+      </p:sp>
+      <p:sp>
+        <p:nvSpPr>
+          <p:cNvPr id="3" name="PlaceHolder 4"/>
+          <p:cNvSpPr>
+            <a:spLocks noGrp="1"/>
+          </p:cNvSpPr>
+          <p:nvPr>
+            <p:ph type="sldNum" idx="3"/>
+          </p:nvPr>
+        </p:nvSpPr>
+        <p:spPr>
+          <a:xfrm>
+            <a:off x="8610480" y="6356520"/>
+            <a:ext cx="2742840" cy="364680"/>
+          </a:xfrm>
+          <a:prstGeom prst="rect">
+            <a:avLst/>
+          </a:prstGeom>
+          <a:noFill/>
+          <a:ln w="0">
+            <a:noFill/>
+          </a:ln>
+        </p:spPr>
+        <p:txBody>
+          <a:bodyPr anchor="ctr">
             <a:noAutofit/>
           </a:bodyPr>
           <a:lstStyle>
@@ -2437,63 +2911,16 @@
               </a:lnSpc>
               <a:buNone/>
             </a:pPr>
-            <a:fld id="{0A5D952F-71D9-4E6C-9740-DEB5D9624B92}" type="slidenum">
+            <a:fld id="{7F1BDD21-65E7-49B7-AD2F-DC66619A820F}" type="slidenum">
               <a:rPr b="0" lang="pt-BR" sz="1200" spc="-1" strike="noStrike">
                 <a:solidFill>
                   <a:srgbClr val="8b8b8b"/>
                 </a:solidFill>
                 <a:latin typeface="Calibri"/>
               </a:rPr>
-              <a:t>&lt;number&gt;</a:t>
+              <a:t>&lt;número&gt;</a:t>
             </a:fld>
             <a:endParaRPr b="0" lang="pt-BR" sz="1200" spc="-1" strike="noStrike">
-              <a:latin typeface="Times New Roman"/>
-            </a:endParaRPr>
-          </a:p>
-        </p:txBody>
-      </p:sp>
-      <p:sp>
-        <p:nvSpPr>
-          <p:cNvPr id="3" name="PlaceHolder 4"/>
-          <p:cNvSpPr>
-            <a:spLocks noGrp="1"/>
-          </p:cNvSpPr>
-          <p:nvPr>
-            <p:ph type="dt" idx="3"/>
-          </p:nvPr>
-        </p:nvSpPr>
-        <p:spPr>
-          <a:xfrm>
-            <a:off x="838080" y="6356520"/>
-            <a:ext cx="2742480" cy="364320"/>
-          </a:xfrm>
-          <a:prstGeom prst="rect">
-            <a:avLst/>
-          </a:prstGeom>
-          <a:noFill/>
-          <a:ln w="0">
-            <a:noFill/>
-          </a:ln>
-        </p:spPr>
-        <p:txBody>
-          <a:bodyPr lIns="90000" rIns="90000" tIns="45000" bIns="45000" anchor="ctr">
-            <a:noAutofit/>
-          </a:bodyPr>
-          <a:lstStyle>
-            <a:lvl1pPr>
-              <a:defRPr b="0" lang="pt-BR" sz="1400" spc="-1" strike="noStrike">
-                <a:latin typeface="Times New Roman"/>
-              </a:defRPr>
-            </a:lvl1pPr>
-          </a:lstStyle>
-          <a:p>
-            <a:r>
-              <a:rPr b="0" lang="pt-BR" sz="1400" spc="-1" strike="noStrike">
-                <a:latin typeface="Times New Roman"/>
-              </a:rPr>
-              <a:t>&lt;date/time&gt;</a:t>
-            </a:r>
-            <a:endParaRPr b="0" lang="pt-BR" sz="1400" spc="-1" strike="noStrike">
               <a:latin typeface="Times New Roman"/>
             </a:endParaRPr>
           </a:p>
@@ -2528,6 +2955,9 @@
           </a:bodyPr>
           <a:p>
             <a:pPr marL="432000" indent="-324000">
+              <a:lnSpc>
+                <a:spcPct val="90000"/>
+              </a:lnSpc>
               <a:spcBef>
                 <a:spcPts val="1417"/>
               </a:spcBef>
@@ -2539,17 +2969,26 @@
               <a:buChar char=""/>
             </a:pPr>
             <a:r>
-              <a:rPr b="0" lang="pt-BR" sz="3200" spc="-1" strike="noStrike">
-                <a:latin typeface="Arial"/>
+              <a:rPr b="0" lang="pt-BR" sz="2800" spc="-1" strike="noStrike">
+                <a:solidFill>
+                  <a:srgbClr val="000000"/>
+                </a:solidFill>
+                <a:latin typeface="Calibri"/>
               </a:rPr>
-              <a:t>Click to edit the outline text format</a:t>
+              <a:t>Clique para editar o formato do texto da estrutura de tópicos</a:t>
             </a:r>
-            <a:endParaRPr b="0" lang="pt-BR" sz="3200" spc="-1" strike="noStrike">
-              <a:latin typeface="Arial"/>
+            <a:endParaRPr b="0" lang="pt-BR" sz="2800" spc="-1" strike="noStrike">
+              <a:solidFill>
+                <a:srgbClr val="000000"/>
+              </a:solidFill>
+              <a:latin typeface="Calibri"/>
             </a:endParaRPr>
           </a:p>
           <a:p>
             <a:pPr lvl="1" marL="864000" indent="-324000">
+              <a:lnSpc>
+                <a:spcPct val="90000"/>
+              </a:lnSpc>
               <a:spcBef>
                 <a:spcPts val="1134"/>
               </a:spcBef>
@@ -2561,17 +3000,26 @@
               <a:buChar char=""/>
             </a:pPr>
             <a:r>
-              <a:rPr b="0" lang="pt-BR" sz="2800" spc="-1" strike="noStrike">
-                <a:latin typeface="Arial"/>
+              <a:rPr b="0" lang="pt-BR" sz="2000" spc="-1" strike="noStrike">
+                <a:solidFill>
+                  <a:srgbClr val="000000"/>
+                </a:solidFill>
+                <a:latin typeface="Calibri"/>
               </a:rPr>
-              <a:t>Second Outline Level</a:t>
+              <a:t>2.º nível da estrutura de tópicos</a:t>
             </a:r>
-            <a:endParaRPr b="0" lang="pt-BR" sz="2800" spc="-1" strike="noStrike">
-              <a:latin typeface="Arial"/>
+            <a:endParaRPr b="0" lang="pt-BR" sz="2000" spc="-1" strike="noStrike">
+              <a:solidFill>
+                <a:srgbClr val="000000"/>
+              </a:solidFill>
+              <a:latin typeface="Calibri"/>
             </a:endParaRPr>
           </a:p>
           <a:p>
             <a:pPr lvl="2" marL="1296000" indent="-288000">
+              <a:lnSpc>
+                <a:spcPct val="90000"/>
+              </a:lnSpc>
               <a:spcBef>
                 <a:spcPts val="850"/>
               </a:spcBef>
@@ -2583,17 +3031,26 @@
               <a:buChar char=""/>
             </a:pPr>
             <a:r>
-              <a:rPr b="0" lang="pt-BR" sz="2400" spc="-1" strike="noStrike">
-                <a:latin typeface="Arial"/>
+              <a:rPr b="0" lang="pt-BR" sz="1800" spc="-1" strike="noStrike">
+                <a:solidFill>
+                  <a:srgbClr val="000000"/>
+                </a:solidFill>
+                <a:latin typeface="Calibri"/>
               </a:rPr>
-              <a:t>Third Outline Level</a:t>
+              <a:t>3.º nível da estrutura de tópicos</a:t>
             </a:r>
-            <a:endParaRPr b="0" lang="pt-BR" sz="2400" spc="-1" strike="noStrike">
-              <a:latin typeface="Arial"/>
+            <a:endParaRPr b="0" lang="pt-BR" sz="1800" spc="-1" strike="noStrike">
+              <a:solidFill>
+                <a:srgbClr val="000000"/>
+              </a:solidFill>
+              <a:latin typeface="Calibri"/>
             </a:endParaRPr>
           </a:p>
           <a:p>
             <a:pPr lvl="3" marL="1728000" indent="-216000">
+              <a:lnSpc>
+                <a:spcPct val="90000"/>
+              </a:lnSpc>
               <a:spcBef>
                 <a:spcPts val="567"/>
               </a:spcBef>
@@ -2605,17 +3062,26 @@
               <a:buChar char=""/>
             </a:pPr>
             <a:r>
-              <a:rPr b="0" lang="pt-BR" sz="2000" spc="-1" strike="noStrike">
-                <a:latin typeface="Arial"/>
+              <a:rPr b="0" lang="pt-BR" sz="1800" spc="-1" strike="noStrike">
+                <a:solidFill>
+                  <a:srgbClr val="000000"/>
+                </a:solidFill>
+                <a:latin typeface="Calibri"/>
               </a:rPr>
-              <a:t>Fourth Outline Level</a:t>
+              <a:t>4.º nível da estrutura de tópicos</a:t>
             </a:r>
-            <a:endParaRPr b="0" lang="pt-BR" sz="2000" spc="-1" strike="noStrike">
-              <a:latin typeface="Arial"/>
+            <a:endParaRPr b="0" lang="pt-BR" sz="1800" spc="-1" strike="noStrike">
+              <a:solidFill>
+                <a:srgbClr val="000000"/>
+              </a:solidFill>
+              <a:latin typeface="Calibri"/>
             </a:endParaRPr>
           </a:p>
           <a:p>
             <a:pPr lvl="4" marL="2160000" indent="-216000">
+              <a:lnSpc>
+                <a:spcPct val="90000"/>
+              </a:lnSpc>
               <a:spcBef>
                 <a:spcPts val="283"/>
               </a:spcBef>
@@ -2628,16 +3094,25 @@
             </a:pPr>
             <a:r>
               <a:rPr b="0" lang="pt-BR" sz="2000" spc="-1" strike="noStrike">
-                <a:latin typeface="Arial"/>
+                <a:solidFill>
+                  <a:srgbClr val="000000"/>
+                </a:solidFill>
+                <a:latin typeface="Calibri"/>
               </a:rPr>
-              <a:t>Fifth Outline Level</a:t>
+              <a:t>5.º nível da estrutura de tópicos</a:t>
             </a:r>
             <a:endParaRPr b="0" lang="pt-BR" sz="2000" spc="-1" strike="noStrike">
-              <a:latin typeface="Arial"/>
+              <a:solidFill>
+                <a:srgbClr val="000000"/>
+              </a:solidFill>
+              <a:latin typeface="Calibri"/>
             </a:endParaRPr>
           </a:p>
           <a:p>
             <a:pPr lvl="5" marL="2592000" indent="-216000">
+              <a:lnSpc>
+                <a:spcPct val="90000"/>
+              </a:lnSpc>
               <a:spcBef>
                 <a:spcPts val="283"/>
               </a:spcBef>
@@ -2650,16 +3125,25 @@
             </a:pPr>
             <a:r>
               <a:rPr b="0" lang="pt-BR" sz="2000" spc="-1" strike="noStrike">
-                <a:latin typeface="Arial"/>
+                <a:solidFill>
+                  <a:srgbClr val="000000"/>
+                </a:solidFill>
+                <a:latin typeface="Calibri"/>
               </a:rPr>
-              <a:t>Sixth Outline Level</a:t>
+              <a:t>6.º nível da estrutura de tópicos</a:t>
             </a:r>
             <a:endParaRPr b="0" lang="pt-BR" sz="2000" spc="-1" strike="noStrike">
-              <a:latin typeface="Arial"/>
+              <a:solidFill>
+                <a:srgbClr val="000000"/>
+              </a:solidFill>
+              <a:latin typeface="Calibri"/>
             </a:endParaRPr>
           </a:p>
           <a:p>
             <a:pPr lvl="6" marL="3024000" indent="-216000">
+              <a:lnSpc>
+                <a:spcPct val="90000"/>
+              </a:lnSpc>
               <a:spcBef>
                 <a:spcPts val="283"/>
               </a:spcBef>
@@ -2672,12 +3156,18 @@
             </a:pPr>
             <a:r>
               <a:rPr b="0" lang="pt-BR" sz="2000" spc="-1" strike="noStrike">
-                <a:latin typeface="Arial"/>
+                <a:solidFill>
+                  <a:srgbClr val="000000"/>
+                </a:solidFill>
+                <a:latin typeface="Calibri"/>
               </a:rPr>
-              <a:t>Seventh Outline Level</a:t>
+              <a:t>7.º nível da estrutura de tópicos</a:t>
             </a:r>
             <a:endParaRPr b="0" lang="pt-BR" sz="2000" spc="-1" strike="noStrike">
-              <a:latin typeface="Arial"/>
+              <a:solidFill>
+                <a:srgbClr val="000000"/>
+              </a:solidFill>
+              <a:latin typeface="Calibri"/>
             </a:endParaRPr>
           </a:p>
         </p:txBody>
@@ -2727,10 +3217,10 @@
         </p:nvGrpSpPr>
         <p:grpSpPr>
           <a:xfrm>
-            <a:off x="1315800" y="1031760"/>
-            <a:ext cx="1112760" cy="1349640"/>
-            <a:chOff x="1315800" y="1031760"/>
-            <a:chExt cx="1112760" cy="1349640"/>
+            <a:off x="6391800" y="779760"/>
+            <a:ext cx="1113120" cy="1350000"/>
+            <a:chOff x="6391800" y="779760"/>
+            <a:chExt cx="1113120" cy="1350000"/>
           </a:xfrm>
         </p:grpSpPr>
         <p:sp>
@@ -2741,8 +3231,8 @@
           </p:nvSpPr>
           <p:spPr>
             <a:xfrm>
-              <a:off x="1374480" y="1031760"/>
-              <a:ext cx="995760" cy="1349280"/>
+              <a:off x="6450480" y="779760"/>
+              <a:ext cx="996120" cy="1349640"/>
             </a:xfrm>
             <a:prstGeom prst="rect">
               <a:avLst/>
@@ -2779,8 +3269,8 @@
           </p:nvSpPr>
           <p:spPr>
             <a:xfrm>
-              <a:off x="1315800" y="1031760"/>
-              <a:ext cx="1112760" cy="383400"/>
+              <a:off x="6391800" y="779760"/>
+              <a:ext cx="1113120" cy="383760"/>
             </a:xfrm>
             <a:prstGeom prst="rect">
               <a:avLst/>
@@ -2817,8 +3307,8 @@
           </p:nvSpPr>
           <p:spPr>
             <a:xfrm>
-              <a:off x="1383120" y="1196280"/>
-              <a:ext cx="39600" cy="40680"/>
+              <a:off x="6459120" y="944280"/>
+              <a:ext cx="39960" cy="41040"/>
             </a:xfrm>
             <a:prstGeom prst="ellipse">
               <a:avLst/>
@@ -2855,8 +3345,8 @@
           </p:nvSpPr>
           <p:spPr>
             <a:xfrm>
-              <a:off x="1315800" y="1514880"/>
-              <a:ext cx="1112760" cy="383400"/>
+              <a:off x="6391800" y="1262880"/>
+              <a:ext cx="1113120" cy="383760"/>
             </a:xfrm>
             <a:prstGeom prst="rect">
               <a:avLst/>
@@ -2893,8 +3383,8 @@
           </p:nvSpPr>
           <p:spPr>
             <a:xfrm>
-              <a:off x="1315800" y="1998000"/>
-              <a:ext cx="1112760" cy="383400"/>
+              <a:off x="6391800" y="1746000"/>
+              <a:ext cx="1113120" cy="383760"/>
             </a:xfrm>
             <a:prstGeom prst="rect">
               <a:avLst/>
@@ -2931,8 +3421,8 @@
           </p:nvSpPr>
           <p:spPr>
             <a:xfrm>
-              <a:off x="1383120" y="1686240"/>
-              <a:ext cx="39600" cy="40680"/>
+              <a:off x="6459120" y="1434240"/>
+              <a:ext cx="39960" cy="41040"/>
             </a:xfrm>
             <a:prstGeom prst="ellipse">
               <a:avLst/>
@@ -2969,8 +3459,8 @@
           </p:nvSpPr>
           <p:spPr>
             <a:xfrm>
-              <a:off x="1383120" y="2169360"/>
-              <a:ext cx="39600" cy="40680"/>
+              <a:off x="6459120" y="1917360"/>
+              <a:ext cx="39960" cy="41040"/>
             </a:xfrm>
             <a:prstGeom prst="ellipse">
               <a:avLst/>
@@ -3007,8 +3497,8 @@
           </p:nvSpPr>
           <p:spPr>
             <a:xfrm>
-              <a:off x="1454400" y="1196280"/>
-              <a:ext cx="39600" cy="40680"/>
+              <a:off x="6530400" y="944280"/>
+              <a:ext cx="39960" cy="41040"/>
             </a:xfrm>
             <a:prstGeom prst="ellipse">
               <a:avLst/>
@@ -3045,8 +3535,8 @@
           </p:nvSpPr>
           <p:spPr>
             <a:xfrm>
-              <a:off x="1454400" y="1686240"/>
-              <a:ext cx="39600" cy="40680"/>
+              <a:off x="6530400" y="1434240"/>
+              <a:ext cx="39960" cy="41040"/>
             </a:xfrm>
             <a:prstGeom prst="ellipse">
               <a:avLst/>
@@ -3083,8 +3573,8 @@
           </p:nvSpPr>
           <p:spPr>
             <a:xfrm>
-              <a:off x="1454400" y="2169360"/>
-              <a:ext cx="39600" cy="40680"/>
+              <a:off x="6530400" y="1917360"/>
+              <a:ext cx="39960" cy="41040"/>
             </a:xfrm>
             <a:prstGeom prst="ellipse">
               <a:avLst/>
@@ -3121,8 +3611,8 @@
           </p:nvSpPr>
           <p:spPr>
             <a:xfrm>
-              <a:off x="1526040" y="1196280"/>
-              <a:ext cx="39600" cy="40680"/>
+              <a:off x="6602040" y="944280"/>
+              <a:ext cx="39960" cy="41040"/>
             </a:xfrm>
             <a:prstGeom prst="ellipse">
               <a:avLst/>
@@ -3159,8 +3649,8 @@
           </p:nvSpPr>
           <p:spPr>
             <a:xfrm>
-              <a:off x="1526040" y="1686240"/>
-              <a:ext cx="39600" cy="40680"/>
+              <a:off x="6602040" y="1434240"/>
+              <a:ext cx="39960" cy="41040"/>
             </a:xfrm>
             <a:prstGeom prst="ellipse">
               <a:avLst/>
@@ -3197,8 +3687,8 @@
           </p:nvSpPr>
           <p:spPr>
             <a:xfrm>
-              <a:off x="1526040" y="2169360"/>
-              <a:ext cx="39600" cy="40680"/>
+              <a:off x="6602040" y="1917360"/>
+              <a:ext cx="39960" cy="41040"/>
             </a:xfrm>
             <a:prstGeom prst="ellipse">
               <a:avLst/>
@@ -3235,8 +3725,8 @@
           </p:nvSpPr>
           <p:spPr>
             <a:xfrm>
-              <a:off x="1644480" y="1197360"/>
-              <a:ext cx="725760" cy="39600"/>
+              <a:off x="6720480" y="945360"/>
+              <a:ext cx="726120" cy="39960"/>
             </a:xfrm>
             <a:prstGeom prst="roundRect">
               <a:avLst>
@@ -3275,8 +3765,8 @@
           </p:nvSpPr>
           <p:spPr>
             <a:xfrm>
-              <a:off x="1644480" y="1686240"/>
-              <a:ext cx="725760" cy="39600"/>
+              <a:off x="6720480" y="1434240"/>
+              <a:ext cx="726120" cy="39960"/>
             </a:xfrm>
             <a:prstGeom prst="roundRect">
               <a:avLst>
@@ -3315,8 +3805,8 @@
           </p:nvSpPr>
           <p:spPr>
             <a:xfrm>
-              <a:off x="1644480" y="2168640"/>
-              <a:ext cx="725760" cy="39600"/>
+              <a:off x="6720480" y="1916640"/>
+              <a:ext cx="726120" cy="39960"/>
             </a:xfrm>
             <a:prstGeom prst="roundRect">
               <a:avLst>
@@ -3356,10 +3846,10 @@
         </p:nvGrpSpPr>
         <p:grpSpPr>
           <a:xfrm>
-            <a:off x="1315800" y="3054960"/>
-            <a:ext cx="1112760" cy="1349640"/>
-            <a:chOff x="1315800" y="3054960"/>
-            <a:chExt cx="1112760" cy="1349640"/>
+            <a:off x="6391800" y="2802960"/>
+            <a:ext cx="1113120" cy="1350000"/>
+            <a:chOff x="6391800" y="2802960"/>
+            <a:chExt cx="1113120" cy="1350000"/>
           </a:xfrm>
         </p:grpSpPr>
         <p:sp>
@@ -3370,8 +3860,8 @@
           </p:nvSpPr>
           <p:spPr>
             <a:xfrm>
-              <a:off x="1374480" y="3054960"/>
-              <a:ext cx="995760" cy="1349280"/>
+              <a:off x="6450480" y="2802960"/>
+              <a:ext cx="996120" cy="1349640"/>
             </a:xfrm>
             <a:prstGeom prst="rect">
               <a:avLst/>
@@ -3408,8 +3898,8 @@
           </p:nvSpPr>
           <p:spPr>
             <a:xfrm>
-              <a:off x="1315800" y="3054960"/>
-              <a:ext cx="1112760" cy="383400"/>
+              <a:off x="6391800" y="2802960"/>
+              <a:ext cx="1113120" cy="383760"/>
             </a:xfrm>
             <a:prstGeom prst="rect">
               <a:avLst/>
@@ -3446,8 +3936,8 @@
           </p:nvSpPr>
           <p:spPr>
             <a:xfrm>
-              <a:off x="1383120" y="3219120"/>
-              <a:ext cx="39600" cy="40680"/>
+              <a:off x="6459120" y="2967120"/>
+              <a:ext cx="39960" cy="41040"/>
             </a:xfrm>
             <a:prstGeom prst="ellipse">
               <a:avLst/>
@@ -3484,8 +3974,8 @@
           </p:nvSpPr>
           <p:spPr>
             <a:xfrm>
-              <a:off x="1315800" y="3538080"/>
-              <a:ext cx="1112760" cy="383400"/>
+              <a:off x="6391800" y="3286080"/>
+              <a:ext cx="1113120" cy="383760"/>
             </a:xfrm>
             <a:prstGeom prst="rect">
               <a:avLst/>
@@ -3522,8 +4012,8 @@
           </p:nvSpPr>
           <p:spPr>
             <a:xfrm>
-              <a:off x="1315800" y="4021200"/>
-              <a:ext cx="1112760" cy="383400"/>
+              <a:off x="6391800" y="3769200"/>
+              <a:ext cx="1113120" cy="383760"/>
             </a:xfrm>
             <a:prstGeom prst="rect">
               <a:avLst/>
@@ -3560,8 +4050,8 @@
           </p:nvSpPr>
           <p:spPr>
             <a:xfrm>
-              <a:off x="1383120" y="3709440"/>
-              <a:ext cx="39600" cy="40680"/>
+              <a:off x="6459120" y="3457440"/>
+              <a:ext cx="39960" cy="41040"/>
             </a:xfrm>
             <a:prstGeom prst="ellipse">
               <a:avLst/>
@@ -3598,8 +4088,8 @@
           </p:nvSpPr>
           <p:spPr>
             <a:xfrm>
-              <a:off x="1383120" y="4192200"/>
-              <a:ext cx="39600" cy="40680"/>
+              <a:off x="6459120" y="3940200"/>
+              <a:ext cx="39960" cy="41040"/>
             </a:xfrm>
             <a:prstGeom prst="ellipse">
               <a:avLst/>
@@ -3636,8 +4126,8 @@
           </p:nvSpPr>
           <p:spPr>
             <a:xfrm>
-              <a:off x="1454400" y="3219120"/>
-              <a:ext cx="39600" cy="40680"/>
+              <a:off x="6530400" y="2967120"/>
+              <a:ext cx="39960" cy="41040"/>
             </a:xfrm>
             <a:prstGeom prst="ellipse">
               <a:avLst/>
@@ -3674,8 +4164,8 @@
           </p:nvSpPr>
           <p:spPr>
             <a:xfrm>
-              <a:off x="1454400" y="3709440"/>
-              <a:ext cx="39600" cy="40680"/>
+              <a:off x="6530400" y="3457440"/>
+              <a:ext cx="39960" cy="41040"/>
             </a:xfrm>
             <a:prstGeom prst="ellipse">
               <a:avLst/>
@@ -3712,8 +4202,8 @@
           </p:nvSpPr>
           <p:spPr>
             <a:xfrm>
-              <a:off x="1454400" y="4192200"/>
-              <a:ext cx="39600" cy="40680"/>
+              <a:off x="6530400" y="3940200"/>
+              <a:ext cx="39960" cy="41040"/>
             </a:xfrm>
             <a:prstGeom prst="ellipse">
               <a:avLst/>
@@ -3750,8 +4240,8 @@
           </p:nvSpPr>
           <p:spPr>
             <a:xfrm>
-              <a:off x="1526040" y="3219120"/>
-              <a:ext cx="39600" cy="40680"/>
+              <a:off x="6602040" y="2967120"/>
+              <a:ext cx="39960" cy="41040"/>
             </a:xfrm>
             <a:prstGeom prst="ellipse">
               <a:avLst/>
@@ -3788,8 +4278,8 @@
           </p:nvSpPr>
           <p:spPr>
             <a:xfrm>
-              <a:off x="1526040" y="3709440"/>
-              <a:ext cx="39600" cy="40680"/>
+              <a:off x="6602040" y="3457440"/>
+              <a:ext cx="39960" cy="41040"/>
             </a:xfrm>
             <a:prstGeom prst="ellipse">
               <a:avLst/>
@@ -3826,8 +4316,8 @@
           </p:nvSpPr>
           <p:spPr>
             <a:xfrm>
-              <a:off x="1526040" y="4192200"/>
-              <a:ext cx="39600" cy="40680"/>
+              <a:off x="6602040" y="3940200"/>
+              <a:ext cx="39960" cy="41040"/>
             </a:xfrm>
             <a:prstGeom prst="ellipse">
               <a:avLst/>
@@ -3864,8 +4354,8 @@
           </p:nvSpPr>
           <p:spPr>
             <a:xfrm>
-              <a:off x="1644480" y="3220200"/>
-              <a:ext cx="725760" cy="39600"/>
+              <a:off x="6720480" y="2968200"/>
+              <a:ext cx="726120" cy="39960"/>
             </a:xfrm>
             <a:prstGeom prst="roundRect">
               <a:avLst>
@@ -3904,8 +4394,8 @@
           </p:nvSpPr>
           <p:spPr>
             <a:xfrm>
-              <a:off x="1644480" y="3709440"/>
-              <a:ext cx="725760" cy="39600"/>
+              <a:off x="6720480" y="3457440"/>
+              <a:ext cx="726120" cy="39960"/>
             </a:xfrm>
             <a:prstGeom prst="roundRect">
               <a:avLst>
@@ -3944,8 +4434,8 @@
           </p:nvSpPr>
           <p:spPr>
             <a:xfrm>
-              <a:off x="1644480" y="4191480"/>
-              <a:ext cx="725760" cy="39600"/>
+              <a:off x="6720480" y="3939480"/>
+              <a:ext cx="726120" cy="39960"/>
             </a:xfrm>
             <a:prstGeom prst="roundRect">
               <a:avLst>
@@ -3985,10 +4475,10 @@
         </p:nvGrpSpPr>
         <p:grpSpPr>
           <a:xfrm>
-            <a:off x="1302480" y="5039640"/>
-            <a:ext cx="1112760" cy="1349640"/>
-            <a:chOff x="1302480" y="5039640"/>
-            <a:chExt cx="1112760" cy="1349640"/>
+            <a:off x="6450480" y="4787640"/>
+            <a:ext cx="1113120" cy="1350000"/>
+            <a:chOff x="6450480" y="4787640"/>
+            <a:chExt cx="1113120" cy="1350000"/>
           </a:xfrm>
         </p:grpSpPr>
         <p:sp>
@@ -3999,8 +4489,8 @@
           </p:nvSpPr>
           <p:spPr>
             <a:xfrm>
-              <a:off x="1360800" y="5039640"/>
-              <a:ext cx="995760" cy="1349280"/>
+              <a:off x="6508800" y="4787640"/>
+              <a:ext cx="996120" cy="1349640"/>
             </a:xfrm>
             <a:prstGeom prst="rect">
               <a:avLst/>
@@ -4037,8 +4527,8 @@
           </p:nvSpPr>
           <p:spPr>
             <a:xfrm>
-              <a:off x="1302480" y="5039640"/>
-              <a:ext cx="1112760" cy="383400"/>
+              <a:off x="6450480" y="4787640"/>
+              <a:ext cx="1113120" cy="383760"/>
             </a:xfrm>
             <a:prstGeom prst="rect">
               <a:avLst/>
@@ -4075,8 +4565,8 @@
           </p:nvSpPr>
           <p:spPr>
             <a:xfrm>
-              <a:off x="1369440" y="5204160"/>
-              <a:ext cx="39600" cy="40680"/>
+              <a:off x="6517440" y="4952160"/>
+              <a:ext cx="39960" cy="41040"/>
             </a:xfrm>
             <a:prstGeom prst="ellipse">
               <a:avLst/>
@@ -4113,8 +4603,8 @@
           </p:nvSpPr>
           <p:spPr>
             <a:xfrm>
-              <a:off x="1302480" y="5522760"/>
-              <a:ext cx="1112760" cy="383400"/>
+              <a:off x="6450480" y="5270760"/>
+              <a:ext cx="1113120" cy="383760"/>
             </a:xfrm>
             <a:prstGeom prst="rect">
               <a:avLst/>
@@ -4151,8 +4641,8 @@
           </p:nvSpPr>
           <p:spPr>
             <a:xfrm>
-              <a:off x="1302480" y="6005880"/>
-              <a:ext cx="1112760" cy="383400"/>
+              <a:off x="6450480" y="5753880"/>
+              <a:ext cx="1113120" cy="383760"/>
             </a:xfrm>
             <a:prstGeom prst="rect">
               <a:avLst/>
@@ -4189,8 +4679,8 @@
           </p:nvSpPr>
           <p:spPr>
             <a:xfrm>
-              <a:off x="1369440" y="5694120"/>
-              <a:ext cx="39600" cy="40680"/>
+              <a:off x="6517440" y="5442120"/>
+              <a:ext cx="39960" cy="41040"/>
             </a:xfrm>
             <a:prstGeom prst="ellipse">
               <a:avLst/>
@@ -4227,8 +4717,8 @@
           </p:nvSpPr>
           <p:spPr>
             <a:xfrm>
-              <a:off x="1369440" y="6177240"/>
-              <a:ext cx="39600" cy="40680"/>
+              <a:off x="6517440" y="5925240"/>
+              <a:ext cx="39960" cy="41040"/>
             </a:xfrm>
             <a:prstGeom prst="ellipse">
               <a:avLst/>
@@ -4265,8 +4755,8 @@
           </p:nvSpPr>
           <p:spPr>
             <a:xfrm>
-              <a:off x="1441080" y="5204160"/>
-              <a:ext cx="39600" cy="40680"/>
+              <a:off x="6589080" y="4952160"/>
+              <a:ext cx="39960" cy="41040"/>
             </a:xfrm>
             <a:prstGeom prst="ellipse">
               <a:avLst/>
@@ -4303,8 +4793,8 @@
           </p:nvSpPr>
           <p:spPr>
             <a:xfrm>
-              <a:off x="1441080" y="5694120"/>
-              <a:ext cx="39600" cy="40680"/>
+              <a:off x="6589080" y="5442120"/>
+              <a:ext cx="39960" cy="41040"/>
             </a:xfrm>
             <a:prstGeom prst="ellipse">
               <a:avLst/>
@@ -4341,8 +4831,8 @@
           </p:nvSpPr>
           <p:spPr>
             <a:xfrm>
-              <a:off x="1441080" y="6177240"/>
-              <a:ext cx="39600" cy="40680"/>
+              <a:off x="6589080" y="5925240"/>
+              <a:ext cx="39960" cy="41040"/>
             </a:xfrm>
             <a:prstGeom prst="ellipse">
               <a:avLst/>
@@ -4379,8 +4869,8 @@
           </p:nvSpPr>
           <p:spPr>
             <a:xfrm>
-              <a:off x="1512360" y="5204160"/>
-              <a:ext cx="39600" cy="40680"/>
+              <a:off x="6660360" y="4952160"/>
+              <a:ext cx="39960" cy="41040"/>
             </a:xfrm>
             <a:prstGeom prst="ellipse">
               <a:avLst/>
@@ -4417,8 +4907,8 @@
           </p:nvSpPr>
           <p:spPr>
             <a:xfrm>
-              <a:off x="1512360" y="5694120"/>
-              <a:ext cx="39600" cy="40680"/>
+              <a:off x="6660360" y="5442120"/>
+              <a:ext cx="39960" cy="41040"/>
             </a:xfrm>
             <a:prstGeom prst="ellipse">
               <a:avLst/>
@@ -4455,8 +4945,8 @@
           </p:nvSpPr>
           <p:spPr>
             <a:xfrm>
-              <a:off x="1512360" y="6177240"/>
-              <a:ext cx="39600" cy="40680"/>
+              <a:off x="6660360" y="5925240"/>
+              <a:ext cx="39960" cy="41040"/>
             </a:xfrm>
             <a:prstGeom prst="ellipse">
               <a:avLst/>
@@ -4493,8 +4983,8 @@
           </p:nvSpPr>
           <p:spPr>
             <a:xfrm>
-              <a:off x="1630800" y="5205240"/>
-              <a:ext cx="725760" cy="39600"/>
+              <a:off x="6778800" y="4953240"/>
+              <a:ext cx="726120" cy="39960"/>
             </a:xfrm>
             <a:prstGeom prst="roundRect">
               <a:avLst>
@@ -4533,8 +5023,8 @@
           </p:nvSpPr>
           <p:spPr>
             <a:xfrm>
-              <a:off x="1630800" y="5694120"/>
-              <a:ext cx="725760" cy="39600"/>
+              <a:off x="6778800" y="5442120"/>
+              <a:ext cx="726120" cy="39960"/>
             </a:xfrm>
             <a:prstGeom prst="roundRect">
               <a:avLst>
@@ -4573,8 +5063,8 @@
           </p:nvSpPr>
           <p:spPr>
             <a:xfrm>
-              <a:off x="1630800" y="6176520"/>
-              <a:ext cx="725760" cy="39600"/>
+              <a:off x="6778800" y="5924520"/>
+              <a:ext cx="726120" cy="39960"/>
             </a:xfrm>
             <a:prstGeom prst="roundRect">
               <a:avLst>
@@ -4608,14 +5098,14 @@
       </p:grpSp>
       <p:sp>
         <p:nvSpPr>
-          <p:cNvPr id="92" name="CaixaDeTexto 109"/>
+          <p:cNvPr id="92" name="CaixaDeTexto 108"/>
           <p:cNvSpPr/>
           <p:nvPr/>
         </p:nvSpPr>
         <p:spPr>
           <a:xfrm>
-            <a:off x="715320" y="252000"/>
-            <a:ext cx="2313720" cy="363960"/>
+            <a:off x="5791320" y="2388960"/>
+            <a:ext cx="2314080" cy="364680"/>
           </a:xfrm>
           <a:prstGeom prst="rect">
             <a:avLst/>
@@ -4650,7 +5140,7 @@
                 <a:latin typeface="Roboto"/>
                 <a:ea typeface="Roboto"/>
               </a:rPr>
-              <a:t>Nodes</a:t>
+              <a:t>Worker node 2</a:t>
             </a:r>
             <a:endParaRPr b="0" lang="pt-BR" sz="1800" spc="-1" strike="noStrike">
               <a:latin typeface="Arial"/>
@@ -4660,464 +5150,14 @@
       </p:sp>
       <p:sp>
         <p:nvSpPr>
-          <p:cNvPr id="93" name=""/>
+          <p:cNvPr id="93" name="CaixaDeTexto 109"/>
           <p:cNvSpPr/>
           <p:nvPr/>
         </p:nvSpPr>
         <p:spPr>
           <a:xfrm>
-            <a:off x="2736000" y="1692000"/>
-            <a:ext cx="1440000" cy="0"/>
-          </a:xfrm>
-          <a:prstGeom prst="line">
-            <a:avLst/>
-          </a:prstGeom>
-          <a:ln w="36000">
-            <a:solidFill>
-              <a:srgbClr val="111111"/>
-            </a:solidFill>
-            <a:round/>
-            <a:tailEnd len="med" type="triangle" w="med"/>
-          </a:ln>
-        </p:spPr>
-        <p:style>
-          <a:lnRef idx="0"/>
-          <a:fillRef idx="0"/>
-          <a:effectRef idx="0"/>
-          <a:fontRef idx="minor"/>
-        </p:style>
-      </p:sp>
-      <p:pic>
-        <p:nvPicPr>
-          <p:cNvPr id="94" name="" descr=""/>
-          <p:cNvPicPr/>
-          <p:nvPr/>
-        </p:nvPicPr>
-        <p:blipFill>
-          <a:blip r:embed="rId1"/>
-          <a:stretch/>
-        </p:blipFill>
-        <p:spPr>
-          <a:xfrm>
-            <a:off x="4356000" y="1512000"/>
-            <a:ext cx="540000" cy="540000"/>
-          </a:xfrm>
-          <a:prstGeom prst="rect">
-            <a:avLst/>
-          </a:prstGeom>
-          <a:ln w="0">
-            <a:noFill/>
-          </a:ln>
-        </p:spPr>
-      </p:pic>
-      <p:pic>
-        <p:nvPicPr>
-          <p:cNvPr id="95" name="" descr=""/>
-          <p:cNvPicPr/>
-          <p:nvPr/>
-        </p:nvPicPr>
-        <p:blipFill>
-          <a:blip r:embed="rId2"/>
-          <a:stretch/>
-        </p:blipFill>
-        <p:spPr>
-          <a:xfrm>
-            <a:off x="4896000" y="1692000"/>
-            <a:ext cx="540000" cy="540000"/>
-          </a:xfrm>
-          <a:prstGeom prst="rect">
-            <a:avLst/>
-          </a:prstGeom>
-          <a:ln w="0">
-            <a:noFill/>
-          </a:ln>
-        </p:spPr>
-      </p:pic>
-      <p:pic>
-        <p:nvPicPr>
-          <p:cNvPr id="96" name="" descr=""/>
-          <p:cNvPicPr/>
-          <p:nvPr/>
-        </p:nvPicPr>
-        <p:blipFill>
-          <a:blip r:embed="rId3"/>
-          <a:stretch/>
-        </p:blipFill>
-        <p:spPr>
-          <a:xfrm>
-            <a:off x="4896000" y="972000"/>
-            <a:ext cx="540000" cy="540000"/>
-          </a:xfrm>
-          <a:prstGeom prst="rect">
-            <a:avLst/>
-          </a:prstGeom>
-          <a:ln w="0">
-            <a:noFill/>
-          </a:ln>
-        </p:spPr>
-      </p:pic>
-      <p:pic>
-        <p:nvPicPr>
-          <p:cNvPr id="97" name="" descr=""/>
-          <p:cNvPicPr/>
-          <p:nvPr/>
-        </p:nvPicPr>
-        <p:blipFill>
-          <a:blip r:embed="rId4"/>
-          <a:stretch/>
-        </p:blipFill>
-        <p:spPr>
-          <a:xfrm>
-            <a:off x="5508000" y="1332000"/>
-            <a:ext cx="540000" cy="540000"/>
-          </a:xfrm>
-          <a:prstGeom prst="rect">
-            <a:avLst/>
-          </a:prstGeom>
-          <a:ln w="0">
-            <a:noFill/>
-          </a:ln>
-        </p:spPr>
-      </p:pic>
-      <p:sp>
-        <p:nvSpPr>
-          <p:cNvPr id="98" name=""/>
-          <p:cNvSpPr/>
-          <p:nvPr/>
-        </p:nvSpPr>
-        <p:spPr>
-          <a:xfrm>
-            <a:off x="2736000" y="3672000"/>
-            <a:ext cx="1440000" cy="0"/>
-          </a:xfrm>
-          <a:prstGeom prst="line">
-            <a:avLst/>
-          </a:prstGeom>
-          <a:ln w="36000">
-            <a:solidFill>
-              <a:srgbClr val="111111"/>
-            </a:solidFill>
-            <a:round/>
-            <a:tailEnd len="med" type="triangle" w="med"/>
-          </a:ln>
-        </p:spPr>
-        <p:style>
-          <a:lnRef idx="0"/>
-          <a:fillRef idx="0"/>
-          <a:effectRef idx="0"/>
-          <a:fontRef idx="minor"/>
-        </p:style>
-      </p:sp>
-      <p:pic>
-        <p:nvPicPr>
-          <p:cNvPr id="99" name="" descr=""/>
-          <p:cNvPicPr/>
-          <p:nvPr/>
-        </p:nvPicPr>
-        <p:blipFill>
-          <a:blip r:embed="rId5"/>
-          <a:stretch/>
-        </p:blipFill>
-        <p:spPr>
-          <a:xfrm>
-            <a:off x="4356000" y="3492000"/>
-            <a:ext cx="540000" cy="540000"/>
-          </a:xfrm>
-          <a:prstGeom prst="rect">
-            <a:avLst/>
-          </a:prstGeom>
-          <a:ln w="0">
-            <a:noFill/>
-          </a:ln>
-        </p:spPr>
-      </p:pic>
-      <p:pic>
-        <p:nvPicPr>
-          <p:cNvPr id="100" name="" descr=""/>
-          <p:cNvPicPr/>
-          <p:nvPr/>
-        </p:nvPicPr>
-        <p:blipFill>
-          <a:blip r:embed="rId6"/>
-          <a:stretch/>
-        </p:blipFill>
-        <p:spPr>
-          <a:xfrm>
-            <a:off x="4896000" y="3672000"/>
-            <a:ext cx="540000" cy="540000"/>
-          </a:xfrm>
-          <a:prstGeom prst="rect">
-            <a:avLst/>
-          </a:prstGeom>
-          <a:ln w="0">
-            <a:noFill/>
-          </a:ln>
-        </p:spPr>
-      </p:pic>
-      <p:pic>
-        <p:nvPicPr>
-          <p:cNvPr id="101" name="" descr=""/>
-          <p:cNvPicPr/>
-          <p:nvPr/>
-        </p:nvPicPr>
-        <p:blipFill>
-          <a:blip r:embed="rId7"/>
-          <a:stretch/>
-        </p:blipFill>
-        <p:spPr>
-          <a:xfrm>
-            <a:off x="4896000" y="2952000"/>
-            <a:ext cx="540000" cy="540000"/>
-          </a:xfrm>
-          <a:prstGeom prst="rect">
-            <a:avLst/>
-          </a:prstGeom>
-          <a:ln w="0">
-            <a:noFill/>
-          </a:ln>
-        </p:spPr>
-      </p:pic>
-      <p:pic>
-        <p:nvPicPr>
-          <p:cNvPr id="102" name="" descr=""/>
-          <p:cNvPicPr/>
-          <p:nvPr/>
-        </p:nvPicPr>
-        <p:blipFill>
-          <a:blip r:embed="rId8"/>
-          <a:stretch/>
-        </p:blipFill>
-        <p:spPr>
-          <a:xfrm>
-            <a:off x="5508000" y="3312000"/>
-            <a:ext cx="540000" cy="540000"/>
-          </a:xfrm>
-          <a:prstGeom prst="rect">
-            <a:avLst/>
-          </a:prstGeom>
-          <a:ln w="0">
-            <a:noFill/>
-          </a:ln>
-        </p:spPr>
-      </p:pic>
-      <p:sp>
-        <p:nvSpPr>
-          <p:cNvPr id="103" name=""/>
-          <p:cNvSpPr/>
-          <p:nvPr/>
-        </p:nvSpPr>
-        <p:spPr>
-          <a:xfrm>
-            <a:off x="2736000" y="5704920"/>
-            <a:ext cx="1440000" cy="0"/>
-          </a:xfrm>
-          <a:prstGeom prst="line">
-            <a:avLst/>
-          </a:prstGeom>
-          <a:ln w="36000">
-            <a:solidFill>
-              <a:srgbClr val="111111"/>
-            </a:solidFill>
-            <a:round/>
-            <a:tailEnd len="med" type="triangle" w="med"/>
-          </a:ln>
-        </p:spPr>
-        <p:style>
-          <a:lnRef idx="0"/>
-          <a:fillRef idx="0"/>
-          <a:effectRef idx="0"/>
-          <a:fontRef idx="minor"/>
-        </p:style>
-      </p:sp>
-      <p:pic>
-        <p:nvPicPr>
-          <p:cNvPr id="104" name="" descr=""/>
-          <p:cNvPicPr/>
-          <p:nvPr/>
-        </p:nvPicPr>
-        <p:blipFill>
-          <a:blip r:embed="rId9"/>
-          <a:stretch/>
-        </p:blipFill>
-        <p:spPr>
-          <a:xfrm>
-            <a:off x="4356000" y="5524920"/>
-            <a:ext cx="540000" cy="540000"/>
-          </a:xfrm>
-          <a:prstGeom prst="rect">
-            <a:avLst/>
-          </a:prstGeom>
-          <a:ln w="0">
-            <a:noFill/>
-          </a:ln>
-        </p:spPr>
-      </p:pic>
-      <p:pic>
-        <p:nvPicPr>
-          <p:cNvPr id="105" name="" descr=""/>
-          <p:cNvPicPr/>
-          <p:nvPr/>
-        </p:nvPicPr>
-        <p:blipFill>
-          <a:blip r:embed="rId10"/>
-          <a:stretch/>
-        </p:blipFill>
-        <p:spPr>
-          <a:xfrm>
-            <a:off x="4896000" y="5704920"/>
-            <a:ext cx="540000" cy="540000"/>
-          </a:xfrm>
-          <a:prstGeom prst="rect">
-            <a:avLst/>
-          </a:prstGeom>
-          <a:ln w="0">
-            <a:noFill/>
-          </a:ln>
-        </p:spPr>
-      </p:pic>
-      <p:pic>
-        <p:nvPicPr>
-          <p:cNvPr id="106" name="" descr=""/>
-          <p:cNvPicPr/>
-          <p:nvPr/>
-        </p:nvPicPr>
-        <p:blipFill>
-          <a:blip r:embed="rId11"/>
-          <a:stretch/>
-        </p:blipFill>
-        <p:spPr>
-          <a:xfrm>
-            <a:off x="4896000" y="4984920"/>
-            <a:ext cx="540000" cy="540000"/>
-          </a:xfrm>
-          <a:prstGeom prst="rect">
-            <a:avLst/>
-          </a:prstGeom>
-          <a:ln w="0">
-            <a:noFill/>
-          </a:ln>
-        </p:spPr>
-      </p:pic>
-      <p:pic>
-        <p:nvPicPr>
-          <p:cNvPr id="107" name="" descr=""/>
-          <p:cNvPicPr/>
-          <p:nvPr/>
-        </p:nvPicPr>
-        <p:blipFill>
-          <a:blip r:embed="rId12"/>
-          <a:stretch/>
-        </p:blipFill>
-        <p:spPr>
-          <a:xfrm>
-            <a:off x="5508000" y="5344920"/>
-            <a:ext cx="540000" cy="540000"/>
-          </a:xfrm>
-          <a:prstGeom prst="rect">
-            <a:avLst/>
-          </a:prstGeom>
-          <a:ln w="0">
-            <a:noFill/>
-          </a:ln>
-        </p:spPr>
-      </p:pic>
-      <p:sp>
-        <p:nvSpPr>
-          <p:cNvPr id="108" name=""/>
-          <p:cNvSpPr/>
-          <p:nvPr/>
-        </p:nvSpPr>
-        <p:spPr>
-          <a:xfrm>
-            <a:off x="6291000" y="1692360"/>
-            <a:ext cx="1440000" cy="0"/>
-          </a:xfrm>
-          <a:prstGeom prst="line">
-            <a:avLst/>
-          </a:prstGeom>
-          <a:ln w="36000">
-            <a:solidFill>
-              <a:srgbClr val="111111"/>
-            </a:solidFill>
-            <a:round/>
-            <a:tailEnd len="med" type="triangle" w="med"/>
-          </a:ln>
-        </p:spPr>
-        <p:style>
-          <a:lnRef idx="0"/>
-          <a:fillRef idx="0"/>
-          <a:effectRef idx="0"/>
-          <a:fontRef idx="minor"/>
-        </p:style>
-      </p:sp>
-      <p:sp>
-        <p:nvSpPr>
-          <p:cNvPr id="109" name=""/>
-          <p:cNvSpPr/>
-          <p:nvPr/>
-        </p:nvSpPr>
-        <p:spPr>
-          <a:xfrm>
-            <a:off x="6291000" y="3672360"/>
-            <a:ext cx="1440000" cy="0"/>
-          </a:xfrm>
-          <a:prstGeom prst="line">
-            <a:avLst/>
-          </a:prstGeom>
-          <a:ln w="36000">
-            <a:solidFill>
-              <a:srgbClr val="111111"/>
-            </a:solidFill>
-            <a:round/>
-            <a:tailEnd len="med" type="triangle" w="med"/>
-          </a:ln>
-        </p:spPr>
-        <p:style>
-          <a:lnRef idx="0"/>
-          <a:fillRef idx="0"/>
-          <a:effectRef idx="0"/>
-          <a:fontRef idx="minor"/>
-        </p:style>
-      </p:sp>
-      <p:sp>
-        <p:nvSpPr>
-          <p:cNvPr id="110" name=""/>
-          <p:cNvSpPr/>
-          <p:nvPr/>
-        </p:nvSpPr>
-        <p:spPr>
-          <a:xfrm>
-            <a:off x="6291000" y="5705280"/>
-            <a:ext cx="1440000" cy="0"/>
-          </a:xfrm>
-          <a:prstGeom prst="line">
-            <a:avLst/>
-          </a:prstGeom>
-          <a:ln w="36000">
-            <a:solidFill>
-              <a:srgbClr val="111111"/>
-            </a:solidFill>
-            <a:round/>
-            <a:tailEnd len="med" type="triangle" w="med"/>
-          </a:ln>
-        </p:spPr>
-        <p:style>
-          <a:lnRef idx="0"/>
-          <a:fillRef idx="0"/>
-          <a:effectRef idx="0"/>
-          <a:fontRef idx="minor"/>
-        </p:style>
-      </p:sp>
-      <p:sp>
-        <p:nvSpPr>
-          <p:cNvPr id="111" name="CaixaDeTexto 1"/>
-          <p:cNvSpPr/>
-          <p:nvPr/>
-        </p:nvSpPr>
-        <p:spPr>
-          <a:xfrm>
-            <a:off x="4022280" y="252000"/>
-            <a:ext cx="2313720" cy="363960"/>
+            <a:off x="5791320" y="360000"/>
+            <a:ext cx="2314080" cy="364680"/>
           </a:xfrm>
           <a:prstGeom prst="rect">
             <a:avLst/>
@@ -5152,7 +5192,7 @@
                 <a:latin typeface="Roboto"/>
                 <a:ea typeface="Roboto"/>
               </a:rPr>
-              <a:t>Partitions</a:t>
+              <a:t>Worker node 1</a:t>
             </a:r>
             <a:endParaRPr b="0" lang="pt-BR" sz="1800" spc="-1" strike="noStrike">
               <a:latin typeface="Arial"/>
@@ -5162,14 +5202,14 @@
       </p:sp>
       <p:sp>
         <p:nvSpPr>
-          <p:cNvPr id="112" name="CaixaDeTexto 2"/>
+          <p:cNvPr id="94" name="CaixaDeTexto 110"/>
           <p:cNvSpPr/>
           <p:nvPr/>
         </p:nvSpPr>
         <p:spPr>
           <a:xfrm>
-            <a:off x="8358480" y="252000"/>
-            <a:ext cx="2313720" cy="363960"/>
+            <a:off x="5791320" y="4368960"/>
+            <a:ext cx="2314080" cy="364680"/>
           </a:xfrm>
           <a:prstGeom prst="rect">
             <a:avLst/>
@@ -5204,7 +5244,7 @@
                 <a:latin typeface="Roboto"/>
                 <a:ea typeface="Roboto"/>
               </a:rPr>
-              <a:t>DataFrame</a:t>
+              <a:t>Worker node 3</a:t>
             </a:r>
             <a:endParaRPr b="0" lang="pt-BR" sz="1800" spc="-1" strike="noStrike">
               <a:latin typeface="Arial"/>
@@ -5212,29 +5252,890 @@
           </a:p>
         </p:txBody>
       </p:sp>
+      <p:sp>
+        <p:nvSpPr>
+          <p:cNvPr id="95" name="Conector de Seta Reta 130"/>
+          <p:cNvSpPr/>
+          <p:nvPr/>
+        </p:nvSpPr>
+        <p:spPr>
+          <a:xfrm flipV="1">
+            <a:off x="3432600" y="1262520"/>
+            <a:ext cx="2313720" cy="1247760"/>
+          </a:xfrm>
+          <a:custGeom>
+            <a:avLst/>
+            <a:gdLst/>
+            <a:ahLst/>
+            <a:rect l="l" t="t" r="r" b="b"/>
+            <a:pathLst>
+              <a:path w="21600" h="21600">
+                <a:moveTo>
+                  <a:pt x="0" y="0"/>
+                </a:moveTo>
+                <a:lnTo>
+                  <a:pt x="21600" y="21600"/>
+                </a:lnTo>
+              </a:path>
+            </a:pathLst>
+          </a:custGeom>
+          <a:noFill/>
+          <a:ln w="38100">
+            <a:solidFill>
+              <a:srgbClr val="e7e6e6">
+                <a:lumMod val="10000"/>
+              </a:srgbClr>
+            </a:solidFill>
+            <a:headEnd len="med" type="arrow" w="med"/>
+            <a:tailEnd len="med" type="arrow" w="med"/>
+          </a:ln>
+        </p:spPr>
+        <p:style>
+          <a:lnRef idx="1">
+            <a:schemeClr val="accent1"/>
+          </a:lnRef>
+          <a:fillRef idx="0">
+            <a:schemeClr val="accent1"/>
+          </a:fillRef>
+          <a:effectRef idx="0">
+            <a:schemeClr val="accent1"/>
+          </a:effectRef>
+          <a:fontRef idx="minor"/>
+        </p:style>
+      </p:sp>
+      <p:sp>
+        <p:nvSpPr>
+          <p:cNvPr id="96" name="Conector de Seta Reta 133"/>
+          <p:cNvSpPr/>
+          <p:nvPr/>
+        </p:nvSpPr>
+        <p:spPr>
+          <a:xfrm flipV="1">
+            <a:off x="3356280" y="3295440"/>
+            <a:ext cx="2477520" cy="39960"/>
+          </a:xfrm>
+          <a:custGeom>
+            <a:avLst/>
+            <a:gdLst/>
+            <a:ahLst/>
+            <a:rect l="l" t="t" r="r" b="b"/>
+            <a:pathLst>
+              <a:path w="21600" h="21600">
+                <a:moveTo>
+                  <a:pt x="0" y="0"/>
+                </a:moveTo>
+                <a:lnTo>
+                  <a:pt x="21600" y="21600"/>
+                </a:lnTo>
+              </a:path>
+            </a:pathLst>
+          </a:custGeom>
+          <a:noFill/>
+          <a:ln w="38100">
+            <a:solidFill>
+              <a:srgbClr val="e7e6e6">
+                <a:lumMod val="10000"/>
+              </a:srgbClr>
+            </a:solidFill>
+            <a:headEnd len="med" type="arrow" w="med"/>
+            <a:tailEnd len="med" type="arrow" w="med"/>
+          </a:ln>
+        </p:spPr>
+        <p:style>
+          <a:lnRef idx="1">
+            <a:schemeClr val="accent1"/>
+          </a:lnRef>
+          <a:fillRef idx="0">
+            <a:schemeClr val="accent1"/>
+          </a:fillRef>
+          <a:effectRef idx="0">
+            <a:schemeClr val="accent1"/>
+          </a:effectRef>
+          <a:fontRef idx="minor"/>
+        </p:style>
+      </p:sp>
+      <p:sp>
+        <p:nvSpPr>
+          <p:cNvPr id="97" name="Conector de Seta Reta 135"/>
+          <p:cNvSpPr/>
+          <p:nvPr/>
+        </p:nvSpPr>
+        <p:spPr>
+          <a:xfrm>
+            <a:off x="3375360" y="4042440"/>
+            <a:ext cx="2434680" cy="1227960"/>
+          </a:xfrm>
+          <a:custGeom>
+            <a:avLst/>
+            <a:gdLst/>
+            <a:ahLst/>
+            <a:rect l="l" t="t" r="r" b="b"/>
+            <a:pathLst>
+              <a:path w="21600" h="21600">
+                <a:moveTo>
+                  <a:pt x="0" y="0"/>
+                </a:moveTo>
+                <a:lnTo>
+                  <a:pt x="21600" y="21600"/>
+                </a:lnTo>
+              </a:path>
+            </a:pathLst>
+          </a:custGeom>
+          <a:noFill/>
+          <a:ln w="38100">
+            <a:solidFill>
+              <a:srgbClr val="e7e6e6">
+                <a:lumMod val="10000"/>
+              </a:srgbClr>
+            </a:solidFill>
+            <a:headEnd len="med" type="arrow" w="med"/>
+            <a:tailEnd len="med" type="arrow" w="med"/>
+          </a:ln>
+        </p:spPr>
+        <p:style>
+          <a:lnRef idx="1">
+            <a:schemeClr val="accent1"/>
+          </a:lnRef>
+          <a:fillRef idx="0">
+            <a:schemeClr val="accent1"/>
+          </a:fillRef>
+          <a:effectRef idx="0">
+            <a:schemeClr val="accent1"/>
+          </a:effectRef>
+          <a:fontRef idx="minor"/>
+        </p:style>
+      </p:sp>
+      <p:grpSp>
+        <p:nvGrpSpPr>
+          <p:cNvPr id="98" name=""/>
+          <p:cNvGrpSpPr/>
+          <p:nvPr/>
+        </p:nvGrpSpPr>
+        <p:grpSpPr>
+          <a:xfrm>
+            <a:off x="1786680" y="2748960"/>
+            <a:ext cx="1113120" cy="1350000"/>
+            <a:chOff x="1786680" y="2748960"/>
+            <a:chExt cx="1113120" cy="1350000"/>
+          </a:xfrm>
+        </p:grpSpPr>
+        <p:sp>
+          <p:nvSpPr>
+            <p:cNvPr id="99" name="Retângulo 1"/>
+            <p:cNvSpPr/>
+            <p:nvPr/>
+          </p:nvSpPr>
+          <p:spPr>
+            <a:xfrm>
+              <a:off x="1845360" y="2748960"/>
+              <a:ext cx="996120" cy="1349640"/>
+            </a:xfrm>
+            <a:prstGeom prst="rect">
+              <a:avLst/>
+            </a:prstGeom>
+            <a:solidFill>
+              <a:srgbClr val="132323"/>
+            </a:solidFill>
+            <a:ln>
+              <a:solidFill>
+                <a:srgbClr val="172b2b"/>
+              </a:solidFill>
+            </a:ln>
+          </p:spPr>
+          <p:style>
+            <a:lnRef idx="2">
+              <a:schemeClr val="accent1">
+                <a:shade val="50000"/>
+              </a:schemeClr>
+            </a:lnRef>
+            <a:fillRef idx="1">
+              <a:schemeClr val="accent1"/>
+            </a:fillRef>
+            <a:effectRef idx="0">
+              <a:schemeClr val="accent1"/>
+            </a:effectRef>
+            <a:fontRef idx="minor"/>
+          </p:style>
+        </p:sp>
+        <p:sp>
+          <p:nvSpPr>
+            <p:cNvPr id="100" name="Retângulo 2"/>
+            <p:cNvSpPr/>
+            <p:nvPr/>
+          </p:nvSpPr>
+          <p:spPr>
+            <a:xfrm>
+              <a:off x="1786680" y="2748960"/>
+              <a:ext cx="1113120" cy="383760"/>
+            </a:xfrm>
+            <a:prstGeom prst="rect">
+              <a:avLst/>
+            </a:prstGeom>
+            <a:solidFill>
+              <a:srgbClr val="2c5352"/>
+            </a:solidFill>
+            <a:ln>
+              <a:solidFill>
+                <a:srgbClr val="2c5352"/>
+              </a:solidFill>
+            </a:ln>
+          </p:spPr>
+          <p:style>
+            <a:lnRef idx="2">
+              <a:schemeClr val="accent1">
+                <a:shade val="50000"/>
+              </a:schemeClr>
+            </a:lnRef>
+            <a:fillRef idx="1">
+              <a:schemeClr val="accent1"/>
+            </a:fillRef>
+            <a:effectRef idx="0">
+              <a:schemeClr val="accent1"/>
+            </a:effectRef>
+            <a:fontRef idx="minor"/>
+          </p:style>
+        </p:sp>
+        <p:sp>
+          <p:nvSpPr>
+            <p:cNvPr id="101" name="Elipse 1"/>
+            <p:cNvSpPr/>
+            <p:nvPr/>
+          </p:nvSpPr>
+          <p:spPr>
+            <a:xfrm>
+              <a:off x="1854000" y="2913120"/>
+              <a:ext cx="39960" cy="41040"/>
+            </a:xfrm>
+            <a:prstGeom prst="ellipse">
+              <a:avLst/>
+            </a:prstGeom>
+            <a:solidFill>
+              <a:srgbClr val="77bdbf"/>
+            </a:solidFill>
+            <a:ln>
+              <a:solidFill>
+                <a:srgbClr val="77bdbf"/>
+              </a:solidFill>
+            </a:ln>
+          </p:spPr>
+          <p:style>
+            <a:lnRef idx="2">
+              <a:schemeClr val="accent1">
+                <a:shade val="50000"/>
+              </a:schemeClr>
+            </a:lnRef>
+            <a:fillRef idx="1">
+              <a:schemeClr val="accent1"/>
+            </a:fillRef>
+            <a:effectRef idx="0">
+              <a:schemeClr val="accent1"/>
+            </a:effectRef>
+            <a:fontRef idx="minor"/>
+          </p:style>
+        </p:sp>
+        <p:sp>
+          <p:nvSpPr>
+            <p:cNvPr id="102" name="Retângulo 5"/>
+            <p:cNvSpPr/>
+            <p:nvPr/>
+          </p:nvSpPr>
+          <p:spPr>
+            <a:xfrm>
+              <a:off x="1786680" y="3232080"/>
+              <a:ext cx="1113120" cy="383760"/>
+            </a:xfrm>
+            <a:prstGeom prst="rect">
+              <a:avLst/>
+            </a:prstGeom>
+            <a:solidFill>
+              <a:srgbClr val="2c5352"/>
+            </a:solidFill>
+            <a:ln>
+              <a:solidFill>
+                <a:srgbClr val="2c5352"/>
+              </a:solidFill>
+            </a:ln>
+          </p:spPr>
+          <p:style>
+            <a:lnRef idx="2">
+              <a:schemeClr val="accent1">
+                <a:shade val="50000"/>
+              </a:schemeClr>
+            </a:lnRef>
+            <a:fillRef idx="1">
+              <a:schemeClr val="accent1"/>
+            </a:fillRef>
+            <a:effectRef idx="0">
+              <a:schemeClr val="accent1"/>
+            </a:effectRef>
+            <a:fontRef idx="minor"/>
+          </p:style>
+        </p:sp>
+        <p:sp>
+          <p:nvSpPr>
+            <p:cNvPr id="103" name="Retângulo 6"/>
+            <p:cNvSpPr/>
+            <p:nvPr/>
+          </p:nvSpPr>
+          <p:spPr>
+            <a:xfrm>
+              <a:off x="1786680" y="3715200"/>
+              <a:ext cx="1113120" cy="383760"/>
+            </a:xfrm>
+            <a:prstGeom prst="rect">
+              <a:avLst/>
+            </a:prstGeom>
+            <a:solidFill>
+              <a:srgbClr val="2c5352"/>
+            </a:solidFill>
+            <a:ln>
+              <a:solidFill>
+                <a:srgbClr val="2c5352"/>
+              </a:solidFill>
+            </a:ln>
+          </p:spPr>
+          <p:style>
+            <a:lnRef idx="2">
+              <a:schemeClr val="accent1">
+                <a:shade val="50000"/>
+              </a:schemeClr>
+            </a:lnRef>
+            <a:fillRef idx="1">
+              <a:schemeClr val="accent1"/>
+            </a:fillRef>
+            <a:effectRef idx="0">
+              <a:schemeClr val="accent1"/>
+            </a:effectRef>
+            <a:fontRef idx="minor"/>
+          </p:style>
+        </p:sp>
+        <p:sp>
+          <p:nvSpPr>
+            <p:cNvPr id="104" name="Elipse 2"/>
+            <p:cNvSpPr/>
+            <p:nvPr/>
+          </p:nvSpPr>
+          <p:spPr>
+            <a:xfrm>
+              <a:off x="1854000" y="3403440"/>
+              <a:ext cx="39960" cy="41040"/>
+            </a:xfrm>
+            <a:prstGeom prst="ellipse">
+              <a:avLst/>
+            </a:prstGeom>
+            <a:solidFill>
+              <a:srgbClr val="77bdbf"/>
+            </a:solidFill>
+            <a:ln>
+              <a:solidFill>
+                <a:srgbClr val="77bdbf"/>
+              </a:solidFill>
+            </a:ln>
+          </p:spPr>
+          <p:style>
+            <a:lnRef idx="2">
+              <a:schemeClr val="accent1">
+                <a:shade val="50000"/>
+              </a:schemeClr>
+            </a:lnRef>
+            <a:fillRef idx="1">
+              <a:schemeClr val="accent1"/>
+            </a:fillRef>
+            <a:effectRef idx="0">
+              <a:schemeClr val="accent1"/>
+            </a:effectRef>
+            <a:fontRef idx="minor"/>
+          </p:style>
+        </p:sp>
+        <p:sp>
+          <p:nvSpPr>
+            <p:cNvPr id="105" name="Elipse 3"/>
+            <p:cNvSpPr/>
+            <p:nvPr/>
+          </p:nvSpPr>
+          <p:spPr>
+            <a:xfrm>
+              <a:off x="1854000" y="3886200"/>
+              <a:ext cx="39960" cy="41040"/>
+            </a:xfrm>
+            <a:prstGeom prst="ellipse">
+              <a:avLst/>
+            </a:prstGeom>
+            <a:solidFill>
+              <a:srgbClr val="77bdbf"/>
+            </a:solidFill>
+            <a:ln>
+              <a:solidFill>
+                <a:srgbClr val="77bdbf"/>
+              </a:solidFill>
+            </a:ln>
+          </p:spPr>
+          <p:style>
+            <a:lnRef idx="2">
+              <a:schemeClr val="accent1">
+                <a:shade val="50000"/>
+              </a:schemeClr>
+            </a:lnRef>
+            <a:fillRef idx="1">
+              <a:schemeClr val="accent1"/>
+            </a:fillRef>
+            <a:effectRef idx="0">
+              <a:schemeClr val="accent1"/>
+            </a:effectRef>
+            <a:fontRef idx="minor"/>
+          </p:style>
+        </p:sp>
+        <p:sp>
+          <p:nvSpPr>
+            <p:cNvPr id="106" name="Elipse 4"/>
+            <p:cNvSpPr/>
+            <p:nvPr/>
+          </p:nvSpPr>
+          <p:spPr>
+            <a:xfrm>
+              <a:off x="1925280" y="2913120"/>
+              <a:ext cx="39960" cy="41040"/>
+            </a:xfrm>
+            <a:prstGeom prst="ellipse">
+              <a:avLst/>
+            </a:prstGeom>
+            <a:solidFill>
+              <a:srgbClr val="4b9699"/>
+            </a:solidFill>
+            <a:ln>
+              <a:solidFill>
+                <a:srgbClr val="4b9699"/>
+              </a:solidFill>
+            </a:ln>
+          </p:spPr>
+          <p:style>
+            <a:lnRef idx="2">
+              <a:schemeClr val="accent1">
+                <a:shade val="50000"/>
+              </a:schemeClr>
+            </a:lnRef>
+            <a:fillRef idx="1">
+              <a:schemeClr val="accent1"/>
+            </a:fillRef>
+            <a:effectRef idx="0">
+              <a:schemeClr val="accent1"/>
+            </a:effectRef>
+            <a:fontRef idx="minor"/>
+          </p:style>
+        </p:sp>
+        <p:sp>
+          <p:nvSpPr>
+            <p:cNvPr id="107" name="Elipse 5"/>
+            <p:cNvSpPr/>
+            <p:nvPr/>
+          </p:nvSpPr>
+          <p:spPr>
+            <a:xfrm>
+              <a:off x="1925280" y="3403440"/>
+              <a:ext cx="39960" cy="41040"/>
+            </a:xfrm>
+            <a:prstGeom prst="ellipse">
+              <a:avLst/>
+            </a:prstGeom>
+            <a:solidFill>
+              <a:srgbClr val="4b9699"/>
+            </a:solidFill>
+            <a:ln>
+              <a:solidFill>
+                <a:srgbClr val="4b9699"/>
+              </a:solidFill>
+            </a:ln>
+          </p:spPr>
+          <p:style>
+            <a:lnRef idx="2">
+              <a:schemeClr val="accent1">
+                <a:shade val="50000"/>
+              </a:schemeClr>
+            </a:lnRef>
+            <a:fillRef idx="1">
+              <a:schemeClr val="accent1"/>
+            </a:fillRef>
+            <a:effectRef idx="0">
+              <a:schemeClr val="accent1"/>
+            </a:effectRef>
+            <a:fontRef idx="minor"/>
+          </p:style>
+        </p:sp>
+        <p:sp>
+          <p:nvSpPr>
+            <p:cNvPr id="108" name="Elipse 6"/>
+            <p:cNvSpPr/>
+            <p:nvPr/>
+          </p:nvSpPr>
+          <p:spPr>
+            <a:xfrm>
+              <a:off x="1925280" y="3886200"/>
+              <a:ext cx="39960" cy="41040"/>
+            </a:xfrm>
+            <a:prstGeom prst="ellipse">
+              <a:avLst/>
+            </a:prstGeom>
+            <a:solidFill>
+              <a:srgbClr val="4b9699"/>
+            </a:solidFill>
+            <a:ln>
+              <a:solidFill>
+                <a:srgbClr val="4b9699"/>
+              </a:solidFill>
+            </a:ln>
+          </p:spPr>
+          <p:style>
+            <a:lnRef idx="2">
+              <a:schemeClr val="accent1">
+                <a:shade val="50000"/>
+              </a:schemeClr>
+            </a:lnRef>
+            <a:fillRef idx="1">
+              <a:schemeClr val="accent1"/>
+            </a:fillRef>
+            <a:effectRef idx="0">
+              <a:schemeClr val="accent1"/>
+            </a:effectRef>
+            <a:fontRef idx="minor"/>
+          </p:style>
+        </p:sp>
+        <p:sp>
+          <p:nvSpPr>
+            <p:cNvPr id="109" name="Elipse 7"/>
+            <p:cNvSpPr/>
+            <p:nvPr/>
+          </p:nvSpPr>
+          <p:spPr>
+            <a:xfrm>
+              <a:off x="1996920" y="2913120"/>
+              <a:ext cx="39960" cy="41040"/>
+            </a:xfrm>
+            <a:prstGeom prst="ellipse">
+              <a:avLst/>
+            </a:prstGeom>
+            <a:solidFill>
+              <a:srgbClr val="43c7cc"/>
+            </a:solidFill>
+            <a:ln>
+              <a:solidFill>
+                <a:srgbClr val="43c7cc"/>
+              </a:solidFill>
+            </a:ln>
+          </p:spPr>
+          <p:style>
+            <a:lnRef idx="2">
+              <a:schemeClr val="accent1">
+                <a:shade val="50000"/>
+              </a:schemeClr>
+            </a:lnRef>
+            <a:fillRef idx="1">
+              <a:schemeClr val="accent1"/>
+            </a:fillRef>
+            <a:effectRef idx="0">
+              <a:schemeClr val="accent1"/>
+            </a:effectRef>
+            <a:fontRef idx="minor"/>
+          </p:style>
+        </p:sp>
+        <p:sp>
+          <p:nvSpPr>
+            <p:cNvPr id="110" name="Elipse 9"/>
+            <p:cNvSpPr/>
+            <p:nvPr/>
+          </p:nvSpPr>
+          <p:spPr>
+            <a:xfrm>
+              <a:off x="1996920" y="3403440"/>
+              <a:ext cx="39960" cy="41040"/>
+            </a:xfrm>
+            <a:prstGeom prst="ellipse">
+              <a:avLst/>
+            </a:prstGeom>
+            <a:solidFill>
+              <a:srgbClr val="43c7cc"/>
+            </a:solidFill>
+            <a:ln>
+              <a:solidFill>
+                <a:srgbClr val="43c7cc"/>
+              </a:solidFill>
+            </a:ln>
+          </p:spPr>
+          <p:style>
+            <a:lnRef idx="2">
+              <a:schemeClr val="accent1">
+                <a:shade val="50000"/>
+              </a:schemeClr>
+            </a:lnRef>
+            <a:fillRef idx="1">
+              <a:schemeClr val="accent1"/>
+            </a:fillRef>
+            <a:effectRef idx="0">
+              <a:schemeClr val="accent1"/>
+            </a:effectRef>
+            <a:fontRef idx="minor"/>
+          </p:style>
+        </p:sp>
+        <p:sp>
+          <p:nvSpPr>
+            <p:cNvPr id="111" name="Elipse 10"/>
+            <p:cNvSpPr/>
+            <p:nvPr/>
+          </p:nvSpPr>
+          <p:spPr>
+            <a:xfrm>
+              <a:off x="1996920" y="3886200"/>
+              <a:ext cx="39960" cy="41040"/>
+            </a:xfrm>
+            <a:prstGeom prst="ellipse">
+              <a:avLst/>
+            </a:prstGeom>
+            <a:solidFill>
+              <a:srgbClr val="43c7cc"/>
+            </a:solidFill>
+            <a:ln>
+              <a:solidFill>
+                <a:srgbClr val="43c7cc"/>
+              </a:solidFill>
+            </a:ln>
+          </p:spPr>
+          <p:style>
+            <a:lnRef idx="2">
+              <a:schemeClr val="accent1">
+                <a:shade val="50000"/>
+              </a:schemeClr>
+            </a:lnRef>
+            <a:fillRef idx="1">
+              <a:schemeClr val="accent1"/>
+            </a:fillRef>
+            <a:effectRef idx="0">
+              <a:schemeClr val="accent1"/>
+            </a:effectRef>
+            <a:fontRef idx="minor"/>
+          </p:style>
+        </p:sp>
+        <p:sp>
+          <p:nvSpPr>
+            <p:cNvPr id="112" name="Retângulo: Cantos Arredondados 1"/>
+            <p:cNvSpPr/>
+            <p:nvPr/>
+          </p:nvSpPr>
+          <p:spPr>
+            <a:xfrm>
+              <a:off x="2115360" y="2914200"/>
+              <a:ext cx="726120" cy="39960"/>
+            </a:xfrm>
+            <a:prstGeom prst="roundRect">
+              <a:avLst>
+                <a:gd name="adj" fmla="val 16667"/>
+              </a:avLst>
+            </a:prstGeom>
+            <a:solidFill>
+              <a:srgbClr val="132323"/>
+            </a:solidFill>
+            <a:ln>
+              <a:solidFill>
+                <a:srgbClr val="132323"/>
+              </a:solidFill>
+            </a:ln>
+          </p:spPr>
+          <p:style>
+            <a:lnRef idx="2">
+              <a:schemeClr val="accent1">
+                <a:shade val="50000"/>
+              </a:schemeClr>
+            </a:lnRef>
+            <a:fillRef idx="1">
+              <a:schemeClr val="accent1"/>
+            </a:fillRef>
+            <a:effectRef idx="0">
+              <a:schemeClr val="accent1"/>
+            </a:effectRef>
+            <a:fontRef idx="minor"/>
+          </p:style>
+        </p:sp>
+        <p:sp>
+          <p:nvSpPr>
+            <p:cNvPr id="113" name="Retângulo: Cantos Arredondados 2"/>
+            <p:cNvSpPr/>
+            <p:nvPr/>
+          </p:nvSpPr>
+          <p:spPr>
+            <a:xfrm>
+              <a:off x="2115360" y="3403440"/>
+              <a:ext cx="726120" cy="39960"/>
+            </a:xfrm>
+            <a:prstGeom prst="roundRect">
+              <a:avLst>
+                <a:gd name="adj" fmla="val 16667"/>
+              </a:avLst>
+            </a:prstGeom>
+            <a:solidFill>
+              <a:srgbClr val="132323"/>
+            </a:solidFill>
+            <a:ln>
+              <a:solidFill>
+                <a:srgbClr val="132323"/>
+              </a:solidFill>
+            </a:ln>
+          </p:spPr>
+          <p:style>
+            <a:lnRef idx="2">
+              <a:schemeClr val="accent1">
+                <a:shade val="50000"/>
+              </a:schemeClr>
+            </a:lnRef>
+            <a:fillRef idx="1">
+              <a:schemeClr val="accent1"/>
+            </a:fillRef>
+            <a:effectRef idx="0">
+              <a:schemeClr val="accent1"/>
+            </a:effectRef>
+            <a:fontRef idx="minor"/>
+          </p:style>
+        </p:sp>
+        <p:sp>
+          <p:nvSpPr>
+            <p:cNvPr id="114" name="Retângulo: Cantos Arredondados 3"/>
+            <p:cNvSpPr/>
+            <p:nvPr/>
+          </p:nvSpPr>
+          <p:spPr>
+            <a:xfrm>
+              <a:off x="2115360" y="3885480"/>
+              <a:ext cx="726120" cy="39960"/>
+            </a:xfrm>
+            <a:prstGeom prst="roundRect">
+              <a:avLst>
+                <a:gd name="adj" fmla="val 16667"/>
+              </a:avLst>
+            </a:prstGeom>
+            <a:solidFill>
+              <a:srgbClr val="132323"/>
+            </a:solidFill>
+            <a:ln>
+              <a:solidFill>
+                <a:srgbClr val="132323"/>
+              </a:solidFill>
+            </a:ln>
+          </p:spPr>
+          <p:style>
+            <a:lnRef idx="2">
+              <a:schemeClr val="accent1">
+                <a:shade val="50000"/>
+              </a:schemeClr>
+            </a:lnRef>
+            <a:fillRef idx="1">
+              <a:schemeClr val="accent1"/>
+            </a:fillRef>
+            <a:effectRef idx="0">
+              <a:schemeClr val="accent1"/>
+            </a:effectRef>
+            <a:fontRef idx="minor"/>
+          </p:style>
+        </p:sp>
+      </p:grpSp>
+      <p:sp>
+        <p:nvSpPr>
+          <p:cNvPr id="115" name="CaixaDeTexto 1"/>
+          <p:cNvSpPr/>
+          <p:nvPr/>
+        </p:nvSpPr>
+        <p:spPr>
+          <a:xfrm>
+            <a:off x="1188000" y="2208960"/>
+            <a:ext cx="2314080" cy="364680"/>
+          </a:xfrm>
+          <a:prstGeom prst="rect">
+            <a:avLst/>
+          </a:prstGeom>
+          <a:noFill/>
+          <a:ln w="0">
+            <a:noFill/>
+          </a:ln>
+        </p:spPr>
+        <p:style>
+          <a:lnRef idx="0"/>
+          <a:fillRef idx="0"/>
+          <a:effectRef idx="0"/>
+          <a:fontRef idx="minor"/>
+        </p:style>
+        <p:txBody>
+          <a:bodyPr lIns="90000" rIns="90000" tIns="45000" bIns="45000" anchor="t">
+            <a:spAutoFit/>
+          </a:bodyPr>
+          <a:p>
+            <a:pPr algn="ctr">
+              <a:lnSpc>
+                <a:spcPct val="100000"/>
+              </a:lnSpc>
+              <a:buNone/>
+            </a:pPr>
+            <a:r>
+              <a:rPr b="0" lang="en-US" sz="1800" spc="-1" strike="noStrike">
+                <a:solidFill>
+                  <a:srgbClr val="000000"/>
+                </a:solidFill>
+                <a:latin typeface="Roboto"/>
+                <a:ea typeface="Roboto"/>
+              </a:rPr>
+              <a:t>Driver node</a:t>
+            </a:r>
+            <a:endParaRPr b="0" lang="pt-BR" sz="1800" spc="-1" strike="noStrike">
+              <a:latin typeface="Arial"/>
+            </a:endParaRPr>
+          </a:p>
+        </p:txBody>
+      </p:sp>
       <p:graphicFrame>
         <p:nvGraphicFramePr>
-          <p:cNvPr id="113" name=""/>
+          <p:cNvPr id="116" name=""/>
           <p:cNvGraphicFramePr/>
           <p:nvPr/>
         </p:nvGraphicFramePr>
         <p:xfrm>
-          <a:off x="7972920" y="1014480"/>
-          <a:ext cx="3105360" cy="1399320"/>
+          <a:off x="8122680" y="856440"/>
+          <a:ext cx="2897640" cy="1075320"/>
         </p:xfrm>
         <a:graphic>
           <a:graphicData uri="http://schemas.openxmlformats.org/drawingml/2006/table">
             <a:tbl>
               <a:tblPr/>
               <a:tblGrid>
-                <a:gridCol w="776160"/>
-                <a:gridCol w="776160"/>
-                <a:gridCol w="776160"/>
-                <a:gridCol w="777240"/>
+                <a:gridCol w="577440"/>
+                <a:gridCol w="1078200"/>
+                <a:gridCol w="1242360"/>
               </a:tblGrid>
-              <a:tr h="349920">
+              <a:tr h="375840">
                 <a:tc>
-                  <a:tcPr anchor="t" marL="90000" marR="90000">
+                  <a:txBody>
+                    <a:bodyPr lIns="90000" rIns="90000" tIns="46800" bIns="46800" anchor="ctr">
+                      <a:noAutofit/>
+                    </a:bodyPr>
+                    <a:p>
+                      <a:pPr algn="ctr">
+                        <a:buNone/>
+                        <a:tabLst>
+                          <a:tab algn="l" pos="408240"/>
+                        </a:tabLst>
+                      </a:pPr>
+                      <a:r>
+                        <a:rPr b="0" lang="pt-BR" sz="1600" spc="-1" strike="noStrike">
+                          <a:solidFill>
+                            <a:srgbClr val="ffffff"/>
+                          </a:solidFill>
+                          <a:latin typeface="Roboto"/>
+                        </a:rPr>
+                        <a:t>ID</a:t>
+                      </a:r>
+                      <a:endParaRPr b="0" lang="pt-BR" sz="1600" spc="-1" strike="noStrike">
+                        <a:solidFill>
+                          <a:srgbClr val="ffffff"/>
+                        </a:solidFill>
+                        <a:latin typeface="Roboto"/>
+                      </a:endParaRPr>
+                    </a:p>
+                  </a:txBody>
+                  <a:tcPr anchor="ctr" marL="90000" marR="90000">
                     <a:lnL w="720">
                       <a:solidFill>
                         <a:srgbClr val="ffffff"/>
@@ -5256,12 +6157,40 @@
                       </a:solidFill>
                     </a:lnB>
                     <a:solidFill>
-                      <a:srgbClr val="333333"/>
+                      <a:srgbClr val="000000"/>
                     </a:solidFill>
                   </a:tcPr>
                 </a:tc>
                 <a:tc>
-                  <a:tcPr anchor="t" marL="90000" marR="90000">
+                  <a:txBody>
+                    <a:bodyPr lIns="90000" rIns="90000" tIns="46800" bIns="46800" anchor="ctr">
+                      <a:noAutofit/>
+                    </a:bodyPr>
+                    <a:p>
+                      <a:pPr algn="ctr">
+                        <a:buNone/>
+                        <a:tabLst>
+                          <a:tab algn="l" pos="408240"/>
+                        </a:tabLst>
+                      </a:pPr>
+                      <a:r>
+                        <a:rPr b="0" lang="pt-BR" sz="1600" spc="-1" strike="noStrike">
+                          <a:solidFill>
+                            <a:srgbClr val="ffffff"/>
+                          </a:solidFill>
+                          <a:latin typeface="Roboto"/>
+                        </a:rPr>
+                        <a:t>Name</a:t>
+                      </a:r>
+                      <a:endParaRPr b="0" lang="pt-BR" sz="1600" spc="-1" strike="noStrike">
+                        <a:solidFill>
+                          <a:srgbClr val="ffffff"/>
+                        </a:solidFill>
+                        <a:latin typeface="Roboto"/>
+                      </a:endParaRPr>
+                    </a:p>
+                  </a:txBody>
+                  <a:tcPr anchor="ctr" marL="90000" marR="90000">
                     <a:lnL w="720">
                       <a:solidFill>
                         <a:srgbClr val="ffffff"/>
@@ -5283,12 +6212,40 @@
                       </a:solidFill>
                     </a:lnB>
                     <a:solidFill>
-                      <a:srgbClr val="333333"/>
+                      <a:srgbClr val="000000"/>
                     </a:solidFill>
                   </a:tcPr>
                 </a:tc>
                 <a:tc>
-                  <a:tcPr anchor="t" marL="90000" marR="90000">
+                  <a:txBody>
+                    <a:bodyPr lIns="90000" rIns="90000" tIns="46800" bIns="46800" anchor="ctr">
+                      <a:noAutofit/>
+                    </a:bodyPr>
+                    <a:p>
+                      <a:pPr algn="ctr">
+                        <a:buNone/>
+                        <a:tabLst>
+                          <a:tab algn="l" pos="408240"/>
+                        </a:tabLst>
+                      </a:pPr>
+                      <a:r>
+                        <a:rPr b="0" lang="pt-BR" sz="1600" spc="-1" strike="noStrike">
+                          <a:solidFill>
+                            <a:srgbClr val="ffffff"/>
+                          </a:solidFill>
+                          <a:latin typeface="Roboto"/>
+                        </a:rPr>
+                        <a:t>Value</a:t>
+                      </a:r>
+                      <a:endParaRPr b="0" lang="pt-BR" sz="1600" spc="-1" strike="noStrike">
+                        <a:solidFill>
+                          <a:srgbClr val="ffffff"/>
+                        </a:solidFill>
+                        <a:latin typeface="Roboto"/>
+                      </a:endParaRPr>
+                    </a:p>
+                  </a:txBody>
+                  <a:tcPr anchor="ctr" marL="90000" marR="90000">
                     <a:lnL w="720">
                       <a:solidFill>
                         <a:srgbClr val="ffffff"/>
@@ -5310,150 +6267,35 @@
                       </a:solidFill>
                     </a:lnB>
                     <a:solidFill>
-                      <a:srgbClr val="333333"/>
-                    </a:solidFill>
-                  </a:tcPr>
-                </a:tc>
-                <a:tc>
-                  <a:tcPr anchor="t" marL="90000" marR="90000">
-                    <a:lnL w="720">
-                      <a:solidFill>
-                        <a:srgbClr val="ffffff"/>
-                      </a:solidFill>
-                    </a:lnL>
-                    <a:lnR w="720">
-                      <a:solidFill>
-                        <a:srgbClr val="ffffff"/>
-                      </a:solidFill>
-                    </a:lnR>
-                    <a:lnT w="720">
-                      <a:solidFill>
-                        <a:srgbClr val="ffffff"/>
-                      </a:solidFill>
-                    </a:lnT>
-                    <a:lnB w="720">
-                      <a:solidFill>
-                        <a:srgbClr val="ffffff"/>
-                      </a:solidFill>
-                    </a:lnB>
-                    <a:solidFill>
-                      <a:srgbClr val="333333"/>
+                      <a:srgbClr val="000000"/>
                     </a:solidFill>
                   </a:tcPr>
                 </a:tc>
               </a:tr>
-              <a:tr h="349920">
+              <a:tr h="339840">
                 <a:tc>
-                  <a:tcPr anchor="t" marL="90000" marR="90000">
-                    <a:lnL w="720">
-                      <a:solidFill>
-                        <a:srgbClr val="ffffff"/>
-                      </a:solidFill>
-                    </a:lnL>
-                    <a:lnR w="720">
-                      <a:solidFill>
-                        <a:srgbClr val="ffffff"/>
-                      </a:solidFill>
-                    </a:lnR>
-                    <a:lnT w="720">
-                      <a:solidFill>
-                        <a:srgbClr val="ffffff"/>
-                      </a:solidFill>
-                    </a:lnT>
-                    <a:lnB w="720">
-                      <a:solidFill>
-                        <a:srgbClr val="ffffff"/>
-                      </a:solidFill>
-                    </a:lnB>
-                    <a:solidFill>
-                      <a:srgbClr val="cccccc"/>
-                    </a:solidFill>
-                  </a:tcPr>
-                </a:tc>
-                <a:tc>
-                  <a:tcPr anchor="t" marL="90000" marR="90000">
-                    <a:lnL w="720">
-                      <a:solidFill>
-                        <a:srgbClr val="ffffff"/>
-                      </a:solidFill>
-                    </a:lnL>
-                    <a:lnR w="720">
-                      <a:solidFill>
-                        <a:srgbClr val="ffffff"/>
-                      </a:solidFill>
-                    </a:lnR>
-                    <a:lnT w="720">
-                      <a:solidFill>
-                        <a:srgbClr val="ffffff"/>
-                      </a:solidFill>
-                    </a:lnT>
-                    <a:lnB w="720">
-                      <a:solidFill>
-                        <a:srgbClr val="ffffff"/>
-                      </a:solidFill>
-                    </a:lnB>
-                    <a:solidFill>
-                      <a:srgbClr val="cccccc"/>
-                    </a:solidFill>
-                  </a:tcPr>
-                </a:tc>
-                <a:tc>
-                  <a:tcPr anchor="t" marL="90000" marR="90000">
-                    <a:lnL w="720">
-                      <a:solidFill>
-                        <a:srgbClr val="ffffff"/>
-                      </a:solidFill>
-                    </a:lnL>
-                    <a:lnR w="720">
-                      <a:solidFill>
-                        <a:srgbClr val="ffffff"/>
-                      </a:solidFill>
-                    </a:lnR>
-                    <a:lnT w="720">
-                      <a:solidFill>
-                        <a:srgbClr val="ffffff"/>
-                      </a:solidFill>
-                    </a:lnT>
-                    <a:lnB w="720">
-                      <a:solidFill>
-                        <a:srgbClr val="ffffff"/>
-                      </a:solidFill>
-                    </a:lnB>
-                    <a:solidFill>
-                      <a:srgbClr val="cccccc"/>
-                    </a:solidFill>
-                  </a:tcPr>
-                </a:tc>
-                <a:tc>
-                  <a:tcPr anchor="t" marL="90000" marR="90000">
-                    <a:lnL w="720">
-                      <a:solidFill>
-                        <a:srgbClr val="ffffff"/>
-                      </a:solidFill>
-                    </a:lnL>
-                    <a:lnR w="720">
-                      <a:solidFill>
-                        <a:srgbClr val="ffffff"/>
-                      </a:solidFill>
-                    </a:lnR>
-                    <a:lnT w="720">
-                      <a:solidFill>
-                        <a:srgbClr val="ffffff"/>
-                      </a:solidFill>
-                    </a:lnT>
-                    <a:lnB w="720">
-                      <a:solidFill>
-                        <a:srgbClr val="ffffff"/>
-                      </a:solidFill>
-                    </a:lnB>
-                    <a:solidFill>
-                      <a:srgbClr val="cccccc"/>
-                    </a:solidFill>
-                  </a:tcPr>
-                </a:tc>
-              </a:tr>
-              <a:tr h="349920">
-                <a:tc>
+                  <a:txBody>
+                    <a:bodyPr lIns="90000" rIns="90000" tIns="46800" bIns="46800" anchor="t">
+                      <a:noAutofit/>
+                    </a:bodyPr>
+                    <a:p>
+                      <a:pPr algn="ctr">
+                        <a:buNone/>
+                        <a:tabLst>
+                          <a:tab algn="l" pos="408240"/>
+                        </a:tabLst>
+                      </a:pPr>
+                      <a:r>
+                        <a:rPr b="0" lang="pt-BR" sz="1600" spc="-1" strike="noStrike">
+                          <a:latin typeface="Roboto"/>
+                        </a:rPr>
+                        <a:t>1</a:t>
+                      </a:r>
+                      <a:endParaRPr b="0" lang="pt-BR" sz="1600" spc="-1" strike="noStrike">
+                        <a:latin typeface="Roboto"/>
+                      </a:endParaRPr>
+                    </a:p>
+                  </a:txBody>
                   <a:tcPr anchor="t" marL="90000" marR="90000">
                     <a:lnL w="720">
                       <a:solidFill>
@@ -5481,6 +6323,28 @@
                   </a:tcPr>
                 </a:tc>
                 <a:tc>
+                  <a:txBody>
+                    <a:bodyPr lIns="90000" rIns="90000" tIns="46800" bIns="46800" anchor="t">
+                      <a:noAutofit/>
+                    </a:bodyPr>
+                    <a:p>
+                      <a:pPr algn="ctr">
+                        <a:buNone/>
+                        <a:tabLst>
+                          <a:tab algn="l" pos="408240"/>
+                        </a:tabLst>
+                      </a:pPr>
+                      <a:r>
+                        <a:rPr b="0" lang="pt-BR" sz="1600" spc="-1" strike="noStrike">
+                          <a:latin typeface="Roboto"/>
+                        </a:rPr>
+                        <a:t>Anne</a:t>
+                      </a:r>
+                      <a:endParaRPr b="0" lang="pt-BR" sz="1600" spc="-1" strike="noStrike">
+                        <a:latin typeface="Roboto"/>
+                      </a:endParaRPr>
+                    </a:p>
+                  </a:txBody>
                   <a:tcPr anchor="t" marL="90000" marR="90000">
                     <a:lnL w="720">
                       <a:solidFill>
@@ -5508,33 +6372,28 @@
                   </a:tcPr>
                 </a:tc>
                 <a:tc>
-                  <a:tcPr anchor="t" marL="90000" marR="90000">
-                    <a:lnL w="720">
-                      <a:solidFill>
-                        <a:srgbClr val="ffffff"/>
-                      </a:solidFill>
-                    </a:lnL>
-                    <a:lnR w="720">
-                      <a:solidFill>
-                        <a:srgbClr val="ffffff"/>
-                      </a:solidFill>
-                    </a:lnR>
-                    <a:lnT w="720">
-                      <a:solidFill>
-                        <a:srgbClr val="ffffff"/>
-                      </a:solidFill>
-                    </a:lnT>
-                    <a:lnB w="720">
-                      <a:solidFill>
-                        <a:srgbClr val="ffffff"/>
-                      </a:solidFill>
-                    </a:lnB>
-                    <a:solidFill>
-                      <a:srgbClr val="e6e6e6"/>
-                    </a:solidFill>
-                  </a:tcPr>
-                </a:tc>
-                <a:tc>
+                  <a:txBody>
+                    <a:bodyPr lIns="90000" rIns="90000" tIns="46800" bIns="46800" anchor="t">
+                      <a:noAutofit/>
+                    </a:bodyPr>
+                    <a:p>
+                      <a:pPr algn="ctr">
+                        <a:buNone/>
+                        <a:tabLst>
+                          <a:tab algn="l" pos="408240"/>
+                        </a:tabLst>
+                      </a:pPr>
+                      <a:r>
+                        <a:rPr b="0" lang="pt-BR" sz="1600" spc="-1" strike="noStrike">
+                          <a:latin typeface="Roboto"/>
+                        </a:rPr>
+                        <a:t>502</a:t>
+                      </a:r>
+                      <a:endParaRPr b="0" lang="pt-BR" sz="1600" spc="-1" strike="noStrike">
+                        <a:latin typeface="Roboto"/>
+                      </a:endParaRPr>
+                    </a:p>
+                  </a:txBody>
                   <a:tcPr anchor="t" marL="90000" marR="90000">
                     <a:lnL w="720">
                       <a:solidFill>
@@ -5562,8 +6421,30 @@
                   </a:tcPr>
                 </a:tc>
               </a:tr>
-              <a:tr h="349920">
+              <a:tr h="360000">
                 <a:tc>
+                  <a:txBody>
+                    <a:bodyPr lIns="90000" rIns="90000" tIns="46800" bIns="46800" anchor="t">
+                      <a:noAutofit/>
+                    </a:bodyPr>
+                    <a:p>
+                      <a:pPr algn="ctr">
+                        <a:buNone/>
+                        <a:tabLst>
+                          <a:tab algn="l" pos="408240"/>
+                        </a:tabLst>
+                      </a:pPr>
+                      <a:r>
+                        <a:rPr b="0" lang="pt-BR" sz="1600" spc="-1" strike="noStrike">
+                          <a:latin typeface="Roboto"/>
+                        </a:rPr>
+                        <a:t>2</a:t>
+                      </a:r>
+                      <a:endParaRPr b="0" lang="pt-BR" sz="1600" spc="-1" strike="noStrike">
+                        <a:latin typeface="Roboto"/>
+                      </a:endParaRPr>
+                    </a:p>
+                  </a:txBody>
                   <a:tcPr anchor="t" marL="90000" marR="90000">
                     <a:lnL w="720">
                       <a:solidFill>
@@ -5586,11 +6467,33 @@
                       </a:solidFill>
                     </a:lnB>
                     <a:solidFill>
-                      <a:srgbClr val="cccccc"/>
+                      <a:srgbClr val="ffffff"/>
                     </a:solidFill>
                   </a:tcPr>
                 </a:tc>
                 <a:tc>
+                  <a:txBody>
+                    <a:bodyPr lIns="90000" rIns="90000" tIns="46800" bIns="46800" anchor="t">
+                      <a:noAutofit/>
+                    </a:bodyPr>
+                    <a:p>
+                      <a:pPr algn="ctr">
+                        <a:buNone/>
+                        <a:tabLst>
+                          <a:tab algn="l" pos="408240"/>
+                        </a:tabLst>
+                      </a:pPr>
+                      <a:r>
+                        <a:rPr b="0" lang="pt-BR" sz="1600" spc="-1" strike="noStrike">
+                          <a:latin typeface="Roboto"/>
+                        </a:rPr>
+                        <a:t>Carls</a:t>
+                      </a:r>
+                      <a:endParaRPr b="0" lang="pt-BR" sz="1600" spc="-1" strike="noStrike">
+                        <a:latin typeface="Roboto"/>
+                      </a:endParaRPr>
+                    </a:p>
+                  </a:txBody>
                   <a:tcPr anchor="t" marL="90000" marR="90000">
                     <a:lnL w="720">
                       <a:solidFill>
@@ -5613,11 +6516,33 @@
                       </a:solidFill>
                     </a:lnB>
                     <a:solidFill>
-                      <a:srgbClr val="cccccc"/>
+                      <a:srgbClr val="ffffff"/>
                     </a:solidFill>
                   </a:tcPr>
                 </a:tc>
                 <a:tc>
+                  <a:txBody>
+                    <a:bodyPr lIns="90000" rIns="90000" tIns="46800" bIns="46800" anchor="t">
+                      <a:noAutofit/>
+                    </a:bodyPr>
+                    <a:p>
+                      <a:pPr algn="ctr">
+                        <a:buNone/>
+                        <a:tabLst>
+                          <a:tab algn="l" pos="408240"/>
+                        </a:tabLst>
+                      </a:pPr>
+                      <a:r>
+                        <a:rPr b="0" lang="pt-BR" sz="1600" spc="-1" strike="noStrike">
+                          <a:latin typeface="Roboto"/>
+                        </a:rPr>
+                        <a:t>432</a:t>
+                      </a:r>
+                      <a:endParaRPr b="0" lang="pt-BR" sz="1600" spc="-1" strike="noStrike">
+                        <a:latin typeface="Roboto"/>
+                      </a:endParaRPr>
+                    </a:p>
+                  </a:txBody>
                   <a:tcPr anchor="t" marL="90000" marR="90000">
                     <a:lnL w="720">
                       <a:solidFill>
@@ -5640,34 +6565,7 @@
                       </a:solidFill>
                     </a:lnB>
                     <a:solidFill>
-                      <a:srgbClr val="cccccc"/>
-                    </a:solidFill>
-                  </a:tcPr>
-                </a:tc>
-                <a:tc>
-                  <a:tcPr anchor="t" marL="90000" marR="90000">
-                    <a:lnL w="720">
-                      <a:solidFill>
-                        <a:srgbClr val="ffffff"/>
-                      </a:solidFill>
-                    </a:lnL>
-                    <a:lnR w="720">
-                      <a:solidFill>
-                        <a:srgbClr val="ffffff"/>
-                      </a:solidFill>
-                    </a:lnR>
-                    <a:lnT w="720">
-                      <a:solidFill>
-                        <a:srgbClr val="ffffff"/>
-                      </a:solidFill>
-                    </a:lnT>
-                    <a:lnB w="720">
-                      <a:solidFill>
-                        <a:srgbClr val="ffffff"/>
-                      </a:solidFill>
-                    </a:lnB>
-                    <a:solidFill>
-                      <a:srgbClr val="cccccc"/>
+                      <a:srgbClr val="ffffff"/>
                     </a:solidFill>
                   </a:tcPr>
                 </a:tc>
@@ -5678,27 +6576,54 @@
       </p:graphicFrame>
       <p:graphicFrame>
         <p:nvGraphicFramePr>
-          <p:cNvPr id="114" name=""/>
+          <p:cNvPr id="117" name=""/>
           <p:cNvGraphicFramePr/>
           <p:nvPr/>
         </p:nvGraphicFramePr>
         <p:xfrm>
-          <a:off x="7989840" y="3012120"/>
-          <a:ext cx="3105360" cy="1399320"/>
+          <a:off x="8181720" y="3009960"/>
+          <a:ext cx="2897640" cy="1075320"/>
         </p:xfrm>
         <a:graphic>
           <a:graphicData uri="http://schemas.openxmlformats.org/drawingml/2006/table">
             <a:tbl>
               <a:tblPr/>
               <a:tblGrid>
-                <a:gridCol w="776160"/>
-                <a:gridCol w="776160"/>
-                <a:gridCol w="776160"/>
-                <a:gridCol w="777240"/>
+                <a:gridCol w="577440"/>
+                <a:gridCol w="1078200"/>
+                <a:gridCol w="1242360"/>
               </a:tblGrid>
-              <a:tr h="349920">
+              <a:tr h="375840">
                 <a:tc>
-                  <a:tcPr anchor="t" marL="90000" marR="90000">
+                  <a:txBody>
+                    <a:bodyPr lIns="90000" rIns="90000" tIns="46800" bIns="46800" anchor="ctr">
+                      <a:noAutofit/>
+                    </a:bodyPr>
+                    <a:p>
+                      <a:pPr algn="ctr">
+                        <a:buNone/>
+                        <a:tabLst>
+                          <a:tab algn="l" pos="408240"/>
+                        </a:tabLst>
+                      </a:pPr>
+                      <a:r>
+                        <a:rPr b="0" lang="pt-BR" sz="1600" spc="-1" strike="noStrike">
+                          <a:solidFill>
+                            <a:srgbClr val="ffffff"/>
+                          </a:solidFill>
+                          <a:latin typeface="Roboto"/>
+                        </a:rPr>
+                        <a:t>ID</a:t>
+                      </a:r>
+                      <a:endParaRPr b="0" lang="pt-BR" sz="1600" spc="-1" strike="noStrike">
+                        <a:solidFill>
+                          <a:srgbClr val="ffffff"/>
+                        </a:solidFill>
+                        <a:latin typeface="Roboto"/>
+                      </a:endParaRPr>
+                    </a:p>
+                  </a:txBody>
+                  <a:tcPr anchor="ctr" marL="90000" marR="90000">
                     <a:lnL w="720">
                       <a:solidFill>
                         <a:srgbClr val="ffffff"/>
@@ -5720,12 +6645,40 @@
                       </a:solidFill>
                     </a:lnB>
                     <a:solidFill>
-                      <a:srgbClr val="333333"/>
+                      <a:srgbClr val="000000"/>
                     </a:solidFill>
                   </a:tcPr>
                 </a:tc>
                 <a:tc>
-                  <a:tcPr anchor="t" marL="90000" marR="90000">
+                  <a:txBody>
+                    <a:bodyPr lIns="90000" rIns="90000" tIns="46800" bIns="46800" anchor="ctr">
+                      <a:noAutofit/>
+                    </a:bodyPr>
+                    <a:p>
+                      <a:pPr algn="ctr">
+                        <a:buNone/>
+                        <a:tabLst>
+                          <a:tab algn="l" pos="408240"/>
+                        </a:tabLst>
+                      </a:pPr>
+                      <a:r>
+                        <a:rPr b="0" lang="pt-BR" sz="1600" spc="-1" strike="noStrike">
+                          <a:solidFill>
+                            <a:srgbClr val="ffffff"/>
+                          </a:solidFill>
+                          <a:latin typeface="Roboto"/>
+                        </a:rPr>
+                        <a:t>Name</a:t>
+                      </a:r>
+                      <a:endParaRPr b="0" lang="pt-BR" sz="1600" spc="-1" strike="noStrike">
+                        <a:solidFill>
+                          <a:srgbClr val="ffffff"/>
+                        </a:solidFill>
+                        <a:latin typeface="Roboto"/>
+                      </a:endParaRPr>
+                    </a:p>
+                  </a:txBody>
+                  <a:tcPr anchor="ctr" marL="90000" marR="90000">
                     <a:lnL w="720">
                       <a:solidFill>
                         <a:srgbClr val="ffffff"/>
@@ -5747,12 +6700,40 @@
                       </a:solidFill>
                     </a:lnB>
                     <a:solidFill>
-                      <a:srgbClr val="333333"/>
+                      <a:srgbClr val="000000"/>
                     </a:solidFill>
                   </a:tcPr>
                 </a:tc>
                 <a:tc>
-                  <a:tcPr anchor="t" marL="90000" marR="90000">
+                  <a:txBody>
+                    <a:bodyPr lIns="90000" rIns="90000" tIns="46800" bIns="46800" anchor="ctr">
+                      <a:noAutofit/>
+                    </a:bodyPr>
+                    <a:p>
+                      <a:pPr algn="ctr">
+                        <a:buNone/>
+                        <a:tabLst>
+                          <a:tab algn="l" pos="408240"/>
+                        </a:tabLst>
+                      </a:pPr>
+                      <a:r>
+                        <a:rPr b="0" lang="pt-BR" sz="1600" spc="-1" strike="noStrike">
+                          <a:solidFill>
+                            <a:srgbClr val="ffffff"/>
+                          </a:solidFill>
+                          <a:latin typeface="Roboto"/>
+                        </a:rPr>
+                        <a:t>Value</a:t>
+                      </a:r>
+                      <a:endParaRPr b="0" lang="pt-BR" sz="1600" spc="-1" strike="noStrike">
+                        <a:solidFill>
+                          <a:srgbClr val="ffffff"/>
+                        </a:solidFill>
+                        <a:latin typeface="Roboto"/>
+                      </a:endParaRPr>
+                    </a:p>
+                  </a:txBody>
+                  <a:tcPr anchor="ctr" marL="90000" marR="90000">
                     <a:lnL w="720">
                       <a:solidFill>
                         <a:srgbClr val="ffffff"/>
@@ -5774,150 +6755,35 @@
                       </a:solidFill>
                     </a:lnB>
                     <a:solidFill>
-                      <a:srgbClr val="333333"/>
-                    </a:solidFill>
-                  </a:tcPr>
-                </a:tc>
-                <a:tc>
-                  <a:tcPr anchor="t" marL="90000" marR="90000">
-                    <a:lnL w="720">
-                      <a:solidFill>
-                        <a:srgbClr val="ffffff"/>
-                      </a:solidFill>
-                    </a:lnL>
-                    <a:lnR w="720">
-                      <a:solidFill>
-                        <a:srgbClr val="ffffff"/>
-                      </a:solidFill>
-                    </a:lnR>
-                    <a:lnT w="720">
-                      <a:solidFill>
-                        <a:srgbClr val="ffffff"/>
-                      </a:solidFill>
-                    </a:lnT>
-                    <a:lnB w="720">
-                      <a:solidFill>
-                        <a:srgbClr val="ffffff"/>
-                      </a:solidFill>
-                    </a:lnB>
-                    <a:solidFill>
-                      <a:srgbClr val="333333"/>
+                      <a:srgbClr val="000000"/>
                     </a:solidFill>
                   </a:tcPr>
                 </a:tc>
               </a:tr>
-              <a:tr h="349920">
+              <a:tr h="339840">
                 <a:tc>
-                  <a:tcPr anchor="t" marL="90000" marR="90000">
-                    <a:lnL w="720">
-                      <a:solidFill>
-                        <a:srgbClr val="ffffff"/>
-                      </a:solidFill>
-                    </a:lnL>
-                    <a:lnR w="720">
-                      <a:solidFill>
-                        <a:srgbClr val="ffffff"/>
-                      </a:solidFill>
-                    </a:lnR>
-                    <a:lnT w="720">
-                      <a:solidFill>
-                        <a:srgbClr val="ffffff"/>
-                      </a:solidFill>
-                    </a:lnT>
-                    <a:lnB w="720">
-                      <a:solidFill>
-                        <a:srgbClr val="ffffff"/>
-                      </a:solidFill>
-                    </a:lnB>
-                    <a:solidFill>
-                      <a:srgbClr val="cccccc"/>
-                    </a:solidFill>
-                  </a:tcPr>
-                </a:tc>
-                <a:tc>
-                  <a:tcPr anchor="t" marL="90000" marR="90000">
-                    <a:lnL w="720">
-                      <a:solidFill>
-                        <a:srgbClr val="ffffff"/>
-                      </a:solidFill>
-                    </a:lnL>
-                    <a:lnR w="720">
-                      <a:solidFill>
-                        <a:srgbClr val="ffffff"/>
-                      </a:solidFill>
-                    </a:lnR>
-                    <a:lnT w="720">
-                      <a:solidFill>
-                        <a:srgbClr val="ffffff"/>
-                      </a:solidFill>
-                    </a:lnT>
-                    <a:lnB w="720">
-                      <a:solidFill>
-                        <a:srgbClr val="ffffff"/>
-                      </a:solidFill>
-                    </a:lnB>
-                    <a:solidFill>
-                      <a:srgbClr val="cccccc"/>
-                    </a:solidFill>
-                  </a:tcPr>
-                </a:tc>
-                <a:tc>
-                  <a:tcPr anchor="t" marL="90000" marR="90000">
-                    <a:lnL w="720">
-                      <a:solidFill>
-                        <a:srgbClr val="ffffff"/>
-                      </a:solidFill>
-                    </a:lnL>
-                    <a:lnR w="720">
-                      <a:solidFill>
-                        <a:srgbClr val="ffffff"/>
-                      </a:solidFill>
-                    </a:lnR>
-                    <a:lnT w="720">
-                      <a:solidFill>
-                        <a:srgbClr val="ffffff"/>
-                      </a:solidFill>
-                    </a:lnT>
-                    <a:lnB w="720">
-                      <a:solidFill>
-                        <a:srgbClr val="ffffff"/>
-                      </a:solidFill>
-                    </a:lnB>
-                    <a:solidFill>
-                      <a:srgbClr val="cccccc"/>
-                    </a:solidFill>
-                  </a:tcPr>
-                </a:tc>
-                <a:tc>
-                  <a:tcPr anchor="t" marL="90000" marR="90000">
-                    <a:lnL w="720">
-                      <a:solidFill>
-                        <a:srgbClr val="ffffff"/>
-                      </a:solidFill>
-                    </a:lnL>
-                    <a:lnR w="720">
-                      <a:solidFill>
-                        <a:srgbClr val="ffffff"/>
-                      </a:solidFill>
-                    </a:lnR>
-                    <a:lnT w="720">
-                      <a:solidFill>
-                        <a:srgbClr val="ffffff"/>
-                      </a:solidFill>
-                    </a:lnT>
-                    <a:lnB w="720">
-                      <a:solidFill>
-                        <a:srgbClr val="ffffff"/>
-                      </a:solidFill>
-                    </a:lnB>
-                    <a:solidFill>
-                      <a:srgbClr val="cccccc"/>
-                    </a:solidFill>
-                  </a:tcPr>
-                </a:tc>
-              </a:tr>
-              <a:tr h="349920">
-                <a:tc>
+                  <a:txBody>
+                    <a:bodyPr lIns="90000" rIns="90000" tIns="46800" bIns="46800" anchor="t">
+                      <a:noAutofit/>
+                    </a:bodyPr>
+                    <a:p>
+                      <a:pPr algn="ctr">
+                        <a:buNone/>
+                        <a:tabLst>
+                          <a:tab algn="l" pos="408240"/>
+                        </a:tabLst>
+                      </a:pPr>
+                      <a:r>
+                        <a:rPr b="0" lang="pt-BR" sz="1600" spc="-1" strike="noStrike">
+                          <a:latin typeface="Roboto"/>
+                        </a:rPr>
+                        <a:t>3</a:t>
+                      </a:r>
+                      <a:endParaRPr b="0" lang="pt-BR" sz="1600" spc="-1" strike="noStrike">
+                        <a:latin typeface="Roboto"/>
+                      </a:endParaRPr>
+                    </a:p>
+                  </a:txBody>
                   <a:tcPr anchor="t" marL="90000" marR="90000">
                     <a:lnL w="720">
                       <a:solidFill>
@@ -5945,6 +6811,28 @@
                   </a:tcPr>
                 </a:tc>
                 <a:tc>
+                  <a:txBody>
+                    <a:bodyPr lIns="90000" rIns="90000" tIns="46800" bIns="46800" anchor="t">
+                      <a:noAutofit/>
+                    </a:bodyPr>
+                    <a:p>
+                      <a:pPr algn="ctr">
+                        <a:buNone/>
+                        <a:tabLst>
+                          <a:tab algn="l" pos="408240"/>
+                        </a:tabLst>
+                      </a:pPr>
+                      <a:r>
+                        <a:rPr b="0" lang="pt-BR" sz="1600" spc="-1" strike="noStrike">
+                          <a:latin typeface="Roboto"/>
+                        </a:rPr>
+                        <a:t>Stoll</a:t>
+                      </a:r>
+                      <a:endParaRPr b="0" lang="pt-BR" sz="1600" spc="-1" strike="noStrike">
+                        <a:latin typeface="Roboto"/>
+                      </a:endParaRPr>
+                    </a:p>
+                  </a:txBody>
                   <a:tcPr anchor="t" marL="90000" marR="90000">
                     <a:lnL w="720">
                       <a:solidFill>
@@ -5972,33 +6860,40 @@
                   </a:tcPr>
                 </a:tc>
                 <a:tc>
-                  <a:tcPr anchor="t" marL="90000" marR="90000">
-                    <a:lnL w="720">
-                      <a:solidFill>
-                        <a:srgbClr val="ffffff"/>
-                      </a:solidFill>
-                    </a:lnL>
-                    <a:lnR w="720">
-                      <a:solidFill>
-                        <a:srgbClr val="ffffff"/>
-                      </a:solidFill>
-                    </a:lnR>
-                    <a:lnT w="720">
-                      <a:solidFill>
-                        <a:srgbClr val="ffffff"/>
-                      </a:solidFill>
-                    </a:lnT>
-                    <a:lnB w="720">
-                      <a:solidFill>
-                        <a:srgbClr val="ffffff"/>
-                      </a:solidFill>
-                    </a:lnB>
-                    <a:solidFill>
-                      <a:srgbClr val="e6e6e6"/>
-                    </a:solidFill>
-                  </a:tcPr>
-                </a:tc>
-                <a:tc>
+                  <a:txBody>
+                    <a:bodyPr lIns="90000" rIns="90000" tIns="46800" bIns="46800" anchor="t">
+                      <a:noAutofit/>
+                    </a:bodyPr>
+                    <a:p>
+                      <a:pPr algn="ctr">
+                        <a:buNone/>
+                        <a:tabLst>
+                          <a:tab algn="l" pos="408240"/>
+                        </a:tabLst>
+                      </a:pPr>
+                      <a:r>
+                        <a:rPr b="0" lang="pt-BR" sz="1600" spc="-1" strike="noStrike">
+                          <a:latin typeface="Roboto"/>
+                        </a:rPr>
+                        <a:t>4</a:t>
+                      </a:r>
+                      <a:r>
+                        <a:rPr b="0" lang="pt-BR" sz="1600" spc="-1" strike="noStrike">
+                          <a:latin typeface="Roboto"/>
+                        </a:rPr>
+                        <a:t>4</a:t>
+                      </a:r>
+                      <a:r>
+                        <a:rPr b="0" lang="pt-BR" sz="1600" spc="-1" strike="noStrike">
+                          <a:latin typeface="Roboto"/>
+                        </a:rPr>
+                        <a:t>4</a:t>
+                      </a:r>
+                      <a:endParaRPr b="0" lang="pt-BR" sz="1600" spc="-1" strike="noStrike">
+                        <a:latin typeface="Roboto"/>
+                      </a:endParaRPr>
+                    </a:p>
+                  </a:txBody>
                   <a:tcPr anchor="t" marL="90000" marR="90000">
                     <a:lnL w="720">
                       <a:solidFill>
@@ -6026,8 +6921,30 @@
                   </a:tcPr>
                 </a:tc>
               </a:tr>
-              <a:tr h="349920">
+              <a:tr h="360000">
                 <a:tc>
+                  <a:txBody>
+                    <a:bodyPr lIns="90000" rIns="90000" tIns="46800" bIns="46800" anchor="t">
+                      <a:noAutofit/>
+                    </a:bodyPr>
+                    <a:p>
+                      <a:pPr algn="ctr">
+                        <a:buNone/>
+                        <a:tabLst>
+                          <a:tab algn="l" pos="408240"/>
+                        </a:tabLst>
+                      </a:pPr>
+                      <a:r>
+                        <a:rPr b="0" lang="pt-BR" sz="1600" spc="-1" strike="noStrike">
+                          <a:latin typeface="Roboto"/>
+                        </a:rPr>
+                        <a:t>4</a:t>
+                      </a:r>
+                      <a:endParaRPr b="0" lang="pt-BR" sz="1600" spc="-1" strike="noStrike">
+                        <a:latin typeface="Roboto"/>
+                      </a:endParaRPr>
+                    </a:p>
+                  </a:txBody>
                   <a:tcPr anchor="t" marL="90000" marR="90000">
                     <a:lnL w="720">
                       <a:solidFill>
@@ -6050,11 +6967,57 @@
                       </a:solidFill>
                     </a:lnB>
                     <a:solidFill>
-                      <a:srgbClr val="cccccc"/>
+                      <a:srgbClr val="ffffff"/>
                     </a:solidFill>
                   </a:tcPr>
                 </a:tc>
                 <a:tc>
+                  <a:txBody>
+                    <a:bodyPr lIns="90000" rIns="90000" tIns="46800" bIns="46800" anchor="t">
+                      <a:noAutofit/>
+                    </a:bodyPr>
+                    <a:p>
+                      <a:pPr algn="ctr">
+                        <a:buNone/>
+                        <a:tabLst>
+                          <a:tab algn="l" pos="408240"/>
+                        </a:tabLst>
+                      </a:pPr>
+                      <a:r>
+                        <a:rPr b="0" lang="pt-BR" sz="1600" spc="-1" strike="noStrike">
+                          <a:latin typeface="Roboto"/>
+                        </a:rPr>
+                        <a:t>P</a:t>
+                      </a:r>
+                      <a:r>
+                        <a:rPr b="0" lang="pt-BR" sz="1600" spc="-1" strike="noStrike">
+                          <a:latin typeface="Roboto"/>
+                        </a:rPr>
+                        <a:t>e</a:t>
+                      </a:r>
+                      <a:r>
+                        <a:rPr b="0" lang="pt-BR" sz="1600" spc="-1" strike="noStrike">
+                          <a:latin typeface="Roboto"/>
+                        </a:rPr>
+                        <a:t>r</a:t>
+                      </a:r>
+                      <a:r>
+                        <a:rPr b="0" lang="pt-BR" sz="1600" spc="-1" strike="noStrike">
+                          <a:latin typeface="Roboto"/>
+                        </a:rPr>
+                        <a:t>c</a:t>
+                      </a:r>
+                      <a:r>
+                        <a:rPr b="0" lang="pt-BR" sz="1600" spc="-1" strike="noStrike">
+                          <a:latin typeface="Roboto"/>
+                        </a:rPr>
+                        <a:t>y</a:t>
+                      </a:r>
+                      <a:endParaRPr b="0" lang="pt-BR" sz="1600" spc="-1" strike="noStrike">
+                        <a:latin typeface="Roboto"/>
+                      </a:endParaRPr>
+                    </a:p>
+                  </a:txBody>
                   <a:tcPr anchor="t" marL="90000" marR="90000">
                     <a:lnL w="720">
                       <a:solidFill>
@@ -6077,11 +7040,45 @@
                       </a:solidFill>
                     </a:lnB>
                     <a:solidFill>
-                      <a:srgbClr val="cccccc"/>
+                      <a:srgbClr val="ffffff"/>
                     </a:solidFill>
                   </a:tcPr>
                 </a:tc>
                 <a:tc>
+                  <a:txBody>
+                    <a:bodyPr lIns="90000" rIns="90000" tIns="46800" bIns="46800" anchor="t">
+                      <a:noAutofit/>
+                    </a:bodyPr>
+                    <a:p>
+                      <a:pPr algn="ctr">
+                        <a:buNone/>
+                        <a:tabLst>
+                          <a:tab algn="l" pos="408240"/>
+                        </a:tabLst>
+                      </a:pPr>
+                      <a:r>
+                        <a:rPr b="0" lang="pt-BR" sz="1600" spc="-1" strike="noStrike">
+                          <a:latin typeface="Roboto"/>
+                        </a:rPr>
+                        <a:t>9</a:t>
+                      </a:r>
+                      <a:r>
+                        <a:rPr b="0" lang="pt-BR" sz="1600" spc="-1" strike="noStrike">
+                          <a:latin typeface="Roboto"/>
+                        </a:rPr>
+                        <a:t>6</a:t>
+                      </a:r>
+                      <a:r>
+                        <a:rPr b="0" lang="pt-BR" sz="1600" spc="-1" strike="noStrike">
+                          <a:latin typeface="Roboto"/>
+                        </a:rPr>
+                        <a:t>3</a:t>
+                      </a:r>
+                      <a:endParaRPr b="0" lang="pt-BR" sz="1600" spc="-1" strike="noStrike">
+                        <a:latin typeface="Roboto"/>
+                      </a:endParaRPr>
+                    </a:p>
+                  </a:txBody>
                   <a:tcPr anchor="t" marL="90000" marR="90000">
                     <a:lnL w="720">
                       <a:solidFill>
@@ -6104,34 +7101,7 @@
                       </a:solidFill>
                     </a:lnB>
                     <a:solidFill>
-                      <a:srgbClr val="cccccc"/>
-                    </a:solidFill>
-                  </a:tcPr>
-                </a:tc>
-                <a:tc>
-                  <a:tcPr anchor="t" marL="90000" marR="90000">
-                    <a:lnL w="720">
-                      <a:solidFill>
-                        <a:srgbClr val="ffffff"/>
-                      </a:solidFill>
-                    </a:lnL>
-                    <a:lnR w="720">
-                      <a:solidFill>
-                        <a:srgbClr val="ffffff"/>
-                      </a:solidFill>
-                    </a:lnR>
-                    <a:lnT w="720">
-                      <a:solidFill>
-                        <a:srgbClr val="ffffff"/>
-                      </a:solidFill>
-                    </a:lnT>
-                    <a:lnB w="720">
-                      <a:solidFill>
-                        <a:srgbClr val="ffffff"/>
-                      </a:solidFill>
-                    </a:lnB>
-                    <a:solidFill>
-                      <a:srgbClr val="cccccc"/>
+                      <a:srgbClr val="ffffff"/>
                     </a:solidFill>
                   </a:tcPr>
                 </a:tc>
@@ -6142,27 +7112,63 @@
       </p:graphicFrame>
       <p:graphicFrame>
         <p:nvGraphicFramePr>
-          <p:cNvPr id="115" name=""/>
+          <p:cNvPr id="118" name=""/>
           <p:cNvGraphicFramePr/>
           <p:nvPr/>
         </p:nvGraphicFramePr>
         <p:xfrm>
-          <a:off x="7980840" y="4985280"/>
-          <a:ext cx="3105360" cy="1399320"/>
+          <a:off x="8212320" y="5031360"/>
+          <a:ext cx="2897640" cy="1075320"/>
         </p:xfrm>
         <a:graphic>
           <a:graphicData uri="http://schemas.openxmlformats.org/drawingml/2006/table">
             <a:tbl>
               <a:tblPr/>
               <a:tblGrid>
-                <a:gridCol w="776160"/>
-                <a:gridCol w="776160"/>
-                <a:gridCol w="776160"/>
-                <a:gridCol w="777240"/>
+                <a:gridCol w="577440"/>
+                <a:gridCol w="1078200"/>
+                <a:gridCol w="1242360"/>
               </a:tblGrid>
-              <a:tr h="349920">
+              <a:tr h="375840">
                 <a:tc>
-                  <a:tcPr anchor="t" marL="90000" marR="90000">
+                  <a:txBody>
+                    <a:bodyPr lIns="90000" rIns="90000" tIns="46800" bIns="46800" anchor="ctr">
+                      <a:noAutofit/>
+                    </a:bodyPr>
+                    <a:p>
+                      <a:pPr algn="ctr">
+                        <a:buNone/>
+                        <a:tabLst>
+                          <a:tab algn="l" pos="408240"/>
+                        </a:tabLst>
+                      </a:pPr>
+                      <a:r>
+                        <a:rPr b="0" lang="pt-BR" sz="1600" spc="-1" strike="noStrike">
+                          <a:solidFill>
+                            <a:srgbClr val="ffffff"/>
+                          </a:solidFill>
+                          <a:latin typeface="Roboto"/>
+                        </a:rPr>
+                        <a:t>I</a:t>
+                      </a:r>
+                      <a:r>
+                        <a:rPr b="0" lang="pt-BR" sz="1600" spc="-1" strike="noStrike">
+                          <a:solidFill>
+                            <a:srgbClr val="ffffff"/>
+                          </a:solidFill>
+                          <a:latin typeface="Roboto"/>
+                        </a:rPr>
+                        <a:t>D</a:t>
+                      </a:r>
+                      <a:endParaRPr b="0" lang="pt-BR" sz="1600" spc="-1" strike="noStrike">
+                        <a:solidFill>
+                          <a:srgbClr val="ffffff"/>
+                        </a:solidFill>
+                        <a:latin typeface="Roboto"/>
+                      </a:endParaRPr>
+                    </a:p>
+                  </a:txBody>
+                  <a:tcPr anchor="ctr" marL="90000" marR="90000">
                     <a:lnL w="720">
                       <a:solidFill>
                         <a:srgbClr val="ffffff"/>
@@ -6184,12 +7190,67 @@
                       </a:solidFill>
                     </a:lnB>
                     <a:solidFill>
-                      <a:srgbClr val="333333"/>
+                      <a:srgbClr val="000000"/>
                     </a:solidFill>
                   </a:tcPr>
                 </a:tc>
                 <a:tc>
-                  <a:tcPr anchor="t" marL="90000" marR="90000">
+                  <a:txBody>
+                    <a:bodyPr lIns="90000" rIns="90000" tIns="46800" bIns="46800" anchor="ctr">
+                      <a:noAutofit/>
+                    </a:bodyPr>
+                    <a:p>
+                      <a:pPr algn="ctr">
+                        <a:buNone/>
+                        <a:tabLst>
+                          <a:tab algn="l" pos="408240"/>
+                        </a:tabLst>
+                      </a:pPr>
+                      <a:r>
+                        <a:rPr b="0" lang="pt-BR" sz="1600" spc="-1" strike="noStrike">
+                          <a:solidFill>
+                            <a:srgbClr val="ffffff"/>
+                          </a:solidFill>
+                          <a:latin typeface="Roboto"/>
+                        </a:rPr>
+                        <a:t>N</a:t>
+                      </a:r>
+                      <a:r>
+                        <a:rPr b="0" lang="pt-BR" sz="1600" spc="-1" strike="noStrike">
+                          <a:solidFill>
+                            <a:srgbClr val="ffffff"/>
+                          </a:solidFill>
+                          <a:latin typeface="Roboto"/>
+                        </a:rPr>
+                        <a:t>a</a:t>
+                      </a:r>
+                      <a:r>
+                        <a:rPr b="0" lang="pt-BR" sz="1600" spc="-1" strike="noStrike">
+                          <a:solidFill>
+                            <a:srgbClr val="ffffff"/>
+                          </a:solidFill>
+                          <a:latin typeface="Roboto"/>
+                        </a:rPr>
+                        <a:t>m</a:t>
+                      </a:r>
+                      <a:r>
+                        <a:rPr b="0" lang="pt-BR" sz="1600" spc="-1" strike="noStrike">
+                          <a:solidFill>
+                            <a:srgbClr val="ffffff"/>
+                          </a:solidFill>
+                          <a:latin typeface="Roboto"/>
+                        </a:rPr>
+                        <a:t>e</a:t>
+                      </a:r>
+                      <a:endParaRPr b="0" lang="pt-BR" sz="1600" spc="-1" strike="noStrike">
+                        <a:solidFill>
+                          <a:srgbClr val="ffffff"/>
+                        </a:solidFill>
+                        <a:latin typeface="Roboto"/>
+                      </a:endParaRPr>
+                    </a:p>
+                  </a:txBody>
+                  <a:tcPr anchor="ctr" marL="90000" marR="90000">
                     <a:lnL w="720">
                       <a:solidFill>
                         <a:srgbClr val="ffffff"/>
@@ -6211,12 +7272,76 @@
                       </a:solidFill>
                     </a:lnB>
                     <a:solidFill>
-                      <a:srgbClr val="333333"/>
+                      <a:srgbClr val="000000"/>
                     </a:solidFill>
                   </a:tcPr>
                 </a:tc>
                 <a:tc>
-                  <a:tcPr anchor="t" marL="90000" marR="90000">
+                  <a:txBody>
+                    <a:bodyPr lIns="90000" rIns="90000" tIns="46800" bIns="46800" anchor="ctr">
+                      <a:noAutofit/>
+                    </a:bodyPr>
+                    <a:p>
+                      <a:pPr algn="ctr">
+                        <a:buNone/>
+                        <a:tabLst>
+                          <a:tab algn="l" pos="408240"/>
+                        </a:tabLst>
+                      </a:pPr>
+                      <a:r>
+                        <a:rPr b="0" lang="pt-BR" sz="1600" spc="-1" strike="noStrike">
+                          <a:solidFill>
+                            <a:srgbClr val="ffffff"/>
+                          </a:solidFill>
+                          <a:latin typeface="Roboto"/>
+                        </a:rPr>
+                        <a:t>V</a:t>
+                      </a:r>
+                      <a:r>
+                        <a:rPr b="0" lang="pt-BR" sz="1600" spc="-1" strike="noStrike">
+                          <a:solidFill>
+                            <a:srgbClr val="ffffff"/>
+                          </a:solidFill>
+                          <a:latin typeface="Roboto"/>
+                        </a:rPr>
+                        <a:t>a</a:t>
+                      </a:r>
+                      <a:r>
+                        <a:rPr b="0" lang="pt-BR" sz="1600" spc="-1" strike="noStrike">
+                          <a:solidFill>
+                            <a:srgbClr val="ffffff"/>
+                          </a:solidFill>
+                          <a:latin typeface="Roboto"/>
+                        </a:rPr>
+                        <a:t>l</a:t>
+                      </a:r>
+                      <a:r>
+                        <a:rPr b="0" lang="pt-BR" sz="1600" spc="-1" strike="noStrike">
+                          <a:solidFill>
+                            <a:srgbClr val="ffffff"/>
+                          </a:solidFill>
+                          <a:latin typeface="Roboto"/>
+                        </a:rPr>
+                        <a:t>u</a:t>
+                      </a:r>
+                      <a:r>
+                        <a:rPr b="0" lang="pt-BR" sz="1600" spc="-1" strike="noStrike">
+                          <a:solidFill>
+                            <a:srgbClr val="ffffff"/>
+                          </a:solidFill>
+                          <a:latin typeface="Roboto"/>
+                        </a:rPr>
+                        <a:t>e</a:t>
+                      </a:r>
+                      <a:endParaRPr b="0" lang="pt-BR" sz="1600" spc="-1" strike="noStrike">
+                        <a:solidFill>
+                          <a:srgbClr val="ffffff"/>
+                        </a:solidFill>
+                        <a:latin typeface="Roboto"/>
+                      </a:endParaRPr>
+                    </a:p>
+                  </a:txBody>
+                  <a:tcPr anchor="ctr" marL="90000" marR="90000">
                     <a:lnL w="720">
                       <a:solidFill>
                         <a:srgbClr val="ffffff"/>
@@ -6238,150 +7363,35 @@
                       </a:solidFill>
                     </a:lnB>
                     <a:solidFill>
-                      <a:srgbClr val="333333"/>
-                    </a:solidFill>
-                  </a:tcPr>
-                </a:tc>
-                <a:tc>
-                  <a:tcPr anchor="t" marL="90000" marR="90000">
-                    <a:lnL w="720">
-                      <a:solidFill>
-                        <a:srgbClr val="ffffff"/>
-                      </a:solidFill>
-                    </a:lnL>
-                    <a:lnR w="720">
-                      <a:solidFill>
-                        <a:srgbClr val="ffffff"/>
-                      </a:solidFill>
-                    </a:lnR>
-                    <a:lnT w="720">
-                      <a:solidFill>
-                        <a:srgbClr val="ffffff"/>
-                      </a:solidFill>
-                    </a:lnT>
-                    <a:lnB w="720">
-                      <a:solidFill>
-                        <a:srgbClr val="ffffff"/>
-                      </a:solidFill>
-                    </a:lnB>
-                    <a:solidFill>
-                      <a:srgbClr val="333333"/>
+                      <a:srgbClr val="000000"/>
                     </a:solidFill>
                   </a:tcPr>
                 </a:tc>
               </a:tr>
-              <a:tr h="349920">
+              <a:tr h="339840">
                 <a:tc>
-                  <a:tcPr anchor="t" marL="90000" marR="90000">
-                    <a:lnL w="720">
-                      <a:solidFill>
-                        <a:srgbClr val="ffffff"/>
-                      </a:solidFill>
-                    </a:lnL>
-                    <a:lnR w="720">
-                      <a:solidFill>
-                        <a:srgbClr val="ffffff"/>
-                      </a:solidFill>
-                    </a:lnR>
-                    <a:lnT w="720">
-                      <a:solidFill>
-                        <a:srgbClr val="ffffff"/>
-                      </a:solidFill>
-                    </a:lnT>
-                    <a:lnB w="720">
-                      <a:solidFill>
-                        <a:srgbClr val="ffffff"/>
-                      </a:solidFill>
-                    </a:lnB>
-                    <a:solidFill>
-                      <a:srgbClr val="cccccc"/>
-                    </a:solidFill>
-                  </a:tcPr>
-                </a:tc>
-                <a:tc>
-                  <a:tcPr anchor="t" marL="90000" marR="90000">
-                    <a:lnL w="720">
-                      <a:solidFill>
-                        <a:srgbClr val="ffffff"/>
-                      </a:solidFill>
-                    </a:lnL>
-                    <a:lnR w="720">
-                      <a:solidFill>
-                        <a:srgbClr val="ffffff"/>
-                      </a:solidFill>
-                    </a:lnR>
-                    <a:lnT w="720">
-                      <a:solidFill>
-                        <a:srgbClr val="ffffff"/>
-                      </a:solidFill>
-                    </a:lnT>
-                    <a:lnB w="720">
-                      <a:solidFill>
-                        <a:srgbClr val="ffffff"/>
-                      </a:solidFill>
-                    </a:lnB>
-                    <a:solidFill>
-                      <a:srgbClr val="cccccc"/>
-                    </a:solidFill>
-                  </a:tcPr>
-                </a:tc>
-                <a:tc>
-                  <a:tcPr anchor="t" marL="90000" marR="90000">
-                    <a:lnL w="720">
-                      <a:solidFill>
-                        <a:srgbClr val="ffffff"/>
-                      </a:solidFill>
-                    </a:lnL>
-                    <a:lnR w="720">
-                      <a:solidFill>
-                        <a:srgbClr val="ffffff"/>
-                      </a:solidFill>
-                    </a:lnR>
-                    <a:lnT w="720">
-                      <a:solidFill>
-                        <a:srgbClr val="ffffff"/>
-                      </a:solidFill>
-                    </a:lnT>
-                    <a:lnB w="720">
-                      <a:solidFill>
-                        <a:srgbClr val="ffffff"/>
-                      </a:solidFill>
-                    </a:lnB>
-                    <a:solidFill>
-                      <a:srgbClr val="cccccc"/>
-                    </a:solidFill>
-                  </a:tcPr>
-                </a:tc>
-                <a:tc>
-                  <a:tcPr anchor="t" marL="90000" marR="90000">
-                    <a:lnL w="720">
-                      <a:solidFill>
-                        <a:srgbClr val="ffffff"/>
-                      </a:solidFill>
-                    </a:lnL>
-                    <a:lnR w="720">
-                      <a:solidFill>
-                        <a:srgbClr val="ffffff"/>
-                      </a:solidFill>
-                    </a:lnR>
-                    <a:lnT w="720">
-                      <a:solidFill>
-                        <a:srgbClr val="ffffff"/>
-                      </a:solidFill>
-                    </a:lnT>
-                    <a:lnB w="720">
-                      <a:solidFill>
-                        <a:srgbClr val="ffffff"/>
-                      </a:solidFill>
-                    </a:lnB>
-                    <a:solidFill>
-                      <a:srgbClr val="cccccc"/>
-                    </a:solidFill>
-                  </a:tcPr>
-                </a:tc>
-              </a:tr>
-              <a:tr h="349920">
-                <a:tc>
+                  <a:txBody>
+                    <a:bodyPr lIns="90000" rIns="90000" tIns="46800" bIns="46800" anchor="t">
+                      <a:noAutofit/>
+                    </a:bodyPr>
+                    <a:p>
+                      <a:pPr algn="ctr">
+                        <a:buNone/>
+                        <a:tabLst>
+                          <a:tab algn="l" pos="408240"/>
+                        </a:tabLst>
+                      </a:pPr>
+                      <a:r>
+                        <a:rPr b="0" lang="pt-BR" sz="1600" spc="-1" strike="noStrike">
+                          <a:latin typeface="Roboto"/>
+                        </a:rPr>
+                        <a:t>5</a:t>
+                      </a:r>
+                      <a:endParaRPr b="0" lang="pt-BR" sz="1600" spc="-1" strike="noStrike">
+                        <a:latin typeface="Roboto"/>
+                      </a:endParaRPr>
+                    </a:p>
+                  </a:txBody>
                   <a:tcPr anchor="t" marL="90000" marR="90000">
                     <a:lnL w="720">
                       <a:solidFill>
@@ -6409,6 +7419,28 @@
                   </a:tcPr>
                 </a:tc>
                 <a:tc>
+                  <a:txBody>
+                    <a:bodyPr lIns="90000" rIns="90000" tIns="46800" bIns="46800" anchor="t">
+                      <a:noAutofit/>
+                    </a:bodyPr>
+                    <a:p>
+                      <a:pPr algn="ctr">
+                        <a:buNone/>
+                        <a:tabLst>
+                          <a:tab algn="l" pos="408240"/>
+                        </a:tabLst>
+                      </a:pPr>
+                      <a:r>
+                        <a:rPr b="0" lang="pt-BR" sz="1600" spc="-1" strike="noStrike">
+                          <a:latin typeface="Roboto"/>
+                        </a:rPr>
+                        <a:t>Martha</a:t>
+                      </a:r>
+                      <a:endParaRPr b="0" lang="pt-BR" sz="1600" spc="-1" strike="noStrike">
+                        <a:latin typeface="Roboto"/>
+                      </a:endParaRPr>
+                    </a:p>
+                  </a:txBody>
                   <a:tcPr anchor="t" marL="90000" marR="90000">
                     <a:lnL w="720">
                       <a:solidFill>
@@ -6436,33 +7468,28 @@
                   </a:tcPr>
                 </a:tc>
                 <a:tc>
-                  <a:tcPr anchor="t" marL="90000" marR="90000">
-                    <a:lnL w="720">
-                      <a:solidFill>
-                        <a:srgbClr val="ffffff"/>
-                      </a:solidFill>
-                    </a:lnL>
-                    <a:lnR w="720">
-                      <a:solidFill>
-                        <a:srgbClr val="ffffff"/>
-                      </a:solidFill>
-                    </a:lnR>
-                    <a:lnT w="720">
-                      <a:solidFill>
-                        <a:srgbClr val="ffffff"/>
-                      </a:solidFill>
-                    </a:lnT>
-                    <a:lnB w="720">
-                      <a:solidFill>
-                        <a:srgbClr val="ffffff"/>
-                      </a:solidFill>
-                    </a:lnB>
-                    <a:solidFill>
-                      <a:srgbClr val="e6e6e6"/>
-                    </a:solidFill>
-                  </a:tcPr>
-                </a:tc>
-                <a:tc>
+                  <a:txBody>
+                    <a:bodyPr lIns="90000" rIns="90000" tIns="46800" bIns="46800" anchor="t">
+                      <a:noAutofit/>
+                    </a:bodyPr>
+                    <a:p>
+                      <a:pPr algn="ctr">
+                        <a:buNone/>
+                        <a:tabLst>
+                          <a:tab algn="l" pos="408240"/>
+                        </a:tabLst>
+                      </a:pPr>
+                      <a:r>
+                        <a:rPr b="0" lang="pt-BR" sz="1600" spc="-1" strike="noStrike">
+                          <a:latin typeface="Roboto"/>
+                        </a:rPr>
+                        <a:t>123</a:t>
+                      </a:r>
+                      <a:endParaRPr b="0" lang="pt-BR" sz="1600" spc="-1" strike="noStrike">
+                        <a:latin typeface="Roboto"/>
+                      </a:endParaRPr>
+                    </a:p>
+                  </a:txBody>
                   <a:tcPr anchor="t" marL="90000" marR="90000">
                     <a:lnL w="720">
                       <a:solidFill>
@@ -6490,8 +7517,30 @@
                   </a:tcPr>
                 </a:tc>
               </a:tr>
-              <a:tr h="349920">
+              <a:tr h="360000">
                 <a:tc>
+                  <a:txBody>
+                    <a:bodyPr lIns="90000" rIns="90000" tIns="46800" bIns="46800" anchor="t">
+                      <a:noAutofit/>
+                    </a:bodyPr>
+                    <a:p>
+                      <a:pPr algn="ctr">
+                        <a:buNone/>
+                        <a:tabLst>
+                          <a:tab algn="l" pos="408240"/>
+                        </a:tabLst>
+                      </a:pPr>
+                      <a:r>
+                        <a:rPr b="0" lang="pt-BR" sz="1600" spc="-1" strike="noStrike">
+                          <a:latin typeface="Roboto"/>
+                        </a:rPr>
+                        <a:t>6</a:t>
+                      </a:r>
+                      <a:endParaRPr b="0" lang="pt-BR" sz="1600" spc="-1" strike="noStrike">
+                        <a:latin typeface="Roboto"/>
+                      </a:endParaRPr>
+                    </a:p>
+                  </a:txBody>
                   <a:tcPr anchor="t" marL="90000" marR="90000">
                     <a:lnL w="720">
                       <a:solidFill>
@@ -6514,11 +7563,33 @@
                       </a:solidFill>
                     </a:lnB>
                     <a:solidFill>
-                      <a:srgbClr val="cccccc"/>
+                      <a:srgbClr val="ffffff"/>
                     </a:solidFill>
                   </a:tcPr>
                 </a:tc>
                 <a:tc>
+                  <a:txBody>
+                    <a:bodyPr lIns="90000" rIns="90000" tIns="46800" bIns="46800" anchor="t">
+                      <a:noAutofit/>
+                    </a:bodyPr>
+                    <a:p>
+                      <a:pPr algn="ctr">
+                        <a:buNone/>
+                        <a:tabLst>
+                          <a:tab algn="l" pos="408240"/>
+                        </a:tabLst>
+                      </a:pPr>
+                      <a:r>
+                        <a:rPr b="0" lang="pt-BR" sz="1600" spc="-1" strike="noStrike">
+                          <a:latin typeface="Roboto"/>
+                        </a:rPr>
+                        <a:t>Sigrid</a:t>
+                      </a:r>
+                      <a:endParaRPr b="0" lang="pt-BR" sz="1600" spc="-1" strike="noStrike">
+                        <a:latin typeface="Roboto"/>
+                      </a:endParaRPr>
+                    </a:p>
+                  </a:txBody>
                   <a:tcPr anchor="t" marL="90000" marR="90000">
                     <a:lnL w="720">
                       <a:solidFill>
@@ -6541,11 +7612,33 @@
                       </a:solidFill>
                     </a:lnB>
                     <a:solidFill>
-                      <a:srgbClr val="cccccc"/>
+                      <a:srgbClr val="ffffff"/>
                     </a:solidFill>
                   </a:tcPr>
                 </a:tc>
                 <a:tc>
+                  <a:txBody>
+                    <a:bodyPr lIns="90000" rIns="90000" tIns="46800" bIns="46800" anchor="t">
+                      <a:noAutofit/>
+                    </a:bodyPr>
+                    <a:p>
+                      <a:pPr algn="ctr">
+                        <a:buNone/>
+                        <a:tabLst>
+                          <a:tab algn="l" pos="408240"/>
+                        </a:tabLst>
+                      </a:pPr>
+                      <a:r>
+                        <a:rPr b="0" lang="pt-BR" sz="1600" spc="-1" strike="noStrike">
+                          <a:latin typeface="Roboto"/>
+                        </a:rPr>
+                        <a:t>621</a:t>
+                      </a:r>
+                      <a:endParaRPr b="0" lang="pt-BR" sz="1600" spc="-1" strike="noStrike">
+                        <a:latin typeface="Roboto"/>
+                      </a:endParaRPr>
+                    </a:p>
+                  </a:txBody>
                   <a:tcPr anchor="t" marL="90000" marR="90000">
                     <a:lnL w="720">
                       <a:solidFill>
@@ -6568,34 +7661,7 @@
                       </a:solidFill>
                     </a:lnB>
                     <a:solidFill>
-                      <a:srgbClr val="cccccc"/>
-                    </a:solidFill>
-                  </a:tcPr>
-                </a:tc>
-                <a:tc>
-                  <a:tcPr anchor="t" marL="90000" marR="90000">
-                    <a:lnL w="720">
-                      <a:solidFill>
-                        <a:srgbClr val="ffffff"/>
-                      </a:solidFill>
-                    </a:lnL>
-                    <a:lnR w="720">
-                      <a:solidFill>
-                        <a:srgbClr val="ffffff"/>
-                      </a:solidFill>
-                    </a:lnR>
-                    <a:lnT w="720">
-                      <a:solidFill>
-                        <a:srgbClr val="ffffff"/>
-                      </a:solidFill>
-                    </a:lnT>
-                    <a:lnB w="720">
-                      <a:solidFill>
-                        <a:srgbClr val="ffffff"/>
-                      </a:solidFill>
-                    </a:lnB>
-                    <a:solidFill>
-                      <a:srgbClr val="cccccc"/>
+                      <a:srgbClr val="ffffff"/>
                     </a:solidFill>
                   </a:tcPr>
                 </a:tc>
